--- a/ResourceFiles/Mystic Spice Premium Chai Market Analysis Presentation.pptx
+++ b/ResourceFiles/Mystic Spice Premium Chai Market Analysis Presentation.pptx
@@ -524,7 +524,7 @@
                 <a:ea typeface="Aptos"/>
                 <a:cs typeface="Aptos"/>
               </a:rPr>
-              <a:t>Cette présentation a été générée automatiquement par PowerPoint Copilot en fonction du contenu trouvé dans ce document :</a:t>
+              <a:t>Cette présentation a été générée automatiquement par PowerPoint Copilot sur la base du contenu trouvé dans ce document :</a:t>
             </a:r>
             <a:r>
               <a:rPr sz="1200"/>
@@ -568,7 +568,7 @@
                 <a:ea typeface="Aptos"/>
                 <a:cs typeface="Aptos"/>
               </a:rPr>
-              <a:t>contenu généré par l’IA peut être incorrect.</a:t>
+              <a:t>Le contenu généré par l’IA peut être incorrect.</a:t>
             </a:r>
           </a:p>
         </p:txBody>
@@ -661,7 +661,7 @@
                 <a:ea typeface="Aptos"/>
                 <a:cs typeface="Aptos"/>
               </a:rPr>
-              <a:t>流通業者は、チャイ ティー製品を代理して流通し、その移動と販売を促進し、マーケティング、販売、アフター サービスを提供します。</a:t>
+              <a:t>Les distributeurs représentent et distribuent les produits à base de thé chaï, facilitent leur circulation et leur vente et offrent des services de marketing, de vente et d’après-vente.</a:t>
             </a:r>
             <a:r>
               <a:rPr lang="fr-FR" sz="1200" b="0" i="0" strike="noStrike" cap="none" baseline="0">
@@ -685,7 +685,7 @@
                 <a:ea typeface="Aptos"/>
                 <a:cs typeface="Aptos"/>
               </a:rPr>
-              <a:t>彼らは小売業者や消費者との関係を確立および維持し、技術的および物流的なサポートを提供します。</a:t>
+              <a:t>Ils établissent et entretiennent des relations avec les détaillants et les consommateurs, et fournissent un support technique et logistique.</a:t>
             </a:r>
             <a:r>
               <a:rPr lang="fr-FR" sz="1200" b="0" i="0" strike="noStrike" cap="none" baseline="0">
@@ -736,7 +736,7 @@
                 <a:ea typeface="Aptos"/>
                 <a:cs typeface="Aptos"/>
               </a:rPr>
-              <a:t>Contenu original :</a:t>
+              <a:t>Contenu d’origine :</a:t>
             </a:r>
             <a:r>
               <a:rPr sz="1200"/>
@@ -753,7 +753,7 @@
                 <a:ea typeface="Aptos"/>
                 <a:cs typeface="Aptos"/>
               </a:rPr>
-              <a:t>Les distributeurs sont les entreprises qui représentent et distribuent des produits de thé Chai au nom des fabricants ou des grossistes.</a:t>
+              <a:t>Les distributeurs sont des entreprises qui représentent et distribuent le thé chaï au nom des fabricants ou des grossistes.</a:t>
             </a:r>
             <a:r>
               <a:rPr lang="fr-FR" sz="1200" b="0" i="0" strike="noStrike" cap="none" baseline="0">
@@ -777,7 +777,7 @@
                 <a:ea typeface="Aptos"/>
                 <a:cs typeface="Aptos"/>
               </a:rPr>
-              <a:t>流通業者は、さまざまな市場や地域でチャイ ティー製品の移動と販売を促進する代理店であり、チャイ ティー製品のマーケティング、販売、アフター サービスを提供できます。</a:t>
+              <a:t>Les distributeurs sont des agents qui facilitent la circulation et la vente du thé chaï sur les différents marchés et dans les différentes régions et qui peuvent offrir des services de marketing, de vente et d’après-vente pour les produits à base de thé chaï.</a:t>
             </a:r>
             <a:r>
               <a:rPr lang="fr-FR" sz="1200" b="0" i="0" strike="noStrike" cap="none" baseline="0">
@@ -801,7 +801,7 @@
                 <a:ea typeface="Aptos"/>
                 <a:cs typeface="Aptos"/>
               </a:rPr>
-              <a:t>流通業者は、小売業者や消費者との関係を確立および維持し、チャイ ティー製品の技術的および物流的なサポートを提供することもできます。</a:t>
+              <a:t>Les distributeurs peuvent également établir et entretenir des relations avec les détaillants et les consommateurs, et fournir un support technique et logistique pour les produits à base de thé chaï.</a:t>
             </a:r>
             <a:r>
               <a:rPr lang="fr-FR" sz="1200" b="0" i="0" strike="noStrike" cap="none" baseline="0">
@@ -825,7 +825,12 @@
                 <a:ea typeface="Aptos"/>
                 <a:cs typeface="Aptos"/>
               </a:rPr>
-              <a:t>ラテン アメリカにおけるチャイ ティー製品の主要な流通業者には、Unilever、Nestle、Coca-Cola、PepsiCo などがあります。</a:t>
+              <a:t>Parmi les principaux distributeurs de thé chaï en Amérique latine figurent Unilever, Nestle, Coca-Cola et PepsiCo.</a:t>
+            </a:r>
+            <a:r>
+              <a:rPr sz="1200"/>
+              <a:t>
+</a:t>
             </a:r>
           </a:p>
         </p:txBody>
@@ -918,7 +923,7 @@
                 <a:ea typeface="Aptos"/>
                 <a:cs typeface="Aptos"/>
               </a:rPr>
-              <a:t>ラテン アメリカにおけるチャイのプロモーション計画と戦略は、チャイ ティーの認知度を高め、プレミアム製品として位置付け、試用と購入を奨励し、ロイヤルティを確立することを目的としています。</a:t>
+              <a:t>Le plan et la stratégie de promotion du thé chaï en Amérique latine visent à accroître la notoriété du produit, à le positionner comme un produit haut de gamme, à encourager l’essai et l’achat, et à fidéliser les consommateurs.</a:t>
             </a:r>
             <a:r>
               <a:rPr lang="fr-FR" sz="1200" b="0" i="0" strike="noStrike" cap="none" baseline="0">
@@ -942,7 +947,7 @@
                 <a:ea typeface="Aptos"/>
                 <a:cs typeface="Aptos"/>
               </a:rPr>
-              <a:t>戦術には、ブランド名とロゴの作成、Web サイトとソーシャル メディアでの存在感の確立、デジタル マーケティング キャンペーンの開始、無料サンプルの配布、イベントの開催、地元企業との提携などが含まれます。</a:t>
+              <a:t>Les tactiques comprennent la création d’un nom de marque et d’un logo, le développement d’un site web et d’une présence sur les réseaux sociaux, le lancement d’une campagne de marketing numérique, la distribution d’échantillons gratuits, l’organisation d’événements et l’établissement de partenariats avec des entreprises locales.</a:t>
             </a:r>
             <a:r>
               <a:rPr lang="fr-FR" sz="1200" b="0" i="0" strike="noStrike" cap="none" baseline="0">
@@ -966,7 +971,7 @@
                 <a:ea typeface="Aptos"/>
                 <a:cs typeface="Aptos"/>
               </a:rPr>
-              <a:t>Le plan sera mis en œuvre plus de 12 mois avec un budget de 100 000 $ et évalué à l’aide d’indicateurs de performance clés.</a:t>
+              <a:t>Le plan sera mis en œuvre sur une période de plus de 12 mois avec un budget de 100 000 $ et évalué à l’aide d’indicateurs de performance clés.</a:t>
             </a:r>
             <a:r>
               <a:rPr sz="1200"/>
@@ -993,7 +998,7 @@
                 <a:ea typeface="Aptos"/>
                 <a:cs typeface="Aptos"/>
               </a:rPr>
-              <a:t>Contenu original :</a:t>
+              <a:t>Contenu d’origine :</a:t>
             </a:r>
             <a:r>
               <a:rPr sz="1200"/>
@@ -1027,7 +1032,7 @@
                 <a:ea typeface="Aptos"/>
                 <a:cs typeface="Aptos"/>
               </a:rPr>
-              <a:t>Le plan de promotion et la stratégie pour le thé Chai en Amérique latine vise à atteindre les objectifs suivants :</a:t>
+              <a:t>Le plan de promotion et la stratégie pour le thé chaï en Amérique latine vise à atteindre les objectifs suivants :</a:t>
             </a:r>
             <a:r>
               <a:rPr sz="1200"/>
@@ -1044,7 +1049,7 @@
                 <a:ea typeface="Aptos"/>
                 <a:cs typeface="Aptos"/>
               </a:rPr>
-              <a:t>·         Accroître la sensibilisation et l’intérêt dans le thé Chai parmi le public</a:t>
+              <a:t>·Accroître la prise de conscience et l’intérêt pour le thé chaï parmi le public cible</a:t>
             </a:r>
             <a:r>
               <a:rPr sz="1200"/>
@@ -1061,7 +1066,7 @@
                 <a:ea typeface="Aptos"/>
                 <a:cs typeface="Aptos"/>
               </a:rPr>
-              <a:t> cible·         Positionner le thé Chai comme un produit premium, naturel et sain qui offre une expérience</a:t>
+              <a:t> Positionner le thé chaï comme un produit de haute qualité, naturel et sain qui offre une expérience unique et satisfaisante</a:t>
             </a:r>
             <a:r>
               <a:rPr sz="1200"/>
@@ -1078,7 +1083,7 @@
                 <a:ea typeface="Aptos"/>
                 <a:cs typeface="Aptos"/>
               </a:rPr>
-              <a:t> unique et satisfaisante·         Encourager l’essai et l’achat de thé Chai par le biais de différents canaux et incentives</a:t>
+              <a:t> Encourager l’essai et l’achat de thé chaï par le biais de différents canaux et incitations</a:t>
             </a:r>
             <a:r>
               <a:rPr sz="1200"/>
@@ -1095,7 +1100,7 @@
                 <a:ea typeface="Aptos"/>
                 <a:cs typeface="Aptos"/>
               </a:rPr>
-              <a:t>·         Renforcer la fidélité et la rétention entre les consommateurs de thé Chai grâce à l’engagement et aux commentaires</a:t>
+              <a:t>·Renforcer la fidélité et la fidélisation entre les consommateurs de thé chaï par le biais de l’engagement et des commentaires</a:t>
             </a:r>
             <a:r>
               <a:rPr sz="1200"/>
@@ -1112,7 +1117,7 @@
                 <a:ea typeface="Aptos"/>
                 <a:cs typeface="Aptos"/>
               </a:rPr>
-              <a:t>Le plan de promotion et la stratégie pour le thé Chai en Amérique latine utilisera une combinaison de tactiques, telles que :</a:t>
+              <a:t>Le plan de promotion et la stratégie pour le thé chaï en Amérique latine utilisera une combinaison de tactiques, telles que :</a:t>
             </a:r>
             <a:r>
               <a:rPr sz="1200"/>
@@ -1129,7 +1134,7 @@
                 <a:ea typeface="Aptos"/>
                 <a:cs typeface="Aptos"/>
               </a:rPr>
-              <a:t>·         Création d’un nom et d’un logo de marque catchy et mémorable pour le thé</a:t>
+              <a:t>·Création d’un nom et d’un logo de marque attrayant et inoubliable pour le thé chaï</a:t>
             </a:r>
             <a:r>
               <a:rPr sz="1200"/>
@@ -1146,7 +1151,7 @@
                 <a:ea typeface="Aptos"/>
                 <a:cs typeface="Aptos"/>
               </a:rPr>
-              <a:t> Chai·         Développement d’un site web et d’une présence de médias sociaux pour le thé Chai qui présente ses avantages, fonctionnalités et histoires</a:t>
+              <a:t> Développement d’un site web et d’une présence sur les réseaux sociaux pour le thé chaï qui présente ses avantages, fonctionnalités et histoires</a:t>
             </a:r>
             <a:r>
               <a:rPr sz="1200"/>
@@ -1163,7 +1168,7 @@
                 <a:ea typeface="Aptos"/>
                 <a:cs typeface="Aptos"/>
               </a:rPr>
-              <a:t>·         Lancement d’une campagne marketing numérique qui utilise seo, SEM, marketing par e-mail et marketing d’influenceurs pour atteindre et attirer des clients</a:t>
+              <a:t>·Lancement d’une campagne marketing numérique qui utilise le marketing SEO, SEM, par e-mail et influenceurs pour atteindre et attirer des clients potentiels</a:t>
             </a:r>
             <a:r>
               <a:rPr sz="1200"/>
@@ -1180,7 +1185,7 @@
                 <a:ea typeface="Aptos"/>
                 <a:cs typeface="Aptos"/>
               </a:rPr>
-              <a:t> potentiels·         Distribution d’échantillons gratuits et de coupons de thé Chai dans des emplacements stratégiques, tels que les supermarchés, les cafés et les magasins</a:t>
+              <a:t> Distribution d’échantillons gratuits et de coupons de thé chaï sur des sites stratégiques, tels que les supermarchés, les cafés et les magasins de produits naturels</a:t>
             </a:r>
             <a:r>
               <a:rPr sz="1200"/>
@@ -1197,7 +1202,7 @@
                 <a:ea typeface="Aptos"/>
                 <a:cs typeface="Aptos"/>
               </a:rPr>
-              <a:t> de santé·         Organisation d’événements et de concours qui invitent les gens à essayer et partager le thé Chai avec leurs amis et leur famille</a:t>
+              <a:t> Organisation d’événements et de concours qui invitent les gens à essayer et partager le thé chaï avec leurs amis et leur famille</a:t>
             </a:r>
             <a:r>
               <a:rPr sz="1200"/>
@@ -1214,7 +1219,7 @@
                 <a:ea typeface="Aptos"/>
                 <a:cs typeface="Aptos"/>
               </a:rPr>
-              <a:t>·         En partenariat avec les entreprises et organisations locales qui partagent les mêmes valeurs et vision que le thé</a:t>
+              <a:t>·Partenariat avec des entreprises et organisations locales qui partagent les mêmes valeurs et vision que le thé chaï</a:t>
             </a:r>
             <a:r>
               <a:rPr sz="1200"/>
@@ -1231,7 +1236,7 @@
                 <a:ea typeface="Aptos"/>
                 <a:cs typeface="Aptos"/>
               </a:rPr>
-              <a:t>Chai, le plan de promotion et la stratégie pour le thé Chai en Amérique latine seront mis en œuvre sur une période de 12 mois, avec un budget de 100 000 $.</a:t>
+              <a:t>Le plan de promotion et la stratégie pour le thé chaï en Amérique latine seront mis en œuvre sur une période de plus de 12 mois, avec un budget de 100 000 $.</a:t>
             </a:r>
             <a:r>
               <a:rPr lang="fr-FR" sz="1200" b="0" i="0" strike="noStrike" cap="none" baseline="0">
@@ -1255,7 +1260,12 @@
                 <a:ea typeface="Aptos"/>
                 <a:cs typeface="Aptos"/>
               </a:rPr>
-              <a:t>この計画は、Web サイトのトラフィック、ソーシャル メディアのエンゲージメント、電子メール開封率、コンバージョン率、販売量、顧客満足度、維持率などの主要業績評価指標を使用して監視および評価されます。</a:t>
+              <a:t>Le plan sera contrôlé et évalué à l’aide d’indicateurs de performance clés, tels que le trafic sur le site web, l’engagement sur les réseaux sociaux, les taux d’ouverture des e-mails, les taux de conversion, le volume des ventes, la satisfaction des clients et les taux de fidélisation.</a:t>
+            </a:r>
+            <a:r>
+              <a:rPr sz="1200"/>
+              <a:t>
+</a:t>
             </a:r>
           </a:p>
         </p:txBody>
@@ -1348,7 +1358,7 @@
                 <a:ea typeface="Aptos"/>
                 <a:cs typeface="Aptos"/>
               </a:rPr>
-              <a:t>Le plan de promotion et la stratégie pour le thé Chai en Amérique latine devrait entraîner une augmentation de 20 % de la sensibilisation et de l’intérêt, une augmentation de 10 % de la part de marché, une augmentation de 15 % du volume de ventes et des revenus, et une augmentation de 25 % des taux de satisfaction et de rétention des clients.</a:t>
+              <a:t>Le plan de promotion et la stratégie pour le thé chaï en Amérique latine devrait entraîner une augmentation de 20 % de la prise de conscience et de l’intérêt, une augmentation de 10 % de la part de marché, une augmentation de 15 % du volume de ventes et des revenus, et une augmentation de 25 % des taux de satisfaction et de fidélisation des clients.</a:t>
             </a:r>
             <a:r>
               <a:rPr sz="1200"/>
@@ -1375,7 +1385,7 @@
                 <a:ea typeface="Aptos"/>
                 <a:cs typeface="Aptos"/>
               </a:rPr>
-              <a:t>Contenu original :</a:t>
+              <a:t>Contenu d’origine :</a:t>
             </a:r>
             <a:r>
               <a:rPr sz="1200"/>
@@ -1409,7 +1419,7 @@
                 <a:ea typeface="Aptos"/>
                 <a:cs typeface="Aptos"/>
               </a:rPr>
-              <a:t>Les résultats attendus du plan de promotion et de la stratégie pour le thé Chai en Amérique latine sont les suivants :</a:t>
+              <a:t>Les résultats attendus du plan de promotion et de la stratégie pour le thé chaï en Amérique latine sont les suivants :</a:t>
             </a:r>
             <a:r>
               <a:rPr sz="1200"/>
@@ -1426,7 +1436,7 @@
                 <a:ea typeface="Aptos"/>
                 <a:cs typeface="Aptos"/>
               </a:rPr>
-              <a:t>·         Une augmentation de 20 % de la sensibilisation et de l’intérêt dans le thé Chai parmi le public</a:t>
+              <a:t>·Une augmentation de 20 % de la prise de conscience et de l’intérêt pour le thé chaï parmi le public cible</a:t>
             </a:r>
             <a:r>
               <a:rPr sz="1200"/>
@@ -1443,7 +1453,7 @@
                 <a:ea typeface="Aptos"/>
                 <a:cs typeface="Aptos"/>
               </a:rPr>
-              <a:t> cible·         Une augmentation de 10 % de la part de marché du thé Chai dans la région</a:t>
+              <a:t> Une augmentation de 10 % de la part de marché du thé chaï dans la région</a:t>
             </a:r>
             <a:r>
               <a:rPr sz="1200"/>
@@ -1460,7 +1470,7 @@
                 <a:ea typeface="Aptos"/>
                 <a:cs typeface="Aptos"/>
               </a:rPr>
-              <a:t>·         Une augmentation de 15 % du volume de ventes et du chiffre d’affaires du thé Chai dans la région</a:t>
+              <a:t>·Une augmentation de 15 % du volume des ventes et des revenus du thé chaï dans la région</a:t>
             </a:r>
             <a:r>
               <a:rPr sz="1200"/>
@@ -1477,7 +1487,7 @@
                 <a:ea typeface="Aptos"/>
                 <a:cs typeface="Aptos"/>
               </a:rPr>
-              <a:t>·         Une augmentation de 25 % des taux de satisfaction et de rétention des clients du thé Chai dans la région</a:t>
+              <a:t>·Une augmentation de 25 % des taux de satisfaction et de fidélisation des clients du thé chaï dans la région</a:t>
             </a:r>
             <a:r>
               <a:rPr sz="1200"/>
@@ -1575,7 +1585,7 @@
                 <a:ea typeface="Aptos"/>
                 <a:cs typeface="Aptos"/>
               </a:rPr>
-              <a:t>Le plan de promotion et la stratégie pour le thé Chai en Amérique latine font face à plusieurs défis, notamment le prix élevé, le manque de sensibilisation, la concurrence d’autres produits de thé, les obstacles réglementaires et culturels, ainsi que les questions environnementales et sociales susceptibles d’affecter l’approvisionnement et la qualité des ingrédients du thé Chai.</a:t>
+              <a:t>Le plan de promotion et la stratégie pour le thé chaï en Amérique latine font face à plusieurs défis, notamment le prix élevé, le manque de prise de conscience, la concurrence d’autres thés, les barrières réglementaires et culturelles, ainsi que les questions environnementales et sociales susceptibles d’affecter l’approvisionnement et la qualité des ingrédients du thé chaï.</a:t>
             </a:r>
             <a:r>
               <a:rPr sz="1200"/>
@@ -1602,7 +1612,7 @@
                 <a:ea typeface="Aptos"/>
                 <a:cs typeface="Aptos"/>
               </a:rPr>
-              <a:t>Contenu original :</a:t>
+              <a:t>Contenu d’origine :</a:t>
             </a:r>
             <a:r>
               <a:rPr sz="1200"/>
@@ -1619,7 +1629,7 @@
                 <a:ea typeface="Aptos"/>
                 <a:cs typeface="Aptos"/>
               </a:rPr>
-              <a:t>Les défis potentiels du plan de promotion et de la stratégie pour le thé Chai en Amérique latine sont :</a:t>
+              <a:t>Les défis potentiels du plan de promotion et de la stratégie pour le thé chaï en Amérique latine sont :</a:t>
             </a:r>
             <a:r>
               <a:rPr sz="1200"/>
@@ -1636,7 +1646,7 @@
                 <a:ea typeface="Aptos"/>
                 <a:cs typeface="Aptos"/>
               </a:rPr>
-              <a:t>·         Le prix élevé et la faible accessibilité des produits de thé Chai par rapport à d’autres boissons</a:t>
+              <a:t>·Le prix élevé et la faible accessibilité du thé chaï par rapport à d’autres boissons</a:t>
             </a:r>
             <a:r>
               <a:rPr sz="1200"/>
@@ -1653,7 +1663,7 @@
                 <a:ea typeface="Aptos"/>
                 <a:cs typeface="Aptos"/>
               </a:rPr>
-              <a:t>·         Le manque de sensibilisation et de familiarité avec le thé Chai parmi certains segments de la population</a:t>
+              <a:t>·Le manque de prise de conscience et de connaissance sur le thé chaï dans certains segments de la population</a:t>
             </a:r>
             <a:r>
               <a:rPr sz="1200"/>
@@ -1670,7 +1680,7 @@
                 <a:ea typeface="Aptos"/>
                 <a:cs typeface="Aptos"/>
               </a:rPr>
-              <a:t>·         La concurrence d’autres produits de thé, tels que les plantes, le vert et les thés noirs</a:t>
+              <a:t>·La concurrence d’autres thés, tels que les plantes, les thés verts et noirs</a:t>
             </a:r>
             <a:r>
               <a:rPr sz="1200"/>
@@ -1687,7 +1697,7 @@
                 <a:ea typeface="Aptos"/>
                 <a:cs typeface="Aptos"/>
               </a:rPr>
-              <a:t>·         Les barrières réglementaires et culturelles qui peuvent limiter l’entrée et l’expansion des produits de thé Chai dans certains pays</a:t>
+              <a:t>·Les barrières réglementaires et culturelles qui peuvent limiter l’entrée et l’expansion du thé chaï dans certains pays</a:t>
             </a:r>
             <a:r>
               <a:rPr sz="1200"/>
@@ -1704,7 +1714,7 @@
                 <a:ea typeface="Aptos"/>
                 <a:cs typeface="Aptos"/>
               </a:rPr>
-              <a:t>·         Les problèmes environnementaux et sociaux qui peuvent affecter l’approvisionnement et la qualité des ingrédients du thé Chai</a:t>
+              <a:t>·Les problèmes environnementaux et sociaux qui peuvent affecter l’approvisionnement et la qualité des ingrédients du thé chaï</a:t>
             </a:r>
             <a:r>
               <a:rPr sz="1200"/>
@@ -1802,7 +1812,7 @@
                 <a:ea typeface="Aptos"/>
                 <a:cs typeface="Aptos"/>
               </a:rPr>
-              <a:t>チャイ ティーはラテン アメリカ市場で有望な製品であり、健康的でエキゾチックな代替品を提供します。</a:t>
+              <a:t>Le thé chaï est un produit prometteur sur le marché latino-américain, offrant une alternative saine et exotique.</a:t>
             </a:r>
             <a:r>
               <a:rPr lang="fr-FR" sz="1200" b="0" i="0" strike="noStrike" cap="none" baseline="0">
@@ -1826,7 +1836,7 @@
                 <a:ea typeface="Aptos"/>
                 <a:cs typeface="Aptos"/>
               </a:rPr>
-              <a:t>独自の機能と利点を活用して、プレミアムで多用途の製品として位置付ける必要があります。</a:t>
+              <a:t>Il doit être positionné comme un produit haut de gamme et polyvalent, bénéficiant de caractéristiques et d’avantages uniques.</a:t>
             </a:r>
             <a:r>
               <a:rPr lang="fr-FR" sz="1200" b="0" i="0" strike="noStrike" cap="none" baseline="0">
@@ -1877,7 +1887,7 @@
                 <a:ea typeface="Aptos"/>
                 <a:cs typeface="Aptos"/>
               </a:rPr>
-              <a:t>Contenu original :</a:t>
+              <a:t>Contenu d’origine :</a:t>
             </a:r>
             <a:r>
               <a:rPr sz="1200"/>
@@ -1894,7 +1904,7 @@
                 <a:ea typeface="Aptos"/>
                 <a:cs typeface="Aptos"/>
               </a:rPr>
-              <a:t> Recommandations et conclusions</a:t>
+              <a:t>Recommandations et conclusions</a:t>
             </a:r>
             <a:r>
               <a:rPr sz="1200"/>
@@ -1911,7 +1921,7 @@
                 <a:ea typeface="Aptos"/>
                 <a:cs typeface="Aptos"/>
               </a:rPr>
-              <a:t>basées sur l’analyse du marché, l’analyse concurrentielle, les canaux de distribution et le plan de promotion et la stratégie, les recommandations et conclusions suivantes peuvent être tirées pour l’avenir du thé Chai en Amérique latine :</a:t>
+              <a:t>Basées sur l’analyse du marché, l’analyse concurrentielle, les canaux de distribution et le plan de promotion et la stratégie, les recommandations et conclusions suivantes peuvent être tirées pour l’avenir du thé chaï en Amérique latine :</a:t>
             </a:r>
             <a:r>
               <a:rPr sz="1200"/>
@@ -1928,7 +1938,7 @@
                 <a:ea typeface="Aptos"/>
                 <a:cs typeface="Aptos"/>
               </a:rPr>
-              <a:t>·         Le thé Chai est un produit prometteur qui a un potentiel de croissance et de réussite sur le marché latino-américain, car il offre une alternative saine, naturelle et exotique à d’autres boissons</a:t>
+              <a:t>·Le thé chaï est un produit prometteur qui a un potentiel de croissance et de réussite sur le marché latino-américain, car il offre une alternative saine, naturelle et exotique à d’autres boissons</a:t>
             </a:r>
             <a:r>
               <a:rPr sz="1200"/>
@@ -1945,7 +1955,7 @@
                 <a:ea typeface="Aptos"/>
                 <a:cs typeface="Aptos"/>
               </a:rPr>
-              <a:t>·         Le thé Chai doit être positionné et commercialisé comme un produit premium, authentique et polyvalent qui peut faire appel à différents segments et occasions</a:t>
+              <a:t>·Le thé chaï doit être positionné et commercialisé comme un produit de haute qualité, authentique et polyvalent qui peut séduire différents segments et pour diverses occasions</a:t>
             </a:r>
             <a:r>
               <a:rPr sz="1200"/>
@@ -1962,7 +1972,7 @@
                 <a:ea typeface="Aptos"/>
                 <a:cs typeface="Aptos"/>
               </a:rPr>
-              <a:t>·         Le thé Chai doit tirer parti de ses caractéristiques et avantages uniques, tels que son arôme riche, sa saveur et ses bienfaits pour la santé, pour se différencier d’autres produits</a:t>
+              <a:t>·Le thé Chai doit tirer parti de ses caractéristiques et avantages uniques, tels que son arôme riche, sa saveur et ses bienfaits pour la santé, pour se différencier d’autres thés</a:t>
             </a:r>
             <a:r>
               <a:rPr sz="1200"/>
@@ -1979,7 +1989,7 @@
                 <a:ea typeface="Aptos"/>
                 <a:cs typeface="Aptos"/>
               </a:rPr>
-              <a:t> de thé·         Le thé Chai doit utiliser un mélange de tactiques en ligne et hors connexion pour atteindre et interagir avec le public cible, et créer une clientèle</a:t>
+              <a:t> Le thé chaï doit utiliser un mélange de tactiques en ligne et hors connexion pour atteindre et interagir avec le public cible, et développer une clientèle fidèle et satisfaite</a:t>
             </a:r>
             <a:r>
               <a:rPr sz="1200"/>
@@ -1996,7 +2006,7 @@
                 <a:ea typeface="Aptos"/>
                 <a:cs typeface="Aptos"/>
               </a:rPr>
-              <a:t> fidèle et satisfaite·         Le thé Chai doit surmonter les défis et les menaces qui peuvent entraver sa croissance et son expansion dans la région, comme le prix, la sensibilisation, la concurrence, la réglementation et la durabilité</a:t>
+              <a:t>·Le thé chaï doit surmonter les défis et les menaces qui peuvent entraver sa croissance et son expansion dans la région, comme le prix, la prise de conscience, la concurrence, la réglementation et la durabilité</a:t>
             </a:r>
             <a:r>
               <a:rPr sz="1200"/>
@@ -2013,7 +2023,7 @@
                 <a:ea typeface="Aptos"/>
                 <a:cs typeface="Aptos"/>
               </a:rPr>
-              <a:t>En conclusion, le thé Chai est un produit qui a beaucoup de potentiel et d’opportunités dans le marché latino-américain, mais également face à certains défis et risques.</a:t>
+              <a:t>En conclusion, le thé chaï est un produit qui a beaucoup de potentiel et d’opportunités sur le marché latino-américain, mais qui fait également face à certains défis et risques.</a:t>
             </a:r>
             <a:r>
               <a:rPr lang="fr-FR" sz="1200" b="0" i="0" strike="noStrike" cap="none" baseline="0">
@@ -2037,7 +2047,7 @@
                 <a:ea typeface="Aptos"/>
                 <a:cs typeface="Aptos"/>
               </a:rPr>
-              <a:t>このレポートで概説されたプロモーション計画と戦略は、これらの問題に対処し、望ましい結果を達成することを目的としています。</a:t>
+              <a:t>Le plan et la stratégie de promotion décrits dans le présent rapport visent à résoudre ces problèmes et à atteindre les résultats souhaités.</a:t>
             </a:r>
             <a:r>
               <a:rPr lang="fr-FR" sz="1200" b="0" i="0" strike="noStrike" cap="none" baseline="0">
@@ -2061,7 +2071,12 @@
                 <a:ea typeface="Aptos"/>
                 <a:cs typeface="Aptos"/>
               </a:rPr>
-              <a:t>ただし、プロモーション計画と戦略は、市場の状況の変化や顧客からのフィードバックに応じて常に監視、評価、調整する必要があります。</a:t>
+              <a:t>Le plan de promotion et la stratégie doivent toutefois être constamment contrôlés, évalués et ajustés, en fonction de l’évolution des conditions du marché et des commentaires des clients.</a:t>
+            </a:r>
+            <a:r>
+              <a:rPr sz="1200"/>
+              <a:t>
+</a:t>
             </a:r>
           </a:p>
         </p:txBody>
@@ -2193,7 +2208,7 @@
                 <a:ea typeface="Aptos"/>
                 <a:cs typeface="Aptos"/>
               </a:rPr>
-              <a:t>* Description du produit* Description</a:t>
+              <a:t>* Description du produit</a:t>
             </a:r>
             <a:r>
               <a:rPr sz="1200"/>
@@ -2210,7 +2225,7 @@
                 <a:ea typeface="Aptos"/>
                 <a:cs typeface="Aptos"/>
               </a:rPr>
-              <a:t> du produit (1/2)</a:t>
+              <a:t>* Description du produit (1/2)</a:t>
             </a:r>
             <a:r>
               <a:rPr sz="1200"/>
@@ -2244,7 +2259,7 @@
                 <a:ea typeface="Aptos"/>
                 <a:cs typeface="Aptos"/>
               </a:rPr>
-              <a:t>* Market Trend and Demand</a:t>
+              <a:t>* Tendance du marché et demande</a:t>
             </a:r>
             <a:r>
               <a:rPr sz="1200"/>
@@ -2261,7 +2276,7 @@
                 <a:ea typeface="Aptos"/>
                 <a:cs typeface="Aptos"/>
               </a:rPr>
-              <a:t>* Competitive Analysis</a:t>
+              <a:t>* Analyse concurrentielle</a:t>
             </a:r>
             <a:r>
               <a:rPr sz="1200"/>
@@ -2329,7 +2344,7 @@
                 <a:ea typeface="Aptos"/>
                 <a:cs typeface="Aptos"/>
               </a:rPr>
-              <a:t> * Local Brands</a:t>
+              <a:t> * Marques locales</a:t>
             </a:r>
             <a:r>
               <a:rPr sz="1200"/>
@@ -2346,7 +2361,7 @@
                 <a:ea typeface="Aptos"/>
                 <a:cs typeface="Aptos"/>
               </a:rPr>
-              <a:t>* Market Share of Chai Tea in Latin America</a:t>
+              <a:t>* Part de marché du thé chaï en Amérique latine</a:t>
             </a:r>
             <a:r>
               <a:rPr sz="1200"/>
@@ -2363,7 +2378,7 @@
                 <a:ea typeface="Aptos"/>
                 <a:cs typeface="Aptos"/>
               </a:rPr>
-              <a:t>* Canaux</a:t>
+              <a:t>* Canaux de distribution</a:t>
             </a:r>
             <a:r>
               <a:rPr sz="1200"/>
@@ -2380,7 +2395,7 @@
                 <a:ea typeface="Aptos"/>
                 <a:cs typeface="Aptos"/>
               </a:rPr>
-              <a:t> de distribution * Revendeurs * Distributeurs</a:t>
+              <a:t> * Revendeurs</a:t>
             </a:r>
             <a:r>
               <a:rPr sz="1200"/>
@@ -2388,11 +2403,35 @@
 </a:t>
             </a:r>
             <a:r>
+              <a:rPr lang="fr-FR" sz="1200" b="0" i="0" strike="noStrike" cap="none" baseline="0">
+                <a:solidFill>
+                  <a:srgbClr val="000000"/>
+                </a:solidFill>
+                <a:effectLst/>
+                <a:latin typeface="Aptos"/>
+                <a:ea typeface="Aptos"/>
+                <a:cs typeface="Aptos"/>
+              </a:rPr>
+              <a:t> * Grossistes</a:t>
+            </a:r>
+            <a:r>
               <a:rPr sz="1200"/>
               <a:t>
 </a:t>
             </a:r>
             <a:r>
+              <a:rPr lang="fr-FR" sz="1200" b="0" i="0" strike="noStrike" cap="none" baseline="0">
+                <a:solidFill>
+                  <a:srgbClr val="000000"/>
+                </a:solidFill>
+                <a:effectLst/>
+                <a:latin typeface="Aptos"/>
+                <a:ea typeface="Aptos"/>
+                <a:cs typeface="Aptos"/>
+              </a:rPr>
+              <a:t> * Distributeurs</a:t>
+            </a:r>
+            <a:r>
               <a:rPr sz="1200"/>
               <a:t>
 </a:t>
@@ -2407,7 +2446,7 @@
                 <a:ea typeface="Aptos"/>
                 <a:cs typeface="Aptos"/>
               </a:rPr>
-              <a:t> * Plan de promotion * Résultats</a:t>
+              <a:t>* Plan de promotion et stratégie</a:t>
             </a:r>
             <a:r>
               <a:rPr sz="1200"/>
@@ -2424,7 +2463,7 @@
                 <a:ea typeface="Aptos"/>
                 <a:cs typeface="Aptos"/>
               </a:rPr>
-              <a:t> attendus * Défis</a:t>
+              <a:t>* Résultats attendus et défis</a:t>
             </a:r>
             <a:r>
               <a:rPr sz="1200"/>
@@ -2441,7 +2480,7 @@
                 <a:ea typeface="Aptos"/>
                 <a:cs typeface="Aptos"/>
               </a:rPr>
-              <a:t> * Résultats attendus * Résultats attendus * Résultats attendus</a:t>
+              <a:t> * Résultats attendus</a:t>
             </a:r>
             <a:r>
               <a:rPr sz="1200"/>
@@ -2573,7 +2612,7 @@
                 <a:ea typeface="Aptos"/>
                 <a:cs typeface="Aptos"/>
               </a:rPr>
-              <a:t>このレポートは、ラテン アメリカ地域における Mystic Spice Premium Chai Tea の市場分析を提供します。</a:t>
+              <a:t>Ce rapport fournit une analyse de marché du thé chaï Mystic Spice Premium en Amérique latine.</a:t>
             </a:r>
             <a:r>
               <a:rPr lang="fr-FR" sz="1200" b="0" i="0" strike="noStrike" cap="none" baseline="0">
@@ -2597,7 +2636,7 @@
                 <a:ea typeface="Aptos"/>
                 <a:cs typeface="Aptos"/>
               </a:rPr>
-              <a:t>Il couvre la description du produit, la tendance du marché, l’analyse concurrentielle, les canaux de distribution, le plan de promotion, les résultats attendus et les recommandations pour l’avenir.</a:t>
+              <a:t>Elle traite de la description du produit, de la tendance du marché, de l’analyse concurrentielle, des canaux de distribution, du plan de promotion, des résultats attendus et des recommandations pour l’avenir.</a:t>
             </a:r>
             <a:r>
               <a:rPr sz="1200"/>
@@ -2624,7 +2663,7 @@
                 <a:ea typeface="Aptos"/>
                 <a:cs typeface="Aptos"/>
               </a:rPr>
-              <a:t>Contenu original :</a:t>
+              <a:t>Contenu d’origine :</a:t>
             </a:r>
             <a:r>
               <a:rPr sz="1200"/>
@@ -2641,7 +2680,7 @@
                 <a:ea typeface="Aptos"/>
                 <a:cs typeface="Aptos"/>
               </a:rPr>
-              <a:t>Introductions Mystic</a:t>
+              <a:t>Introductions</a:t>
             </a:r>
             <a:r>
               <a:rPr sz="1200"/>
@@ -2658,7 +2697,7 @@
                 <a:ea typeface="Aptos"/>
                 <a:cs typeface="Aptos"/>
               </a:rPr>
-              <a:t>Spice Premium Chai Tea est un nouveau produit lancé par Contoso Beverage, une entreprise spécialisée dans la production et la distribution de boissons de haute qualité dans le monde entier.</a:t>
+              <a:t>Le thé chaï Mystic Spice Premium est nouveau produit lancé par Contoso Beverage, une entreprise spécialisée dans la production et la distribution de boissons de qualité supérieure dans le monde entier.</a:t>
             </a:r>
             <a:r>
               <a:rPr lang="fr-FR" sz="1200" b="0" i="0" strike="noStrike" cap="none" baseline="0">
@@ -2682,7 +2721,7 @@
                 <a:ea typeface="Aptos"/>
                 <a:cs typeface="Aptos"/>
               </a:rPr>
-              <a:t>Mystic Spice Premium Chai Tea は、インド発祥で世界中で人気のスパイス入りティー ドリンクです。</a:t>
+              <a:t>Le thé chaï Mystic Spice Premium est une boisson à base de thé épicé originaire d’Inde, devenue populaire dans le monde entier.</a:t>
             </a:r>
             <a:r>
               <a:rPr lang="fr-FR" sz="1200" b="0" i="0" strike="noStrike" cap="none" baseline="0">
@@ -2706,7 +2745,7 @@
                 <a:ea typeface="Aptos"/>
                 <a:cs typeface="Aptos"/>
               </a:rPr>
-              <a:t>温かくても冷たくても、ミルクの有無にかかわらず、さまざまなスパイスや甘味料と一緒に楽しめる多用途の飲み物です。</a:t>
+              <a:t>Il s’agit d’une boisson polyvalente, qui peut être dégustée chaude ou froide, avec ou sans lait, avec différentes épices et édulcorants.</a:t>
             </a:r>
             <a:r>
               <a:rPr lang="fr-FR" sz="1200" b="0" i="0" strike="noStrike" cap="none" baseline="0">
@@ -2730,7 +2769,7 @@
                 <a:ea typeface="Aptos"/>
                 <a:cs typeface="Aptos"/>
               </a:rPr>
-              <a:t>チャイ ティーには、免疫力の向上、炎症の軽減、消化の改善など、多くの健康上の利点があります。</a:t>
+              <a:t>Le thé chaï a de nombreux effets bénéfiques sur la santé, comme le renforcement de l’immunité, la réduction de l’inflammation et l’amélioration de la digestion.</a:t>
             </a:r>
             <a:r>
               <a:rPr lang="fr-FR" sz="1200" b="0" i="0" strike="noStrike" cap="none" baseline="0">
@@ -2754,43 +2793,7 @@
                 <a:ea typeface="Aptos"/>
                 <a:cs typeface="Aptos"/>
               </a:rPr>
-              <a:t>また、もてなし、友情、リラクゼーションと関連付けられることが多いため、文化的、歴史的にも豊かな重要性があります。</a:t>
-            </a:r>
-            <a:r>
-              <a:rPr lang="fr-FR" sz="1200" b="0" i="0" strike="noStrike" cap="none" baseline="0">
-                <a:solidFill>
-                  <a:srgbClr val="000000"/>
-                </a:solidFill>
-                <a:effectLst/>
-                <a:latin typeface="Aptos"/>
-                <a:ea typeface="Aptos"/>
-                <a:cs typeface="Aptos"/>
-              </a:rPr>
-              <a:t>このレポートの目的は、ラテン アメリカ地域に焦点を当てた、Mystic Spice Premium Chai Tea の市場分析を提供することです。</a:t>
-            </a:r>
-            <a:r>
-              <a:rPr lang="fr-FR" sz="1200" b="0" i="0" strike="noStrike" cap="none" baseline="0">
-                <a:solidFill>
-                  <a:srgbClr val="000000"/>
-                </a:solidFill>
-                <a:effectLst/>
-                <a:latin typeface="Aptos"/>
-                <a:ea typeface="Aptos"/>
-                <a:cs typeface="Aptos"/>
-              </a:rPr>
-              <a:t> </a:t>
-            </a:r>
-            <a:r>
-              <a:rPr lang="fr-FR" sz="1200" b="0" i="0" strike="noStrike" cap="none" baseline="0">
-                <a:solidFill>
-                  <a:srgbClr val="000000"/>
-                </a:solidFill>
-                <a:effectLst/>
-                <a:latin typeface="Aptos"/>
-                <a:ea typeface="Aptos"/>
-                <a:cs typeface="Aptos"/>
-              </a:rPr>
-              <a:t>Le rapport couvre les aspects suivants :</a:t>
+              <a:t>Il a également une riche signification culturelle et historique, car il est souvent associé à l’hospitalité, à l’amitié et à la détente.</a:t>
             </a:r>
             <a:r>
               <a:rPr sz="1200"/>
@@ -2807,7 +2810,31 @@
                 <a:ea typeface="Aptos"/>
                 <a:cs typeface="Aptos"/>
               </a:rPr>
-              <a:t>·         Description du produit, caractéristiques et avantages de Mystic Spice Premium Chai Tea</a:t>
+              <a:t>Le but de ce rapport est de fournir une analyse de marché du thé chaï Mystic Spice Premium en Amérique latine.</a:t>
+            </a:r>
+            <a:r>
+              <a:rPr lang="fr-FR" sz="1200" b="0" i="0" strike="noStrike" cap="none" baseline="0">
+                <a:solidFill>
+                  <a:srgbClr val="000000"/>
+                </a:solidFill>
+                <a:effectLst/>
+                <a:latin typeface="Aptos"/>
+                <a:ea typeface="Aptos"/>
+                <a:cs typeface="Aptos"/>
+              </a:rPr>
+              <a:t> </a:t>
+            </a:r>
+            <a:r>
+              <a:rPr lang="fr-FR" sz="1200" b="0" i="0" strike="noStrike" cap="none" baseline="0">
+                <a:solidFill>
+                  <a:srgbClr val="000000"/>
+                </a:solidFill>
+                <a:effectLst/>
+                <a:latin typeface="Aptos"/>
+                <a:ea typeface="Aptos"/>
+                <a:cs typeface="Aptos"/>
+              </a:rPr>
+              <a:t>Le rapport traite des aspects suivante :</a:t>
             </a:r>
             <a:r>
               <a:rPr sz="1200"/>
@@ -2824,7 +2851,7 @@
                 <a:ea typeface="Aptos"/>
                 <a:cs typeface="Aptos"/>
               </a:rPr>
-              <a:t>·         La tendance du marché et la demande de thé Chai en Amérique</a:t>
+              <a:t>·La description du produit, des caractéristiques et des avantages du thé chaï Mystic Spice Premium</a:t>
             </a:r>
             <a:r>
               <a:rPr sz="1200"/>
@@ -2841,7 +2868,7 @@
                 <a:ea typeface="Aptos"/>
                 <a:cs typeface="Aptos"/>
               </a:rPr>
-              <a:t> latine·         L’analyse concurrentielle du thé Chai en Amérique</a:t>
+              <a:t>·La tendance du marché et la demande de thé chaï en Amérique latine</a:t>
             </a:r>
             <a:r>
               <a:rPr sz="1200"/>
@@ -2858,7 +2885,7 @@
                 <a:ea typeface="Aptos"/>
                 <a:cs typeface="Aptos"/>
               </a:rPr>
-              <a:t> latine·         Les canaux de distribution pour le thé Chai en Amérique</a:t>
+              <a:t> L’analyse concurrentielle du thé chaï en Amérique latine</a:t>
             </a:r>
             <a:r>
               <a:rPr sz="1200"/>
@@ -2875,7 +2902,7 @@
                 <a:ea typeface="Aptos"/>
                 <a:cs typeface="Aptos"/>
               </a:rPr>
-              <a:t> latine·         Le plan de promotion et la stratégie pour le thé Chai en Amérique</a:t>
+              <a:t> Les canaux de distribution pour le thé chaï en Amérique latine</a:t>
             </a:r>
             <a:r>
               <a:rPr sz="1200"/>
@@ -2892,7 +2919,7 @@
                 <a:ea typeface="Aptos"/>
                 <a:cs typeface="Aptos"/>
               </a:rPr>
-              <a:t> latine·         Les résultats attendus et les défis du plan</a:t>
+              <a:t> Le plan de promotion et la stratégie pour le thé chaï en Amérique latine</a:t>
             </a:r>
             <a:r>
               <a:rPr sz="1200"/>
@@ -2909,7 +2936,24 @@
                 <a:ea typeface="Aptos"/>
                 <a:cs typeface="Aptos"/>
               </a:rPr>
-              <a:t> de promotion·         Les recommandations et les conclusions relatives à l’avenir du thé Chai en Amérique latine</a:t>
+              <a:t> Les résultats attendus et les défis du plan de promotion</a:t>
+            </a:r>
+            <a:r>
+              <a:rPr sz="1200"/>
+              <a:t>
+</a:t>
+            </a:r>
+            <a:r>
+              <a:rPr lang="fr-FR" sz="1200" b="0" i="0" strike="noStrike" cap="none" baseline="0">
+                <a:solidFill>
+                  <a:srgbClr val="000000"/>
+                </a:solidFill>
+                <a:effectLst/>
+                <a:latin typeface="Aptos"/>
+                <a:ea typeface="Aptos"/>
+                <a:cs typeface="Aptos"/>
+              </a:rPr>
+              <a:t> Les recommandations et les conclusions relatives à l’avenir du thé chaï en Amérique latine</a:t>
             </a:r>
             <a:r>
               <a:rPr sz="1200"/>
@@ -3007,7 +3051,7 @@
                 <a:ea typeface="Aptos"/>
                 <a:cs typeface="Aptos"/>
               </a:rPr>
-              <a:t>Mystic Spice Premium Chai Tea は、インドのチャイの伝統を尊重して丁寧に作られたブレンドです。</a:t>
+              <a:t>Le thé chaï Mystic Spice Premium est un mélange soigneusement élaboré qui honore les traditions du chaï indien.</a:t>
             </a:r>
             <a:r>
               <a:rPr lang="fr-FR" sz="1200" b="0" i="0" strike="noStrike" cap="none" baseline="0">
@@ -3031,7 +3075,7 @@
                 <a:ea typeface="Aptos"/>
                 <a:cs typeface="Aptos"/>
               </a:rPr>
-              <a:t>Chaque tasse vous emmène dans un voyage à travers les paysages dynamiques de l’Inde, apportant une expérience authentique chai à votre maison.</a:t>
+              <a:t>Chaque tasse vous transporte dans les paysages époustouflants de l’Inde, pour une expérience authentique depuis chez vous.</a:t>
             </a:r>
             <a:r>
               <a:rPr sz="1200"/>
@@ -3058,7 +3102,7 @@
                 <a:ea typeface="Aptos"/>
                 <a:cs typeface="Aptos"/>
               </a:rPr>
-              <a:t>Contenu original :</a:t>
+              <a:t>Contenu d’origine :</a:t>
             </a:r>
             <a:r>
               <a:rPr sz="1200"/>
@@ -3075,7 +3119,7 @@
                 <a:ea typeface="Aptos"/>
                 <a:cs typeface="Aptos"/>
               </a:rPr>
-              <a:t>Description</a:t>
+              <a:t>Description du produit</a:t>
             </a:r>
             <a:r>
               <a:rPr sz="1200"/>
@@ -3092,7 +3136,7 @@
                 <a:ea typeface="Aptos"/>
                 <a:cs typeface="Aptos"/>
               </a:rPr>
-              <a:t>du produit Mystic Spice Premium Chai Tea est un mélange méticuleusement conçu qui rend hommage aux traditions intemporelles du chai indien.</a:t>
+              <a:t>Le thé chaï Mystic Spice Premium est un mélange méticuleusement élaboré qui rend hommage aux traditions intemporelles du chaï indien.</a:t>
             </a:r>
             <a:r>
               <a:rPr lang="fr-FR" sz="1200" b="0" i="0" strike="noStrike" cap="none" baseline="0">
@@ -3116,7 +3160,7 @@
                 <a:ea typeface="Aptos"/>
                 <a:cs typeface="Aptos"/>
               </a:rPr>
-              <a:t>各カップはインドの活気に満ちた風景を巡る魅惑的な旅を提供し、自宅で本格的なチャイ体験をお届けします。</a:t>
+              <a:t>Chaque tasse vous emmène dans un voyage enchanteur à travers les paysages vibrants de l’Inde, amenant directement chez vous cette expérience authentique du chaï.</a:t>
             </a:r>
             <a:r>
               <a:rPr lang="fr-FR" sz="1200" b="0" i="0" strike="noStrike" cap="none" baseline="0">
@@ -3140,7 +3184,12 @@
                 <a:ea typeface="Aptos"/>
                 <a:cs typeface="Aptos"/>
               </a:rPr>
-              <a:t>Mystic Spice Premium Chai Tea の製品説明、特徴、利点を以下の表にまとめます。</a:t>
+              <a:t>La description du produit, les caractéristiques et les avantages du thé chaï Mystic Spice Premium sont résumés dans le tableau suivant :</a:t>
+            </a:r>
+            <a:r>
+              <a:rPr sz="1200"/>
+              <a:t>
+</a:t>
             </a:r>
           </a:p>
         </p:txBody>
@@ -3419,7 +3468,7 @@
                 <a:ea typeface="Aptos"/>
                 <a:cs typeface="Aptos"/>
               </a:rPr>
-              <a:t>ラテン アメリカ市場は、健康的、自然的、そしてエキゾチックな製品に対する需要が高まっており、チャイ ティーにとって大きなチャンスをもたらしています。</a:t>
+              <a:t>Le marché latino-américain offre une grande opportunité pour le thé chaï, cette région étant en demande croissante de produits sains, naturels et exotiques.</a:t>
             </a:r>
             <a:r>
               <a:rPr lang="fr-FR" sz="1200" b="0" i="0" strike="noStrike" cap="none" baseline="0">
@@ -3443,7 +3492,7 @@
                 <a:ea typeface="Aptos"/>
                 <a:cs typeface="Aptos"/>
               </a:rPr>
-              <a:t>世界のチャイ ティー市場規模は 2019 年に 19 億米ドルと評価され、2020 年から 2027 年にかけて 5.5% の CAGR で成長すると予想されており、ラテン アメリカは最も急速に成長している地域の 1 つです。</a:t>
+              <a:t>La taille du marché mondial du thé chaï a été évaluée à 1,9 milliard de dollars USD en 2019 et devrait atteindre un TCAC (Taux de Croissance Annuel Composé) de 5,5 % de 2020 à 2027, l’Amérique latine étant l’une des régions à la croissance la plus rapide.</a:t>
             </a:r>
             <a:r>
               <a:rPr lang="fr-FR" sz="1200" b="0" i="0" strike="noStrike" cap="none" baseline="0">
@@ -3467,7 +3516,7 @@
                 <a:ea typeface="Aptos"/>
                 <a:cs typeface="Aptos"/>
               </a:rPr>
-              <a:t>Les principaux facteurs de croissance incluent l’augmentation de la sensibilisation, l’augmentation du revenu disponible et l’expansion de la distribution.</a:t>
+              <a:t>Les principaux moteurs de la croissance incluent la prise de conscience croissante, l’augmentation du revenu disponible et la distribution croissante.</a:t>
             </a:r>
             <a:r>
               <a:rPr sz="1200"/>
@@ -3494,7 +3543,7 @@
                 <a:ea typeface="Aptos"/>
                 <a:cs typeface="Aptos"/>
               </a:rPr>
-              <a:t>Contenu original :</a:t>
+              <a:t>Contenu d’origine :</a:t>
             </a:r>
             <a:r>
               <a:rPr sz="1200"/>
@@ -3528,7 +3577,7 @@
                 <a:ea typeface="Aptos"/>
                 <a:cs typeface="Aptos"/>
               </a:rPr>
-              <a:t>Le marché latino-américain offre une grande opportunité pour le thé Chai, car la région a une demande croissante de produits sains, naturels et exotiques.</a:t>
+              <a:t>Le marché latino-américain offre une grande opportunité pour le thé chaï, cette région étant en demande croissante de produits sains, naturels et exotiques.</a:t>
             </a:r>
             <a:r>
               <a:rPr lang="fr-FR" sz="1200" b="0" i="0" strike="noStrike" cap="none" baseline="0">
@@ -3552,7 +3601,7 @@
                 <a:ea typeface="Aptos"/>
                 <a:cs typeface="Aptos"/>
               </a:rPr>
-              <a:t>この地域には紅茶文化も根付いており、特にアルゼンチン、チリ、ウルグアイなどの国ではマテ茶が人気の飲み物です。</a:t>
+              <a:t>La région possède également une puissante culture du thé, en particulier dans des pays comme l’Argentine, le Chili et l’Uruguay, où le maté est une boisson populaire.</a:t>
             </a:r>
             <a:r>
               <a:rPr lang="fr-FR" sz="1200" b="0" i="0" strike="noStrike" cap="none" baseline="0">
@@ -3576,7 +3625,7 @@
                 <a:ea typeface="Aptos"/>
                 <a:cs typeface="Aptos"/>
               </a:rPr>
-              <a:t>チャイ ティーは、カフェインが増加し、複雑な風味プロファイルを提供するため、紅茶愛好家とコーヒー愛好家の両方にアピールできます。</a:t>
+              <a:t>Le thé chaï séduira à la fois les amateurs de thé et les buveurs de café, car il offre un apport en caféine similaire et un profil de saveurs plus complexe.</a:t>
             </a:r>
             <a:r>
               <a:rPr lang="fr-FR" sz="1200" b="0" i="0" strike="noStrike" cap="none" baseline="0">
@@ -3600,67 +3649,7 @@
                 <a:ea typeface="Aptos"/>
                 <a:cs typeface="Aptos"/>
               </a:rPr>
-              <a:t>チャイ ティーは、社交、分かち合い、甘いお菓子を満喫することを楽しむラテン アメリカの消費者のライフスタイルや好みにもフィットします。</a:t>
-            </a:r>
-            <a:r>
-              <a:rPr lang="fr-FR" sz="1200" b="0" i="0" strike="noStrike" cap="none" baseline="0">
-                <a:solidFill>
-                  <a:srgbClr val="000000"/>
-                </a:solidFill>
-                <a:effectLst/>
-                <a:latin typeface="Aptos"/>
-                <a:ea typeface="Aptos"/>
-                <a:cs typeface="Aptos"/>
-              </a:rPr>
-              <a:t>Grand View Research のレポートによると、世界のチャイ ティー市場規模は 2019 年に 19 億米ドルと評価され、2020 年から 2027 年まで年間平均成長率 (CAGR) 5.5% で成長すると予想されています。</a:t>
-            </a:r>
-            <a:r>
-              <a:rPr lang="fr-FR" sz="1200" b="0" i="0" strike="noStrike" cap="none" baseline="0">
-                <a:solidFill>
-                  <a:srgbClr val="000000"/>
-                </a:solidFill>
-                <a:effectLst/>
-                <a:latin typeface="Aptos"/>
-                <a:ea typeface="Aptos"/>
-                <a:cs typeface="Aptos"/>
-              </a:rPr>
-              <a:t> </a:t>
-            </a:r>
-            <a:r>
-              <a:rPr lang="fr-FR" sz="1200" b="0" i="0" strike="noStrike" cap="none" baseline="0">
-                <a:solidFill>
-                  <a:srgbClr val="000000"/>
-                </a:solidFill>
-                <a:effectLst/>
-                <a:latin typeface="Aptos"/>
-                <a:ea typeface="Aptos"/>
-                <a:cs typeface="Aptos"/>
-              </a:rPr>
-              <a:t>また、このレポートでは、ラテン アメリカはチャイ ティーの最も急成長している地域の一つであり、2020 年から 2027 年までの CAGR は 6.2% であると述べています。</a:t>
-            </a:r>
-            <a:r>
-              <a:rPr lang="fr-FR" sz="1200" b="0" i="0" strike="noStrike" cap="none" baseline="0">
-                <a:solidFill>
-                  <a:srgbClr val="000000"/>
-                </a:solidFill>
-                <a:effectLst/>
-                <a:latin typeface="Aptos"/>
-                <a:ea typeface="Aptos"/>
-                <a:cs typeface="Aptos"/>
-              </a:rPr>
-              <a:t> </a:t>
-            </a:r>
-            <a:r>
-              <a:rPr lang="fr-FR" sz="1200" b="0" i="0" strike="noStrike" cap="none" baseline="0">
-                <a:solidFill>
-                  <a:srgbClr val="000000"/>
-                </a:solidFill>
-                <a:effectLst/>
-                <a:latin typeface="Aptos"/>
-                <a:ea typeface="Aptos"/>
-                <a:cs typeface="Aptos"/>
-              </a:rPr>
-              <a:t>Les principaux facteurs de croissance du thé Chai en Amérique latine sont :</a:t>
+              <a:t>Le thé chaï peut également correspondre au style de vie et aux préférences des consommateurs latino-américains, qui apprécient la convivialité, le partage et la gourmandise.</a:t>
             </a:r>
             <a:r>
               <a:rPr sz="1200"/>
@@ -3677,7 +3666,55 @@
                 <a:ea typeface="Aptos"/>
                 <a:cs typeface="Aptos"/>
               </a:rPr>
-              <a:t>·         La sensibilisation et l’intérêt accrus dans les avantages sanitaires et les aspects culturels du thé</a:t>
+              <a:t>Selon un rapport établi par Grand View Research, la taille du marché mondial du thé chaï a été évaluée à 1,9 milliard de dollars US en 2019 et devrait atteindre un taux de croissance annuel composé (TCAC) de 5,5 % entre 2020 et 2027.</a:t>
+            </a:r>
+            <a:r>
+              <a:rPr lang="fr-FR" sz="1200" b="0" i="0" strike="noStrike" cap="none" baseline="0">
+                <a:solidFill>
+                  <a:srgbClr val="000000"/>
+                </a:solidFill>
+                <a:effectLst/>
+                <a:latin typeface="Aptos"/>
+                <a:ea typeface="Aptos"/>
+                <a:cs typeface="Aptos"/>
+              </a:rPr>
+              <a:t> </a:t>
+            </a:r>
+            <a:r>
+              <a:rPr lang="fr-FR" sz="1200" b="0" i="0" strike="noStrike" cap="none" baseline="0">
+                <a:solidFill>
+                  <a:srgbClr val="000000"/>
+                </a:solidFill>
+                <a:effectLst/>
+                <a:latin typeface="Aptos"/>
+                <a:ea typeface="Aptos"/>
+                <a:cs typeface="Aptos"/>
+              </a:rPr>
+              <a:t>Le rapport indique également que l’Amérique latine est l’une des régions où la croissance du thé croissance du thé chaï est la plus rapide, avec un TCAC évoluant de 6,2 % entre 2020 et 2027.</a:t>
+            </a:r>
+            <a:r>
+              <a:rPr lang="fr-FR" sz="1200" b="0" i="0" strike="noStrike" cap="none" baseline="0">
+                <a:solidFill>
+                  <a:srgbClr val="000000"/>
+                </a:solidFill>
+                <a:effectLst/>
+                <a:latin typeface="Aptos"/>
+                <a:ea typeface="Aptos"/>
+                <a:cs typeface="Aptos"/>
+              </a:rPr>
+              <a:t> </a:t>
+            </a:r>
+            <a:r>
+              <a:rPr lang="fr-FR" sz="1200" b="0" i="0" strike="noStrike" cap="none" baseline="0">
+                <a:solidFill>
+                  <a:srgbClr val="000000"/>
+                </a:solidFill>
+                <a:effectLst/>
+                <a:latin typeface="Aptos"/>
+                <a:ea typeface="Aptos"/>
+                <a:cs typeface="Aptos"/>
+              </a:rPr>
+              <a:t>Les principaux moteurs de croissance du thé chaï en Amérique latine sont :</a:t>
             </a:r>
             <a:r>
               <a:rPr sz="1200"/>
@@ -3694,7 +3731,7 @@
                 <a:ea typeface="Aptos"/>
                 <a:cs typeface="Aptos"/>
               </a:rPr>
-              <a:t> Chai·         Le revenu disponible croissant et le pouvoir de dépense des consommateurs</a:t>
+              <a:t>·La prise de conscience et l’intérêt croissants envers les avantages pour la santé et des aspects culturels du thé chaï</a:t>
             </a:r>
             <a:r>
               <a:rPr sz="1200"/>
@@ -3711,7 +3748,7 @@
                 <a:ea typeface="Aptos"/>
                 <a:cs typeface="Aptos"/>
               </a:rPr>
-              <a:t> de la classe moyenne·         La popularité croissante des thés spécialisés et premium parmi les segments</a:t>
+              <a:t> L’augmentation du revenu disponible et du pouvoir d’achat des consommateurs de la classe moyenne</a:t>
             </a:r>
             <a:r>
               <a:rPr sz="1200"/>
@@ -3728,7 +3765,7 @@
                 <a:ea typeface="Aptos"/>
                 <a:cs typeface="Aptos"/>
               </a:rPr>
-              <a:t> plus jeunes et urbains·         La distribution et la disponibilité croissantes de produits de thé Chai dans différents canaux, tels que les supermarchés, les cafés et les plateformes</a:t>
+              <a:t> La popularité croissante des thés spécialisés et de haut qualité parmi les plus jeunes et la population urbaines</a:t>
             </a:r>
             <a:r>
               <a:rPr sz="1200"/>
@@ -3745,7 +3782,24 @@
                 <a:ea typeface="Aptos"/>
                 <a:cs typeface="Aptos"/>
               </a:rPr>
-              <a:t> en ligne·         L’émergence de saveurs nouvelles et innovantes et de formats de thé Chai, tels que des variétés prêtes à boire, instantanées et biologiques</a:t>
+              <a:t> La distribution et la disponibilité croissantes de produits de thé chaï dans différents canaux, tels que les supermarchés, les cafés et les plateformes en ligne</a:t>
+            </a:r>
+            <a:r>
+              <a:rPr sz="1200"/>
+              <a:t>
+</a:t>
+            </a:r>
+            <a:r>
+              <a:rPr lang="fr-FR" sz="1200" b="0" i="0" strike="noStrike" cap="none" baseline="0">
+                <a:solidFill>
+                  <a:srgbClr val="000000"/>
+                </a:solidFill>
+                <a:effectLst/>
+                <a:latin typeface="Aptos"/>
+                <a:ea typeface="Aptos"/>
+                <a:cs typeface="Aptos"/>
+              </a:rPr>
+              <a:t> L’émergence de saveurs et de formats nouveaux et innovants de thé chaï, tels que des variétés prêtes à boire, instantanées et biologiques</a:t>
             </a:r>
             <a:r>
               <a:rPr sz="1200"/>
@@ -3843,7 +3897,7 @@
                 <a:ea typeface="Aptos"/>
                 <a:cs typeface="Aptos"/>
               </a:rPr>
-              <a:t>ラテン アメリカのチャイ ティーは、小売業者、卸売業者、流通業者を通じて流通しています。</a:t>
+              <a:t>En Amérique latine, le thé chaï est distribué par des détaillants, des grossistes et des distributeurs.</a:t>
             </a:r>
             <a:r>
               <a:rPr lang="fr-FR" sz="1200" b="0" i="0" strike="noStrike" cap="none" baseline="0">
@@ -3867,7 +3921,7 @@
                 <a:ea typeface="Aptos"/>
                 <a:cs typeface="Aptos"/>
               </a:rPr>
-              <a:t>スーパーマーケットやカフェなどの小売業者は消費者に直接販売しており、消費者の認識や購入に影響を与えることができます。</a:t>
+              <a:t>Les détaillants, tels que les supermarchés et les cafés, vendent directement aux consommateurs et peuvent influencer leur perception et leurs achats.</a:t>
             </a:r>
             <a:r>
               <a:rPr lang="fr-FR" sz="1200" b="0" i="0" strike="noStrike" cap="none" baseline="0">
@@ -3891,7 +3945,7 @@
                 <a:ea typeface="Aptos"/>
                 <a:cs typeface="Aptos"/>
               </a:rPr>
-              <a:t>大手小売業者には Walmart や Starbucks などがあります。</a:t>
+              <a:t>Les principaux détaillants sont Walmart et Starbucks.</a:t>
             </a:r>
             <a:r>
               <a:rPr lang="fr-FR" sz="1200" b="0" i="0" strike="noStrike" cap="none" baseline="0">
@@ -3915,7 +3969,7 @@
                 <a:ea typeface="Aptos"/>
                 <a:cs typeface="Aptos"/>
               </a:rPr>
-              <a:t>Les grossistes vendent en bloc aux détaillants, tandis que les distributeurs transportent des produits des fabricants aux détaillants.</a:t>
+              <a:t>Les grossistes vendent en vrac aux détaillants, tandis que les distributeurs acheminent des produits des fabricants jusqu’aux détaillants.</a:t>
             </a:r>
             <a:r>
               <a:rPr sz="1200"/>
@@ -3942,7 +3996,7 @@
                 <a:ea typeface="Aptos"/>
                 <a:cs typeface="Aptos"/>
               </a:rPr>
-              <a:t>Contenu original :</a:t>
+              <a:t>Contenu d’origine :</a:t>
             </a:r>
             <a:r>
               <a:rPr sz="1200"/>
@@ -3959,7 +4013,7 @@
                 <a:ea typeface="Aptos"/>
                 <a:cs typeface="Aptos"/>
               </a:rPr>
-              <a:t>Les canaux de distribution pour le thé Chai en Amérique latine sont les moyens et moyens par lesquels les produits de thé Chai sont livrés et vendus aux consommateurs finals.</a:t>
+              <a:t>Les canaux de distribution du thé chaï en Amérique latine sont les moyens par lesquels les thés chaï sont livrés et vendus aux consommateurs.</a:t>
             </a:r>
             <a:r>
               <a:rPr lang="fr-FR" sz="1200" b="0" i="0" strike="noStrike" cap="none" baseline="0">
@@ -3983,19 +4037,24 @@
                 <a:ea typeface="Aptos"/>
                 <a:cs typeface="Aptos"/>
               </a:rPr>
-              <a:t>ラテン アメリカにおけるチャイ ティーの流通チャネルは、小売業者、卸売業者、流通業者の 3 つに分類できます。</a:t>
-            </a:r>
-            <a:r>
-              <a:rPr lang="fr-FR" sz="1200" b="0" i="0" strike="noStrike" cap="none" baseline="0">
-                <a:solidFill>
-                  <a:srgbClr val="000000"/>
-                </a:solidFill>
-                <a:effectLst/>
-                <a:latin typeface="Aptos"/>
-                <a:ea typeface="Aptos"/>
-                <a:cs typeface="Aptos"/>
-              </a:rPr>
-              <a:t>小売業者とは、スーパーマーケット、コンビニエンス ストア、専門店、カフェ、オンライン プラットフォームなど、チャイ ティー製品を消費者に直接販売する企業です。</a:t>
+              <a:t>Les canaux de distribution du thé chaï en Amérique latine peuvent être classés en trois catégories : les détaillants, les grossistes et les distributeurs.</a:t>
+            </a:r>
+            <a:r>
+              <a:rPr sz="1200"/>
+              <a:t>
+</a:t>
+            </a:r>
+            <a:r>
+              <a:rPr lang="fr-FR" sz="1200" b="0" i="0" strike="noStrike" cap="none" baseline="0">
+                <a:solidFill>
+                  <a:srgbClr val="000000"/>
+                </a:solidFill>
+                <a:effectLst/>
+                <a:latin typeface="Aptos"/>
+                <a:ea typeface="Aptos"/>
+                <a:cs typeface="Aptos"/>
+              </a:rPr>
+              <a:t>Les détaillants sont les entreprises qui vendent les produits de thé chaï directement aux consommateurs, comme les supermarchés, les magasins de proximité, les magasins spécialisés, les cafés et les plateformes en ligne.</a:t>
             </a:r>
             <a:r>
               <a:rPr lang="fr-FR" sz="1200" b="0" i="0" strike="noStrike" cap="none" baseline="0">
@@ -4019,7 +4078,7 @@
                 <a:ea typeface="Aptos"/>
                 <a:cs typeface="Aptos"/>
               </a:rPr>
-              <a:t>小売業者はチャイ ティー製品の最も目に付きやすくアクセスしやすいチャネルであり、消費者のチャイ ティー製品に対する認識、好み、購入に影響を与える可能性があります。</a:t>
+              <a:t>Les détaillants constituent le canal le plus visible et le plus accessible pour les thés chaï, et ils peuvent influencer la perception, la préférence et l’achat des thés chaï par le consommateur.</a:t>
             </a:r>
             <a:r>
               <a:rPr lang="fr-FR" sz="1200" b="0" i="0" strike="noStrike" cap="none" baseline="0">
@@ -4043,7 +4102,7 @@
                 <a:ea typeface="Aptos"/>
                 <a:cs typeface="Aptos"/>
               </a:rPr>
-              <a:t>小売業者は、ディスプレイ、看板、棚スペースなど、チャイ ティー製品のプロモーションや商品化をサポートすることもできます。</a:t>
+              <a:t>Les détaillants peuvent également offrir un soutien promotionnel et commercial pour les produits à base de thé chaï, tels que des présentoirs, des panneaux et des espaces en rayon.</a:t>
             </a:r>
             <a:r>
               <a:rPr lang="fr-FR" sz="1200" b="0" i="0" strike="noStrike" cap="none" baseline="0">
@@ -4067,7 +4126,12 @@
                 <a:ea typeface="Aptos"/>
                 <a:cs typeface="Aptos"/>
               </a:rPr>
-              <a:t>ラテン アメリカにおけるチャイ ティー製品の主な小売業者には、Walmart、Carrefour、Oxxo、Starbucks、Amazon などがあります。</a:t>
+              <a:t>Parmi les principaux détaillants de thé chaï en Amérique latine figurent Walmart, Carrefour, Oxxo, Starbucks et Amazon.</a:t>
+            </a:r>
+            <a:r>
+              <a:rPr sz="1200"/>
+              <a:t>
+</a:t>
             </a:r>
           </a:p>
         </p:txBody>
@@ -4160,7 +4224,7 @@
                 <a:ea typeface="Aptos"/>
                 <a:cs typeface="Aptos"/>
               </a:rPr>
-              <a:t>卸売業者はチャイ ティー製品を大量に購入し、小売業者やその他の仲介業者に販売します。</a:t>
+              <a:t>Les grossistes achètent le thé chaï en vrac et le vendent à des détaillants ou à d’autres intermédiaires.</a:t>
             </a:r>
             <a:r>
               <a:rPr lang="fr-FR" sz="1200" b="0" i="0" strike="noStrike" cap="none" baseline="0">
@@ -4184,7 +4248,7 @@
                 <a:ea typeface="Aptos"/>
                 <a:cs typeface="Aptos"/>
               </a:rPr>
-              <a:t>チャイ ティー製品の需要と供給を結び、さまざまなサービスを提供しています。</a:t>
+              <a:t>Ils font le lien entre l’offre et la demande de thé chaï et offrent divers services.</a:t>
             </a:r>
             <a:r>
               <a:rPr lang="fr-FR" sz="1200" b="0" i="0" strike="noStrike" cap="none" baseline="0">
@@ -4208,7 +4272,7 @@
                 <a:ea typeface="Aptos"/>
                 <a:cs typeface="Aptos"/>
               </a:rPr>
-              <a:t>Les principaux grossistes en Amérique latine comprennent Cencosud, Grupo Pao de Acucar, La Anonima et Makro.</a:t>
+              <a:t>Parmi les principaux grossistes en Amérique latine figurent Cencosud, Grupo Pao de Acucar, La Anonima et Makro.</a:t>
             </a:r>
             <a:r>
               <a:rPr sz="1200"/>
@@ -4235,7 +4299,7 @@
                 <a:ea typeface="Aptos"/>
                 <a:cs typeface="Aptos"/>
               </a:rPr>
-              <a:t>Contenu d’origine :</a:t>
+              <a:t>Contenu d’origine :</a:t>
             </a:r>
             <a:r>
               <a:rPr sz="1200"/>
@@ -4252,7 +4316,7 @@
                 <a:ea typeface="Aptos"/>
                 <a:cs typeface="Aptos"/>
               </a:rPr>
-              <a:t> les grossistes sont les entreprises qui achètent des produits de thé Chai en bloc auprès des fabricants ou des distributeurs et les vendent aux détaillants ou à d’autres intermédiaires.</a:t>
+              <a:t>Les grossistes sont des entreprises qui achètent le thé chaï en vrac auprès des fabricants ou des distributeurs et le vendent aux détaillants ou à d’autres intermédiaires.</a:t>
             </a:r>
             <a:r>
               <a:rPr lang="fr-FR" sz="1200" b="0" i="0" strike="noStrike" cap="none" baseline="0">
@@ -4276,7 +4340,7 @@
                 <a:ea typeface="Aptos"/>
                 <a:cs typeface="Aptos"/>
               </a:rPr>
-              <a:t>卸売業者は、チャイ ティー製品の需要と供給をつなぐ役割を担っており、チャイ ティー製品の規模の経済、保管、輸送サービスを提供できます。</a:t>
+              <a:t>Les grossistes sont le lien entre l’offre et la demande du thé chaï, et ils peuvent offrir des économies d’échelle, des services de stockage et de transport pour le thé chaï.</a:t>
             </a:r>
             <a:r>
               <a:rPr lang="fr-FR" sz="1200" b="0" i="0" strike="noStrike" cap="none" baseline="0">
@@ -4300,7 +4364,7 @@
                 <a:ea typeface="Aptos"/>
                 <a:cs typeface="Aptos"/>
               </a:rPr>
-              <a:t>卸売業者は、チャイ ティー製品の市場情報、フィードバック、信用制度を提供することもできます。</a:t>
+              <a:t>Les grossistes peuvent également fournir des données sur le marché, des informations sur les retours et des facilités de crédit pour les produits à base de thé chaï.</a:t>
             </a:r>
             <a:r>
               <a:rPr lang="fr-FR" sz="1200" b="0" i="0" strike="noStrike" cap="none" baseline="0">
@@ -4324,7 +4388,12 @@
                 <a:ea typeface="Aptos"/>
                 <a:cs typeface="Aptos"/>
               </a:rPr>
-              <a:t>ラテン アメリカにおけるチャイ ティー製品の主要な卸売業者には、Cencosud、Grupo Pao de Acucar、La Anonima、Makro などがあります。</a:t>
+              <a:t>Parmi les principaux grossistes en thé chaï en Amérique latine figurent Cencosud, Grupo Pao de Acucar, La Anonima et Makro.</a:t>
+            </a:r>
+            <a:r>
+              <a:rPr sz="1200"/>
+              <a:t>
+</a:t>
             </a:r>
           </a:p>
         </p:txBody>
@@ -8145,7 +8214,7 @@
                 <a:ea typeface="Bookman Old Style"/>
                 <a:cs typeface="Bookman Old Style"/>
               </a:rPr>
-              <a:t>Mystic Spice Premium Chai Tea 市場分析レポート</a:t>
+              <a:t>Rapport d’analyse de marché du thé chaï Mystic Spice Premium</a:t>
             </a:r>
           </a:p>
         </p:txBody>
@@ -8568,7 +8637,7 @@
         </p:spPr>
         <p:txBody>
           <a:bodyPr vert="horz" lIns="91440" tIns="45720" rIns="91440" bIns="45720" rtlCol="0" anchor="b">
-            <a:normAutofit/>
+            <a:normAutofit fontScale="90000"/>
           </a:bodyPr>
           <a:lstStyle/>
           <a:p>
@@ -8582,7 +8651,7 @@
                 <a:ea typeface="Bookman Old Style"/>
                 <a:cs typeface="Bookman Old Style"/>
               </a:rPr>
-              <a:t>Canaux de distribution : Distributeurs</a:t>
+              <a:t>Canaux de distribution : distributeurs</a:t>
             </a:r>
           </a:p>
         </p:txBody>
@@ -8682,7 +8751,7 @@
                 <a:ea typeface="Franklin Gothic Book"/>
                 <a:cs typeface="Franklin Gothic Book"/>
               </a:rPr>
-              <a:t>流通業者の役割</a:t>
+              <a:t>Rôle des distributeurs</a:t>
             </a:r>
           </a:p>
           <a:p>
@@ -8701,7 +8770,7 @@
                 <a:ea typeface="Franklin Gothic Book"/>
                 <a:cs typeface="Franklin Gothic Book"/>
               </a:rPr>
-              <a:t>チャイティー製品の代理および流通</a:t>
+              <a:t>Représenter et distribuer les produits à base de thé chaï</a:t>
             </a:r>
           </a:p>
           <a:p>
@@ -8720,7 +8789,7 @@
                 <a:ea typeface="Franklin Gothic Book"/>
                 <a:cs typeface="Franklin Gothic Book"/>
               </a:rPr>
-              <a:t>さまざまな市場での移動と販売を促進する</a:t>
+              <a:t>Faciliter les mouvements et les ventes sur les différents marchés</a:t>
             </a:r>
           </a:p>
           <a:p>
@@ -8739,7 +8808,7 @@
                 <a:ea typeface="Franklin Gothic Book"/>
                 <a:cs typeface="Franklin Gothic Book"/>
               </a:rPr>
-              <a:t>マーケティング、販売、アフター サービスの提供</a:t>
+              <a:t>Offrir des services de marketing, de vente et d’après-vente</a:t>
             </a:r>
           </a:p>
           <a:p>
@@ -8777,7 +8846,7 @@
                 <a:ea typeface="Franklin Gothic Book"/>
                 <a:cs typeface="Franklin Gothic Book"/>
               </a:rPr>
-              <a:t>小売業者および消費者との関係を確立および維持する</a:t>
+              <a:t>Établir et maintenir des relations avec les détaillants et les consommateurs</a:t>
             </a:r>
           </a:p>
           <a:p>
@@ -8796,7 +8865,7 @@
                 <a:ea typeface="Franklin Gothic Book"/>
                 <a:cs typeface="Franklin Gothic Book"/>
               </a:rPr>
-              <a:t>技術的および物流的なサポートを提供する</a:t>
+              <a:t>Fournir une assistance technique et logistique</a:t>
             </a:r>
           </a:p>
           <a:p>
@@ -8815,7 +8884,7 @@
                 <a:ea typeface="Franklin Gothic Book"/>
                 <a:cs typeface="Franklin Gothic Book"/>
               </a:rPr>
-              <a:t>ラテン アメリカの主要流通業者</a:t>
+              <a:t>Principaux distributeurs en Amérique latine</a:t>
             </a:r>
           </a:p>
           <a:p>
@@ -9089,7 +9158,7 @@
                 <a:ea typeface="Bookman Old Style"/>
                 <a:cs typeface="Bookman Old Style"/>
               </a:rPr>
-              <a:t>プロモーション計画と戦略</a:t>
+              <a:t>Plan et stratégie de promotion</a:t>
             </a:r>
           </a:p>
         </p:txBody>
@@ -9118,7 +9187,7 @@
         </p:spPr>
         <p:txBody>
           <a:bodyPr anchor="ctr">
-            <a:normAutofit/>
+            <a:normAutofit fontScale="95000" lnSpcReduction="20000"/>
           </a:bodyPr>
           <a:lstStyle/>
           <a:p>
@@ -9137,7 +9206,7 @@
                 <a:ea typeface="Franklin Gothic Book"/>
                 <a:cs typeface="Franklin Gothic Book"/>
               </a:rPr>
-              <a:t>プロモーション計画と戦略の目的</a:t>
+              <a:t>Objectifs du plan et de la stratégie de promotion</a:t>
             </a:r>
           </a:p>
           <a:p>
@@ -9156,7 +9225,7 @@
                 <a:ea typeface="Franklin Gothic Book"/>
                 <a:cs typeface="Franklin Gothic Book"/>
               </a:rPr>
-              <a:t>ターゲット層のチャイ ティーへの認識度と関心を高める</a:t>
+              <a:t>Accroître la sensibilisation et l’intérêt du public cible pour le thé chaï</a:t>
             </a:r>
           </a:p>
           <a:p>
@@ -9175,7 +9244,7 @@
                 <a:ea typeface="Franklin Gothic Book"/>
                 <a:cs typeface="Franklin Gothic Book"/>
               </a:rPr>
-              <a:t>チャイ ティーをプレミアム、自然、そして健康的な製品として位置づける</a:t>
+              <a:t>Positionner le thé chaï comme un produit de qualité, naturel et sain.</a:t>
             </a:r>
           </a:p>
           <a:p>
@@ -9194,7 +9263,7 @@
                 <a:ea typeface="Franklin Gothic Book"/>
                 <a:cs typeface="Franklin Gothic Book"/>
               </a:rPr>
-              <a:t>さまざまなチャネルやインセンティブを通じてチャイ ティーの試用と購入を奨励する</a:t>
+              <a:t>Encourager l’essai et l’achat de thé chaï par le biais de divers canaux et incitations.</a:t>
             </a:r>
           </a:p>
           <a:p>
@@ -9213,7 +9282,7 @@
                 <a:ea typeface="Franklin Gothic Book"/>
                 <a:cs typeface="Franklin Gothic Book"/>
               </a:rPr>
-              <a:t>チャイ ティー消費者のロイヤルティを確立して維持する</a:t>
+              <a:t>Fidéliser les consommateurs de thé chaï</a:t>
             </a:r>
           </a:p>
           <a:p>
@@ -9232,7 +9301,7 @@
                 <a:ea typeface="Franklin Gothic Book"/>
                 <a:cs typeface="Franklin Gothic Book"/>
               </a:rPr>
-              <a:t>プロモーション計画と戦略で使用される戦術</a:t>
+              <a:t>Tactiques utilisées dans le plan et la stratégie de promotion</a:t>
             </a:r>
           </a:p>
           <a:p>
@@ -9251,7 +9320,7 @@
                 <a:ea typeface="Franklin Gothic Book"/>
                 <a:cs typeface="Franklin Gothic Book"/>
               </a:rPr>
-              <a:t>キャッチーで記憶に残るチャイ ティーのブランド名とロゴを作成する</a:t>
+              <a:t>La création d’un nom de marque et d’un logo accrocheurs et mémorables pour le thé chaï</a:t>
             </a:r>
           </a:p>
           <a:p>
@@ -9270,7 +9339,7 @@
                 <a:ea typeface="Franklin Gothic Book"/>
                 <a:cs typeface="Franklin Gothic Book"/>
               </a:rPr>
-              <a:t>Web サイトとソーシャル メディアでのチャイ ティーの存在感を確立する</a:t>
+              <a:t>Le développement d’un site web et d’une présence sur les réseaux sociaux pour le thé chaï</a:t>
             </a:r>
           </a:p>
           <a:p>
@@ -9289,7 +9358,7 @@
                 <a:ea typeface="Franklin Gothic Book"/>
                 <a:cs typeface="Franklin Gothic Book"/>
               </a:rPr>
-              <a:t>デジタル マーケティング キャンペーンを開始する</a:t>
+              <a:t>Le lancement d’une campagne de marketing numérique</a:t>
             </a:r>
           </a:p>
           <a:p>
@@ -9308,7 +9377,7 @@
                 <a:ea typeface="Franklin Gothic Book"/>
                 <a:cs typeface="Franklin Gothic Book"/>
               </a:rPr>
-              <a:t>チャイ ティーの無料サンプルとクーポンを配布する</a:t>
+              <a:t>La distribution d’échantillons gratuits et de coupons de thé chaï</a:t>
             </a:r>
           </a:p>
           <a:p>
@@ -9327,7 +9396,7 @@
                 <a:ea typeface="Franklin Gothic Book"/>
                 <a:cs typeface="Franklin Gothic Book"/>
               </a:rPr>
-              <a:t>イベントやコンテストを企画する</a:t>
+              <a:t>L’organisation d’événements et de concours</a:t>
             </a:r>
           </a:p>
           <a:p>
@@ -9346,7 +9415,7 @@
                 <a:ea typeface="Franklin Gothic Book"/>
                 <a:cs typeface="Franklin Gothic Book"/>
               </a:rPr>
-              <a:t>プロモーション計画と戦略の実施と評価</a:t>
+              <a:t>Mise en œuvre et évaluation du plan et de la stratégie de promotion</a:t>
             </a:r>
           </a:p>
         </p:txBody>
@@ -9604,7 +9673,7 @@
                 <a:ea typeface="Bookman Old Style"/>
                 <a:cs typeface="Bookman Old Style"/>
               </a:rPr>
-              <a:t>Résultats et défis attendus : résultats attendus</a:t>
+              <a:t>Résultats attendus et défis : résultats attendus</a:t>
             </a:r>
           </a:p>
         </p:txBody>
@@ -9735,7 +9804,7 @@
                 <a:ea typeface="Franklin Gothic Book"/>
                 <a:cs typeface="Franklin Gothic Book"/>
               </a:rPr>
-              <a:t>ターゲット層のチャイ ティーに対する認知度および関心が 20% 増加</a:t>
+              <a:t>Augmentation de 20 % de la notoriété et de l’intérêt du public cible pour le thé chaï</a:t>
             </a:r>
           </a:p>
           <a:p>
@@ -9749,7 +9818,7 @@
                 <a:ea typeface="Franklin Gothic Book"/>
                 <a:cs typeface="Franklin Gothic Book"/>
               </a:rPr>
-              <a:t>この地域におけるチャイ ティーの市場シェアが 10% 増加</a:t>
+              <a:t>Augmentation de 10 % de la part de marché du thé chaï dans la région</a:t>
             </a:r>
           </a:p>
           <a:p>
@@ -9763,7 +9832,7 @@
                 <a:ea typeface="Franklin Gothic Book"/>
                 <a:cs typeface="Franklin Gothic Book"/>
               </a:rPr>
-              <a:t>この地域におけるチャイ ティーの販売量と収益が 15% 増加</a:t>
+              <a:t>Augmentation de 15 % du volume des ventes et du chiffre d’affaires du thé chaï dans la région</a:t>
             </a:r>
           </a:p>
           <a:p>
@@ -9777,7 +9846,7 @@
                 <a:ea typeface="Franklin Gothic Book"/>
                 <a:cs typeface="Franklin Gothic Book"/>
               </a:rPr>
-              <a:t>この地域におけるチャイ ティーの顧客満足度と維持率が 25% 向上</a:t>
+              <a:t>Augmentation de 25 % du taux de satisfaction et de fidélisation des consommateurs de thé chaï dans la région</a:t>
             </a:r>
           </a:p>
         </p:txBody>
@@ -9980,7 +10049,7 @@
                 <a:ea typeface="Bookman Old Style"/>
                 <a:cs typeface="Bookman Old Style"/>
               </a:rPr>
-              <a:t>Résultats et défis attendus : défis potentiels</a:t>
+              <a:t>Résultats attendus et défis : défis potentiels</a:t>
             </a:r>
           </a:p>
         </p:txBody>
@@ -10009,7 +10078,7 @@
         </p:spPr>
         <p:txBody>
           <a:bodyPr anchor="ctr">
-            <a:normAutofit/>
+            <a:normAutofit fontScale="85000" lnSpcReduction="20000"/>
           </a:bodyPr>
           <a:lstStyle/>
           <a:p>
@@ -10023,7 +10092,7 @@
                 <a:ea typeface="Franklin Gothic Book"/>
                 <a:cs typeface="Franklin Gothic Book"/>
               </a:rPr>
-              <a:t>チャイ ティー製品は他の飲料に比べて価格が高く、手頃な価格ではない</a:t>
+              <a:t>Le prix élevé et le caractère peu abordable des produits à base de thé chaï par rapport à d’autres boissons</a:t>
             </a:r>
           </a:p>
           <a:p>
@@ -10037,7 +10106,7 @@
                 <a:ea typeface="Franklin Gothic Book"/>
                 <a:cs typeface="Franklin Gothic Book"/>
               </a:rPr>
-              <a:t>人口の一部の層ではチャイ ティーに対する認知度と馴染みが不足している</a:t>
+              <a:t>Le manque de connaissance et de familiarité avec le thé chaï dans certains segments de la population</a:t>
             </a:r>
           </a:p>
           <a:p>
@@ -10051,7 +10120,7 @@
                 <a:ea typeface="Franklin Gothic Book"/>
                 <a:cs typeface="Franklin Gothic Book"/>
               </a:rPr>
-              <a:t>ハーブ ティー、緑茶、紅茶などの他のお茶製品との競合</a:t>
+              <a:t>La concurrence d’autres thés, tels que les thés à base de plantes, les thés verts et les thés noirs</a:t>
             </a:r>
           </a:p>
           <a:p>
@@ -10065,7 +10134,7 @@
                 <a:ea typeface="Franklin Gothic Book"/>
                 <a:cs typeface="Franklin Gothic Book"/>
               </a:rPr>
-              <a:t>一部の国におけるチャイ ティー製品の参入と拡大を制限する可能性がある規制および文化的障壁</a:t>
+              <a:t>Les barrières réglementaires et culturelles qui peuvent limiter l’entrée et l’expansion des produits à base de thé chaï dans certains pays.</a:t>
             </a:r>
           </a:p>
           <a:p>
@@ -10079,7 +10148,7 @@
                 <a:ea typeface="Franklin Gothic Book"/>
                 <a:cs typeface="Franklin Gothic Book"/>
               </a:rPr>
-              <a:t>チャイ ティー原料の供給と品質に影響を与える可能性がある環境問題と社会問題</a:t>
+              <a:t>Des questions environnementales et sociales susceptibles d’affecter l’approvisionnement et la qualité des ingrédients du thé chaï</a:t>
             </a:r>
           </a:p>
         </p:txBody>
@@ -10282,7 +10351,7 @@
                 <a:ea typeface="Bookman Old Style"/>
                 <a:cs typeface="Bookman Old Style"/>
               </a:rPr>
-              <a:t>推奨事項と結論</a:t>
+              <a:t>Recommandations et conclusions</a:t>
             </a:r>
           </a:p>
         </p:txBody>
@@ -10311,7 +10380,7 @@
         </p:spPr>
         <p:txBody>
           <a:bodyPr anchor="ctr">
-            <a:normAutofit/>
+            <a:normAutofit fontScale="92500" lnSpcReduction="20000"/>
           </a:bodyPr>
           <a:lstStyle/>
           <a:p>
@@ -10330,7 +10399,7 @@
                 <a:ea typeface="Franklin Gothic Book"/>
                 <a:cs typeface="Franklin Gothic Book"/>
               </a:rPr>
-              <a:t>チャイ ティーはラテン アメリカ市場で成長の可能性を秘めた有望な製品である</a:t>
+              <a:t>Le thé chaï est un produit prometteur avec un potentiel de croissance sur le marché latino-américain.</a:t>
             </a:r>
           </a:p>
           <a:p>
@@ -10349,7 +10418,7 @@
                 <a:ea typeface="Franklin Gothic Book"/>
                 <a:cs typeface="Franklin Gothic Book"/>
               </a:rPr>
-              <a:t>他の飲み物に代わる、健康的で自然でエキゾチックな飲み物を提供する</a:t>
+              <a:t>Il offre une alternative saine, naturelle et exotique aux autres boissons</a:t>
             </a:r>
           </a:p>
           <a:p>
@@ -10368,7 +10437,7 @@
                 <a:ea typeface="Franklin Gothic Book"/>
                 <a:cs typeface="Franklin Gothic Book"/>
               </a:rPr>
-              <a:t>チャイ ティーをプレミアムで本格的かつ多用途な製品として位置づけ、販売する</a:t>
+              <a:t>Le thé chaï doit être positionné et commercialisé comme un produit de qualité, authentique et polyvalent.</a:t>
             </a:r>
           </a:p>
           <a:p>
@@ -10387,7 +10456,7 @@
                 <a:ea typeface="Franklin Gothic Book"/>
                 <a:cs typeface="Franklin Gothic Book"/>
               </a:rPr>
-              <a:t>さまざまなセグメントや機会にアピール</a:t>
+              <a:t>Il s’adresse à différents publics et peut être consommé en diverses occasions</a:t>
             </a:r>
           </a:p>
           <a:p>
@@ -10406,7 +10475,7 @@
                 <a:ea typeface="Franklin Gothic Book"/>
                 <a:cs typeface="Franklin Gothic Book"/>
               </a:rPr>
-              <a:t>豊かな香り、風味、健康上の利点などの独自の機能と利点を活用する</a:t>
+              <a:t>Il bénéficie de caractéristiques et d’avantages uniques, tels que la richesse de l’arôme et de la saveur et les bienfaits pour la santé</a:t>
             </a:r>
           </a:p>
           <a:p>
@@ -10425,7 +10494,7 @@
                 <a:ea typeface="Franklin Gothic Book"/>
                 <a:cs typeface="Franklin Gothic Book"/>
               </a:rPr>
-              <a:t>他のお茶製品との差別化</a:t>
+              <a:t>Il se différencie des autres thés</a:t>
             </a:r>
           </a:p>
           <a:p>
@@ -10444,7 +10513,7 @@
                 <a:ea typeface="Franklin Gothic Book"/>
                 <a:cs typeface="Franklin Gothic Book"/>
               </a:rPr>
-              <a:t>オンラインとオフラインの戦略を組み合わせてターゲット ユーザーにリーチし、エンゲージメントを図る</a:t>
+              <a:t>Il utilise une combinaison de tactiques en ligne et hors ligne pour atteindre et engager le public cible</a:t>
             </a:r>
           </a:p>
           <a:p>
@@ -10463,7 +10532,7 @@
                 <a:ea typeface="Franklin Gothic Book"/>
                 <a:cs typeface="Franklin Gothic Book"/>
               </a:rPr>
-              <a:t>忠実で満足度の高い顧客ベースを構築する</a:t>
+              <a:t>Il crée une base de clients fidèles et satisfaits</a:t>
             </a:r>
           </a:p>
           <a:p>
@@ -10482,7 +10551,7 @@
                 <a:ea typeface="Franklin Gothic Book"/>
                 <a:cs typeface="Franklin Gothic Book"/>
               </a:rPr>
-              <a:t>価格、認知度、競争、規制、持続可能性などの課題と脅威を克服する</a:t>
+              <a:t>Il est capable de surmonter les défis et les menaces, tels que le prix, la sensibilisation, la concurrence, la réglementation et la durabilité.</a:t>
             </a:r>
           </a:p>
           <a:p>
@@ -10501,7 +10570,7 @@
                 <a:ea typeface="Franklin Gothic Book"/>
                 <a:cs typeface="Franklin Gothic Book"/>
               </a:rPr>
-              <a:t>プロモーション計画と戦略を常に監視、評価、調整する</a:t>
+              <a:t>Il fait l’objet de contrôles, d’évaluation et d’ajustements constants du plan et de la stratégie de promotion</a:t>
             </a:r>
           </a:p>
         </p:txBody>
@@ -10848,7 +10917,7 @@
                 <a:ea typeface="Franklin Gothic Book"/>
                 <a:cs typeface="Franklin Gothic Book"/>
               </a:rPr>
-              <a:t>製品説明 (1/2)</a:t>
+              <a:t>Description du produit (1/2)</a:t>
             </a:r>
           </a:p>
           <a:p>
@@ -10867,7 +10936,7 @@
                 <a:ea typeface="Franklin Gothic Book"/>
                 <a:cs typeface="Franklin Gothic Book"/>
               </a:rPr>
-              <a:t>製品説明 (2/2)</a:t>
+              <a:t>Description du produit (2/2)</a:t>
             </a:r>
           </a:p>
           <a:p>
@@ -10886,7 +10955,7 @@
                 <a:ea typeface="Franklin Gothic Book"/>
                 <a:cs typeface="Franklin Gothic Book"/>
               </a:rPr>
-              <a:t>市場の動向と需要</a:t>
+              <a:t>Tendances du marché et de la demande</a:t>
             </a:r>
           </a:p>
           <a:p>
@@ -10905,7 +10974,7 @@
                 <a:ea typeface="Franklin Gothic Book"/>
                 <a:cs typeface="Franklin Gothic Book"/>
               </a:rPr>
-              <a:t>ラテン アメリカにおけるチャイ ティーの市場シェア</a:t>
+              <a:t>Part de marché du thé chaï en Amérique latine</a:t>
             </a:r>
           </a:p>
           <a:p>
@@ -10924,7 +10993,7 @@
                 <a:ea typeface="Franklin Gothic Book"/>
                 <a:cs typeface="Franklin Gothic Book"/>
               </a:rPr>
-              <a:t>流通チャネル</a:t>
+              <a:t>Canaux de distribution</a:t>
             </a:r>
           </a:p>
           <a:p>
@@ -10943,7 +11012,7 @@
                 <a:ea typeface="Franklin Gothic Book"/>
                 <a:cs typeface="Franklin Gothic Book"/>
               </a:rPr>
-              <a:t>プロモーション計画と戦略</a:t>
+              <a:t>Plan et stratégie de promotion</a:t>
             </a:r>
           </a:p>
           <a:p>
@@ -10962,7 +11031,7 @@
                 <a:ea typeface="Franklin Gothic Book"/>
                 <a:cs typeface="Franklin Gothic Book"/>
               </a:rPr>
-              <a:t>期待される成果と課題</a:t>
+              <a:t>Résultats attendus et défis à relever</a:t>
             </a:r>
           </a:p>
           <a:p>
@@ -10981,7 +11050,7 @@
                 <a:ea typeface="Franklin Gothic Book"/>
                 <a:cs typeface="Franklin Gothic Book"/>
               </a:rPr>
-              <a:t>推奨事項と結論</a:t>
+              <a:t>Recommandations et conclusions</a:t>
             </a:r>
           </a:p>
         </p:txBody>
@@ -11322,7 +11391,7 @@
         </p:spPr>
         <p:txBody>
           <a:bodyPr vert="horz" lIns="0" tIns="45720" rIns="0" bIns="45720" rtlCol="0">
-            <a:normAutofit/>
+            <a:normAutofit fontScale="95000" lnSpcReduction="20000"/>
           </a:bodyPr>
           <a:lstStyle/>
           <a:p>
@@ -11341,7 +11410,7 @@
                 <a:ea typeface="Franklin Gothic Book"/>
                 <a:cs typeface="Franklin Gothic Book"/>
               </a:rPr>
-              <a:t>製品の説明、特徴、利点</a:t>
+              <a:t>Description du produit, caractéristiques et avantages</a:t>
             </a:r>
           </a:p>
           <a:p>
@@ -11360,7 +11429,7 @@
                 <a:ea typeface="Franklin Gothic Book"/>
                 <a:cs typeface="Franklin Gothic Book"/>
               </a:rPr>
-              <a:t>ラテン アメリカの市場の動向と需要</a:t>
+              <a:t>Tendances du marché et de la demande en Amérique latine</a:t>
             </a:r>
           </a:p>
           <a:p>
@@ -11379,7 +11448,7 @@
                 <a:ea typeface="Franklin Gothic Book"/>
                 <a:cs typeface="Franklin Gothic Book"/>
               </a:rPr>
-              <a:t>ラテン アメリカにおける競合分析</a:t>
+              <a:t>Analyse concurrentielle en Amérique latine</a:t>
             </a:r>
           </a:p>
           <a:p>
@@ -11398,7 +11467,7 @@
                 <a:ea typeface="Franklin Gothic Book"/>
                 <a:cs typeface="Franklin Gothic Book"/>
               </a:rPr>
-              <a:t>ラテン アメリカにおける流通チャネル</a:t>
+              <a:t>Canaux de distribution en Amérique latine</a:t>
             </a:r>
           </a:p>
           <a:p>
@@ -11417,7 +11486,7 @@
                 <a:ea typeface="Franklin Gothic Book"/>
                 <a:cs typeface="Franklin Gothic Book"/>
               </a:rPr>
-              <a:t>ラテン アメリカにおけるプロモーション計画と戦略</a:t>
+              <a:t>Plan et stratégie de promotion en Amérique latine</a:t>
             </a:r>
           </a:p>
           <a:p>
@@ -11436,7 +11505,7 @@
                 <a:ea typeface="Franklin Gothic Book"/>
                 <a:cs typeface="Franklin Gothic Book"/>
               </a:rPr>
-              <a:t>期待される成果と課題</a:t>
+              <a:t>Résultats attendus et défis à relever</a:t>
             </a:r>
           </a:p>
           <a:p>
@@ -11455,7 +11524,7 @@
                 <a:ea typeface="Franklin Gothic Book"/>
                 <a:cs typeface="Franklin Gothic Book"/>
               </a:rPr>
-              <a:t>推奨事項と結論</a:t>
+              <a:t>Recommandations et conclusions</a:t>
             </a:r>
           </a:p>
         </p:txBody>
@@ -11890,7 +11959,7 @@
         </p:spPr>
         <p:txBody>
           <a:bodyPr vert="horz" lIns="0" tIns="45720" rIns="0" bIns="45720" rtlCol="0" anchor="ctr">
-            <a:normAutofit/>
+            <a:normAutofit lnSpcReduction="20000"/>
           </a:bodyPr>
           <a:lstStyle/>
           <a:p>
@@ -11909,7 +11978,7 @@
                 <a:ea typeface="Franklin Gothic Book"/>
                 <a:cs typeface="Franklin Gothic Book"/>
               </a:rPr>
-              <a:t>丁寧に作られたブレンド</a:t>
+              <a:t>Un mélange minutieusement élaboré</a:t>
             </a:r>
           </a:p>
           <a:p>
@@ -11928,7 +11997,7 @@
                 <a:ea typeface="Franklin Gothic Book"/>
                 <a:cs typeface="Franklin Gothic Book"/>
               </a:rPr>
-              <a:t>インドのチャイの時代を超えた伝統に敬意を表す</a:t>
+              <a:t>Un hommage aux traditions intemporelles du chaï indien</a:t>
             </a:r>
           </a:p>
           <a:p>
@@ -11947,7 +12016,7 @@
                 <a:ea typeface="Franklin Gothic Book"/>
                 <a:cs typeface="Franklin Gothic Book"/>
               </a:rPr>
-              <a:t>インドの活気に満ちた風景を巡る魅惑的な旅</a:t>
+              <a:t>Un voyage enchanteur à travers les paysages vibrants de l’Inde</a:t>
             </a:r>
           </a:p>
           <a:p>
@@ -11966,7 +12035,7 @@
                 <a:ea typeface="Franklin Gothic Book"/>
                 <a:cs typeface="Franklin Gothic Book"/>
               </a:rPr>
-              <a:t>本格的なチャイ体験をご自宅で</a:t>
+              <a:t>L’expérience authentique du chaï à domicile</a:t>
             </a:r>
           </a:p>
         </p:txBody>
@@ -12032,7 +12101,7 @@
                     <a:lstStyle/>
                     <a:p>
                       <a:r>
-                        <a:rPr lang="fr-FR" sz="3300" b="0" i="0" strike="noStrike" cap="none" baseline="0">
+                        <a:rPr lang="fr-FR" sz="3300" b="1" i="0" strike="noStrike" cap="none" baseline="0">
                           <a:solidFill>
                             <a:srgbClr val="FFFFFF"/>
                           </a:solidFill>
@@ -12041,7 +12110,7 @@
                           <a:ea typeface="Franklin Gothic Book"/>
                           <a:cs typeface="Franklin Gothic Book"/>
                         </a:rPr>
-                        <a:t>製品説明</a:t>
+                        <a:t>Description du produit</a:t>
                       </a:r>
                     </a:p>
                   </a:txBody>
@@ -12062,7 +12131,7 @@
                           <a:ea typeface="Franklin Gothic Book"/>
                           <a:cs typeface="Franklin Gothic Book"/>
                         </a:rPr>
-                        <a:t>Caractéristiques</a:t>
+                        <a:t>Fonctionnalités</a:t>
                       </a:r>
                     </a:p>
                   </a:txBody>
@@ -12083,7 +12152,7 @@
                           <a:ea typeface="Franklin Gothic Book"/>
                           <a:cs typeface="Franklin Gothic Book"/>
                         </a:rPr>
-                        <a:t>Avantages sociaux</a:t>
+                        <a:t>Avantages</a:t>
                       </a:r>
                     </a:p>
                   </a:txBody>
@@ -12111,7 +12180,7 @@
                           <a:ea typeface="Franklin Gothic Book"/>
                           <a:cs typeface="Franklin Gothic Book"/>
                         </a:rPr>
-                        <a:t>Mystic Spice Premium Chai Tea</a:t>
+                        <a:t>Thé chaï Mystic Spice Premium</a:t>
                       </a:r>
                     </a:p>
                   </a:txBody>
@@ -12132,7 +12201,7 @@
                           <a:ea typeface="Franklin Gothic Book"/>
                           <a:cs typeface="Franklin Gothic Book"/>
                         </a:rPr>
-                        <a:t>丁寧に作られたブレンド</a:t>
+                        <a:t>Un mélange minutieusement élaboré</a:t>
                       </a:r>
                     </a:p>
                   </a:txBody>
@@ -12153,7 +12222,7 @@
                           <a:ea typeface="Franklin Gothic Book"/>
                           <a:cs typeface="Franklin Gothic Book"/>
                         </a:rPr>
-                        <a:t>本格的なチャイ体験</a:t>
+                        <a:t>L’expérience authentique du chaï</a:t>
                       </a:r>
                     </a:p>
                   </a:txBody>
@@ -12305,7 +12374,7 @@
                 <a:ea typeface="Bookman Old Style"/>
                 <a:cs typeface="Bookman Old Style"/>
               </a:rPr>
-              <a:t>製品説明 (1/2)</a:t>
+              <a:t>Description du produit (1/2)</a:t>
             </a:r>
           </a:p>
         </p:txBody>
@@ -12450,7 +12519,7 @@
         </p:nvGraphicFramePr>
         <p:xfrm>
           <a:off x="1096963" y="2287915"/>
-          <a:ext cx="10058401" cy="3407281"/>
+          <a:ext cx="10058401" cy="3910914"/>
         </p:xfrm>
         <a:graphic>
           <a:graphicData uri="http://schemas.openxmlformats.org/drawingml/2006/table">
@@ -12515,7 +12584,7 @@
                         </a:spcAft>
                       </a:pPr>
                       <a:r>
-                        <a:rPr lang="fr-FR" sz="1400" b="0" i="0" strike="noStrike" cap="none" baseline="0">
+                        <a:rPr lang="fr-FR" sz="1400" b="1" i="0" strike="noStrike" cap="none" baseline="0">
                           <a:solidFill>
                             <a:srgbClr val="FFFFFF"/>
                           </a:solidFill>
@@ -12524,7 +12593,7 @@
                           <a:ea typeface="Franklin Gothic Book"/>
                           <a:cs typeface="Franklin Gothic Book"/>
                         </a:rPr>
-                        <a:t>製品説明</a:t>
+                        <a:t>Description du produit</a:t>
                       </a:r>
                       <a:endParaRPr lang="en-US" sz="2300">
                         <a:effectLst/>
@@ -12560,7 +12629,7 @@
                           <a:ea typeface="Franklin Gothic Book"/>
                           <a:cs typeface="Franklin Gothic Book"/>
                         </a:rPr>
-                        <a:t>Mystic Spice Premium Chai Tea</a:t>
+                        <a:t>Thé chaï Mystic Spice Premium</a:t>
                       </a:r>
                       <a:endParaRPr lang="en-US" sz="2300">
                         <a:effectLst/>
@@ -12589,7 +12658,7 @@
                           <a:ea typeface="Franklin Gothic Book"/>
                           <a:cs typeface="Franklin Gothic Book"/>
                         </a:rPr>
-                        <a:t>インドのチャイの時代を超越した伝統に敬意を表し、細心の注意を払って作られたブレンドである Mystic Spice Premium Chai Tea の豊かで香り高い抱擁をお楽しみください。</a:t>
+                        <a:t>Laissez-vous séduire par la richesse et l’arôme du thé chaï Mystic Spice Premium, un mélange méticuleusement élaboré qui rend hommage aux traditions intemporelles du chaï indien.</a:t>
                       </a:r>
                       <a:r>
                         <a:rPr lang="fr-FR" sz="1400" b="0" i="0" strike="noStrike" cap="none" baseline="0">
@@ -12613,7 +12682,7 @@
                           <a:ea typeface="Franklin Gothic Book"/>
                           <a:cs typeface="Franklin Gothic Book"/>
                         </a:rPr>
-                        <a:t>各カップはインドの活気に満ちた風景を巡る魅惑的な旅を提供し、自宅で本格的なチャイ体験をお届けします。</a:t>
+                        <a:t>Chaque tasse vous emmène dans un voyage enchanteur à travers les paysages vibrants de l’Inde, amenant directement chez vous cette expérience authentique du chaï.</a:t>
                       </a:r>
                       <a:endParaRPr lang="en-US" sz="2300">
                         <a:effectLst/>
@@ -12714,7 +12783,7 @@
                           <a:ea typeface="Franklin Gothic Book"/>
                           <a:cs typeface="Franklin Gothic Book"/>
                         </a:rPr>
-                        <a:t>Mélange authentique : Notre chai est un mélange harmonieux de feuilles de thé noir premium et une sélection signature d’épices de terre, y compris cannelle, cardamome, gousses, gingembre et poivre noir.</a:t>
+                        <a:t>Mélange authentique : notre chaï est un mélange harmonieux de feuilles de thé noir de haute qualité et une sélection signature d’épices moulues, notamment de la cannelle, de la cardamome, des clous de girofle, du gingembre et du poivre noir.</a:t>
                       </a:r>
                       <a:r>
                         <a:rPr lang="fr-FR" sz="1400" b="0" i="0" strike="noStrike" cap="none" baseline="0">
@@ -12738,7 +12807,7 @@
                           <a:ea typeface="Franklin Gothic Book"/>
                           <a:cs typeface="Franklin Gothic Book"/>
                         </a:rPr>
-                        <a:t>この古くから伝わるレシピは、一口飲むごとに本格的でしっかりとした味わいを約束します。</a:t>
+                        <a:t>Cette recette ancestrale promet une saveur authentique et puissante à chaque gorgée.</a:t>
                       </a:r>
                       <a:endParaRPr lang="en-US" sz="2300">
                         <a:effectLst/>
@@ -12767,7 +12836,7 @@
                           <a:ea typeface="Franklin Gothic Book"/>
                           <a:cs typeface="Franklin Gothic Book"/>
                         </a:rPr>
-                        <a:t>Ingrédients d’amélioration de la santé : chaque ingrédient du thé Chai Mystic Spice est choisi pour ses bienfaits naturels de santé.</a:t>
+                        <a:t>Ingrédients bénéfiques pour la santé : chaque ingrédient du thé Mystic Spice Chai est choisi pour ses bienfaits naturels pour la santé.</a:t>
                       </a:r>
                       <a:r>
                         <a:rPr lang="fr-FR" sz="1400" b="0" i="0" strike="noStrike" cap="none" baseline="0">
@@ -12791,7 +12860,7 @@
                           <a:ea typeface="Franklin Gothic Book"/>
                           <a:cs typeface="Franklin Gothic Book"/>
                         </a:rPr>
-                        <a:t>ジンジャーとカルダモンは消化を助け、シナモンは血糖値の調節を助け、クローブは抗酸化物質を高めます。</a:t>
+                        <a:t>Le gingembre et la cardamome facilitent la digestion, la cannelle aide à réguler la glycémie et les clous de girofle apportent une bonne dose d’antioxydants.</a:t>
                       </a:r>
                       <a:endParaRPr lang="en-US" sz="2300">
                         <a:effectLst/>
@@ -13125,7 +13194,7 @@
                 <a:ea typeface="Bookman Old Style"/>
                 <a:cs typeface="Bookman Old Style"/>
               </a:rPr>
-              <a:t>製品説明 (2/2)</a:t>
+              <a:t>Description du produit (2/2)</a:t>
             </a:r>
           </a:p>
         </p:txBody>
@@ -13205,7 +13274,7 @@
         </p:nvGraphicFramePr>
         <p:xfrm>
           <a:off x="5282335" y="1994843"/>
-          <a:ext cx="6275668" cy="3677462"/>
+          <a:ext cx="6275668" cy="4012742"/>
         </p:xfrm>
         <a:graphic>
           <a:graphicData uri="http://schemas.openxmlformats.org/drawingml/2006/table">
@@ -13270,7 +13339,7 @@
                         </a:spcAft>
                       </a:pPr>
                       <a:r>
-                        <a:rPr lang="fr-FR" sz="1100" b="0" i="0" strike="noStrike" cap="none" baseline="0">
+                        <a:rPr lang="fr-FR" sz="1100" b="1" i="0" strike="noStrike" cap="none" baseline="0">
                           <a:solidFill>
                             <a:srgbClr val="FFFFFF"/>
                           </a:solidFill>
@@ -13279,7 +13348,7 @@
                           <a:ea typeface="Franklin Gothic Book"/>
                           <a:cs typeface="Franklin Gothic Book"/>
                         </a:rPr>
-                        <a:t>製品説明</a:t>
+                        <a:t>Description du produit</a:t>
                       </a:r>
                       <a:endParaRPr lang="en-US" sz="1700">
                         <a:effectLst/>
@@ -13315,7 +13384,7 @@
                           <a:ea typeface="Franklin Gothic Book"/>
                           <a:cs typeface="Franklin Gothic Book"/>
                         </a:rPr>
-                        <a:t>Arôme riche et saveur : L’arôme chaud, épicé et profond, invigorant goût de notre chai font de la boisson parfaite pour commencer votre journée ou vous détendre le soir.</a:t>
+                        <a:t>Riche en arômes et saveurs : l’arôme chaud, épicé et le goût puissant et tonifiant de notre chaï en font la boisson parfaite pour commencer votre journée ou vous détendre le soir.</a:t>
                       </a:r>
                       <a:r>
                         <a:rPr lang="fr-FR" sz="1100" b="0" i="0" strike="noStrike" cap="none" baseline="0">
@@ -13339,7 +13408,7 @@
                           <a:ea typeface="Franklin Gothic Book"/>
                           <a:cs typeface="Franklin Gothic Book"/>
                         </a:rPr>
-                        <a:t>風味は強烈でありながらバランスが取れており、快適で心地よい体験を生み出します。</a:t>
+                        <a:t>Ses saveurs, à la fois intenses et équilibrées, créent une expérience réconfortante et apaisante.</a:t>
                       </a:r>
                       <a:endParaRPr lang="en-US" sz="1700">
                         <a:effectLst/>
@@ -13368,7 +13437,7 @@
                           <a:ea typeface="Franklin Gothic Book"/>
                           <a:cs typeface="Franklin Gothic Book"/>
                         </a:rPr>
-                        <a:t>Options de brassage polyvalentes : Que vous aimiez votre chai vapeur chaud, comme un thé glacé rafraîchissant, ou comme un latte crémeux, notre mélange est suffisamment polyvalent pour répondre à n’importe quelle préférence.</a:t>
+                        <a:t>Possibilités d’infusion diverses : que vous aimiez votre chaï brûlant, en thé glacé rafraîchissant, ou en latte crémeux, notre mélange est suffisamment polyvalent pour répondre à n’importe quelle préférence.</a:t>
                       </a:r>
                       <a:r>
                         <a:rPr lang="fr-FR" sz="1100" b="0" i="0" strike="noStrike" cap="none" baseline="0">
@@ -13392,7 +13461,7 @@
                           <a:ea typeface="Franklin Gothic Book"/>
                           <a:cs typeface="Franklin Gothic Book"/>
                         </a:rPr>
-                        <a:t>お好みの方法でチャイをお楽しみいただけるよう、簡単な淹れ方の説明書が付属しています。</a:t>
+                        <a:t>Des instructions de préparation faciles sont incluses pour vous aider à déguster votre chaï comme vous l’aimez.</a:t>
                       </a:r>
                       <a:endParaRPr lang="en-US" sz="1700">
                         <a:effectLst/>
@@ -13428,7 +13497,7 @@
                           <a:ea typeface="Franklin Gothic Book"/>
                           <a:cs typeface="Franklin Gothic Book"/>
                         </a:rPr>
-                        <a:t>Durablement sourced : Engagés à la durabilité, nous avons source nos ingrédients de fermes à petite échelle qui pratiquent l’agriculture biologique, garantissant non seulement la meilleure qualité, mais aussi le bien-être de notre planète.</a:t>
+                        <a:t>Sources durables : engagés envers la durabilité, nous nous approvisionnions auprès de fermes à petite échelle qui pratiquent l’agriculture biologique, garantissant non seulement la meilleure qualité, mais également le bien-être de notre planète.</a:t>
                       </a:r>
                       <a:endParaRPr lang="en-US" sz="1700">
                         <a:effectLst/>
@@ -13457,7 +13526,7 @@
                           <a:ea typeface="Franklin Gothic Book"/>
                           <a:cs typeface="Franklin Gothic Book"/>
                         </a:rPr>
-                        <a:t>Emballage élégant : Mystic Spice Chai Tea vient dans un emballage magnifiquement conçu et écologique, ce qui en fait un cadeau idéal pour les amateurs de thé ou un régal luxueux pour vous-même.</a:t>
+                        <a:t>Emballage élégant : le thé Mystic Spice Chai est proposé dans un emballage magnifiquement conçu et écologique, ce qui en fait un cadeau idéal pour les amateurs de thé ou un petit plaisir luxueux pour vous-même.</a:t>
                       </a:r>
                       <a:endParaRPr lang="en-US" sz="1700">
                         <a:effectLst/>
@@ -13493,7 +13562,7 @@
                           <a:ea typeface="Franklin Gothic Book"/>
                           <a:cs typeface="Franklin Gothic Book"/>
                         </a:rPr>
-                        <a:t>Garantie de satisfaction des clients : nous nous trouvons derrière notre produit et offrons une garantie de satisfaction.</a:t>
+                        <a:t>Satisfaction client garantie : nous répondons de notre produit pour vous garantir entière satisfaction.</a:t>
                       </a:r>
                       <a:r>
                         <a:rPr lang="fr-FR" sz="1100" b="0" i="0" strike="noStrike" cap="none" baseline="0">
@@ -13517,7 +13586,7 @@
                           <a:ea typeface="Franklin Gothic Book"/>
                           <a:cs typeface="Franklin Gothic Book"/>
                         </a:rPr>
-                        <a:t>Mystic Spice Chai Tea がお客様のご期待に添えない場合は、当社が改善するよう努めます。</a:t>
+                        <a:t>Si le thé chaï Mystic Spice ne répond pas à vos attentes, nous nous engageons à y remédier.</a:t>
                       </a:r>
                       <a:endParaRPr lang="en-US" sz="1700">
                         <a:effectLst/>
@@ -13546,7 +13615,7 @@
                           <a:ea typeface="Franklin Gothic Book"/>
                           <a:cs typeface="Franklin Gothic Book"/>
                         </a:rPr>
-                        <a:t>Idéal pour : amateurs de thé, individus conscients de la santé, amateurs de boissons chaudes, épicées, et toute personne cherchant à explorer les saveurs riches du chai indien traditionnel.</a:t>
+                        <a:t>Idéal pour : amateurs de thé, personnes soucieuses de leur santé, amateurs de boissons chaudes, épicées, et quiconque cherche à découvrir les saveurs riches du chaï indien traditionnel.</a:t>
                       </a:r>
                       <a:endParaRPr lang="en-US" sz="1700">
                         <a:effectLst/>
@@ -13804,7 +13873,7 @@
         </p:spPr>
         <p:txBody>
           <a:bodyPr vert="horz" lIns="91440" tIns="45720" rIns="91440" bIns="45720" rtlCol="0" anchor="b">
-            <a:normAutofit/>
+            <a:normAutofit fontScale="90000"/>
           </a:bodyPr>
           <a:lstStyle/>
           <a:p>
@@ -13818,7 +13887,7 @@
                 <a:ea typeface="Bookman Old Style"/>
                 <a:cs typeface="Bookman Old Style"/>
               </a:rPr>
-              <a:t>市場の動向と需要</a:t>
+              <a:t>Tendances du marché et de la demande</a:t>
             </a:r>
           </a:p>
         </p:txBody>
@@ -13902,7 +13971,7 @@
         </p:spPr>
         <p:txBody>
           <a:bodyPr vert="horz" lIns="0" tIns="45720" rIns="0" bIns="45720" rtlCol="0">
-            <a:normAutofit/>
+            <a:normAutofit fontScale="92500" lnSpcReduction="20000"/>
           </a:bodyPr>
           <a:lstStyle/>
           <a:p>
@@ -13921,7 +13990,7 @@
                 <a:ea typeface="Franklin Gothic Book"/>
                 <a:cs typeface="Franklin Gothic Book"/>
               </a:rPr>
-              <a:t>ラテン アメリカはチャイ ティーの素晴らしい機会を提供</a:t>
+              <a:t>L’Amérique latine offre de belles opportunités pour le thé chaï</a:t>
             </a:r>
           </a:p>
           <a:p>
@@ -13940,7 +14009,7 @@
                 <a:ea typeface="Franklin Gothic Book"/>
                 <a:cs typeface="Franklin Gothic Book"/>
               </a:rPr>
-              <a:t>健康的、自然的、そしてエキゾチックな製品に対する需要の高まり</a:t>
+              <a:t>Demande croissante de produits sains, naturels et exotiques</a:t>
             </a:r>
           </a:p>
           <a:p>
@@ -13959,7 +14028,7 @@
                 <a:ea typeface="Franklin Gothic Book"/>
                 <a:cs typeface="Franklin Gothic Book"/>
               </a:rPr>
-              <a:t>アルゼンチン、チリ、ウルグアイなどの国々で根強いお茶文化</a:t>
+              <a:t>Culture du thé bien implantée dans des pays comme l’Argentine, le Chili et l’Uruguay</a:t>
             </a:r>
           </a:p>
           <a:p>
@@ -13978,7 +14047,7 @@
                 <a:ea typeface="Franklin Gothic Book"/>
                 <a:cs typeface="Franklin Gothic Book"/>
               </a:rPr>
-              <a:t>チャイ ティーは紅茶とコーヒーの両方の愛好家を魅了</a:t>
+              <a:t>Le thé chaï peut séduire à la fois les amateurs de thé et de café</a:t>
             </a:r>
           </a:p>
           <a:p>
@@ -13997,7 +14066,7 @@
                 <a:ea typeface="Franklin Gothic Book"/>
                 <a:cs typeface="Franklin Gothic Book"/>
               </a:rPr>
-              <a:t>チャイ ティーはラテン アメリカの消費者のライフスタイルと好みにフィット</a:t>
+              <a:t>Le thé chaï correspond au style de vie et aux préférences des consommateurs latino-américains</a:t>
             </a:r>
           </a:p>
           <a:p>
@@ -14016,7 +14085,7 @@
                 <a:ea typeface="Franklin Gothic Book"/>
                 <a:cs typeface="Franklin Gothic Book"/>
               </a:rPr>
-              <a:t>世界のチャイ ティー市場規模は 2019 年に 19 億米ドルと評価された</a:t>
+              <a:t>Le marché mondial du thé chaï a été évalué à 1,9 milliards de dollars en 2019.</a:t>
             </a:r>
           </a:p>
           <a:p>
@@ -14035,7 +14104,7 @@
                 <a:ea typeface="Franklin Gothic Book"/>
                 <a:cs typeface="Franklin Gothic Book"/>
               </a:rPr>
-              <a:t>2020 年から 2027 年にかけて 5.5% の CAGR で成長すると予想</a:t>
+              <a:t>La croissance attendue atteindra un taux de croissance annuel moyen de 5,5 % entre 2020 et 2027</a:t>
             </a:r>
           </a:p>
           <a:p>
@@ -14054,7 +14123,7 @@
                 <a:ea typeface="Franklin Gothic Book"/>
                 <a:cs typeface="Franklin Gothic Book"/>
               </a:rPr>
-              <a:t>ラテン アメリカはチャイ ティーの最も急成長している地域の一つ</a:t>
+              <a:t>L’Amérique latine est l’une des régions où la croissance du thé chaï est la plus rapide</a:t>
             </a:r>
           </a:p>
           <a:p>
@@ -14073,7 +14142,7 @@
                 <a:ea typeface="Franklin Gothic Book"/>
                 <a:cs typeface="Franklin Gothic Book"/>
               </a:rPr>
-              <a:t>成長の主な原動力には、認知度の向上、可処分所得の増加、流通の拡大が含まれる</a:t>
+              <a:t>Les principaux moteurs de la croissance sont la sensibilisation croissante, l’augmentation du revenu disponible et l’expansion de la distribution.</a:t>
             </a:r>
           </a:p>
         </p:txBody>
@@ -14163,7 +14232,7 @@
         </p:nvGraphicFramePr>
         <p:xfrm>
           <a:off x="643192" y="1541387"/>
-          <a:ext cx="5115348" cy="3455187"/>
+          <a:ext cx="5115348" cy="4032972"/>
         </p:xfrm>
         <a:graphic>
           <a:graphicData uri="http://schemas.openxmlformats.org/drawingml/2006/table">
@@ -14239,7 +14308,7 @@
                     <a:lstStyle/>
                     <a:p>
                       <a:r>
-                        <a:rPr lang="fr-FR" sz="2000" b="0" i="0" strike="noStrike" cap="all" baseline="0">
+                        <a:rPr lang="fr-FR" sz="2000" b="1" i="0" strike="noStrike" cap="all" baseline="0">
                           <a:solidFill>
                             <a:srgbClr val="000000"/>
                           </a:solidFill>
@@ -14248,7 +14317,7 @@
                           <a:ea typeface="Franklin Gothic Book"/>
                           <a:cs typeface="Franklin Gothic Book"/>
                         </a:rPr>
-                        <a:t>チャイ ティー市場規模 (10 億米ドル)</a:t>
+                        <a:t>Taille du marché du thé chaï (milliards USD)</a:t>
                       </a:r>
                     </a:p>
                   </a:txBody>
@@ -14274,7 +14343,7 @@
                     <a:lstStyle/>
                     <a:p>
                       <a:r>
-                        <a:rPr lang="fr-FR" sz="2000" b="0" i="0" strike="noStrike" cap="all" baseline="0">
+                        <a:rPr lang="fr-FR" sz="2000" b="1" i="0" strike="noStrike" cap="all" baseline="0">
                           <a:solidFill>
                             <a:srgbClr val="000000"/>
                           </a:solidFill>
@@ -14283,7 +14352,7 @@
                           <a:ea typeface="Franklin Gothic Book"/>
                           <a:cs typeface="Franklin Gothic Book"/>
                         </a:rPr>
-                        <a:t>CAGR (2020 から 2027 年)</a:t>
+                        <a:t>CAGR (2020-2027)</a:t>
                       </a:r>
                     </a:p>
                   </a:txBody>
@@ -14774,7 +14843,7 @@
                 <a:ea typeface="Bookman Old Style"/>
                 <a:cs typeface="Bookman Old Style"/>
               </a:rPr>
-              <a:t>Canaux de distribution : Détaillants</a:t>
+              <a:t>Canaux de distribution : détaillants</a:t>
             </a:r>
           </a:p>
         </p:txBody>
@@ -14803,7 +14872,7 @@
         </p:spPr>
         <p:txBody>
           <a:bodyPr anchor="ctr">
-            <a:normAutofit/>
+            <a:normAutofit fontScale="97500" lnSpcReduction="10000"/>
           </a:bodyPr>
           <a:lstStyle/>
           <a:p>
@@ -14817,7 +14886,7 @@
                 <a:ea typeface="Franklin Gothic Book"/>
                 <a:cs typeface="Franklin Gothic Book"/>
               </a:rPr>
-              <a:t>Détaillants : Vendre des produits de thé Chai directement aux consommateurs</a:t>
+              <a:t>Détaillants : vendre du thé chaï directement aux consommateurs</a:t>
             </a:r>
           </a:p>
           <a:p>
@@ -14832,7 +14901,7 @@
                 <a:ea typeface="Franklin Gothic Book"/>
                 <a:cs typeface="Franklin Gothic Book"/>
               </a:rPr>
-              <a:t>スーパーマーケット、コンビニエンス ストア、専門店、カフェ、オンライン プラットフォーム</a:t>
+              <a:t>Supermarchés, magasins de proximité, magasins spécialisés, cafés et plateformes en ligne</a:t>
             </a:r>
           </a:p>
           <a:p>
@@ -14847,7 +14916,7 @@
                 <a:ea typeface="Franklin Gothic Book"/>
                 <a:cs typeface="Franklin Gothic Book"/>
               </a:rPr>
-              <a:t>消費者の認識、好み、購入に影響を与える</a:t>
+              <a:t>Influencer la perception, la préférence et l’achat des consommateurs</a:t>
             </a:r>
           </a:p>
           <a:p>
@@ -14862,7 +14931,7 @@
                 <a:ea typeface="Franklin Gothic Book"/>
                 <a:cs typeface="Franklin Gothic Book"/>
               </a:rPr>
-              <a:t>プロモーションや商品化のサポートを提供する</a:t>
+              <a:t>Offrir un support relatif aux procédures de promotion et de commercialisation</a:t>
             </a:r>
           </a:p>
           <a:p>
@@ -14877,7 +14946,7 @@
                 <a:ea typeface="Franklin Gothic Book"/>
                 <a:cs typeface="Franklin Gothic Book"/>
               </a:rPr>
-              <a:t>大手小売業者</a:t>
+              <a:t>Grands détaillants</a:t>
             </a:r>
           </a:p>
           <a:p>
@@ -14891,7 +14960,7 @@
                 <a:ea typeface="Franklin Gothic Book"/>
                 <a:cs typeface="Franklin Gothic Book"/>
               </a:rPr>
-              <a:t>Grossistes : vendre des produits de thé Chai en bloc aux détaillants</a:t>
+              <a:t>Grossistes : vendre du thé chaï en vrac aux détaillants</a:t>
             </a:r>
           </a:p>
           <a:p>
@@ -14905,7 +14974,7 @@
                 <a:ea typeface="Franklin Gothic Book"/>
                 <a:cs typeface="Franklin Gothic Book"/>
               </a:rPr>
-              <a:t>Distributeurs : Transport Chai tea products from manufacturers to retailers</a:t>
+              <a:t>Distributeurs : acheminer du thé chaï des fabricants jusqu’aux détaillants</a:t>
             </a:r>
           </a:p>
         </p:txBody>
@@ -15108,7 +15177,7 @@
                 <a:ea typeface="Bookman Old Style"/>
                 <a:cs typeface="Bookman Old Style"/>
               </a:rPr>
-              <a:t>Canaux de distribution : Grossistes</a:t>
+              <a:t>Canaux de distribution : grossistes</a:t>
             </a:r>
           </a:p>
         </p:txBody>
@@ -15137,7 +15206,7 @@
         </p:spPr>
         <p:txBody>
           <a:bodyPr anchor="ctr">
-            <a:normAutofit/>
+            <a:normAutofit fontScale="97500" lnSpcReduction="20000"/>
           </a:bodyPr>
           <a:lstStyle/>
           <a:p>
@@ -15151,7 +15220,7 @@
                 <a:ea typeface="Franklin Gothic Book"/>
                 <a:cs typeface="Franklin Gothic Book"/>
               </a:rPr>
-              <a:t>卸売業者は製造元や流通業者からチャイ ティー製品を大量に購入します</a:t>
+              <a:t>Les grossistes achètent le thé chaï en vrac auprès de fabricants ou de distributeurs.</a:t>
             </a:r>
           </a:p>
           <a:p>
@@ -15166,7 +15235,7 @@
                 <a:ea typeface="Franklin Gothic Book"/>
                 <a:cs typeface="Franklin Gothic Book"/>
               </a:rPr>
-              <a:t>小売業者や他の仲介業者に販売します</a:t>
+              <a:t>Ils le vendent ensuite à des détaillants ou à d’autres intermédiaires</a:t>
             </a:r>
           </a:p>
           <a:p>
@@ -15180,7 +15249,7 @@
                 <a:ea typeface="Franklin Gothic Book"/>
                 <a:cs typeface="Franklin Gothic Book"/>
               </a:rPr>
-              <a:t>卸売業者はチャイ ティー製品の需要と供給を結びつけます</a:t>
+              <a:t>Les grossistes font le lien entre l’offre et la demande de thé chaï</a:t>
             </a:r>
           </a:p>
           <a:p>
@@ -15195,7 +15264,7 @@
                 <a:ea typeface="Franklin Gothic Book"/>
                 <a:cs typeface="Franklin Gothic Book"/>
               </a:rPr>
-              <a:t>規模の経済、保管、輸送サービスを提供します</a:t>
+              <a:t>Ils offrent des économies d’échelle, de services de stockage et de transport.</a:t>
             </a:r>
           </a:p>
           <a:p>
@@ -15209,7 +15278,7 @@
                 <a:ea typeface="Franklin Gothic Book"/>
                 <a:cs typeface="Franklin Gothic Book"/>
               </a:rPr>
-              <a:t>卸売業者は市場情報、フィードバック、信用制度を提供します</a:t>
+              <a:t>Les grossistes fournissent des informations sur le marché, des données de retour et des facilités de crédit.</a:t>
             </a:r>
           </a:p>
         </p:txBody>

--- a/ResourceFiles/Mystic Spice Premium Chai Market Analysis Presentation.pptx
+++ b/ResourceFiles/Mystic Spice Premium Chai Market Analysis Presentation.pptx
@@ -1,6 +1,6 @@
 
 <file path=ppt/presentation.xml><?xml version="1.0" encoding="utf-8"?>
-<!--Generated by Aspose.Slides for Java 23.6.1-->
+<!--Generated by Aspose.Slides for Java 23.6-->
 <p:presentation xmlns:r="http://schemas.openxmlformats.org/officeDocument/2006/relationships" xmlns:a="http://schemas.openxmlformats.org/drawingml/2006/main" xmlns:p="http://schemas.openxmlformats.org/presentationml/2006/main" removePersonalInfoOnSave="1" saveSubsetFonts="1">
   <p:sldMasterIdLst>
     <p:sldMasterId id="2147483660" r:id="rId1"/>
@@ -8305,6 +8305,77 @@
           </a:prstGeom>
         </p:spPr>
       </p:pic>
+      <p:sp>
+        <p:nvSpPr>
+          <p:cNvPr id="20" name="TextBox"/>
+          <p:cNvSpPr txBox="1">
+            <a:spLocks noGrp="1" noSelect="1" noRot="1" noMove="1"/>
+          </p:cNvSpPr>
+          <p:nvPr/>
+        </p:nvSpPr>
+        <p:spPr>
+          <a:xfrm>
+            <a:off x="2890520" y="2644140"/>
+            <a:ext cx="6411372" cy="1569660"/>
+          </a:xfrm>
+          <a:prstGeom prst="rect">
+            <a:avLst/>
+          </a:prstGeom>
+          <a:noFill/>
+        </p:spPr>
+        <p:txBody>
+          <a:bodyPr wrap="none" rtlCol="0" anchor="ctr" anchorCtr="1">
+            <a:spAutoFit/>
+          </a:bodyPr>
+          <a:lstStyle>
+            <a:lvl1pPr algn="l">
+              <a:lnSpc>
+                <a:spcPct val="150000"/>
+              </a:lnSpc>
+              <a:spcBef>
+                <a:spcPct val="0"/>
+              </a:spcBef>
+              <a:spcAft>
+                <a:spcPct val="0"/>
+              </a:spcAft>
+              <a:defRPr lang="en-US" sz="3200" b="1" noProof="1" dirty="0">
+                <a:solidFill>
+                  <a:prstClr val="red">
+                    <a:lumOff val="30000"/>
+                    <a:alpha val="40000"/>
+                  </a:prstClr>
+                </a:solidFill>
+                <a:effectLst>
+                  <a:outerShdw blurRad="50800" dist="38100" algn="tr" rotWithShape="0">
+                    <a:prstClr val="black">
+                      <a:alpha val="80000"/>
+                    </a:prstClr>
+                  </a:outerShdw>
+                </a:effectLst>
+                <a:latin typeface="Calibri" pitchFamily="34" charset="0"/>
+              </a:defRPr>
+            </a:lvl1pPr>
+          </a:lstStyle>
+          <a:p>
+            <a:pPr algn="ctr"/>
+            <a:r>
+              <a:t>Evaluation only.</a:t>
+            </a:r>
+          </a:p>
+          <a:p>
+            <a:pPr algn="ctr"/>
+            <a:r>
+              <a:t>Created with Aspose.Slides for Java 23.6.</a:t>
+            </a:r>
+          </a:p>
+          <a:p>
+            <a:pPr algn="ctr"/>
+            <a:r>
+              <a:t>Copyright 2004-2023 Aspose Pty Ltd.</a:t>
+            </a:r>
+          </a:p>
+        </p:txBody>
+      </p:sp>
     </p:spTree>
     <p:extLst>
       <p:ext uri="{BB962C8B-B14F-4D97-AF65-F5344CB8AC3E}">
@@ -8960,6 +9031,77 @@
           </a:prstGeom>
         </p:spPr>
       </p:pic>
+      <p:sp>
+        <p:nvSpPr>
+          <p:cNvPr id="17" name="TextBox"/>
+          <p:cNvSpPr txBox="1">
+            <a:spLocks noGrp="1" noSelect="1" noRot="1" noMove="1"/>
+          </p:cNvSpPr>
+          <p:nvPr/>
+        </p:nvSpPr>
+        <p:spPr>
+          <a:xfrm>
+            <a:off x="2890520" y="2644140"/>
+            <a:ext cx="6411372" cy="1569660"/>
+          </a:xfrm>
+          <a:prstGeom prst="rect">
+            <a:avLst/>
+          </a:prstGeom>
+          <a:noFill/>
+        </p:spPr>
+        <p:txBody>
+          <a:bodyPr wrap="none" rtlCol="0" anchor="ctr" anchorCtr="1">
+            <a:spAutoFit/>
+          </a:bodyPr>
+          <a:lstStyle>
+            <a:lvl1pPr algn="l">
+              <a:lnSpc>
+                <a:spcPct val="150000"/>
+              </a:lnSpc>
+              <a:spcBef>
+                <a:spcPct val="0"/>
+              </a:spcBef>
+              <a:spcAft>
+                <a:spcPct val="0"/>
+              </a:spcAft>
+              <a:defRPr lang="en-US" sz="3200" b="1" noProof="1" dirty="0">
+                <a:solidFill>
+                  <a:prstClr val="red">
+                    <a:lumOff val="30000"/>
+                    <a:alpha val="40000"/>
+                  </a:prstClr>
+                </a:solidFill>
+                <a:effectLst>
+                  <a:outerShdw blurRad="50800" dist="38100" algn="tr" rotWithShape="0">
+                    <a:prstClr val="black">
+                      <a:alpha val="80000"/>
+                    </a:prstClr>
+                  </a:outerShdw>
+                </a:effectLst>
+                <a:latin typeface="Calibri" pitchFamily="34" charset="0"/>
+              </a:defRPr>
+            </a:lvl1pPr>
+          </a:lstStyle>
+          <a:p>
+            <a:pPr algn="ctr"/>
+            <a:r>
+              <a:t>Evaluation only.</a:t>
+            </a:r>
+          </a:p>
+          <a:p>
+            <a:pPr algn="ctr"/>
+            <a:r>
+              <a:t>Created with Aspose.Slides for Java 23.6.</a:t>
+            </a:r>
+          </a:p>
+          <a:p>
+            <a:pPr algn="ctr"/>
+            <a:r>
+              <a:t>Copyright 2004-2023 Aspose Pty Ltd.</a:t>
+            </a:r>
+          </a:p>
+        </p:txBody>
+      </p:sp>
     </p:spTree>
     <p:extLst>
       <p:ext uri="{BB962C8B-B14F-4D97-AF65-F5344CB8AC3E}">
@@ -9187,7 +9329,7 @@
         </p:spPr>
         <p:txBody>
           <a:bodyPr anchor="ctr">
-            <a:normAutofit fontScale="95000" lnSpcReduction="20000"/>
+            <a:normAutofit lnSpcReduction="20000"/>
           </a:bodyPr>
           <a:lstStyle/>
           <a:p>
@@ -9416,6 +9558,77 @@
                 <a:cs typeface="Franklin Gothic Book"/>
               </a:rPr>
               <a:t>Mise en œuvre et évaluation du plan et de la stratégie de promotion</a:t>
+            </a:r>
+          </a:p>
+        </p:txBody>
+      </p:sp>
+      <p:sp>
+        <p:nvSpPr>
+          <p:cNvPr id="11" name="TextBox"/>
+          <p:cNvSpPr txBox="1">
+            <a:spLocks noGrp="1" noSelect="1" noRot="1" noMove="1"/>
+          </p:cNvSpPr>
+          <p:nvPr/>
+        </p:nvSpPr>
+        <p:spPr>
+          <a:xfrm>
+            <a:off x="2890520" y="2644140"/>
+            <a:ext cx="6411372" cy="1569660"/>
+          </a:xfrm>
+          <a:prstGeom prst="rect">
+            <a:avLst/>
+          </a:prstGeom>
+          <a:noFill/>
+        </p:spPr>
+        <p:txBody>
+          <a:bodyPr wrap="none" rtlCol="0" anchor="ctr" anchorCtr="1">
+            <a:spAutoFit/>
+          </a:bodyPr>
+          <a:lstStyle>
+            <a:lvl1pPr algn="l">
+              <a:lnSpc>
+                <a:spcPct val="150000"/>
+              </a:lnSpc>
+              <a:spcBef>
+                <a:spcPct val="0"/>
+              </a:spcBef>
+              <a:spcAft>
+                <a:spcPct val="0"/>
+              </a:spcAft>
+              <a:defRPr lang="en-US" sz="3200" b="1" noProof="1" dirty="0">
+                <a:solidFill>
+                  <a:prstClr val="red">
+                    <a:lumOff val="30000"/>
+                    <a:alpha val="40000"/>
+                  </a:prstClr>
+                </a:solidFill>
+                <a:effectLst>
+                  <a:outerShdw blurRad="50800" dist="38100" algn="tr" rotWithShape="0">
+                    <a:prstClr val="black">
+                      <a:alpha val="80000"/>
+                    </a:prstClr>
+                  </a:outerShdw>
+                </a:effectLst>
+                <a:latin typeface="Calibri" pitchFamily="34" charset="0"/>
+              </a:defRPr>
+            </a:lvl1pPr>
+          </a:lstStyle>
+          <a:p>
+            <a:pPr algn="ctr"/>
+            <a:r>
+              <a:t>Evaluation only.</a:t>
+            </a:r>
+          </a:p>
+          <a:p>
+            <a:pPr algn="ctr"/>
+            <a:r>
+              <a:t>Created with Aspose.Slides for Java 23.6.</a:t>
+            </a:r>
+          </a:p>
+          <a:p>
+            <a:pPr algn="ctr"/>
+            <a:r>
+              <a:t>Copyright 2004-2023 Aspose Pty Ltd.</a:t>
             </a:r>
           </a:p>
         </p:txBody>
@@ -9847,6 +10060,77 @@
                 <a:cs typeface="Franklin Gothic Book"/>
               </a:rPr>
               <a:t>Augmentation de 25 % du taux de satisfaction et de fidélisation des consommateurs de thé chaï dans la région</a:t>
+            </a:r>
+          </a:p>
+        </p:txBody>
+      </p:sp>
+      <p:sp>
+        <p:nvSpPr>
+          <p:cNvPr id="17" name="TextBox"/>
+          <p:cNvSpPr txBox="1">
+            <a:spLocks noGrp="1" noSelect="1" noRot="1" noMove="1"/>
+          </p:cNvSpPr>
+          <p:nvPr/>
+        </p:nvSpPr>
+        <p:spPr>
+          <a:xfrm>
+            <a:off x="2890520" y="2644140"/>
+            <a:ext cx="6411372" cy="1569660"/>
+          </a:xfrm>
+          <a:prstGeom prst="rect">
+            <a:avLst/>
+          </a:prstGeom>
+          <a:noFill/>
+        </p:spPr>
+        <p:txBody>
+          <a:bodyPr wrap="none" rtlCol="0" anchor="ctr" anchorCtr="1">
+            <a:spAutoFit/>
+          </a:bodyPr>
+          <a:lstStyle>
+            <a:lvl1pPr algn="l">
+              <a:lnSpc>
+                <a:spcPct val="150000"/>
+              </a:lnSpc>
+              <a:spcBef>
+                <a:spcPct val="0"/>
+              </a:spcBef>
+              <a:spcAft>
+                <a:spcPct val="0"/>
+              </a:spcAft>
+              <a:defRPr lang="en-US" sz="3200" b="1" noProof="1" dirty="0">
+                <a:solidFill>
+                  <a:prstClr val="red">
+                    <a:lumOff val="30000"/>
+                    <a:alpha val="40000"/>
+                  </a:prstClr>
+                </a:solidFill>
+                <a:effectLst>
+                  <a:outerShdw blurRad="50800" dist="38100" algn="tr" rotWithShape="0">
+                    <a:prstClr val="black">
+                      <a:alpha val="80000"/>
+                    </a:prstClr>
+                  </a:outerShdw>
+                </a:effectLst>
+                <a:latin typeface="Calibri" pitchFamily="34" charset="0"/>
+              </a:defRPr>
+            </a:lvl1pPr>
+          </a:lstStyle>
+          <a:p>
+            <a:pPr algn="ctr"/>
+            <a:r>
+              <a:t>Evaluation only.</a:t>
+            </a:r>
+          </a:p>
+          <a:p>
+            <a:pPr algn="ctr"/>
+            <a:r>
+              <a:t>Created with Aspose.Slides for Java 23.6.</a:t>
+            </a:r>
+          </a:p>
+          <a:p>
+            <a:pPr algn="ctr"/>
+            <a:r>
+              <a:t>Copyright 2004-2023 Aspose Pty Ltd.</a:t>
             </a:r>
           </a:p>
         </p:txBody>
@@ -10078,7 +10362,7 @@
         </p:spPr>
         <p:txBody>
           <a:bodyPr anchor="ctr">
-            <a:normAutofit fontScale="85000" lnSpcReduction="20000"/>
+            <a:normAutofit fontScale="95000" lnSpcReduction="20000"/>
           </a:bodyPr>
           <a:lstStyle/>
           <a:p>
@@ -10149,6 +10433,77 @@
                 <a:cs typeface="Franklin Gothic Book"/>
               </a:rPr>
               <a:t>Des questions environnementales et sociales susceptibles d’affecter l’approvisionnement et la qualité des ingrédients du thé chaï</a:t>
+            </a:r>
+          </a:p>
+        </p:txBody>
+      </p:sp>
+      <p:sp>
+        <p:nvSpPr>
+          <p:cNvPr id="11" name="TextBox"/>
+          <p:cNvSpPr txBox="1">
+            <a:spLocks noGrp="1" noSelect="1" noRot="1" noMove="1"/>
+          </p:cNvSpPr>
+          <p:nvPr/>
+        </p:nvSpPr>
+        <p:spPr>
+          <a:xfrm>
+            <a:off x="2890520" y="2644140"/>
+            <a:ext cx="6411372" cy="1569660"/>
+          </a:xfrm>
+          <a:prstGeom prst="rect">
+            <a:avLst/>
+          </a:prstGeom>
+          <a:noFill/>
+        </p:spPr>
+        <p:txBody>
+          <a:bodyPr wrap="none" rtlCol="0" anchor="ctr" anchorCtr="1">
+            <a:spAutoFit/>
+          </a:bodyPr>
+          <a:lstStyle>
+            <a:lvl1pPr algn="l">
+              <a:lnSpc>
+                <a:spcPct val="150000"/>
+              </a:lnSpc>
+              <a:spcBef>
+                <a:spcPct val="0"/>
+              </a:spcBef>
+              <a:spcAft>
+                <a:spcPct val="0"/>
+              </a:spcAft>
+              <a:defRPr lang="en-US" sz="3200" b="1" noProof="1" dirty="0">
+                <a:solidFill>
+                  <a:prstClr val="red">
+                    <a:lumOff val="30000"/>
+                    <a:alpha val="40000"/>
+                  </a:prstClr>
+                </a:solidFill>
+                <a:effectLst>
+                  <a:outerShdw blurRad="50800" dist="38100" algn="tr" rotWithShape="0">
+                    <a:prstClr val="black">
+                      <a:alpha val="80000"/>
+                    </a:prstClr>
+                  </a:outerShdw>
+                </a:effectLst>
+                <a:latin typeface="Calibri" pitchFamily="34" charset="0"/>
+              </a:defRPr>
+            </a:lvl1pPr>
+          </a:lstStyle>
+          <a:p>
+            <a:pPr algn="ctr"/>
+            <a:r>
+              <a:t>Evaluation only.</a:t>
+            </a:r>
+          </a:p>
+          <a:p>
+            <a:pPr algn="ctr"/>
+            <a:r>
+              <a:t>Created with Aspose.Slides for Java 23.6.</a:t>
+            </a:r>
+          </a:p>
+          <a:p>
+            <a:pPr algn="ctr"/>
+            <a:r>
+              <a:t>Copyright 2004-2023 Aspose Pty Ltd.</a:t>
             </a:r>
           </a:p>
         </p:txBody>
@@ -10380,7 +10735,7 @@
         </p:spPr>
         <p:txBody>
           <a:bodyPr anchor="ctr">
-            <a:normAutofit fontScale="92500" lnSpcReduction="20000"/>
+            <a:normAutofit fontScale="95000" lnSpcReduction="20000"/>
           </a:bodyPr>
           <a:lstStyle/>
           <a:p>
@@ -10571,6 +10926,77 @@
                 <a:cs typeface="Franklin Gothic Book"/>
               </a:rPr>
               <a:t>Il fait l’objet de contrôles, d’évaluation et d’ajustements constants du plan et de la stratégie de promotion</a:t>
+            </a:r>
+          </a:p>
+        </p:txBody>
+      </p:sp>
+      <p:sp>
+        <p:nvSpPr>
+          <p:cNvPr id="11" name="TextBox"/>
+          <p:cNvSpPr txBox="1">
+            <a:spLocks noGrp="1" noSelect="1" noRot="1" noMove="1"/>
+          </p:cNvSpPr>
+          <p:nvPr/>
+        </p:nvSpPr>
+        <p:spPr>
+          <a:xfrm>
+            <a:off x="2890520" y="2644140"/>
+            <a:ext cx="6411372" cy="1569660"/>
+          </a:xfrm>
+          <a:prstGeom prst="rect">
+            <a:avLst/>
+          </a:prstGeom>
+          <a:noFill/>
+        </p:spPr>
+        <p:txBody>
+          <a:bodyPr wrap="none" rtlCol="0" anchor="ctr" anchorCtr="1">
+            <a:spAutoFit/>
+          </a:bodyPr>
+          <a:lstStyle>
+            <a:lvl1pPr algn="l">
+              <a:lnSpc>
+                <a:spcPct val="150000"/>
+              </a:lnSpc>
+              <a:spcBef>
+                <a:spcPct val="0"/>
+              </a:spcBef>
+              <a:spcAft>
+                <a:spcPct val="0"/>
+              </a:spcAft>
+              <a:defRPr lang="en-US" sz="3200" b="1" noProof="1" dirty="0">
+                <a:solidFill>
+                  <a:prstClr val="red">
+                    <a:lumOff val="30000"/>
+                    <a:alpha val="40000"/>
+                  </a:prstClr>
+                </a:solidFill>
+                <a:effectLst>
+                  <a:outerShdw blurRad="50800" dist="38100" algn="tr" rotWithShape="0">
+                    <a:prstClr val="black">
+                      <a:alpha val="80000"/>
+                    </a:prstClr>
+                  </a:outerShdw>
+                </a:effectLst>
+                <a:latin typeface="Calibri" pitchFamily="34" charset="0"/>
+              </a:defRPr>
+            </a:lvl1pPr>
+          </a:lstStyle>
+          <a:p>
+            <a:pPr algn="ctr"/>
+            <a:r>
+              <a:t>Evaluation only.</a:t>
+            </a:r>
+          </a:p>
+          <a:p>
+            <a:pPr algn="ctr"/>
+            <a:r>
+              <a:t>Created with Aspose.Slides for Java 23.6.</a:t>
+            </a:r>
+          </a:p>
+          <a:p>
+            <a:pPr algn="ctr"/>
+            <a:r>
+              <a:t>Copyright 2004-2023 Aspose Pty Ltd.</a:t>
             </a:r>
           </a:p>
         </p:txBody>
@@ -10898,7 +11324,7 @@
                 <a:ea typeface="Franklin Gothic Book"/>
                 <a:cs typeface="Franklin Gothic Book"/>
               </a:rPr>
-              <a:t>Description de produit</a:t>
+              <a:t>Description du produit</a:t>
             </a:r>
           </a:p>
           <a:p>
@@ -11051,6 +11477,77 @@
                 <a:cs typeface="Franklin Gothic Book"/>
               </a:rPr>
               <a:t>Recommandations et conclusions</a:t>
+            </a:r>
+          </a:p>
+        </p:txBody>
+      </p:sp>
+      <p:sp>
+        <p:nvSpPr>
+          <p:cNvPr id="20" name="TextBox"/>
+          <p:cNvSpPr txBox="1">
+            <a:spLocks noGrp="1" noSelect="1" noRot="1" noMove="1"/>
+          </p:cNvSpPr>
+          <p:nvPr/>
+        </p:nvSpPr>
+        <p:spPr>
+          <a:xfrm>
+            <a:off x="2890520" y="2644140"/>
+            <a:ext cx="6411372" cy="1569660"/>
+          </a:xfrm>
+          <a:prstGeom prst="rect">
+            <a:avLst/>
+          </a:prstGeom>
+          <a:noFill/>
+        </p:spPr>
+        <p:txBody>
+          <a:bodyPr wrap="none" rtlCol="0" anchor="ctr" anchorCtr="1">
+            <a:spAutoFit/>
+          </a:bodyPr>
+          <a:lstStyle>
+            <a:lvl1pPr algn="l">
+              <a:lnSpc>
+                <a:spcPct val="150000"/>
+              </a:lnSpc>
+              <a:spcBef>
+                <a:spcPct val="0"/>
+              </a:spcBef>
+              <a:spcAft>
+                <a:spcPct val="0"/>
+              </a:spcAft>
+              <a:defRPr lang="en-US" sz="3200" b="1" noProof="1" dirty="0">
+                <a:solidFill>
+                  <a:prstClr val="red">
+                    <a:lumOff val="30000"/>
+                    <a:alpha val="40000"/>
+                  </a:prstClr>
+                </a:solidFill>
+                <a:effectLst>
+                  <a:outerShdw blurRad="50800" dist="38100" algn="tr" rotWithShape="0">
+                    <a:prstClr val="black">
+                      <a:alpha val="80000"/>
+                    </a:prstClr>
+                  </a:outerShdw>
+                </a:effectLst>
+                <a:latin typeface="Calibri" pitchFamily="34" charset="0"/>
+              </a:defRPr>
+            </a:lvl1pPr>
+          </a:lstStyle>
+          <a:p>
+            <a:pPr algn="ctr"/>
+            <a:r>
+              <a:t>Evaluation only.</a:t>
+            </a:r>
+          </a:p>
+          <a:p>
+            <a:pPr algn="ctr"/>
+            <a:r>
+              <a:t>Created with Aspose.Slides for Java 23.6.</a:t>
+            </a:r>
+          </a:p>
+          <a:p>
+            <a:pPr algn="ctr"/>
+            <a:r>
+              <a:t>Copyright 2004-2023 Aspose Pty Ltd.</a:t>
             </a:r>
           </a:p>
         </p:txBody>
@@ -11391,7 +11888,7 @@
         </p:spPr>
         <p:txBody>
           <a:bodyPr vert="horz" lIns="0" tIns="45720" rIns="0" bIns="45720" rtlCol="0">
-            <a:normAutofit fontScale="95000" lnSpcReduction="20000"/>
+            <a:normAutofit lnSpcReduction="20000"/>
           </a:bodyPr>
           <a:lstStyle/>
           <a:p>
@@ -11562,6 +12059,77 @@
           </a:prstGeom>
         </p:spPr>
       </p:pic>
+      <p:sp>
+        <p:nvSpPr>
+          <p:cNvPr id="30" name="TextBox"/>
+          <p:cNvSpPr txBox="1">
+            <a:spLocks noGrp="1" noSelect="1" noRot="1" noMove="1"/>
+          </p:cNvSpPr>
+          <p:nvPr/>
+        </p:nvSpPr>
+        <p:spPr>
+          <a:xfrm>
+            <a:off x="2890520" y="2644140"/>
+            <a:ext cx="6411372" cy="1569660"/>
+          </a:xfrm>
+          <a:prstGeom prst="rect">
+            <a:avLst/>
+          </a:prstGeom>
+          <a:noFill/>
+        </p:spPr>
+        <p:txBody>
+          <a:bodyPr wrap="none" rtlCol="0" anchor="ctr" anchorCtr="1">
+            <a:spAutoFit/>
+          </a:bodyPr>
+          <a:lstStyle>
+            <a:lvl1pPr algn="l">
+              <a:lnSpc>
+                <a:spcPct val="150000"/>
+              </a:lnSpc>
+              <a:spcBef>
+                <a:spcPct val="0"/>
+              </a:spcBef>
+              <a:spcAft>
+                <a:spcPct val="0"/>
+              </a:spcAft>
+              <a:defRPr lang="en-US" sz="3200" b="1" noProof="1" dirty="0">
+                <a:solidFill>
+                  <a:prstClr val="red">
+                    <a:lumOff val="30000"/>
+                    <a:alpha val="40000"/>
+                  </a:prstClr>
+                </a:solidFill>
+                <a:effectLst>
+                  <a:outerShdw blurRad="50800" dist="38100" algn="tr" rotWithShape="0">
+                    <a:prstClr val="black">
+                      <a:alpha val="80000"/>
+                    </a:prstClr>
+                  </a:outerShdw>
+                </a:effectLst>
+                <a:latin typeface="Calibri" pitchFamily="34" charset="0"/>
+              </a:defRPr>
+            </a:lvl1pPr>
+          </a:lstStyle>
+          <a:p>
+            <a:pPr algn="ctr"/>
+            <a:r>
+              <a:t>Evaluation only.</a:t>
+            </a:r>
+          </a:p>
+          <a:p>
+            <a:pPr algn="ctr"/>
+            <a:r>
+              <a:t>Created with Aspose.Slides for Java 23.6.</a:t>
+            </a:r>
+          </a:p>
+          <a:p>
+            <a:pPr algn="ctr"/>
+            <a:r>
+              <a:t>Copyright 2004-2023 Aspose Pty Ltd.</a:t>
+            </a:r>
+          </a:p>
+        </p:txBody>
+      </p:sp>
     </p:spTree>
     <p:extLst>
       <p:ext uri="{BB962C8B-B14F-4D97-AF65-F5344CB8AC3E}">
@@ -11878,7 +12446,7 @@
                 <a:ea typeface="Bookman Old Style"/>
                 <a:cs typeface="Bookman Old Style"/>
               </a:rPr>
-              <a:t>Description de produit</a:t>
+              <a:t>Description du produit</a:t>
             </a:r>
           </a:p>
         </p:txBody>
@@ -11959,7 +12527,7 @@
         </p:spPr>
         <p:txBody>
           <a:bodyPr vert="horz" lIns="0" tIns="45720" rIns="0" bIns="45720" rtlCol="0" anchor="ctr">
-            <a:normAutofit lnSpcReduction="20000"/>
+            <a:normAutofit/>
           </a:bodyPr>
           <a:lstStyle/>
           <a:p>
@@ -12238,6 +12806,77 @@
           </a:graphicData>
         </a:graphic>
       </p:graphicFrame>
+      <p:sp>
+        <p:nvSpPr>
+          <p:cNvPr id="20" name="TextBox"/>
+          <p:cNvSpPr txBox="1">
+            <a:spLocks noGrp="1" noSelect="1" noRot="1" noMove="1"/>
+          </p:cNvSpPr>
+          <p:nvPr/>
+        </p:nvSpPr>
+        <p:spPr>
+          <a:xfrm>
+            <a:off x="2890520" y="2644140"/>
+            <a:ext cx="6411372" cy="1569660"/>
+          </a:xfrm>
+          <a:prstGeom prst="rect">
+            <a:avLst/>
+          </a:prstGeom>
+          <a:noFill/>
+        </p:spPr>
+        <p:txBody>
+          <a:bodyPr wrap="none" rtlCol="0" anchor="ctr" anchorCtr="1">
+            <a:spAutoFit/>
+          </a:bodyPr>
+          <a:lstStyle>
+            <a:lvl1pPr algn="l">
+              <a:lnSpc>
+                <a:spcPct val="150000"/>
+              </a:lnSpc>
+              <a:spcBef>
+                <a:spcPct val="0"/>
+              </a:spcBef>
+              <a:spcAft>
+                <a:spcPct val="0"/>
+              </a:spcAft>
+              <a:defRPr lang="en-US" sz="3200" b="1" noProof="1" dirty="0">
+                <a:solidFill>
+                  <a:prstClr val="red">
+                    <a:lumOff val="30000"/>
+                    <a:alpha val="40000"/>
+                  </a:prstClr>
+                </a:solidFill>
+                <a:effectLst>
+                  <a:outerShdw blurRad="50800" dist="38100" algn="tr" rotWithShape="0">
+                    <a:prstClr val="black">
+                      <a:alpha val="80000"/>
+                    </a:prstClr>
+                  </a:outerShdw>
+                </a:effectLst>
+                <a:latin typeface="Calibri" pitchFamily="34" charset="0"/>
+              </a:defRPr>
+            </a:lvl1pPr>
+          </a:lstStyle>
+          <a:p>
+            <a:pPr algn="ctr"/>
+            <a:r>
+              <a:t>Evaluation only.</a:t>
+            </a:r>
+          </a:p>
+          <a:p>
+            <a:pPr algn="ctr"/>
+            <a:r>
+              <a:t>Created with Aspose.Slides for Java 23.6.</a:t>
+            </a:r>
+          </a:p>
+          <a:p>
+            <a:pPr algn="ctr"/>
+            <a:r>
+              <a:t>Copyright 2004-2023 Aspose Pty Ltd.</a:t>
+            </a:r>
+          </a:p>
+        </p:txBody>
+      </p:sp>
     </p:spTree>
     <p:extLst>
       <p:ext uri="{BB962C8B-B14F-4D97-AF65-F5344CB8AC3E}">
@@ -12519,7 +13158,7 @@
         </p:nvGraphicFramePr>
         <p:xfrm>
           <a:off x="1096963" y="2287915"/>
-          <a:ext cx="10058401" cy="3910914"/>
+          <a:ext cx="10058401" cy="3554312"/>
         </p:xfrm>
         <a:graphic>
           <a:graphicData uri="http://schemas.openxmlformats.org/drawingml/2006/table">
@@ -12879,6 +13518,77 @@
           </a:graphicData>
         </a:graphic>
       </p:graphicFrame>
+      <p:sp>
+        <p:nvSpPr>
+          <p:cNvPr id="15" name="TextBox"/>
+          <p:cNvSpPr txBox="1">
+            <a:spLocks noGrp="1" noSelect="1" noRot="1" noMove="1"/>
+          </p:cNvSpPr>
+          <p:nvPr/>
+        </p:nvSpPr>
+        <p:spPr>
+          <a:xfrm>
+            <a:off x="2890520" y="2644140"/>
+            <a:ext cx="6411372" cy="1569660"/>
+          </a:xfrm>
+          <a:prstGeom prst="rect">
+            <a:avLst/>
+          </a:prstGeom>
+          <a:noFill/>
+        </p:spPr>
+        <p:txBody>
+          <a:bodyPr wrap="none" rtlCol="0" anchor="ctr" anchorCtr="1">
+            <a:spAutoFit/>
+          </a:bodyPr>
+          <a:lstStyle>
+            <a:lvl1pPr algn="l">
+              <a:lnSpc>
+                <a:spcPct val="150000"/>
+              </a:lnSpc>
+              <a:spcBef>
+                <a:spcPct val="0"/>
+              </a:spcBef>
+              <a:spcAft>
+                <a:spcPct val="0"/>
+              </a:spcAft>
+              <a:defRPr lang="en-US" sz="3200" b="1" noProof="1" dirty="0">
+                <a:solidFill>
+                  <a:prstClr val="red">
+                    <a:lumOff val="30000"/>
+                    <a:alpha val="40000"/>
+                  </a:prstClr>
+                </a:solidFill>
+                <a:effectLst>
+                  <a:outerShdw blurRad="50800" dist="38100" algn="tr" rotWithShape="0">
+                    <a:prstClr val="black">
+                      <a:alpha val="80000"/>
+                    </a:prstClr>
+                  </a:outerShdw>
+                </a:effectLst>
+                <a:latin typeface="Calibri" pitchFamily="34" charset="0"/>
+              </a:defRPr>
+            </a:lvl1pPr>
+          </a:lstStyle>
+          <a:p>
+            <a:pPr algn="ctr"/>
+            <a:r>
+              <a:t>Evaluation only.</a:t>
+            </a:r>
+          </a:p>
+          <a:p>
+            <a:pPr algn="ctr"/>
+            <a:r>
+              <a:t>Created with Aspose.Slides for Java 23.6.</a:t>
+            </a:r>
+          </a:p>
+          <a:p>
+            <a:pPr algn="ctr"/>
+            <a:r>
+              <a:t>Copyright 2004-2023 Aspose Pty Ltd.</a:t>
+            </a:r>
+          </a:p>
+        </p:txBody>
+      </p:sp>
     </p:spTree>
     <p:extLst>
       <p:ext uri="{BB962C8B-B14F-4D97-AF65-F5344CB8AC3E}">
@@ -13274,7 +13984,7 @@
         </p:nvGraphicFramePr>
         <p:xfrm>
           <a:off x="5282335" y="1994843"/>
-          <a:ext cx="6275668" cy="4012742"/>
+          <a:ext cx="6275668" cy="3509822"/>
         </p:xfrm>
         <a:graphic>
           <a:graphicData uri="http://schemas.openxmlformats.org/drawingml/2006/table">
@@ -13497,7 +14207,7 @@
                           <a:ea typeface="Franklin Gothic Book"/>
                           <a:cs typeface="Franklin Gothic Book"/>
                         </a:rPr>
-                        <a:t>Sources durables : engagés envers la durabilité, nous nous approvisionnions auprès de fermes à petite échelle qui pratiquent l’agriculture biologique, garantissant non seulement la meilleure qualité, mais également le bien-être de notre planète.</a:t>
+                        <a:t>Sources durables : engagés envers la durabilité, nous nous approvisionnons auprès de fermes à petite échelle qui pratiquent l’agriculture biologique, garantissant non seulement la meilleure qualité, mais également le bien-être de notre planète.</a:t>
                       </a:r>
                       <a:endParaRPr lang="en-US" sz="1700">
                         <a:effectLst/>
@@ -13634,6 +14344,77 @@
           </a:graphicData>
         </a:graphic>
       </p:graphicFrame>
+      <p:sp>
+        <p:nvSpPr>
+          <p:cNvPr id="19" name="TextBox"/>
+          <p:cNvSpPr txBox="1">
+            <a:spLocks noGrp="1" noSelect="1" noRot="1" noMove="1"/>
+          </p:cNvSpPr>
+          <p:nvPr/>
+        </p:nvSpPr>
+        <p:spPr>
+          <a:xfrm>
+            <a:off x="2890520" y="2644140"/>
+            <a:ext cx="6411372" cy="1569660"/>
+          </a:xfrm>
+          <a:prstGeom prst="rect">
+            <a:avLst/>
+          </a:prstGeom>
+          <a:noFill/>
+        </p:spPr>
+        <p:txBody>
+          <a:bodyPr wrap="none" rtlCol="0" anchor="ctr" anchorCtr="1">
+            <a:spAutoFit/>
+          </a:bodyPr>
+          <a:lstStyle>
+            <a:lvl1pPr algn="l">
+              <a:lnSpc>
+                <a:spcPct val="150000"/>
+              </a:lnSpc>
+              <a:spcBef>
+                <a:spcPct val="0"/>
+              </a:spcBef>
+              <a:spcAft>
+                <a:spcPct val="0"/>
+              </a:spcAft>
+              <a:defRPr lang="en-US" sz="3200" b="1" noProof="1" dirty="0">
+                <a:solidFill>
+                  <a:prstClr val="red">
+                    <a:lumOff val="30000"/>
+                    <a:alpha val="40000"/>
+                  </a:prstClr>
+                </a:solidFill>
+                <a:effectLst>
+                  <a:outerShdw blurRad="50800" dist="38100" algn="tr" rotWithShape="0">
+                    <a:prstClr val="black">
+                      <a:alpha val="80000"/>
+                    </a:prstClr>
+                  </a:outerShdw>
+                </a:effectLst>
+                <a:latin typeface="Calibri" pitchFamily="34" charset="0"/>
+              </a:defRPr>
+            </a:lvl1pPr>
+          </a:lstStyle>
+          <a:p>
+            <a:pPr algn="ctr"/>
+            <a:r>
+              <a:t>Evaluation only.</a:t>
+            </a:r>
+          </a:p>
+          <a:p>
+            <a:pPr algn="ctr"/>
+            <a:r>
+              <a:t>Created with Aspose.Slides for Java 23.6.</a:t>
+            </a:r>
+          </a:p>
+          <a:p>
+            <a:pPr algn="ctr"/>
+            <a:r>
+              <a:t>Copyright 2004-2023 Aspose Pty Ltd.</a:t>
+            </a:r>
+          </a:p>
+        </p:txBody>
+      </p:sp>
     </p:spTree>
     <p:extLst>
       <p:ext uri="{BB962C8B-B14F-4D97-AF65-F5344CB8AC3E}">
@@ -13971,7 +14752,7 @@
         </p:spPr>
         <p:txBody>
           <a:bodyPr vert="horz" lIns="0" tIns="45720" rIns="0" bIns="45720" rtlCol="0">
-            <a:normAutofit fontScale="92500" lnSpcReduction="20000"/>
+            <a:normAutofit fontScale="95000" lnSpcReduction="20000"/>
           </a:bodyPr>
           <a:lstStyle/>
           <a:p>
@@ -14232,7 +15013,7 @@
         </p:nvGraphicFramePr>
         <p:xfrm>
           <a:off x="643192" y="1541387"/>
-          <a:ext cx="5115348" cy="4032972"/>
+          <a:ext cx="5115348" cy="3728172"/>
         </p:xfrm>
         <a:graphic>
           <a:graphicData uri="http://schemas.openxmlformats.org/drawingml/2006/table">
@@ -14434,7 +15215,7 @@
                           <a:ea typeface="Franklin Gothic Book"/>
                           <a:cs typeface="Franklin Gothic Book"/>
                         </a:rPr>
-                        <a:t>1.9</a:t>
+                        <a:t>1,9</a:t>
                       </a:r>
                     </a:p>
                   </a:txBody>
@@ -14564,7 +15345,7 @@
                           <a:ea typeface="Franklin Gothic Book"/>
                           <a:cs typeface="Franklin Gothic Book"/>
                         </a:rPr>
-                        <a:t>S/O</a:t>
+                        <a:t>N/A</a:t>
                       </a:r>
                     </a:p>
                   </a:txBody>
@@ -14645,6 +15426,77 @@
           </a:graphicData>
         </a:graphic>
       </p:graphicFrame>
+      <p:sp>
+        <p:nvSpPr>
+          <p:cNvPr id="20" name="TextBox"/>
+          <p:cNvSpPr txBox="1">
+            <a:spLocks noGrp="1" noSelect="1" noRot="1" noMove="1"/>
+          </p:cNvSpPr>
+          <p:nvPr/>
+        </p:nvSpPr>
+        <p:spPr>
+          <a:xfrm>
+            <a:off x="2890520" y="2644140"/>
+            <a:ext cx="6411372" cy="1569660"/>
+          </a:xfrm>
+          <a:prstGeom prst="rect">
+            <a:avLst/>
+          </a:prstGeom>
+          <a:noFill/>
+        </p:spPr>
+        <p:txBody>
+          <a:bodyPr wrap="none" rtlCol="0" anchor="ctr" anchorCtr="1">
+            <a:spAutoFit/>
+          </a:bodyPr>
+          <a:lstStyle>
+            <a:lvl1pPr algn="l">
+              <a:lnSpc>
+                <a:spcPct val="150000"/>
+              </a:lnSpc>
+              <a:spcBef>
+                <a:spcPct val="0"/>
+              </a:spcBef>
+              <a:spcAft>
+                <a:spcPct val="0"/>
+              </a:spcAft>
+              <a:defRPr lang="en-US" sz="3200" b="1" noProof="1" dirty="0">
+                <a:solidFill>
+                  <a:prstClr val="red">
+                    <a:lumOff val="30000"/>
+                    <a:alpha val="40000"/>
+                  </a:prstClr>
+                </a:solidFill>
+                <a:effectLst>
+                  <a:outerShdw blurRad="50800" dist="38100" algn="tr" rotWithShape="0">
+                    <a:prstClr val="black">
+                      <a:alpha val="80000"/>
+                    </a:prstClr>
+                  </a:outerShdw>
+                </a:effectLst>
+                <a:latin typeface="Calibri" pitchFamily="34" charset="0"/>
+              </a:defRPr>
+            </a:lvl1pPr>
+          </a:lstStyle>
+          <a:p>
+            <a:pPr algn="ctr"/>
+            <a:r>
+              <a:t>Evaluation only.</a:t>
+            </a:r>
+          </a:p>
+          <a:p>
+            <a:pPr algn="ctr"/>
+            <a:r>
+              <a:t>Created with Aspose.Slides for Java 23.6.</a:t>
+            </a:r>
+          </a:p>
+          <a:p>
+            <a:pPr algn="ctr"/>
+            <a:r>
+              <a:t>Copyright 2004-2023 Aspose Pty Ltd.</a:t>
+            </a:r>
+          </a:p>
+        </p:txBody>
+      </p:sp>
     </p:spTree>
     <p:extLst>
       <p:ext uri="{BB962C8B-B14F-4D97-AF65-F5344CB8AC3E}">
@@ -14872,7 +15724,7 @@
         </p:spPr>
         <p:txBody>
           <a:bodyPr anchor="ctr">
-            <a:normAutofit fontScale="97500" lnSpcReduction="10000"/>
+            <a:normAutofit lnSpcReduction="20000"/>
           </a:bodyPr>
           <a:lstStyle/>
           <a:p>
@@ -14975,6 +15827,77 @@
                 <a:cs typeface="Franklin Gothic Book"/>
               </a:rPr>
               <a:t>Distributeurs : acheminer du thé chaï des fabricants jusqu’aux détaillants</a:t>
+            </a:r>
+          </a:p>
+        </p:txBody>
+      </p:sp>
+      <p:sp>
+        <p:nvSpPr>
+          <p:cNvPr id="11" name="TextBox"/>
+          <p:cNvSpPr txBox="1">
+            <a:spLocks noGrp="1" noSelect="1" noRot="1" noMove="1"/>
+          </p:cNvSpPr>
+          <p:nvPr/>
+        </p:nvSpPr>
+        <p:spPr>
+          <a:xfrm>
+            <a:off x="2890520" y="2644140"/>
+            <a:ext cx="6411372" cy="1569660"/>
+          </a:xfrm>
+          <a:prstGeom prst="rect">
+            <a:avLst/>
+          </a:prstGeom>
+          <a:noFill/>
+        </p:spPr>
+        <p:txBody>
+          <a:bodyPr wrap="none" rtlCol="0" anchor="ctr" anchorCtr="1">
+            <a:spAutoFit/>
+          </a:bodyPr>
+          <a:lstStyle>
+            <a:lvl1pPr algn="l">
+              <a:lnSpc>
+                <a:spcPct val="150000"/>
+              </a:lnSpc>
+              <a:spcBef>
+                <a:spcPct val="0"/>
+              </a:spcBef>
+              <a:spcAft>
+                <a:spcPct val="0"/>
+              </a:spcAft>
+              <a:defRPr lang="en-US" sz="3200" b="1" noProof="1" dirty="0">
+                <a:solidFill>
+                  <a:prstClr val="red">
+                    <a:lumOff val="30000"/>
+                    <a:alpha val="40000"/>
+                  </a:prstClr>
+                </a:solidFill>
+                <a:effectLst>
+                  <a:outerShdw blurRad="50800" dist="38100" algn="tr" rotWithShape="0">
+                    <a:prstClr val="black">
+                      <a:alpha val="80000"/>
+                    </a:prstClr>
+                  </a:outerShdw>
+                </a:effectLst>
+                <a:latin typeface="Calibri" pitchFamily="34" charset="0"/>
+              </a:defRPr>
+            </a:lvl1pPr>
+          </a:lstStyle>
+          <a:p>
+            <a:pPr algn="ctr"/>
+            <a:r>
+              <a:t>Evaluation only.</a:t>
+            </a:r>
+          </a:p>
+          <a:p>
+            <a:pPr algn="ctr"/>
+            <a:r>
+              <a:t>Created with Aspose.Slides for Java 23.6.</a:t>
+            </a:r>
+          </a:p>
+          <a:p>
+            <a:pPr algn="ctr"/>
+            <a:r>
+              <a:t>Copyright 2004-2023 Aspose Pty Ltd.</a:t>
             </a:r>
           </a:p>
         </p:txBody>
@@ -15206,7 +16129,7 @@
         </p:spPr>
         <p:txBody>
           <a:bodyPr anchor="ctr">
-            <a:normAutofit fontScale="97500" lnSpcReduction="20000"/>
+            <a:normAutofit/>
           </a:bodyPr>
           <a:lstStyle/>
           <a:p>
@@ -15279,6 +16202,77 @@
                 <a:cs typeface="Franklin Gothic Book"/>
               </a:rPr>
               <a:t>Les grossistes fournissent des informations sur le marché, des données de retour et des facilités de crédit.</a:t>
+            </a:r>
+          </a:p>
+        </p:txBody>
+      </p:sp>
+      <p:sp>
+        <p:nvSpPr>
+          <p:cNvPr id="11" name="TextBox"/>
+          <p:cNvSpPr txBox="1">
+            <a:spLocks noGrp="1" noSelect="1" noRot="1" noMove="1"/>
+          </p:cNvSpPr>
+          <p:nvPr/>
+        </p:nvSpPr>
+        <p:spPr>
+          <a:xfrm>
+            <a:off x="2890520" y="2644140"/>
+            <a:ext cx="6411372" cy="1569660"/>
+          </a:xfrm>
+          <a:prstGeom prst="rect">
+            <a:avLst/>
+          </a:prstGeom>
+          <a:noFill/>
+        </p:spPr>
+        <p:txBody>
+          <a:bodyPr wrap="none" rtlCol="0" anchor="ctr" anchorCtr="1">
+            <a:spAutoFit/>
+          </a:bodyPr>
+          <a:lstStyle>
+            <a:lvl1pPr algn="l">
+              <a:lnSpc>
+                <a:spcPct val="150000"/>
+              </a:lnSpc>
+              <a:spcBef>
+                <a:spcPct val="0"/>
+              </a:spcBef>
+              <a:spcAft>
+                <a:spcPct val="0"/>
+              </a:spcAft>
+              <a:defRPr lang="en-US" sz="3200" b="1" noProof="1" dirty="0">
+                <a:solidFill>
+                  <a:prstClr val="red">
+                    <a:lumOff val="30000"/>
+                    <a:alpha val="40000"/>
+                  </a:prstClr>
+                </a:solidFill>
+                <a:effectLst>
+                  <a:outerShdw blurRad="50800" dist="38100" algn="tr" rotWithShape="0">
+                    <a:prstClr val="black">
+                      <a:alpha val="80000"/>
+                    </a:prstClr>
+                  </a:outerShdw>
+                </a:effectLst>
+                <a:latin typeface="Calibri" pitchFamily="34" charset="0"/>
+              </a:defRPr>
+            </a:lvl1pPr>
+          </a:lstStyle>
+          <a:p>
+            <a:pPr algn="ctr"/>
+            <a:r>
+              <a:t>Evaluation only.</a:t>
+            </a:r>
+          </a:p>
+          <a:p>
+            <a:pPr algn="ctr"/>
+            <a:r>
+              <a:t>Created with Aspose.Slides for Java 23.6.</a:t>
+            </a:r>
+          </a:p>
+          <a:p>
+            <a:pPr algn="ctr"/>
+            <a:r>
+              <a:t>Copyright 2004-2023 Aspose Pty Ltd.</a:t>
             </a:r>
           </a:p>
         </p:txBody>
@@ -15300,10 +16294,10 @@
 
 <file path=ppt/tags/tag1.xml><?xml version="1.0" encoding="utf-8"?>
 <p:tagLst xmlns:p="http://schemas.openxmlformats.org/presentationml/2006/main">
-  <p:tag name="AS_OS" val="Unix 3.10.0.1160"/>
+  <p:tag name="AS_OS" val="Microsoft Windows NT 10.0"/>
   <p:tag name="AS_RELEASE_DATE" val="2023.06.30"/>
   <p:tag name="AS_TITLE" val="Aspose.Slides for Java"/>
-  <p:tag name="AS_VERSION" val="23.6.1"/>
+  <p:tag name="AS_VERSION" val="23.6"/>
 </p:tagLst>
 </file>
 

--- a/ResourceFiles/Mystic Spice Premium Chai Market Analysis Presentation.pptx
+++ b/ResourceFiles/Mystic Spice Premium Chai Market Analysis Presentation.pptx
@@ -1,34 +1,30 @@
 
 <file path=ppt/presentation.xml><?xml version="1.0" encoding="utf-8"?>
-<!--Generated by Aspose.Slides for Java 23.6-->
-<p:presentation xmlns:r="http://schemas.openxmlformats.org/officeDocument/2006/relationships" xmlns:a="http://schemas.openxmlformats.org/drawingml/2006/main" xmlns:p="http://schemas.openxmlformats.org/presentationml/2006/main" removePersonalInfoOnSave="1" saveSubsetFonts="1">
+<p:presentation xmlns:a="http://schemas.openxmlformats.org/drawingml/2006/main" xmlns:r="http://schemas.openxmlformats.org/officeDocument/2006/relationships" xmlns:p="http://schemas.openxmlformats.org/presentationml/2006/main" saveSubsetFonts="1">
   <p:sldMasterIdLst>
     <p:sldMasterId id="2147483660" r:id="rId1"/>
   </p:sldMasterIdLst>
   <p:notesMasterIdLst>
-    <p:notesMasterId r:id="rId2"/>
+    <p:notesMasterId r:id="rId16"/>
   </p:notesMasterIdLst>
   <p:sldIdLst>
-    <p:sldId id="256" r:id="rId3"/>
-    <p:sldId id="257" r:id="rId4"/>
-    <p:sldId id="258" r:id="rId5"/>
-    <p:sldId id="259" r:id="rId6"/>
-    <p:sldId id="260" r:id="rId7"/>
-    <p:sldId id="261" r:id="rId8"/>
-    <p:sldId id="262" r:id="rId9"/>
-    <p:sldId id="268" r:id="rId10"/>
-    <p:sldId id="269" r:id="rId11"/>
-    <p:sldId id="270" r:id="rId12"/>
-    <p:sldId id="271" r:id="rId13"/>
-    <p:sldId id="272" r:id="rId14"/>
-    <p:sldId id="273" r:id="rId15"/>
-    <p:sldId id="274" r:id="rId16"/>
+    <p:sldId id="256" r:id="rId2"/>
+    <p:sldId id="257" r:id="rId3"/>
+    <p:sldId id="258" r:id="rId4"/>
+    <p:sldId id="259" r:id="rId5"/>
+    <p:sldId id="260" r:id="rId6"/>
+    <p:sldId id="261" r:id="rId7"/>
+    <p:sldId id="262" r:id="rId8"/>
+    <p:sldId id="268" r:id="rId9"/>
+    <p:sldId id="269" r:id="rId10"/>
+    <p:sldId id="270" r:id="rId11"/>
+    <p:sldId id="271" r:id="rId12"/>
+    <p:sldId id="272" r:id="rId13"/>
+    <p:sldId id="273" r:id="rId14"/>
+    <p:sldId id="274" r:id="rId15"/>
   </p:sldIdLst>
   <p:sldSz cx="12192000" cy="6858000"/>
   <p:notesSz cx="6858000" cy="9144000"/>
-  <p:custDataLst>
-    <p:tags r:id="rId17"/>
-  </p:custDataLst>
   <p:defaultTextStyle>
     <a:defPPr>
       <a:defRPr lang="en-US"/>
@@ -133,8 +129,8 @@
 </file>
 
 <file path=ppt/notesMasters/notesMaster1.xml><?xml version="1.0" encoding="utf-8"?>
-<p:notesMaster xmlns:a="http://schemas.openxmlformats.org/drawingml/2006/main" xmlns:r="http://schemas.openxmlformats.org/officeDocument/2006/relationships" xmlns:m="http://schemas.openxmlformats.org/officeDocument/2006/math" xmlns:w="http://schemas.openxmlformats.org/wordprocessingml/2006/main" xmlns:wp="http://schemas.openxmlformats.org/drawingml/2006/wordprocessingDrawing" xmlns:a14="http://schemas.microsoft.com/office/drawing/2010/main" xmlns:mc="http://schemas.openxmlformats.org/markup-compatibility/2006" xmlns:p14="http://schemas.microsoft.com/office/powerpoint/2010/main" xmlns:p="http://schemas.openxmlformats.org/presentationml/2006/main">
-  <p:cSld name="">
+<p:notesMaster xmlns:a="http://schemas.openxmlformats.org/drawingml/2006/main" xmlns:r="http://schemas.openxmlformats.org/officeDocument/2006/relationships" xmlns:p="http://schemas.openxmlformats.org/presentationml/2006/main">
+  <p:cSld>
     <p:bg>
       <p:bgRef idx="1001">
         <a:schemeClr val="bg1"/>
@@ -150,6 +146,8 @@
         <a:xfrm>
           <a:off x="0" y="0"/>
           <a:ext cx="0" cy="0"/>
+          <a:chOff x="0" y="0"/>
+          <a:chExt cx="0" cy="0"/>
         </a:xfrm>
       </p:grpSpPr>
       <p:sp>
@@ -212,7 +210,7 @@
           <a:p>
             <a:fld id="{4B79337C-AD0D-499E-B6BA-802817985C42}" type="datetimeFigureOut">
               <a:rPr lang="en-US" smtClean="0"/>
-              <a:t>6/26/2024</a:t>
+              <a:t>5/30/2025</a:t>
             </a:fld>
             <a:endParaRPr lang="en-US"/>
           </a:p>
@@ -243,6 +241,13 @@
             </a:solidFill>
           </a:ln>
         </p:spPr>
+        <p:txBody>
+          <a:bodyPr vert="horz" lIns="91440" tIns="45720" rIns="91440" bIns="45720" rtlCol="0" anchor="ctr"/>
+          <a:lstStyle/>
+          <a:p>
+            <a:endParaRPr lang="en-US"/>
+          </a:p>
+        </p:txBody>
       </p:sp>
       <p:sp>
         <p:nvSpPr>
@@ -473,8 +478,8 @@
 </file>
 
 <file path=ppt/notesSlides/notesSlide1.xml><?xml version="1.0" encoding="utf-8"?>
-<p:notes xmlns:a="http://schemas.openxmlformats.org/drawingml/2006/main" xmlns:r="http://schemas.openxmlformats.org/officeDocument/2006/relationships" xmlns:m="http://schemas.openxmlformats.org/officeDocument/2006/math" xmlns:w="http://schemas.openxmlformats.org/wordprocessingml/2006/main" xmlns:wp="http://schemas.openxmlformats.org/drawingml/2006/wordprocessingDrawing" xmlns:a14="http://schemas.microsoft.com/office/drawing/2010/main" xmlns:mc="http://schemas.openxmlformats.org/markup-compatibility/2006" xmlns:p14="http://schemas.microsoft.com/office/powerpoint/2010/main" xmlns:p="http://schemas.openxmlformats.org/presentationml/2006/main">
-  <p:cSld name="">
+<p:notes xmlns:a="http://schemas.openxmlformats.org/drawingml/2006/main" xmlns:r="http://schemas.openxmlformats.org/officeDocument/2006/relationships" xmlns:p="http://schemas.openxmlformats.org/presentationml/2006/main">
+  <p:cSld>
     <p:spTree>
       <p:nvGrpSpPr>
         <p:cNvPr id="1" name=""/>
@@ -485,6 +490,8 @@
         <a:xfrm>
           <a:off x="0" y="0"/>
           <a:ext cx="0" cy="0"/>
+          <a:chOff x="0" y="0"/>
+          <a:chExt cx="0" cy="0"/>
         </a:xfrm>
       </p:grpSpPr>
       <p:sp>
@@ -515,60 +522,28 @@
           <a:lstStyle/>
           <a:p>
             <a:r>
-              <a:rPr lang="fr-FR" sz="1200" b="0" i="0" strike="noStrike" cap="none" baseline="0">
-                <a:solidFill>
-                  <a:srgbClr val="000000"/>
-                </a:solidFill>
-                <a:effectLst/>
-                <a:latin typeface="Aptos"/>
-                <a:ea typeface="Aptos"/>
-                <a:cs typeface="Aptos"/>
-              </a:rPr>
-              <a:t>Cette présentation a été générée automatiquement par PowerPoint Copilot sur la base du contenu trouvé dans ce document :</a:t>
-            </a:r>
-            <a:r>
-              <a:rPr sz="1200"/>
-              <a:t>
-</a:t>
-            </a:r>
-            <a:r>
-              <a:rPr lang="fr-FR" sz="1200" b="0" i="0" strike="noStrike" cap="none" baseline="0">
-                <a:solidFill>
-                  <a:srgbClr val="000000"/>
-                </a:solidFill>
-                <a:effectLst/>
-                <a:latin typeface="Aptos"/>
-                <a:ea typeface="Aptos"/>
-                <a:cs typeface="Aptos"/>
-              </a:rPr>
-              <a:t>https://microsoft-my.sharepoint.com/personal/dahans_microsoft_com/Documents/MS-4005/Market%20Analysis%20Report%20for%20Mystic%20Spice%20Premium%20Chai%20Tea.docx</a:t>
-            </a:r>
-            <a:r>
-              <a:rPr sz="1200"/>
-              <a:t>
-</a:t>
-            </a:r>
-            <a:r>
-              <a:rPr sz="1200"/>
-              <a:t>
-</a:t>
-            </a:r>
-            <a:r>
-              <a:rPr sz="1200"/>
-              <a:t>
-</a:t>
-            </a:r>
-            <a:r>
-              <a:rPr lang="fr-FR" sz="1200" b="0" i="0" strike="noStrike" cap="none" baseline="0">
-                <a:solidFill>
-                  <a:srgbClr val="000000"/>
-                </a:solidFill>
-                <a:effectLst/>
-                <a:latin typeface="Aptos"/>
-                <a:ea typeface="Aptos"/>
-                <a:cs typeface="Aptos"/>
-              </a:rPr>
-              <a:t>Le contenu généré par l’IA peut être incorrect.</a:t>
+              <a:rPr lang="fr-FR"/>
+              <a:t>Cette présentation a été générée automatiquement par PowerPoint Copilot à partir du contenu de ce document :</a:t>
+            </a:r>
+            <a:br>
+              <a:rPr lang="fr-FR"/>
+            </a:br>
+            <a:r>
+              <a:rPr lang="fr-FR"/>
+              <a:t>https://microsoft-my.sharepoint.com/personal/dahans_microsoft_com/Documents/MS-4005/Market%20Analysis%20Report%20for%20Mystic%20Spice%20Premium%20chaï%20Tea.docx</a:t>
+            </a:r>
+            <a:br>
+              <a:rPr lang="fr-FR"/>
+            </a:br>
+            <a:br>
+              <a:rPr lang="fr-FR"/>
+            </a:br>
+            <a:br>
+              <a:rPr lang="fr-FR"/>
+            </a:br>
+            <a:r>
+              <a:rPr lang="fr-FR"/>
+              <a:t>Il se peut que le contenu généré par l’IA comporte des erreurs.</a:t>
             </a:r>
           </a:p>
         </p:txBody>
@@ -610,8 +585,8 @@
 </file>
 
 <file path=ppt/notesSlides/notesSlide10.xml><?xml version="1.0" encoding="utf-8"?>
-<p:notes xmlns:a="http://schemas.openxmlformats.org/drawingml/2006/main" xmlns:r="http://schemas.openxmlformats.org/officeDocument/2006/relationships" xmlns:m="http://schemas.openxmlformats.org/officeDocument/2006/math" xmlns:w="http://schemas.openxmlformats.org/wordprocessingml/2006/main" xmlns:wp="http://schemas.openxmlformats.org/drawingml/2006/wordprocessingDrawing" xmlns:a14="http://schemas.microsoft.com/office/drawing/2010/main" xmlns:mc="http://schemas.openxmlformats.org/markup-compatibility/2006" xmlns:p14="http://schemas.microsoft.com/office/powerpoint/2010/main" xmlns:p="http://schemas.openxmlformats.org/presentationml/2006/main">
-  <p:cSld name="">
+<p:notes xmlns:a="http://schemas.openxmlformats.org/drawingml/2006/main" xmlns:r="http://schemas.openxmlformats.org/officeDocument/2006/relationships" xmlns:p="http://schemas.openxmlformats.org/presentationml/2006/main">
+  <p:cSld>
     <p:spTree>
       <p:nvGrpSpPr>
         <p:cNvPr id="1" name=""/>
@@ -622,6 +597,8 @@
         <a:xfrm>
           <a:off x="0" y="0"/>
           <a:ext cx="0" cy="0"/>
+          <a:chOff x="0" y="0"/>
+          <a:chExt cx="0" cy="0"/>
         </a:xfrm>
       </p:grpSpPr>
       <p:sp>
@@ -652,186 +629,33 @@
           <a:lstStyle/>
           <a:p>
             <a:r>
-              <a:rPr lang="fr-FR" sz="1200" b="0" i="0" strike="noStrike" cap="none" baseline="0">
-                <a:solidFill>
-                  <a:srgbClr val="000000"/>
-                </a:solidFill>
-                <a:effectLst/>
-                <a:latin typeface="Aptos"/>
-                <a:ea typeface="Aptos"/>
-                <a:cs typeface="Aptos"/>
-              </a:rPr>
-              <a:t>Les distributeurs représentent et distribuent les produits à base de thé chaï, facilitent leur circulation et leur vente et offrent des services de marketing, de vente et d’après-vente.</a:t>
-            </a:r>
-            <a:r>
-              <a:rPr lang="fr-FR" sz="1200" b="0" i="0" strike="noStrike" cap="none" baseline="0">
-                <a:solidFill>
-                  <a:srgbClr val="000000"/>
-                </a:solidFill>
-                <a:effectLst/>
-                <a:latin typeface="Aptos"/>
-                <a:ea typeface="Aptos"/>
-                <a:cs typeface="Aptos"/>
-              </a:rPr>
-              <a:t> </a:t>
-            </a:r>
-            <a:r>
-              <a:rPr lang="fr-FR" sz="1200" b="0" i="0" strike="noStrike" cap="none" baseline="0">
-                <a:solidFill>
-                  <a:srgbClr val="000000"/>
-                </a:solidFill>
-                <a:effectLst/>
-                <a:latin typeface="Aptos"/>
-                <a:ea typeface="Aptos"/>
-                <a:cs typeface="Aptos"/>
-              </a:rPr>
-              <a:t>Ils établissent et entretiennent des relations avec les détaillants et les consommateurs, et fournissent un support technique et logistique.</a:t>
-            </a:r>
-            <a:r>
-              <a:rPr lang="fr-FR" sz="1200" b="0" i="0" strike="noStrike" cap="none" baseline="0">
-                <a:solidFill>
-                  <a:srgbClr val="000000"/>
-                </a:solidFill>
-                <a:effectLst/>
-                <a:latin typeface="Aptos"/>
-                <a:ea typeface="Aptos"/>
-                <a:cs typeface="Aptos"/>
-              </a:rPr>
-              <a:t> </a:t>
-            </a:r>
-            <a:r>
-              <a:rPr lang="fr-FR" sz="1200" b="0" i="0" strike="noStrike" cap="none" baseline="0">
-                <a:solidFill>
-                  <a:srgbClr val="000000"/>
-                </a:solidFill>
-                <a:effectLst/>
-                <a:latin typeface="Aptos"/>
-                <a:ea typeface="Aptos"/>
-                <a:cs typeface="Aptos"/>
-              </a:rPr>
-              <a:t>Parmi les principaux distributeurs d’Amérique latine figurent Nestlé, Nestlé, Coca-Cola et PepsiCo.</a:t>
-            </a:r>
-            <a:r>
-              <a:rPr sz="1200"/>
-              <a:t>
-</a:t>
-            </a:r>
-            <a:r>
-              <a:rPr sz="1200"/>
-              <a:t>
-</a:t>
-            </a:r>
-            <a:r>
-              <a:rPr sz="1200"/>
-              <a:t>
-</a:t>
-            </a:r>
-            <a:r>
-              <a:rPr lang="fr-FR" sz="1200" b="0" i="0" strike="noStrike" cap="none" baseline="0">
-                <a:solidFill>
-                  <a:srgbClr val="000000"/>
-                </a:solidFill>
-                <a:effectLst/>
-                <a:latin typeface="Aptos"/>
-                <a:ea typeface="Aptos"/>
-                <a:cs typeface="Aptos"/>
-              </a:rPr>
-              <a:t>Contenu d’origine :</a:t>
-            </a:r>
-            <a:r>
-              <a:rPr sz="1200"/>
-              <a:t>
-</a:t>
-            </a:r>
-            <a:r>
-              <a:rPr lang="fr-FR" sz="1200" b="0" i="0" strike="noStrike" cap="none" baseline="0">
-                <a:solidFill>
-                  <a:srgbClr val="000000"/>
-                </a:solidFill>
-                <a:effectLst/>
-                <a:latin typeface="Aptos"/>
-                <a:ea typeface="Aptos"/>
-                <a:cs typeface="Aptos"/>
-              </a:rPr>
-              <a:t>Les distributeurs sont des entreprises qui représentent et distribuent le thé chaï au nom des fabricants ou des grossistes.</a:t>
-            </a:r>
-            <a:r>
-              <a:rPr lang="fr-FR" sz="1200" b="0" i="0" strike="noStrike" cap="none" baseline="0">
-                <a:solidFill>
-                  <a:srgbClr val="000000"/>
-                </a:solidFill>
-                <a:effectLst/>
-                <a:latin typeface="Aptos"/>
-                <a:ea typeface="Aptos"/>
-                <a:cs typeface="Aptos"/>
-              </a:rPr>
-              <a:t> </a:t>
-            </a:r>
-            <a:r>
-              <a:rPr lang="fr-FR" sz="1200" b="0" i="0" strike="noStrike" cap="none" baseline="0">
-                <a:solidFill>
-                  <a:srgbClr val="000000"/>
-                </a:solidFill>
-                <a:effectLst/>
-                <a:latin typeface="Aptos"/>
-                <a:ea typeface="Aptos"/>
-                <a:cs typeface="Aptos"/>
-              </a:rPr>
-              <a:t>Les distributeurs sont des agents qui facilitent la circulation et la vente du thé chaï sur les différents marchés et dans les différentes régions et qui peuvent offrir des services de marketing, de vente et d’après-vente pour les produits à base de thé chaï.</a:t>
-            </a:r>
-            <a:r>
-              <a:rPr lang="fr-FR" sz="1200" b="0" i="0" strike="noStrike" cap="none" baseline="0">
-                <a:solidFill>
-                  <a:srgbClr val="000000"/>
-                </a:solidFill>
-                <a:effectLst/>
-                <a:latin typeface="Aptos"/>
-                <a:ea typeface="Aptos"/>
-                <a:cs typeface="Aptos"/>
-              </a:rPr>
-              <a:t> </a:t>
-            </a:r>
-            <a:r>
-              <a:rPr lang="fr-FR" sz="1200" b="0" i="0" strike="noStrike" cap="none" baseline="0">
-                <a:solidFill>
-                  <a:srgbClr val="000000"/>
-                </a:solidFill>
-                <a:effectLst/>
-                <a:latin typeface="Aptos"/>
-                <a:ea typeface="Aptos"/>
-                <a:cs typeface="Aptos"/>
-              </a:rPr>
-              <a:t>Les distributeurs peuvent également établir et entretenir des relations avec les détaillants et les consommateurs, et fournir un support technique et logistique pour les produits à base de thé chaï.</a:t>
-            </a:r>
-            <a:r>
-              <a:rPr lang="fr-FR" sz="1200" b="0" i="0" strike="noStrike" cap="none" baseline="0">
-                <a:solidFill>
-                  <a:srgbClr val="000000"/>
-                </a:solidFill>
-                <a:effectLst/>
-                <a:latin typeface="Aptos"/>
-                <a:ea typeface="Aptos"/>
-                <a:cs typeface="Aptos"/>
-              </a:rPr>
-              <a:t> </a:t>
-            </a:r>
-            <a:r>
-              <a:rPr lang="fr-FR" sz="1200" b="0" i="0" strike="noStrike" cap="none" baseline="0">
-                <a:solidFill>
-                  <a:srgbClr val="000000"/>
-                </a:solidFill>
-                <a:effectLst/>
-                <a:latin typeface="Aptos"/>
-                <a:ea typeface="Aptos"/>
-                <a:cs typeface="Aptos"/>
-              </a:rPr>
-              <a:t>Parmi les principaux distributeurs de thé chaï en Amérique latine figurent Unilever, Nestle, Coca-Cola et PepsiCo.</a:t>
-            </a:r>
-            <a:r>
-              <a:rPr sz="1200"/>
-              <a:t>
-</a:t>
-            </a:r>
+              <a:rPr lang="fr-FR"/>
+              <a:t>Les distributeurs représentent et distribuent les produits à base de thé chaï, facilitent leur circulation et leur vente et offrent des services de marketing, de vente et d’après-vente. Ils établissent et entretiennent des relations avec les détaillants et les consommateurs, et fournissent un support technique et logistique. Les principaux distributeurs en Amérique latine sont Unilever, Nestlé, Coca-Cola et PepsiCo.</a:t>
+            </a:r>
+            <a:br>
+              <a:rPr lang="fr-FR"/>
+            </a:br>
+            <a:br>
+              <a:rPr lang="fr-FR"/>
+            </a:br>
+            <a:br>
+              <a:rPr lang="fr-FR"/>
+            </a:br>
+            <a:r>
+              <a:rPr lang="fr-FR"/>
+              <a:t>Contenu initial :</a:t>
+            </a:r>
+            <a:br>
+              <a:rPr lang="fr-FR"/>
+            </a:br>
+            <a:r>
+              <a:rPr lang="fr-FR"/>
+              <a:t>Les distributeurs sont des entreprises qui représentent et distribuent le thé chaï au nom des fabricants ou des grossistes. Les distributeurs sont des agents qui facilitent la circulation et la vente du thé chaï sur les différents marchés et dans les différentes régions et qui peuvent offrir des services de marketing, de vente et d’après-vente pour les produits à base de thé chaï. Les distributeurs peuvent également établir et entretenir des relations avec les détaillants et les consommateurs, et fournir un support technique et logistique pour les produits à base de thé chaï. Parmi les principaux distributeurs de thé chaï en Amérique latine figurent Unilever, Nestle, Coca-Cola et PepsiCo.</a:t>
+            </a:r>
+            <a:br>
+              <a:rPr lang="fr-FR"/>
+            </a:br>
+            <a:endParaRPr lang="fr-FR"/>
           </a:p>
         </p:txBody>
       </p:sp>
@@ -872,8 +696,8 @@
 </file>
 
 <file path=ppt/notesSlides/notesSlide11.xml><?xml version="1.0" encoding="utf-8"?>
-<p:notes xmlns:a="http://schemas.openxmlformats.org/drawingml/2006/main" xmlns:r="http://schemas.openxmlformats.org/officeDocument/2006/relationships" xmlns:m="http://schemas.openxmlformats.org/officeDocument/2006/math" xmlns:w="http://schemas.openxmlformats.org/wordprocessingml/2006/main" xmlns:wp="http://schemas.openxmlformats.org/drawingml/2006/wordprocessingDrawing" xmlns:a14="http://schemas.microsoft.com/office/drawing/2010/main" xmlns:mc="http://schemas.openxmlformats.org/markup-compatibility/2006" xmlns:p14="http://schemas.microsoft.com/office/powerpoint/2010/main" xmlns:p="http://schemas.openxmlformats.org/presentationml/2006/main">
-  <p:cSld name="">
+<p:notes xmlns:a="http://schemas.openxmlformats.org/drawingml/2006/main" xmlns:r="http://schemas.openxmlformats.org/officeDocument/2006/relationships" xmlns:p="http://schemas.openxmlformats.org/presentationml/2006/main">
+  <p:cSld>
     <p:spTree>
       <p:nvGrpSpPr>
         <p:cNvPr id="1" name=""/>
@@ -884,6 +708,8 @@
         <a:xfrm>
           <a:off x="0" y="0"/>
           <a:ext cx="0" cy="0"/>
+          <a:chOff x="0" y="0"/>
+          <a:chExt cx="0" cy="0"/>
         </a:xfrm>
       </p:grpSpPr>
       <p:sp>
@@ -914,359 +740,124 @@
           <a:lstStyle/>
           <a:p>
             <a:r>
-              <a:rPr lang="fr-FR" sz="1200" b="0" i="0" strike="noStrike" cap="none" baseline="0">
-                <a:solidFill>
-                  <a:srgbClr val="000000"/>
-                </a:solidFill>
-                <a:effectLst/>
-                <a:latin typeface="Aptos"/>
-                <a:ea typeface="Aptos"/>
-                <a:cs typeface="Aptos"/>
-              </a:rPr>
-              <a:t>Le plan et la stratégie de promotion du thé chaï en Amérique latine visent à accroître la notoriété du produit, à le positionner comme un produit haut de gamme, à encourager l’essai et l’achat, et à fidéliser les consommateurs.</a:t>
-            </a:r>
-            <a:r>
-              <a:rPr lang="fr-FR" sz="1200" b="0" i="0" strike="noStrike" cap="none" baseline="0">
-                <a:solidFill>
-                  <a:srgbClr val="000000"/>
-                </a:solidFill>
-                <a:effectLst/>
-                <a:latin typeface="Aptos"/>
-                <a:ea typeface="Aptos"/>
-                <a:cs typeface="Aptos"/>
-              </a:rPr>
-              <a:t> </a:t>
-            </a:r>
-            <a:r>
-              <a:rPr lang="fr-FR" sz="1200" b="0" i="0" strike="noStrike" cap="none" baseline="0">
-                <a:solidFill>
-                  <a:srgbClr val="000000"/>
-                </a:solidFill>
-                <a:effectLst/>
-                <a:latin typeface="Aptos"/>
-                <a:ea typeface="Aptos"/>
-                <a:cs typeface="Aptos"/>
-              </a:rPr>
-              <a:t>Les tactiques comprennent la création d’un nom de marque et d’un logo, le développement d’un site web et d’une présence sur les réseaux sociaux, le lancement d’une campagne de marketing numérique, la distribution d’échantillons gratuits, l’organisation d’événements et l’établissement de partenariats avec des entreprises locales.</a:t>
-            </a:r>
-            <a:r>
-              <a:rPr lang="fr-FR" sz="1200" b="0" i="0" strike="noStrike" cap="none" baseline="0">
-                <a:solidFill>
-                  <a:srgbClr val="000000"/>
-                </a:solidFill>
-                <a:effectLst/>
-                <a:latin typeface="Aptos"/>
-                <a:ea typeface="Aptos"/>
-                <a:cs typeface="Aptos"/>
-              </a:rPr>
-              <a:t> </a:t>
-            </a:r>
-            <a:r>
-              <a:rPr lang="fr-FR" sz="1200" b="0" i="0" strike="noStrike" cap="none" baseline="0">
-                <a:solidFill>
-                  <a:srgbClr val="000000"/>
-                </a:solidFill>
-                <a:effectLst/>
-                <a:latin typeface="Aptos"/>
-                <a:ea typeface="Aptos"/>
-                <a:cs typeface="Aptos"/>
-              </a:rPr>
-              <a:t>Le plan sera mis en œuvre sur une période de plus de 12 mois avec un budget de 100 000 $ et évalué à l’aide d’indicateurs de performance clés.</a:t>
-            </a:r>
-            <a:r>
-              <a:rPr sz="1200"/>
-              <a:t>
-</a:t>
-            </a:r>
-            <a:r>
-              <a:rPr sz="1200"/>
-              <a:t>
-</a:t>
-            </a:r>
-            <a:r>
-              <a:rPr sz="1200"/>
-              <a:t>
-</a:t>
-            </a:r>
-            <a:r>
-              <a:rPr lang="fr-FR" sz="1200" b="0" i="0" strike="noStrike" cap="none" baseline="0">
-                <a:solidFill>
-                  <a:srgbClr val="000000"/>
-                </a:solidFill>
-                <a:effectLst/>
-                <a:latin typeface="Aptos"/>
-                <a:ea typeface="Aptos"/>
-                <a:cs typeface="Aptos"/>
-              </a:rPr>
-              <a:t>Contenu d’origine :</a:t>
-            </a:r>
-            <a:r>
-              <a:rPr sz="1200"/>
-              <a:t>
-</a:t>
-            </a:r>
-            <a:r>
-              <a:rPr lang="fr-FR" sz="1200" b="0" i="0" strike="noStrike" cap="none" baseline="0">
-                <a:solidFill>
-                  <a:srgbClr val="000000"/>
-                </a:solidFill>
-                <a:effectLst/>
-                <a:latin typeface="Aptos"/>
-                <a:ea typeface="Aptos"/>
-                <a:cs typeface="Aptos"/>
-              </a:rPr>
-              <a:t>Plan de promotion et stratégie</a:t>
-            </a:r>
-            <a:r>
-              <a:rPr sz="1200"/>
-              <a:t>
-</a:t>
-            </a:r>
-            <a:r>
-              <a:rPr lang="fr-FR" sz="1200" b="0" i="0" strike="noStrike" cap="none" baseline="0">
-                <a:solidFill>
-                  <a:srgbClr val="000000"/>
-                </a:solidFill>
-                <a:effectLst/>
-                <a:latin typeface="Aptos"/>
-                <a:ea typeface="Aptos"/>
-                <a:cs typeface="Aptos"/>
-              </a:rPr>
-              <a:t>Le plan de promotion et la stratégie pour le thé chaï en Amérique latine vise à atteindre les objectifs suivants :</a:t>
-            </a:r>
-            <a:r>
-              <a:rPr sz="1200"/>
-              <a:t>
-</a:t>
-            </a:r>
-            <a:r>
-              <a:rPr lang="fr-FR" sz="1200" b="0" i="0" strike="noStrike" cap="none" baseline="0">
-                <a:solidFill>
-                  <a:srgbClr val="000000"/>
-                </a:solidFill>
-                <a:effectLst/>
-                <a:latin typeface="Aptos"/>
-                <a:ea typeface="Aptos"/>
-                <a:cs typeface="Aptos"/>
-              </a:rPr>
-              <a:t>·Accroître la prise de conscience et l’intérêt pour le thé chaï parmi le public cible</a:t>
-            </a:r>
-            <a:r>
-              <a:rPr sz="1200"/>
-              <a:t>
-</a:t>
-            </a:r>
-            <a:r>
-              <a:rPr lang="fr-FR" sz="1200" b="0" i="0" strike="noStrike" cap="none" baseline="0">
-                <a:solidFill>
-                  <a:srgbClr val="000000"/>
-                </a:solidFill>
-                <a:effectLst/>
-                <a:latin typeface="Aptos"/>
-                <a:ea typeface="Aptos"/>
-                <a:cs typeface="Aptos"/>
-              </a:rPr>
-              <a:t> Positionner le thé chaï comme un produit de haute qualité, naturel et sain qui offre une expérience unique et satisfaisante</a:t>
-            </a:r>
-            <a:r>
-              <a:rPr sz="1200"/>
-              <a:t>
-</a:t>
-            </a:r>
-            <a:r>
-              <a:rPr lang="fr-FR" sz="1200" b="0" i="0" strike="noStrike" cap="none" baseline="0">
-                <a:solidFill>
-                  <a:srgbClr val="000000"/>
-                </a:solidFill>
-                <a:effectLst/>
-                <a:latin typeface="Aptos"/>
-                <a:ea typeface="Aptos"/>
-                <a:cs typeface="Aptos"/>
-              </a:rPr>
-              <a:t> Encourager l’essai et l’achat de thé chaï par le biais de différents canaux et incitations</a:t>
-            </a:r>
-            <a:r>
-              <a:rPr sz="1200"/>
-              <a:t>
-</a:t>
-            </a:r>
-            <a:r>
-              <a:rPr lang="fr-FR" sz="1200" b="0" i="0" strike="noStrike" cap="none" baseline="0">
-                <a:solidFill>
-                  <a:srgbClr val="000000"/>
-                </a:solidFill>
-                <a:effectLst/>
-                <a:latin typeface="Aptos"/>
-                <a:ea typeface="Aptos"/>
-                <a:cs typeface="Aptos"/>
-              </a:rPr>
-              <a:t>·Renforcer la fidélité et la fidélisation entre les consommateurs de thé chaï par le biais de l’engagement et des commentaires</a:t>
-            </a:r>
-            <a:r>
-              <a:rPr sz="1200"/>
-              <a:t>
-</a:t>
-            </a:r>
-            <a:r>
-              <a:rPr lang="fr-FR" sz="1200" b="0" i="0" strike="noStrike" cap="none" baseline="0">
-                <a:solidFill>
-                  <a:srgbClr val="000000"/>
-                </a:solidFill>
-                <a:effectLst/>
-                <a:latin typeface="Aptos"/>
-                <a:ea typeface="Aptos"/>
-                <a:cs typeface="Aptos"/>
-              </a:rPr>
-              <a:t>Le plan de promotion et la stratégie pour le thé chaï en Amérique latine utilisera une combinaison de tactiques, telles que :</a:t>
-            </a:r>
-            <a:r>
-              <a:rPr sz="1200"/>
-              <a:t>
-</a:t>
-            </a:r>
-            <a:r>
-              <a:rPr lang="fr-FR" sz="1200" b="0" i="0" strike="noStrike" cap="none" baseline="0">
-                <a:solidFill>
-                  <a:srgbClr val="000000"/>
-                </a:solidFill>
-                <a:effectLst/>
-                <a:latin typeface="Aptos"/>
-                <a:ea typeface="Aptos"/>
-                <a:cs typeface="Aptos"/>
-              </a:rPr>
-              <a:t>·Création d’un nom et d’un logo de marque attrayant et inoubliable pour le thé chaï</a:t>
-            </a:r>
-            <a:r>
-              <a:rPr sz="1200"/>
-              <a:t>
-</a:t>
-            </a:r>
-            <a:r>
-              <a:rPr lang="fr-FR" sz="1200" b="0" i="0" strike="noStrike" cap="none" baseline="0">
-                <a:solidFill>
-                  <a:srgbClr val="000000"/>
-                </a:solidFill>
-                <a:effectLst/>
-                <a:latin typeface="Aptos"/>
-                <a:ea typeface="Aptos"/>
-                <a:cs typeface="Aptos"/>
-              </a:rPr>
-              <a:t> Développement d’un site web et d’une présence sur les réseaux sociaux pour le thé chaï qui présente ses avantages, fonctionnalités et histoires</a:t>
-            </a:r>
-            <a:r>
-              <a:rPr sz="1200"/>
-              <a:t>
-</a:t>
-            </a:r>
-            <a:r>
-              <a:rPr lang="fr-FR" sz="1200" b="0" i="0" strike="noStrike" cap="none" baseline="0">
-                <a:solidFill>
-                  <a:srgbClr val="000000"/>
-                </a:solidFill>
-                <a:effectLst/>
-                <a:latin typeface="Aptos"/>
-                <a:ea typeface="Aptos"/>
-                <a:cs typeface="Aptos"/>
-              </a:rPr>
-              <a:t>·Lancement d’une campagne marketing numérique qui utilise le marketing SEO, SEM, par e-mail et influenceurs pour atteindre et attirer des clients potentiels</a:t>
-            </a:r>
-            <a:r>
-              <a:rPr sz="1200"/>
-              <a:t>
-</a:t>
-            </a:r>
-            <a:r>
-              <a:rPr lang="fr-FR" sz="1200" b="0" i="0" strike="noStrike" cap="none" baseline="0">
-                <a:solidFill>
-                  <a:srgbClr val="000000"/>
-                </a:solidFill>
-                <a:effectLst/>
-                <a:latin typeface="Aptos"/>
-                <a:ea typeface="Aptos"/>
-                <a:cs typeface="Aptos"/>
-              </a:rPr>
-              <a:t> Distribution d’échantillons gratuits et de coupons de thé chaï sur des sites stratégiques, tels que les supermarchés, les cafés et les magasins de produits naturels</a:t>
-            </a:r>
-            <a:r>
-              <a:rPr sz="1200"/>
-              <a:t>
-</a:t>
-            </a:r>
-            <a:r>
-              <a:rPr lang="fr-FR" sz="1200" b="0" i="0" strike="noStrike" cap="none" baseline="0">
-                <a:solidFill>
-                  <a:srgbClr val="000000"/>
-                </a:solidFill>
-                <a:effectLst/>
-                <a:latin typeface="Aptos"/>
-                <a:ea typeface="Aptos"/>
-                <a:cs typeface="Aptos"/>
-              </a:rPr>
-              <a:t> Organisation d’événements et de concours qui invitent les gens à essayer et partager le thé chaï avec leurs amis et leur famille</a:t>
-            </a:r>
-            <a:r>
-              <a:rPr sz="1200"/>
-              <a:t>
-</a:t>
-            </a:r>
-            <a:r>
-              <a:rPr lang="fr-FR" sz="1200" b="0" i="0" strike="noStrike" cap="none" baseline="0">
-                <a:solidFill>
-                  <a:srgbClr val="000000"/>
-                </a:solidFill>
-                <a:effectLst/>
-                <a:latin typeface="Aptos"/>
-                <a:ea typeface="Aptos"/>
-                <a:cs typeface="Aptos"/>
-              </a:rPr>
-              <a:t>·Partenariat avec des entreprises et organisations locales qui partagent les mêmes valeurs et vision que le thé chaï</a:t>
-            </a:r>
-            <a:r>
-              <a:rPr sz="1200"/>
-              <a:t>
-</a:t>
-            </a:r>
-            <a:r>
-              <a:rPr lang="fr-FR" sz="1200" b="0" i="0" strike="noStrike" cap="none" baseline="0">
-                <a:solidFill>
-                  <a:srgbClr val="000000"/>
-                </a:solidFill>
-                <a:effectLst/>
-                <a:latin typeface="Aptos"/>
-                <a:ea typeface="Aptos"/>
-                <a:cs typeface="Aptos"/>
-              </a:rPr>
-              <a:t>Le plan de promotion et la stratégie pour le thé chaï en Amérique latine seront mis en œuvre sur une période de plus de 12 mois, avec un budget de 100 000 $.</a:t>
-            </a:r>
-            <a:r>
-              <a:rPr lang="fr-FR" sz="1200" b="0" i="0" strike="noStrike" cap="none" baseline="0">
-                <a:solidFill>
-                  <a:srgbClr val="000000"/>
-                </a:solidFill>
-                <a:effectLst/>
-                <a:latin typeface="Aptos"/>
-                <a:ea typeface="Aptos"/>
-                <a:cs typeface="Aptos"/>
-              </a:rPr>
-              <a:t> </a:t>
-            </a:r>
-            <a:r>
-              <a:rPr lang="fr-FR" sz="1200" b="0" i="0" strike="noStrike" cap="none" baseline="0">
-                <a:solidFill>
-                  <a:srgbClr val="000000"/>
-                </a:solidFill>
-                <a:effectLst/>
-                <a:latin typeface="Aptos"/>
-                <a:ea typeface="Aptos"/>
-                <a:cs typeface="Aptos"/>
-              </a:rPr>
-              <a:t>Le plan sera contrôlé et évalué à l’aide d’indicateurs de performance clés, tels que le trafic sur le site web, l’engagement sur les réseaux sociaux, les taux d’ouverture des e-mails, les taux de conversion, le volume des ventes, la satisfaction des clients et les taux de fidélisation.</a:t>
-            </a:r>
-            <a:r>
-              <a:rPr sz="1200"/>
-              <a:t>
-</a:t>
-            </a:r>
+              <a:rPr lang="fr-FR"/>
+              <a:t>Le plan et la stratégie de promotion du thé chaï en Amérique latine visent à accroître la notoriété du produit, à le positionner comme un produit haut de gamme, à encourager l’essai et l’achat, et à fidéliser les consommateurs. Les tactiques comprennent la création d’un nom de marque et d’un logo, le développement d’un site web et d’une présence sur les réseaux sociaux, le lancement d’une campagne de marketing numérique, la distribution d’échantillons gratuits, l’organisation d’événements et l’établissement de partenariats avec des entreprises locales. Le plan sera mis en œuvre sur une période de 12 mois, impliquant un budget de 100 000 dollars et sera évalué à l’aide d’indicateurs de performance clés.</a:t>
+            </a:r>
+            <a:br>
+              <a:rPr lang="fr-FR"/>
+            </a:br>
+            <a:br>
+              <a:rPr lang="fr-FR"/>
+            </a:br>
+            <a:br>
+              <a:rPr lang="fr-FR"/>
+            </a:br>
+            <a:r>
+              <a:rPr lang="fr-FR"/>
+              <a:t>Contenu initial :</a:t>
+            </a:r>
+            <a:br>
+              <a:rPr lang="fr-FR"/>
+            </a:br>
+            <a:r>
+              <a:rPr lang="fr-FR"/>
+              <a:t>Plan et stratégie de promotion</a:t>
+            </a:r>
+            <a:br>
+              <a:rPr lang="fr-FR"/>
+            </a:br>
+            <a:r>
+              <a:rPr lang="fr-FR"/>
+              <a:t>Le plan et la stratégie de promotion du thé chaï en Amérique latine visent à atteindre les objectifs suivants :</a:t>
+            </a:r>
+            <a:br>
+              <a:rPr lang="fr-FR"/>
+            </a:br>
+            <a:r>
+              <a:rPr lang="fr-FR"/>
+              <a:t>·         Accroître la sensibilisation et l’intérêt du public cible pour le thé chaï</a:t>
+            </a:r>
+            <a:br>
+              <a:rPr lang="fr-FR"/>
+            </a:br>
+            <a:r>
+              <a:rPr lang="fr-FR"/>
+              <a:t>·         Positionner le thé chaï comme un produit de qualité, naturel et sain qui offre une expérience unique et enrichissante</a:t>
+            </a:r>
+            <a:br>
+              <a:rPr lang="fr-FR"/>
+            </a:br>
+            <a:r>
+              <a:rPr lang="fr-FR"/>
+              <a:t>·         Encourager l’essai et l’achat de thé chaï par le biais de divers canaux et incitations</a:t>
+            </a:r>
+            <a:br>
+              <a:rPr lang="fr-FR"/>
+            </a:br>
+            <a:r>
+              <a:rPr lang="fr-FR"/>
+              <a:t>·         Fidéliser les consommateurs de thé chaï par l’engagement et les commentaires</a:t>
+            </a:r>
+            <a:br>
+              <a:rPr lang="fr-FR"/>
+            </a:br>
+            <a:r>
+              <a:rPr lang="fr-FR"/>
+              <a:t>Le plan de promotion du thé chaï en Amérique latine utilisera une combinaison de tactiques, par exemple :</a:t>
+            </a:r>
+            <a:br>
+              <a:rPr lang="fr-FR"/>
+            </a:br>
+            <a:r>
+              <a:rPr lang="fr-FR"/>
+              <a:t>·         La création d’un nom de marque et d’un logo accrocheurs et mémorables pour le thé chaï</a:t>
+            </a:r>
+            <a:br>
+              <a:rPr lang="fr-FR"/>
+            </a:br>
+            <a:r>
+              <a:rPr lang="fr-FR"/>
+              <a:t>·         Le développement d’un site web et d’une réelle présence du thé chaï sur les réseaux sociaux afin de mettre en valeur ses avantages, ses caractéristiques et son histoire.</a:t>
+            </a:r>
+            <a:br>
+              <a:rPr lang="fr-FR"/>
+            </a:br>
+            <a:r>
+              <a:rPr lang="fr-FR"/>
+              <a:t>·         Le lancement d’une campagne de marketing numérique utilisant le référencement naturel (SEO), le référencement payant (SEM), le marketing par e-mail, et le marketing d’influence pour atteindre et attirer des clients potentiels.</a:t>
+            </a:r>
+            <a:br>
+              <a:rPr lang="fr-FR"/>
+            </a:br>
+            <a:r>
+              <a:rPr lang="fr-FR"/>
+              <a:t>·         La distribution d’échantillons gratuits et de coupons de thé chaï dans des endroits stratégiques, tels que les supermarchés, les cafés et les magasins de produits diététiques.</a:t>
+            </a:r>
+            <a:br>
+              <a:rPr lang="fr-FR"/>
+            </a:br>
+            <a:r>
+              <a:rPr lang="fr-FR"/>
+              <a:t>·         L’organisation d’événements et de concours invitant les consommateurs à goûter et à partager le thé chaï avec leurs amis et leur famille.</a:t>
+            </a:r>
+            <a:br>
+              <a:rPr lang="fr-FR"/>
+            </a:br>
+            <a:r>
+              <a:rPr lang="fr-FR"/>
+              <a:t>·         Le partenariat avec des entreprises et des organisations locales qui partagent les mêmes valeurs et la même vision que le thé chaï.</a:t>
+            </a:r>
+            <a:br>
+              <a:rPr lang="fr-FR"/>
+            </a:br>
+            <a:r>
+              <a:rPr lang="fr-FR"/>
+              <a:t>Le plan de promotion du thé chaï en Amérique latine sera mis en œuvre sur une période de 12 mois, impliquant un budget de 100 000 dollars. Le plan sera contrôlé et évalué à l’aide d’indicateurs de performance clés, tels que le trafic sur le site web, l’engagement sur les réseaux sociaux, les taux d’ouverture des e-mails, les taux de conversion, le volume des ventes, la satisfaction des clients et les taux de fidélisation.</a:t>
+            </a:r>
+            <a:br>
+              <a:rPr lang="fr-FR"/>
+            </a:br>
+            <a:endParaRPr lang="fr-FR"/>
           </a:p>
         </p:txBody>
       </p:sp>
@@ -1307,8 +898,8 @@
 </file>
 
 <file path=ppt/notesSlides/notesSlide12.xml><?xml version="1.0" encoding="utf-8"?>
-<p:notes xmlns:a="http://schemas.openxmlformats.org/drawingml/2006/main" xmlns:r="http://schemas.openxmlformats.org/officeDocument/2006/relationships" xmlns:m="http://schemas.openxmlformats.org/officeDocument/2006/math" xmlns:w="http://schemas.openxmlformats.org/wordprocessingml/2006/main" xmlns:wp="http://schemas.openxmlformats.org/drawingml/2006/wordprocessingDrawing" xmlns:a14="http://schemas.microsoft.com/office/drawing/2010/main" xmlns:mc="http://schemas.openxmlformats.org/markup-compatibility/2006" xmlns:p14="http://schemas.microsoft.com/office/powerpoint/2010/main" xmlns:p="http://schemas.openxmlformats.org/presentationml/2006/main">
-  <p:cSld name="">
+<p:notes xmlns:a="http://schemas.openxmlformats.org/drawingml/2006/main" xmlns:r="http://schemas.openxmlformats.org/officeDocument/2006/relationships" xmlns:p="http://schemas.openxmlformats.org/presentationml/2006/main">
+  <p:cSld>
     <p:spTree>
       <p:nvGrpSpPr>
         <p:cNvPr id="1" name=""/>
@@ -1319,6 +910,8 @@
         <a:xfrm>
           <a:off x="0" y="0"/>
           <a:ext cx="0" cy="0"/>
+          <a:chOff x="0" y="0"/>
+          <a:chExt cx="0" cy="0"/>
         </a:xfrm>
       </p:grpSpPr>
       <p:sp>
@@ -1349,151 +942,68 @@
           <a:lstStyle/>
           <a:p>
             <a:r>
-              <a:rPr lang="fr-FR" sz="1200" b="0" i="0" strike="noStrike" cap="none" baseline="0">
-                <a:solidFill>
-                  <a:srgbClr val="000000"/>
-                </a:solidFill>
-                <a:effectLst/>
-                <a:latin typeface="Aptos"/>
-                <a:ea typeface="Aptos"/>
-                <a:cs typeface="Aptos"/>
-              </a:rPr>
-              <a:t>Le plan de promotion et la stratégie pour le thé chaï en Amérique latine devrait entraîner une augmentation de 20 % de la prise de conscience et de l’intérêt, une augmentation de 10 % de la part de marché, une augmentation de 15 % du volume de ventes et des revenus, et une augmentation de 25 % des taux de satisfaction et de fidélisation des clients.</a:t>
-            </a:r>
-            <a:r>
-              <a:rPr sz="1200"/>
-              <a:t>
-</a:t>
-            </a:r>
-            <a:r>
-              <a:rPr sz="1200"/>
-              <a:t>
-</a:t>
-            </a:r>
-            <a:r>
-              <a:rPr sz="1200"/>
-              <a:t>
-</a:t>
-            </a:r>
-            <a:r>
-              <a:rPr lang="fr-FR" sz="1200" b="0" i="0" strike="noStrike" cap="none" baseline="0">
-                <a:solidFill>
-                  <a:srgbClr val="000000"/>
-                </a:solidFill>
-                <a:effectLst/>
-                <a:latin typeface="Aptos"/>
-                <a:ea typeface="Aptos"/>
-                <a:cs typeface="Aptos"/>
-              </a:rPr>
-              <a:t>Contenu d’origine :</a:t>
-            </a:r>
-            <a:r>
-              <a:rPr sz="1200"/>
-              <a:t>
-</a:t>
-            </a:r>
-            <a:r>
-              <a:rPr lang="fr-FR" sz="1200" b="0" i="0" strike="noStrike" cap="none" baseline="0">
-                <a:solidFill>
-                  <a:srgbClr val="000000"/>
-                </a:solidFill>
-                <a:effectLst/>
-                <a:latin typeface="Aptos"/>
-                <a:ea typeface="Aptos"/>
-                <a:cs typeface="Aptos"/>
-              </a:rPr>
-              <a:t>Résultats attendus et défis</a:t>
-            </a:r>
-            <a:r>
-              <a:rPr sz="1200"/>
-              <a:t>
-</a:t>
-            </a:r>
-            <a:r>
-              <a:rPr lang="fr-FR" sz="1200" b="0" i="0" strike="noStrike" cap="none" baseline="0">
-                <a:solidFill>
-                  <a:srgbClr val="000000"/>
-                </a:solidFill>
-                <a:effectLst/>
-                <a:latin typeface="Aptos"/>
-                <a:ea typeface="Aptos"/>
-                <a:cs typeface="Aptos"/>
-              </a:rPr>
-              <a:t>Les résultats attendus du plan de promotion et de la stratégie pour le thé chaï en Amérique latine sont les suivants :</a:t>
-            </a:r>
-            <a:r>
-              <a:rPr sz="1200"/>
-              <a:t>
-</a:t>
-            </a:r>
-            <a:r>
-              <a:rPr lang="fr-FR" sz="1200" b="0" i="0" strike="noStrike" cap="none" baseline="0">
-                <a:solidFill>
-                  <a:srgbClr val="000000"/>
-                </a:solidFill>
-                <a:effectLst/>
-                <a:latin typeface="Aptos"/>
-                <a:ea typeface="Aptos"/>
-                <a:cs typeface="Aptos"/>
-              </a:rPr>
-              <a:t>·Une augmentation de 20 % de la prise de conscience et de l’intérêt pour le thé chaï parmi le public cible</a:t>
-            </a:r>
-            <a:r>
-              <a:rPr sz="1200"/>
-              <a:t>
-</a:t>
-            </a:r>
-            <a:r>
-              <a:rPr lang="fr-FR" sz="1200" b="0" i="0" strike="noStrike" cap="none" baseline="0">
-                <a:solidFill>
-                  <a:srgbClr val="000000"/>
-                </a:solidFill>
-                <a:effectLst/>
-                <a:latin typeface="Aptos"/>
-                <a:ea typeface="Aptos"/>
-                <a:cs typeface="Aptos"/>
-              </a:rPr>
-              <a:t> Une augmentation de 10 % de la part de marché du thé chaï dans la région</a:t>
-            </a:r>
-            <a:r>
-              <a:rPr sz="1200"/>
-              <a:t>
-</a:t>
-            </a:r>
-            <a:r>
-              <a:rPr lang="fr-FR" sz="1200" b="0" i="0" strike="noStrike" cap="none" baseline="0">
-                <a:solidFill>
-                  <a:srgbClr val="000000"/>
-                </a:solidFill>
-                <a:effectLst/>
-                <a:latin typeface="Aptos"/>
-                <a:ea typeface="Aptos"/>
-                <a:cs typeface="Aptos"/>
-              </a:rPr>
-              <a:t>·Une augmentation de 15 % du volume des ventes et des revenus du thé chaï dans la région</a:t>
-            </a:r>
-            <a:r>
-              <a:rPr sz="1200"/>
-              <a:t>
-</a:t>
-            </a:r>
-            <a:r>
-              <a:rPr lang="fr-FR" sz="1200" b="0" i="0" strike="noStrike" cap="none" baseline="0">
-                <a:solidFill>
-                  <a:srgbClr val="000000"/>
-                </a:solidFill>
-                <a:effectLst/>
-                <a:latin typeface="Aptos"/>
-                <a:ea typeface="Aptos"/>
-                <a:cs typeface="Aptos"/>
-              </a:rPr>
-              <a:t>·Une augmentation de 25 % des taux de satisfaction et de fidélisation des clients du thé chaï dans la région</a:t>
-            </a:r>
-            <a:r>
-              <a:rPr sz="1200"/>
-              <a:t>
-</a:t>
-            </a:r>
+              <a:rPr lang="fr-FR"/>
+              <a:t>Le plan et la stratégie de promotion du thé chaï en Amérique latine devraient se traduire par une augmentation de 20 % de la notoriété et de l’intérêt, une augmentation de 10 % de la part de marché, une augmentation de 15 % du volume des ventes et du chiffre d’affaires et, enfin une augmentation de 25 % des taux de satisfaction et de fidélisation de la clientèle.</a:t>
+            </a:r>
+            <a:br>
+              <a:rPr lang="fr-FR"/>
+            </a:br>
+            <a:br>
+              <a:rPr lang="fr-FR"/>
+            </a:br>
+            <a:br>
+              <a:rPr lang="fr-FR"/>
+            </a:br>
+            <a:r>
+              <a:rPr lang="fr-FR"/>
+              <a:t>Contenu initial :</a:t>
+            </a:r>
+            <a:br>
+              <a:rPr lang="fr-FR"/>
+            </a:br>
+            <a:r>
+              <a:rPr lang="fr-FR"/>
+              <a:t>Résultats attendus et défis à relever</a:t>
+            </a:r>
+            <a:br>
+              <a:rPr lang="fr-FR"/>
+            </a:br>
+            <a:r>
+              <a:rPr lang="fr-FR"/>
+              <a:t>Les défis potentiels du plan et de la stratégie de promotion du thé chaï en Amérique latine sont les suivants :</a:t>
+            </a:r>
+            <a:br>
+              <a:rPr lang="fr-FR"/>
+            </a:br>
+            <a:r>
+              <a:rPr lang="fr-FR"/>
+              <a:t>·         Accroître la sensibilisation et l’intérêt du public cible pour le thé chaï</a:t>
+            </a:r>
+            <a:br>
+              <a:rPr lang="fr-FR"/>
+            </a:br>
+            <a:r>
+              <a:rPr lang="fr-FR"/>
+              <a:t>·         Augmenter de 10 % la part de marché du thé chaï dans la région</a:t>
+            </a:r>
+            <a:br>
+              <a:rPr lang="fr-FR"/>
+            </a:br>
+            <a:r>
+              <a:rPr lang="fr-FR"/>
+              <a:t>·         Augmenter de 15 % le volume des ventes et du chiffre d’affaires du thé chaï dans la région</a:t>
+            </a:r>
+            <a:br>
+              <a:rPr lang="fr-FR"/>
+            </a:br>
+            <a:r>
+              <a:rPr lang="fr-FR"/>
+              <a:t>·         Augmenter de 25 % le taux de satisfaction et de fidélisation des consommateurs de thé chaï dans la région</a:t>
+            </a:r>
+            <a:br>
+              <a:rPr lang="fr-FR"/>
+            </a:br>
+            <a:endParaRPr lang="fr-FR"/>
           </a:p>
         </p:txBody>
       </p:sp>
@@ -1534,8 +1044,8 @@
 </file>
 
 <file path=ppt/notesSlides/notesSlide13.xml><?xml version="1.0" encoding="utf-8"?>
-<p:notes xmlns:a="http://schemas.openxmlformats.org/drawingml/2006/main" xmlns:r="http://schemas.openxmlformats.org/officeDocument/2006/relationships" xmlns:m="http://schemas.openxmlformats.org/officeDocument/2006/math" xmlns:w="http://schemas.openxmlformats.org/wordprocessingml/2006/main" xmlns:wp="http://schemas.openxmlformats.org/drawingml/2006/wordprocessingDrawing" xmlns:a14="http://schemas.microsoft.com/office/drawing/2010/main" xmlns:mc="http://schemas.openxmlformats.org/markup-compatibility/2006" xmlns:p14="http://schemas.microsoft.com/office/powerpoint/2010/main" xmlns:p="http://schemas.openxmlformats.org/presentationml/2006/main">
-  <p:cSld name="">
+<p:notes xmlns:a="http://schemas.openxmlformats.org/drawingml/2006/main" xmlns:r="http://schemas.openxmlformats.org/officeDocument/2006/relationships" xmlns:p="http://schemas.openxmlformats.org/presentationml/2006/main">
+  <p:cSld>
     <p:spTree>
       <p:nvGrpSpPr>
         <p:cNvPr id="1" name=""/>
@@ -1546,6 +1056,8 @@
         <a:xfrm>
           <a:off x="0" y="0"/>
           <a:ext cx="0" cy="0"/>
+          <a:chOff x="0" y="0"/>
+          <a:chExt cx="0" cy="0"/>
         </a:xfrm>
       </p:grpSpPr>
       <p:sp>
@@ -1576,151 +1088,68 @@
           <a:lstStyle/>
           <a:p>
             <a:r>
-              <a:rPr lang="fr-FR" sz="1200" b="0" i="0" strike="noStrike" cap="none" baseline="0">
-                <a:solidFill>
-                  <a:srgbClr val="000000"/>
-                </a:solidFill>
-                <a:effectLst/>
-                <a:latin typeface="Aptos"/>
-                <a:ea typeface="Aptos"/>
-                <a:cs typeface="Aptos"/>
-              </a:rPr>
-              <a:t>Le plan de promotion et la stratégie pour le thé chaï en Amérique latine font face à plusieurs défis, notamment le prix élevé, le manque de prise de conscience, la concurrence d’autres thés, les barrières réglementaires et culturelles, ainsi que les questions environnementales et sociales susceptibles d’affecter l’approvisionnement et la qualité des ingrédients du thé chaï.</a:t>
-            </a:r>
-            <a:r>
-              <a:rPr sz="1200"/>
-              <a:t>
-</a:t>
-            </a:r>
-            <a:r>
-              <a:rPr sz="1200"/>
-              <a:t>
-</a:t>
-            </a:r>
-            <a:r>
-              <a:rPr sz="1200"/>
-              <a:t>
-</a:t>
-            </a:r>
-            <a:r>
-              <a:rPr lang="fr-FR" sz="1200" b="0" i="0" strike="noStrike" cap="none" baseline="0">
-                <a:solidFill>
-                  <a:srgbClr val="000000"/>
-                </a:solidFill>
-                <a:effectLst/>
-                <a:latin typeface="Aptos"/>
-                <a:ea typeface="Aptos"/>
-                <a:cs typeface="Aptos"/>
-              </a:rPr>
-              <a:t>Contenu d’origine :</a:t>
-            </a:r>
-            <a:r>
-              <a:rPr sz="1200"/>
-              <a:t>
-</a:t>
-            </a:r>
-            <a:r>
-              <a:rPr lang="fr-FR" sz="1200" b="0" i="0" strike="noStrike" cap="none" baseline="0">
-                <a:solidFill>
-                  <a:srgbClr val="000000"/>
-                </a:solidFill>
-                <a:effectLst/>
-                <a:latin typeface="Aptos"/>
-                <a:ea typeface="Aptos"/>
-                <a:cs typeface="Aptos"/>
-              </a:rPr>
-              <a:t>Les défis potentiels du plan de promotion et de la stratégie pour le thé chaï en Amérique latine sont :</a:t>
-            </a:r>
-            <a:r>
-              <a:rPr sz="1200"/>
-              <a:t>
-</a:t>
-            </a:r>
-            <a:r>
-              <a:rPr lang="fr-FR" sz="1200" b="0" i="0" strike="noStrike" cap="none" baseline="0">
-                <a:solidFill>
-                  <a:srgbClr val="000000"/>
-                </a:solidFill>
-                <a:effectLst/>
-                <a:latin typeface="Aptos"/>
-                <a:ea typeface="Aptos"/>
-                <a:cs typeface="Aptos"/>
-              </a:rPr>
-              <a:t>·Le prix élevé et la faible accessibilité du thé chaï par rapport à d’autres boissons</a:t>
-            </a:r>
-            <a:r>
-              <a:rPr sz="1200"/>
-              <a:t>
-</a:t>
-            </a:r>
-            <a:r>
-              <a:rPr lang="fr-FR" sz="1200" b="0" i="0" strike="noStrike" cap="none" baseline="0">
-                <a:solidFill>
-                  <a:srgbClr val="000000"/>
-                </a:solidFill>
-                <a:effectLst/>
-                <a:latin typeface="Aptos"/>
-                <a:ea typeface="Aptos"/>
-                <a:cs typeface="Aptos"/>
-              </a:rPr>
-              <a:t>·Le manque de prise de conscience et de connaissance sur le thé chaï dans certains segments de la population</a:t>
-            </a:r>
-            <a:r>
-              <a:rPr sz="1200"/>
-              <a:t>
-</a:t>
-            </a:r>
-            <a:r>
-              <a:rPr lang="fr-FR" sz="1200" b="0" i="0" strike="noStrike" cap="none" baseline="0">
-                <a:solidFill>
-                  <a:srgbClr val="000000"/>
-                </a:solidFill>
-                <a:effectLst/>
-                <a:latin typeface="Aptos"/>
-                <a:ea typeface="Aptos"/>
-                <a:cs typeface="Aptos"/>
-              </a:rPr>
-              <a:t>·La concurrence d’autres thés, tels que les plantes, les thés verts et noirs</a:t>
-            </a:r>
-            <a:r>
-              <a:rPr sz="1200"/>
-              <a:t>
-</a:t>
-            </a:r>
-            <a:r>
-              <a:rPr lang="fr-FR" sz="1200" b="0" i="0" strike="noStrike" cap="none" baseline="0">
-                <a:solidFill>
-                  <a:srgbClr val="000000"/>
-                </a:solidFill>
-                <a:effectLst/>
-                <a:latin typeface="Aptos"/>
-                <a:ea typeface="Aptos"/>
-                <a:cs typeface="Aptos"/>
-              </a:rPr>
-              <a:t>·Les barrières réglementaires et culturelles qui peuvent limiter l’entrée et l’expansion du thé chaï dans certains pays</a:t>
-            </a:r>
-            <a:r>
-              <a:rPr sz="1200"/>
-              <a:t>
-</a:t>
-            </a:r>
-            <a:r>
-              <a:rPr lang="fr-FR" sz="1200" b="0" i="0" strike="noStrike" cap="none" baseline="0">
-                <a:solidFill>
-                  <a:srgbClr val="000000"/>
-                </a:solidFill>
-                <a:effectLst/>
-                <a:latin typeface="Aptos"/>
-                <a:ea typeface="Aptos"/>
-                <a:cs typeface="Aptos"/>
-              </a:rPr>
-              <a:t>·Les problèmes environnementaux et sociaux qui peuvent affecter l’approvisionnement et la qualité des ingrédients du thé chaï</a:t>
-            </a:r>
-            <a:r>
-              <a:rPr sz="1200"/>
-              <a:t>
-</a:t>
-            </a:r>
+              <a:rPr lang="fr-FR"/>
+              <a:t>Le plan et la stratégie de promotion du thé chaï en Amérique latine sont confrontés à plusieurs défis, notamment le prix élevé, le manque de sensibilisation, la concurrence d’autres produits à base de thé, les obstacles réglementaires et culturels, ainsi que les questions environnementales et sociales susceptibles d’affecter l’approvisionnement et la qualité des ingrédients du thé chaï.</a:t>
+            </a:r>
+            <a:br>
+              <a:rPr lang="fr-FR"/>
+            </a:br>
+            <a:br>
+              <a:rPr lang="fr-FR"/>
+            </a:br>
+            <a:br>
+              <a:rPr lang="fr-FR"/>
+            </a:br>
+            <a:r>
+              <a:rPr lang="fr-FR"/>
+              <a:t>Contenu initial :</a:t>
+            </a:r>
+            <a:br>
+              <a:rPr lang="fr-FR"/>
+            </a:br>
+            <a:r>
+              <a:rPr lang="fr-FR"/>
+              <a:t>Les défis potentiels du plan et de la stratégie de promotion du thé chaï en Amérique latine sont les suivants :</a:t>
+            </a:r>
+            <a:br>
+              <a:rPr lang="fr-FR"/>
+            </a:br>
+            <a:r>
+              <a:rPr lang="fr-FR"/>
+              <a:t>·         Le prix élevé et le caractère peu abordable des produits à base de thé chaï par rapport à d’autres boissons</a:t>
+            </a:r>
+            <a:br>
+              <a:rPr lang="fr-FR"/>
+            </a:br>
+            <a:r>
+              <a:rPr lang="fr-FR"/>
+              <a:t>·         Le manque de connaissance et de familiarité avec le thé chaï dans certains segments de la population</a:t>
+            </a:r>
+            <a:br>
+              <a:rPr lang="fr-FR"/>
+            </a:br>
+            <a:r>
+              <a:rPr lang="fr-FR"/>
+              <a:t>·         La concurrence d’autres thés, tels que les thés à base de plantes, les thés verts et les thés noirs</a:t>
+            </a:r>
+            <a:br>
+              <a:rPr lang="fr-FR"/>
+            </a:br>
+            <a:r>
+              <a:rPr lang="fr-FR"/>
+              <a:t>·         Les barrières réglementaires et culturelles qui peuvent limiter l’entrée et l’expansion des produits à base de thé chaï dans certains pays</a:t>
+            </a:r>
+            <a:br>
+              <a:rPr lang="fr-FR"/>
+            </a:br>
+            <a:r>
+              <a:rPr lang="fr-FR"/>
+              <a:t>·         Des questions environnementales et sociales susceptibles d’affecter l’approvisionnement et la qualité des ingrédients du thé chaï</a:t>
+            </a:r>
+            <a:br>
+              <a:rPr lang="fr-FR"/>
+            </a:br>
+            <a:endParaRPr lang="fr-FR"/>
           </a:p>
         </p:txBody>
       </p:sp>
@@ -1761,8 +1190,8 @@
 </file>
 
 <file path=ppt/notesSlides/notesSlide14.xml><?xml version="1.0" encoding="utf-8"?>
-<p:notes xmlns:a="http://schemas.openxmlformats.org/drawingml/2006/main" xmlns:r="http://schemas.openxmlformats.org/officeDocument/2006/relationships" xmlns:m="http://schemas.openxmlformats.org/officeDocument/2006/math" xmlns:w="http://schemas.openxmlformats.org/wordprocessingml/2006/main" xmlns:wp="http://schemas.openxmlformats.org/drawingml/2006/wordprocessingDrawing" xmlns:a14="http://schemas.microsoft.com/office/drawing/2010/main" xmlns:mc="http://schemas.openxmlformats.org/markup-compatibility/2006" xmlns:p14="http://schemas.microsoft.com/office/powerpoint/2010/main" xmlns:p="http://schemas.openxmlformats.org/presentationml/2006/main">
-  <p:cSld name="">
+<p:notes xmlns:a="http://schemas.openxmlformats.org/drawingml/2006/main" xmlns:r="http://schemas.openxmlformats.org/officeDocument/2006/relationships" xmlns:p="http://schemas.openxmlformats.org/presentationml/2006/main">
+  <p:cSld>
     <p:spTree>
       <p:nvGrpSpPr>
         <p:cNvPr id="1" name=""/>
@@ -1773,6 +1202,8 @@
         <a:xfrm>
           <a:off x="0" y="0"/>
           <a:ext cx="0" cy="0"/>
+          <a:chOff x="0" y="0"/>
+          <a:chExt cx="0" cy="0"/>
         </a:xfrm>
       </p:grpSpPr>
       <p:sp>
@@ -1803,281 +1234,82 @@
           <a:lstStyle/>
           <a:p>
             <a:r>
-              <a:rPr lang="fr-FR" sz="1200" b="0" i="0" strike="noStrike" cap="none" baseline="0">
-                <a:solidFill>
-                  <a:srgbClr val="000000"/>
-                </a:solidFill>
-                <a:effectLst/>
-                <a:latin typeface="Aptos"/>
-                <a:ea typeface="Aptos"/>
-                <a:cs typeface="Aptos"/>
-              </a:rPr>
-              <a:t>Le thé chaï est un produit prometteur sur le marché latino-américain, offrant une alternative saine et exotique.</a:t>
-            </a:r>
-            <a:r>
-              <a:rPr lang="fr-FR" sz="1200" b="0" i="0" strike="noStrike" cap="none" baseline="0">
-                <a:solidFill>
-                  <a:srgbClr val="000000"/>
-                </a:solidFill>
-                <a:effectLst/>
-                <a:latin typeface="Aptos"/>
-                <a:ea typeface="Aptos"/>
-                <a:cs typeface="Aptos"/>
-              </a:rPr>
-              <a:t> </a:t>
-            </a:r>
-            <a:r>
-              <a:rPr lang="fr-FR" sz="1200" b="0" i="0" strike="noStrike" cap="none" baseline="0">
-                <a:solidFill>
-                  <a:srgbClr val="000000"/>
-                </a:solidFill>
-                <a:effectLst/>
-                <a:latin typeface="Aptos"/>
-                <a:ea typeface="Aptos"/>
-                <a:cs typeface="Aptos"/>
-              </a:rPr>
-              <a:t>Il doit être positionné comme un produit haut de gamme et polyvalent, bénéficiant de caractéristiques et d’avantages uniques.</a:t>
-            </a:r>
-            <a:r>
-              <a:rPr lang="fr-FR" sz="1200" b="0" i="0" strike="noStrike" cap="none" baseline="0">
-                <a:solidFill>
-                  <a:srgbClr val="000000"/>
-                </a:solidFill>
-                <a:effectLst/>
-                <a:latin typeface="Aptos"/>
-                <a:ea typeface="Aptos"/>
-                <a:cs typeface="Aptos"/>
-              </a:rPr>
-              <a:t> </a:t>
-            </a:r>
-            <a:r>
-              <a:rPr lang="fr-FR" sz="1200" b="0" i="0" strike="noStrike" cap="none" baseline="0">
-                <a:solidFill>
-                  <a:srgbClr val="000000"/>
-                </a:solidFill>
-                <a:effectLst/>
-                <a:latin typeface="Aptos"/>
-                <a:ea typeface="Aptos"/>
-                <a:cs typeface="Aptos"/>
-              </a:rPr>
-              <a:t>Un mélange de tactiques en ligne et hors connexion doit être utilisé pour atteindre le public cible et surmonter les défis.</a:t>
-            </a:r>
-            <a:r>
-              <a:rPr sz="1200"/>
-              <a:t>
-</a:t>
-            </a:r>
-            <a:r>
-              <a:rPr sz="1200"/>
-              <a:t>
-</a:t>
-            </a:r>
-            <a:r>
-              <a:rPr sz="1200"/>
-              <a:t>
-</a:t>
-            </a:r>
-            <a:r>
-              <a:rPr lang="fr-FR" sz="1200" b="0" i="0" strike="noStrike" cap="none" baseline="0">
-                <a:solidFill>
-                  <a:srgbClr val="000000"/>
-                </a:solidFill>
-                <a:effectLst/>
-                <a:latin typeface="Aptos"/>
-                <a:ea typeface="Aptos"/>
-                <a:cs typeface="Aptos"/>
-              </a:rPr>
-              <a:t>Contenu d’origine :</a:t>
-            </a:r>
-            <a:r>
-              <a:rPr sz="1200"/>
-              <a:t>
-</a:t>
-            </a:r>
-            <a:r>
-              <a:rPr lang="fr-FR" sz="1200" b="0" i="0" strike="noStrike" cap="none" baseline="0">
-                <a:solidFill>
-                  <a:srgbClr val="000000"/>
-                </a:solidFill>
-                <a:effectLst/>
-                <a:latin typeface="Aptos"/>
-                <a:ea typeface="Aptos"/>
-                <a:cs typeface="Aptos"/>
-              </a:rPr>
+              <a:rPr lang="fr-FR"/>
+              <a:t>Le thé chaï est un produit prometteur sur le marché latino-américain, offrant une alternative saine et exotique. Il doit être positionné comme un produit haut de gamme et polyvalent, bénéficiant de caractéristiques et d’avantages uniques. Une combinaison de tactiques en ligne et hors ligne doit être utilisée pour atteindre le public cible et surmonter les difficultés.</a:t>
+            </a:r>
+            <a:br>
+              <a:rPr lang="fr-FR"/>
+            </a:br>
+            <a:br>
+              <a:rPr lang="fr-FR"/>
+            </a:br>
+            <a:br>
+              <a:rPr lang="fr-FR"/>
+            </a:br>
+            <a:r>
+              <a:rPr lang="fr-FR"/>
+              <a:t>Contenu initial :</a:t>
+            </a:r>
+            <a:br>
+              <a:rPr lang="fr-FR"/>
+            </a:br>
+            <a:r>
+              <a:rPr lang="fr-FR"/>
               <a:t>Recommandations et conclusions</a:t>
             </a:r>
-            <a:r>
-              <a:rPr sz="1200"/>
-              <a:t>
-</a:t>
-            </a:r>
-            <a:r>
-              <a:rPr lang="fr-FR" sz="1200" b="0" i="0" strike="noStrike" cap="none" baseline="0">
-                <a:solidFill>
-                  <a:srgbClr val="000000"/>
-                </a:solidFill>
-                <a:effectLst/>
-                <a:latin typeface="Aptos"/>
-                <a:ea typeface="Aptos"/>
-                <a:cs typeface="Aptos"/>
-              </a:rPr>
-              <a:t>Basées sur l’analyse du marché, l’analyse concurrentielle, les canaux de distribution et le plan de promotion et la stratégie, les recommandations et conclusions suivantes peuvent être tirées pour l’avenir du thé chaï en Amérique latine :</a:t>
-            </a:r>
-            <a:r>
-              <a:rPr sz="1200"/>
-              <a:t>
-</a:t>
-            </a:r>
-            <a:r>
-              <a:rPr lang="fr-FR" sz="1200" b="0" i="0" strike="noStrike" cap="none" baseline="0">
-                <a:solidFill>
-                  <a:srgbClr val="000000"/>
-                </a:solidFill>
-                <a:effectLst/>
-                <a:latin typeface="Aptos"/>
-                <a:ea typeface="Aptos"/>
-                <a:cs typeface="Aptos"/>
-              </a:rPr>
-              <a:t>·Le thé chaï est un produit prometteur qui a un potentiel de croissance et de réussite sur le marché latino-américain, car il offre une alternative saine, naturelle et exotique à d’autres boissons</a:t>
-            </a:r>
-            <a:r>
-              <a:rPr sz="1200"/>
-              <a:t>
-</a:t>
-            </a:r>
-            <a:r>
-              <a:rPr lang="fr-FR" sz="1200" b="0" i="0" strike="noStrike" cap="none" baseline="0">
-                <a:solidFill>
-                  <a:srgbClr val="000000"/>
-                </a:solidFill>
-                <a:effectLst/>
-                <a:latin typeface="Aptos"/>
-                <a:ea typeface="Aptos"/>
-                <a:cs typeface="Aptos"/>
-              </a:rPr>
-              <a:t>·Le thé chaï doit être positionné et commercialisé comme un produit de haute qualité, authentique et polyvalent qui peut séduire différents segments et pour diverses occasions</a:t>
-            </a:r>
-            <a:r>
-              <a:rPr sz="1200"/>
-              <a:t>
-</a:t>
-            </a:r>
-            <a:r>
-              <a:rPr lang="fr-FR" sz="1200" b="0" i="0" strike="noStrike" cap="none" baseline="0">
-                <a:solidFill>
-                  <a:srgbClr val="000000"/>
-                </a:solidFill>
-                <a:effectLst/>
-                <a:latin typeface="Aptos"/>
-                <a:ea typeface="Aptos"/>
-                <a:cs typeface="Aptos"/>
-              </a:rPr>
-              <a:t>·Le thé Chai doit tirer parti de ses caractéristiques et avantages uniques, tels que son arôme riche, sa saveur et ses bienfaits pour la santé, pour se différencier d’autres thés</a:t>
-            </a:r>
-            <a:r>
-              <a:rPr sz="1200"/>
-              <a:t>
-</a:t>
-            </a:r>
-            <a:r>
-              <a:rPr lang="fr-FR" sz="1200" b="0" i="0" strike="noStrike" cap="none" baseline="0">
-                <a:solidFill>
-                  <a:srgbClr val="000000"/>
-                </a:solidFill>
-                <a:effectLst/>
-                <a:latin typeface="Aptos"/>
-                <a:ea typeface="Aptos"/>
-                <a:cs typeface="Aptos"/>
-              </a:rPr>
-              <a:t> Le thé chaï doit utiliser un mélange de tactiques en ligne et hors connexion pour atteindre et interagir avec le public cible, et développer une clientèle fidèle et satisfaite</a:t>
-            </a:r>
-            <a:r>
-              <a:rPr sz="1200"/>
-              <a:t>
-</a:t>
-            </a:r>
-            <a:r>
-              <a:rPr lang="fr-FR" sz="1200" b="0" i="0" strike="noStrike" cap="none" baseline="0">
-                <a:solidFill>
-                  <a:srgbClr val="000000"/>
-                </a:solidFill>
-                <a:effectLst/>
-                <a:latin typeface="Aptos"/>
-                <a:ea typeface="Aptos"/>
-                <a:cs typeface="Aptos"/>
-              </a:rPr>
-              <a:t>·Le thé chaï doit surmonter les défis et les menaces qui peuvent entraver sa croissance et son expansion dans la région, comme le prix, la prise de conscience, la concurrence, la réglementation et la durabilité</a:t>
-            </a:r>
-            <a:r>
-              <a:rPr sz="1200"/>
-              <a:t>
-</a:t>
-            </a:r>
-            <a:r>
-              <a:rPr lang="fr-FR" sz="1200" b="0" i="0" strike="noStrike" cap="none" baseline="0">
-                <a:solidFill>
-                  <a:srgbClr val="000000"/>
-                </a:solidFill>
-                <a:effectLst/>
-                <a:latin typeface="Aptos"/>
-                <a:ea typeface="Aptos"/>
-                <a:cs typeface="Aptos"/>
-              </a:rPr>
-              <a:t>En conclusion, le thé chaï est un produit qui a beaucoup de potentiel et d’opportunités sur le marché latino-américain, mais qui fait également face à certains défis et risques.</a:t>
-            </a:r>
-            <a:r>
-              <a:rPr lang="fr-FR" sz="1200" b="0" i="0" strike="noStrike" cap="none" baseline="0">
-                <a:solidFill>
-                  <a:srgbClr val="000000"/>
-                </a:solidFill>
-                <a:effectLst/>
-                <a:latin typeface="Aptos"/>
-                <a:ea typeface="Aptos"/>
-                <a:cs typeface="Aptos"/>
-              </a:rPr>
-              <a:t> </a:t>
-            </a:r>
-            <a:r>
-              <a:rPr lang="fr-FR" sz="1200" b="0" i="0" strike="noStrike" cap="none" baseline="0">
-                <a:solidFill>
-                  <a:srgbClr val="000000"/>
-                </a:solidFill>
-                <a:effectLst/>
-                <a:latin typeface="Aptos"/>
-                <a:ea typeface="Aptos"/>
-                <a:cs typeface="Aptos"/>
-              </a:rPr>
-              <a:t>Le plan et la stratégie de promotion décrits dans le présent rapport visent à résoudre ces problèmes et à atteindre les résultats souhaités.</a:t>
-            </a:r>
-            <a:r>
-              <a:rPr lang="fr-FR" sz="1200" b="0" i="0" strike="noStrike" cap="none" baseline="0">
-                <a:solidFill>
-                  <a:srgbClr val="000000"/>
-                </a:solidFill>
-                <a:effectLst/>
-                <a:latin typeface="Aptos"/>
-                <a:ea typeface="Aptos"/>
-                <a:cs typeface="Aptos"/>
-              </a:rPr>
-              <a:t> </a:t>
-            </a:r>
-            <a:r>
-              <a:rPr lang="fr-FR" sz="1200" b="0" i="0" strike="noStrike" cap="none" baseline="0">
-                <a:solidFill>
-                  <a:srgbClr val="000000"/>
-                </a:solidFill>
-                <a:effectLst/>
-                <a:latin typeface="Aptos"/>
-                <a:ea typeface="Aptos"/>
-                <a:cs typeface="Aptos"/>
-              </a:rPr>
-              <a:t>Le plan de promotion et la stratégie doivent toutefois être constamment contrôlés, évalués et ajustés, en fonction de l’évolution des conditions du marché et des commentaires des clients.</a:t>
-            </a:r>
-            <a:r>
-              <a:rPr sz="1200"/>
-              <a:t>
-</a:t>
-            </a:r>
+            <a:br>
+              <a:rPr lang="fr-FR"/>
+            </a:br>
+            <a:r>
+              <a:rPr lang="fr-FR"/>
+              <a:t>En se basant sur l’analyse du marché, de l’analyse de la concurrence, des canaux de distribution et du plan et de la stratégie de promotion, les recommandations et conclusions suivantes peuvent être tirées pour l’avenir du thé chaï en Amérique latine :</a:t>
+            </a:r>
+            <a:br>
+              <a:rPr lang="fr-FR"/>
+            </a:br>
+            <a:r>
+              <a:rPr lang="fr-FR"/>
+              <a:t>·         Le thé chaï est un produit prometteur qui a un potentiel de croissance et de réussite sur le marché latino-américain, car il offre une alternative saine, naturelle et exotique à d’autres boissons</a:t>
+            </a:r>
+            <a:br>
+              <a:rPr lang="fr-FR"/>
+            </a:br>
+            <a:r>
+              <a:rPr lang="fr-FR"/>
+              <a:t>·         Le thé chaï doit être positionné et commercialisé comme un produit de qualité supérieure, authentique et polyvalent, il s’adresse à différents publics et peut être consommé en diverses occasions.</a:t>
+            </a:r>
+            <a:br>
+              <a:rPr lang="fr-FR"/>
+            </a:br>
+            <a:r>
+              <a:rPr lang="fr-FR"/>
+              <a:t>·         Le thé chaï doit tirer parti de ses caractéristiques et avantages uniques, tels que la richesse de son arôme, sa saveur et ses bienfaits pour la santé, afin de se différencier des autres thés.</a:t>
+            </a:r>
+            <a:br>
+              <a:rPr lang="fr-FR"/>
+            </a:br>
+            <a:r>
+              <a:rPr lang="fr-FR"/>
+              <a:t>·         Le thé chaï doit utiliser un mélange de tactiques en ligne et hors ligne pour atteindre et engager le public cible, et pour créer une base de clients fidèles et satisfaits.</a:t>
+            </a:r>
+            <a:br>
+              <a:rPr lang="fr-FR"/>
+            </a:br>
+            <a:r>
+              <a:rPr lang="fr-FR"/>
+              <a:t>·         Le thé chaï doit surmonter les défis et les menaces susceptibles d’entraver sa croissance et son expansion dans la région, tels que le prix, la sensibilisation, la concurrence, la réglementation et la durabilité.</a:t>
+            </a:r>
+            <a:br>
+              <a:rPr lang="fr-FR"/>
+            </a:br>
+            <a:r>
+              <a:rPr lang="fr-FR"/>
+              <a:t>En conclusion, le thé chaï est un produit qui a beaucoup de potentiel et d’opportunités sur le marché latino-américain, mais qui est également confronté à certains risques et doit relever certains défis. Le plan et la stratégie de promotion décrits dans le présent rapport visent à résoudre ces problèmes et à atteindre les résultats souhaités. Le plan et la stratégie de promotion doivent toutefois être constamment contrôlés, évalués et ajustés, en fonction de l’évolution des conditions du marché et du retour d’information des clients.</a:t>
+            </a:r>
+            <a:br>
+              <a:rPr lang="fr-FR"/>
+            </a:br>
+            <a:endParaRPr lang="fr-FR"/>
           </a:p>
         </p:txBody>
       </p:sp>
@@ -2118,8 +1350,8 @@
 </file>
 
 <file path=ppt/notesSlides/notesSlide2.xml><?xml version="1.0" encoding="utf-8"?>
-<p:notes xmlns:a="http://schemas.openxmlformats.org/drawingml/2006/main" xmlns:r="http://schemas.openxmlformats.org/officeDocument/2006/relationships" xmlns:m="http://schemas.openxmlformats.org/officeDocument/2006/math" xmlns:w="http://schemas.openxmlformats.org/wordprocessingml/2006/main" xmlns:wp="http://schemas.openxmlformats.org/drawingml/2006/wordprocessingDrawing" xmlns:a14="http://schemas.microsoft.com/office/drawing/2010/main" xmlns:mc="http://schemas.openxmlformats.org/markup-compatibility/2006" xmlns:p14="http://schemas.microsoft.com/office/powerpoint/2010/main" xmlns:p="http://schemas.openxmlformats.org/presentationml/2006/main">
-  <p:cSld name="">
+<p:notes xmlns:a="http://schemas.openxmlformats.org/drawingml/2006/main" xmlns:r="http://schemas.openxmlformats.org/officeDocument/2006/relationships" xmlns:p="http://schemas.openxmlformats.org/presentationml/2006/main">
+  <p:cSld>
     <p:spTree>
       <p:nvGrpSpPr>
         <p:cNvPr id="1" name=""/>
@@ -2130,6 +1362,8 @@
         <a:xfrm>
           <a:off x="0" y="0"/>
           <a:ext cx="0" cy="0"/>
+          <a:chOff x="0" y="0"/>
+          <a:chExt cx="0" cy="0"/>
         </a:xfrm>
       </p:grpSpPr>
       <p:sp>
@@ -2160,367 +1394,156 @@
           <a:lstStyle/>
           <a:p>
             <a:r>
-              <a:rPr lang="fr-FR" sz="1200" b="0" i="0" strike="noStrike" cap="none" baseline="0">
-                <a:solidFill>
-                  <a:srgbClr val="000000"/>
-                </a:solidFill>
-                <a:effectLst/>
-                <a:latin typeface="Aptos"/>
-                <a:ea typeface="Aptos"/>
-                <a:cs typeface="Aptos"/>
-              </a:rPr>
+              <a:rPr lang="fr-FR"/>
               <a:t>Agenda</a:t>
             </a:r>
-            <a:r>
-              <a:rPr sz="1200"/>
-              <a:t>
-</a:t>
-            </a:r>
-            <a:r>
-              <a:rPr sz="1200"/>
-              <a:t>
-</a:t>
-            </a:r>
-            <a:r>
-              <a:rPr lang="fr-FR" sz="1200" b="0" i="0" strike="noStrike" cap="none" baseline="0">
-                <a:solidFill>
-                  <a:srgbClr val="000000"/>
-                </a:solidFill>
-                <a:effectLst/>
-                <a:latin typeface="Aptos"/>
-                <a:ea typeface="Aptos"/>
-                <a:cs typeface="Aptos"/>
-              </a:rPr>
+            <a:br>
+              <a:rPr lang="fr-FR"/>
+            </a:br>
+            <a:br>
+              <a:rPr lang="fr-FR"/>
+            </a:br>
+            <a:r>
+              <a:rPr lang="fr-FR"/>
               <a:t>* Introduction</a:t>
             </a:r>
-            <a:r>
-              <a:rPr sz="1200"/>
-              <a:t>
-</a:t>
-            </a:r>
-            <a:r>
-              <a:rPr lang="fr-FR" sz="1200" b="0" i="0" strike="noStrike" cap="none" baseline="0">
-                <a:solidFill>
-                  <a:srgbClr val="000000"/>
-                </a:solidFill>
-                <a:effectLst/>
-                <a:latin typeface="Aptos"/>
-                <a:ea typeface="Aptos"/>
-                <a:cs typeface="Aptos"/>
-              </a:rPr>
+            <a:br>
+              <a:rPr lang="fr-FR"/>
+            </a:br>
+            <a:r>
+              <a:rPr lang="fr-FR"/>
               <a:t>* Description du produit</a:t>
             </a:r>
-            <a:r>
-              <a:rPr sz="1200"/>
-              <a:t>
-</a:t>
-            </a:r>
-            <a:r>
-              <a:rPr lang="fr-FR" sz="1200" b="0" i="0" strike="noStrike" cap="none" baseline="0">
-                <a:solidFill>
-                  <a:srgbClr val="000000"/>
-                </a:solidFill>
-                <a:effectLst/>
-                <a:latin typeface="Aptos"/>
-                <a:ea typeface="Aptos"/>
-                <a:cs typeface="Aptos"/>
-              </a:rPr>
+            <a:br>
+              <a:rPr lang="fr-FR"/>
+            </a:br>
+            <a:r>
+              <a:rPr lang="fr-FR"/>
               <a:t>* Description du produit (1/2)</a:t>
             </a:r>
-            <a:r>
-              <a:rPr sz="1200"/>
-              <a:t>
-</a:t>
-            </a:r>
-            <a:r>
-              <a:rPr lang="fr-FR" sz="1200" b="0" i="0" strike="noStrike" cap="none" baseline="0">
-                <a:solidFill>
-                  <a:srgbClr val="000000"/>
-                </a:solidFill>
-                <a:effectLst/>
-                <a:latin typeface="Aptos"/>
-                <a:ea typeface="Aptos"/>
-                <a:cs typeface="Aptos"/>
-              </a:rPr>
+            <a:br>
+              <a:rPr lang="fr-FR"/>
+            </a:br>
+            <a:r>
+              <a:rPr lang="fr-FR"/>
               <a:t>* Description du produit (2/2)</a:t>
             </a:r>
-            <a:r>
-              <a:rPr sz="1200"/>
-              <a:t>
-</a:t>
-            </a:r>
-            <a:r>
-              <a:rPr lang="fr-FR" sz="1200" b="0" i="0" strike="noStrike" cap="none" baseline="0">
-                <a:solidFill>
-                  <a:srgbClr val="000000"/>
-                </a:solidFill>
-                <a:effectLst/>
-                <a:latin typeface="Aptos"/>
-                <a:ea typeface="Aptos"/>
-                <a:cs typeface="Aptos"/>
-              </a:rPr>
-              <a:t>* Tendance du marché et demande</a:t>
-            </a:r>
-            <a:r>
-              <a:rPr sz="1200"/>
-              <a:t>
-</a:t>
-            </a:r>
-            <a:r>
-              <a:rPr lang="fr-FR" sz="1200" b="0" i="0" strike="noStrike" cap="none" baseline="0">
-                <a:solidFill>
-                  <a:srgbClr val="000000"/>
-                </a:solidFill>
-                <a:effectLst/>
-                <a:latin typeface="Aptos"/>
-                <a:ea typeface="Aptos"/>
-                <a:cs typeface="Aptos"/>
-              </a:rPr>
+            <a:br>
+              <a:rPr lang="fr-FR"/>
+            </a:br>
+            <a:r>
+              <a:rPr lang="fr-FR"/>
+              <a:t>* Tendances du marché et de la demande</a:t>
+            </a:r>
+            <a:br>
+              <a:rPr lang="fr-FR"/>
+            </a:br>
+            <a:r>
+              <a:rPr lang="fr-FR"/>
               <a:t>* Analyse concurrentielle</a:t>
             </a:r>
-            <a:r>
-              <a:rPr sz="1200"/>
-              <a:t>
-</a:t>
-            </a:r>
-            <a:r>
-              <a:rPr lang="fr-FR" sz="1200" b="0" i="0" strike="noStrike" cap="none" baseline="0">
-                <a:solidFill>
-                  <a:srgbClr val="000000"/>
-                </a:solidFill>
-                <a:effectLst/>
-                <a:latin typeface="Aptos"/>
-                <a:ea typeface="Aptos"/>
-                <a:cs typeface="Aptos"/>
-              </a:rPr>
-              <a:t> * Tetley</a:t>
-            </a:r>
-            <a:r>
-              <a:rPr sz="1200"/>
-              <a:t>
-</a:t>
-            </a:r>
-            <a:r>
-              <a:rPr lang="fr-FR" sz="1200" b="0" i="0" strike="noStrike" cap="none" baseline="0">
-                <a:solidFill>
-                  <a:srgbClr val="000000"/>
-                </a:solidFill>
-                <a:effectLst/>
-                <a:latin typeface="Aptos"/>
-                <a:ea typeface="Aptos"/>
-                <a:cs typeface="Aptos"/>
-              </a:rPr>
-              <a:t> * Teavana</a:t>
-            </a:r>
-            <a:r>
-              <a:rPr sz="1200"/>
-              <a:t>
-</a:t>
-            </a:r>
-            <a:r>
-              <a:rPr lang="fr-FR" sz="1200" b="0" i="0" strike="noStrike" cap="none" baseline="0">
-                <a:solidFill>
-                  <a:srgbClr val="000000"/>
-                </a:solidFill>
-                <a:effectLst/>
-                <a:latin typeface="Aptos"/>
-                <a:ea typeface="Aptos"/>
-                <a:cs typeface="Aptos"/>
-              </a:rPr>
-              <a:t> * David’s Tea</a:t>
-            </a:r>
-            <a:r>
-              <a:rPr sz="1200"/>
-              <a:t>
-</a:t>
-            </a:r>
-            <a:r>
-              <a:rPr lang="fr-FR" sz="1200" b="0" i="0" strike="noStrike" cap="none" baseline="0">
-                <a:solidFill>
-                  <a:srgbClr val="000000"/>
-                </a:solidFill>
-                <a:effectLst/>
-                <a:latin typeface="Aptos"/>
-                <a:ea typeface="Aptos"/>
-                <a:cs typeface="Aptos"/>
-              </a:rPr>
-              <a:t> * Marques locales</a:t>
-            </a:r>
-            <a:r>
-              <a:rPr sz="1200"/>
-              <a:t>
-</a:t>
-            </a:r>
-            <a:r>
-              <a:rPr lang="fr-FR" sz="1200" b="0" i="0" strike="noStrike" cap="none" baseline="0">
-                <a:solidFill>
-                  <a:srgbClr val="000000"/>
-                </a:solidFill>
-                <a:effectLst/>
-                <a:latin typeface="Aptos"/>
-                <a:ea typeface="Aptos"/>
-                <a:cs typeface="Aptos"/>
-              </a:rPr>
+            <a:br>
+              <a:rPr lang="fr-FR"/>
+            </a:br>
+            <a:r>
+              <a:rPr lang="fr-FR"/>
+              <a:t>    * Tetley</a:t>
+            </a:r>
+            <a:br>
+              <a:rPr lang="fr-FR"/>
+            </a:br>
+            <a:r>
+              <a:rPr lang="fr-FR"/>
+              <a:t>    * Teavana</a:t>
+            </a:r>
+            <a:br>
+              <a:rPr lang="fr-FR"/>
+            </a:br>
+            <a:r>
+              <a:rPr lang="fr-FR"/>
+              <a:t>    * David’s Tea</a:t>
+            </a:r>
+            <a:br>
+              <a:rPr lang="fr-FR"/>
+            </a:br>
+            <a:r>
+              <a:rPr lang="fr-FR"/>
+              <a:t>    * Marques locales</a:t>
+            </a:r>
+            <a:br>
+              <a:rPr lang="fr-FR"/>
+            </a:br>
+            <a:r>
+              <a:rPr lang="fr-FR"/>
               <a:t>* Part de marché du thé chaï en Amérique latine</a:t>
             </a:r>
-            <a:r>
-              <a:rPr sz="1200"/>
-              <a:t>
-</a:t>
-            </a:r>
-            <a:r>
-              <a:rPr lang="fr-FR" sz="1200" b="0" i="0" strike="noStrike" cap="none" baseline="0">
-                <a:solidFill>
-                  <a:srgbClr val="000000"/>
-                </a:solidFill>
-                <a:effectLst/>
-                <a:latin typeface="Aptos"/>
-                <a:ea typeface="Aptos"/>
-                <a:cs typeface="Aptos"/>
-              </a:rPr>
+            <a:br>
+              <a:rPr lang="fr-FR"/>
+            </a:br>
+            <a:r>
+              <a:rPr lang="fr-FR"/>
               <a:t>* Canaux de distribution</a:t>
             </a:r>
-            <a:r>
-              <a:rPr sz="1200"/>
-              <a:t>
-</a:t>
-            </a:r>
-            <a:r>
-              <a:rPr lang="fr-FR" sz="1200" b="0" i="0" strike="noStrike" cap="none" baseline="0">
-                <a:solidFill>
-                  <a:srgbClr val="000000"/>
-                </a:solidFill>
-                <a:effectLst/>
-                <a:latin typeface="Aptos"/>
-                <a:ea typeface="Aptos"/>
-                <a:cs typeface="Aptos"/>
-              </a:rPr>
-              <a:t> * Revendeurs</a:t>
-            </a:r>
-            <a:r>
-              <a:rPr sz="1200"/>
-              <a:t>
-</a:t>
-            </a:r>
-            <a:r>
-              <a:rPr lang="fr-FR" sz="1200" b="0" i="0" strike="noStrike" cap="none" baseline="0">
-                <a:solidFill>
-                  <a:srgbClr val="000000"/>
-                </a:solidFill>
-                <a:effectLst/>
-                <a:latin typeface="Aptos"/>
-                <a:ea typeface="Aptos"/>
-                <a:cs typeface="Aptos"/>
-              </a:rPr>
-              <a:t> * Grossistes</a:t>
-            </a:r>
-            <a:r>
-              <a:rPr sz="1200"/>
-              <a:t>
-</a:t>
-            </a:r>
-            <a:r>
-              <a:rPr lang="fr-FR" sz="1200" b="0" i="0" strike="noStrike" cap="none" baseline="0">
-                <a:solidFill>
-                  <a:srgbClr val="000000"/>
-                </a:solidFill>
-                <a:effectLst/>
-                <a:latin typeface="Aptos"/>
-                <a:ea typeface="Aptos"/>
-                <a:cs typeface="Aptos"/>
-              </a:rPr>
-              <a:t> * Distributeurs</a:t>
-            </a:r>
-            <a:r>
-              <a:rPr sz="1200"/>
-              <a:t>
-</a:t>
-            </a:r>
-            <a:r>
-              <a:rPr lang="fr-FR" sz="1200" b="0" i="0" strike="noStrike" cap="none" baseline="0">
-                <a:solidFill>
-                  <a:srgbClr val="000000"/>
-                </a:solidFill>
-                <a:effectLst/>
-                <a:latin typeface="Aptos"/>
-                <a:ea typeface="Aptos"/>
-                <a:cs typeface="Aptos"/>
-              </a:rPr>
-              <a:t>* Plan de promotion et stratégie</a:t>
-            </a:r>
-            <a:r>
-              <a:rPr sz="1200"/>
-              <a:t>
-</a:t>
-            </a:r>
-            <a:r>
-              <a:rPr lang="fr-FR" sz="1200" b="0" i="0" strike="noStrike" cap="none" baseline="0">
-                <a:solidFill>
-                  <a:srgbClr val="000000"/>
-                </a:solidFill>
-                <a:effectLst/>
-                <a:latin typeface="Aptos"/>
-                <a:ea typeface="Aptos"/>
-                <a:cs typeface="Aptos"/>
-              </a:rPr>
-              <a:t>* Résultats attendus et défis</a:t>
-            </a:r>
-            <a:r>
-              <a:rPr sz="1200"/>
-              <a:t>
-</a:t>
-            </a:r>
-            <a:r>
-              <a:rPr lang="fr-FR" sz="1200" b="0" i="0" strike="noStrike" cap="none" baseline="0">
-                <a:solidFill>
-                  <a:srgbClr val="000000"/>
-                </a:solidFill>
-                <a:effectLst/>
-                <a:latin typeface="Aptos"/>
-                <a:ea typeface="Aptos"/>
-                <a:cs typeface="Aptos"/>
-              </a:rPr>
-              <a:t> * Résultats attendus</a:t>
-            </a:r>
-            <a:r>
-              <a:rPr sz="1200"/>
-              <a:t>
-</a:t>
-            </a:r>
-            <a:r>
-              <a:rPr lang="fr-FR" sz="1200" b="0" i="0" strike="noStrike" cap="none" baseline="0">
-                <a:solidFill>
-                  <a:srgbClr val="000000"/>
-                </a:solidFill>
-                <a:effectLst/>
-                <a:latin typeface="Aptos"/>
-                <a:ea typeface="Aptos"/>
-                <a:cs typeface="Aptos"/>
-              </a:rPr>
-              <a:t> * Défis potentiels</a:t>
-            </a:r>
-            <a:r>
-              <a:rPr sz="1200"/>
-              <a:t>
-</a:t>
-            </a:r>
-            <a:r>
-              <a:rPr lang="fr-FR" sz="1200" b="0" i="0" strike="noStrike" cap="none" baseline="0">
-                <a:solidFill>
-                  <a:srgbClr val="000000"/>
-                </a:solidFill>
-                <a:effectLst/>
-                <a:latin typeface="Aptos"/>
-                <a:ea typeface="Aptos"/>
-                <a:cs typeface="Aptos"/>
-              </a:rPr>
+            <a:br>
+              <a:rPr lang="fr-FR"/>
+            </a:br>
+            <a:r>
+              <a:rPr lang="fr-FR"/>
+              <a:t>    * Détaillants</a:t>
+            </a:r>
+            <a:br>
+              <a:rPr lang="fr-FR"/>
+            </a:br>
+            <a:r>
+              <a:rPr lang="fr-FR"/>
+              <a:t>    * Grossistes</a:t>
+            </a:r>
+            <a:br>
+              <a:rPr lang="fr-FR"/>
+            </a:br>
+            <a:r>
+              <a:rPr lang="fr-FR"/>
+              <a:t>    * Distributeurs</a:t>
+            </a:r>
+            <a:br>
+              <a:rPr lang="fr-FR"/>
+            </a:br>
+            <a:r>
+              <a:rPr lang="fr-FR"/>
+              <a:t>* Plan et stratégie de promotion</a:t>
+            </a:r>
+            <a:br>
+              <a:rPr lang="fr-FR"/>
+            </a:br>
+            <a:r>
+              <a:rPr lang="fr-FR"/>
+              <a:t>* Résultats escomptés et défis à relever</a:t>
+            </a:r>
+            <a:br>
+              <a:rPr lang="fr-FR"/>
+            </a:br>
+            <a:r>
+              <a:rPr lang="fr-FR"/>
+              <a:t>    * Résultats escomptés</a:t>
+            </a:r>
+            <a:br>
+              <a:rPr lang="fr-FR"/>
+            </a:br>
+            <a:r>
+              <a:rPr lang="fr-FR"/>
+              <a:t>    * Difficultés potentielles</a:t>
+            </a:r>
+            <a:br>
+              <a:rPr lang="fr-FR"/>
+            </a:br>
+            <a:r>
+              <a:rPr lang="fr-FR"/>
               <a:t>* Recommandations et conclusions</a:t>
             </a:r>
-            <a:r>
-              <a:rPr sz="1200"/>
-              <a:t>
-</a:t>
-            </a:r>
+            <a:br>
+              <a:rPr lang="fr-FR"/>
+            </a:br>
+            <a:endParaRPr lang="fr-FR"/>
           </a:p>
         </p:txBody>
       </p:sp>
@@ -2561,8 +1584,8 @@
 </file>
 
 <file path=ppt/notesSlides/notesSlide3.xml><?xml version="1.0" encoding="utf-8"?>
-<p:notes xmlns:a="http://schemas.openxmlformats.org/drawingml/2006/main" xmlns:r="http://schemas.openxmlformats.org/officeDocument/2006/relationships" xmlns:m="http://schemas.openxmlformats.org/officeDocument/2006/math" xmlns:w="http://schemas.openxmlformats.org/wordprocessingml/2006/main" xmlns:wp="http://schemas.openxmlformats.org/drawingml/2006/wordprocessingDrawing" xmlns:a14="http://schemas.microsoft.com/office/drawing/2010/main" xmlns:mc="http://schemas.openxmlformats.org/markup-compatibility/2006" xmlns:p14="http://schemas.microsoft.com/office/powerpoint/2010/main" xmlns:p="http://schemas.openxmlformats.org/presentationml/2006/main">
-  <p:cSld name="">
+<p:notes xmlns:a="http://schemas.openxmlformats.org/drawingml/2006/main" xmlns:r="http://schemas.openxmlformats.org/officeDocument/2006/relationships" xmlns:p="http://schemas.openxmlformats.org/presentationml/2006/main">
+  <p:cSld>
     <p:spTree>
       <p:nvGrpSpPr>
         <p:cNvPr id="1" name=""/>
@@ -2573,6 +1596,8 @@
         <a:xfrm>
           <a:off x="0" y="0"/>
           <a:ext cx="0" cy="0"/>
+          <a:chOff x="0" y="0"/>
+          <a:chExt cx="0" cy="0"/>
         </a:xfrm>
       </p:grpSpPr>
       <p:sp>
@@ -2603,363 +1628,96 @@
           <a:lstStyle/>
           <a:p>
             <a:r>
-              <a:rPr lang="fr-FR" sz="1200" b="0" i="0" strike="noStrike" cap="none" baseline="0">
-                <a:solidFill>
-                  <a:srgbClr val="000000"/>
-                </a:solidFill>
-                <a:effectLst/>
-                <a:latin typeface="Aptos"/>
-                <a:ea typeface="Aptos"/>
-                <a:cs typeface="Aptos"/>
-              </a:rPr>
-              <a:t>Ce rapport fournit une analyse de marché du thé chaï Mystic Spice Premium en Amérique latine.</a:t>
-            </a:r>
-            <a:r>
-              <a:rPr lang="fr-FR" sz="1200" b="0" i="0" strike="noStrike" cap="none" baseline="0">
-                <a:solidFill>
-                  <a:srgbClr val="000000"/>
-                </a:solidFill>
-                <a:effectLst/>
-                <a:latin typeface="Aptos"/>
-                <a:ea typeface="Aptos"/>
-                <a:cs typeface="Aptos"/>
-              </a:rPr>
-              <a:t> </a:t>
-            </a:r>
-            <a:r>
-              <a:rPr lang="fr-FR" sz="1200" b="0" i="0" strike="noStrike" cap="none" baseline="0">
-                <a:solidFill>
-                  <a:srgbClr val="000000"/>
-                </a:solidFill>
-                <a:effectLst/>
-                <a:latin typeface="Aptos"/>
-                <a:ea typeface="Aptos"/>
-                <a:cs typeface="Aptos"/>
-              </a:rPr>
-              <a:t>Elle traite de la description du produit, de la tendance du marché, de l’analyse concurrentielle, des canaux de distribution, du plan de promotion, des résultats attendus et des recommandations pour l’avenir.</a:t>
-            </a:r>
-            <a:r>
-              <a:rPr sz="1200"/>
-              <a:t>
-</a:t>
-            </a:r>
-            <a:r>
-              <a:rPr sz="1200"/>
-              <a:t>
-</a:t>
-            </a:r>
-            <a:r>
-              <a:rPr sz="1200"/>
-              <a:t>
-</a:t>
-            </a:r>
-            <a:r>
-              <a:rPr lang="fr-FR" sz="1200" b="0" i="0" strike="noStrike" cap="none" baseline="0">
-                <a:solidFill>
-                  <a:srgbClr val="000000"/>
-                </a:solidFill>
-                <a:effectLst/>
-                <a:latin typeface="Aptos"/>
-                <a:ea typeface="Aptos"/>
-                <a:cs typeface="Aptos"/>
-              </a:rPr>
-              <a:t>Contenu d’origine :</a:t>
-            </a:r>
-            <a:r>
-              <a:rPr sz="1200"/>
-              <a:t>
-</a:t>
-            </a:r>
-            <a:r>
-              <a:rPr lang="fr-FR" sz="1200" b="0" i="0" strike="noStrike" cap="none" baseline="0">
-                <a:solidFill>
-                  <a:srgbClr val="000000"/>
-                </a:solidFill>
-                <a:effectLst/>
-                <a:latin typeface="Aptos"/>
-                <a:ea typeface="Aptos"/>
-                <a:cs typeface="Aptos"/>
-              </a:rPr>
+              <a:rPr lang="fr-FR"/>
+              <a:t>Ce rapport fournit une analyse de marché du thé chaï Mystic Spice Premium en Amérique latine. Il couvre la description du produit, les tendances du marché, l’analyse de la concurrence, les canaux de distribution, le plan de promotion, les résultats escomptés et des recommandations pour l’avenir.</a:t>
+            </a:r>
+            <a:br>
+              <a:rPr lang="fr-FR"/>
+            </a:br>
+            <a:br>
+              <a:rPr lang="fr-FR"/>
+            </a:br>
+            <a:br>
+              <a:rPr lang="fr-FR"/>
+            </a:br>
+            <a:r>
+              <a:rPr lang="fr-FR"/>
+              <a:t>Contenu initial :</a:t>
+            </a:r>
+            <a:br>
+              <a:rPr lang="fr-FR"/>
+            </a:br>
+            <a:r>
+              <a:rPr lang="fr-FR"/>
               <a:t>Introductions</a:t>
             </a:r>
-            <a:r>
-              <a:rPr sz="1200"/>
-              <a:t>
-</a:t>
-            </a:r>
-            <a:r>
-              <a:rPr lang="fr-FR" sz="1200" b="0" i="0" strike="noStrike" cap="none" baseline="0">
-                <a:solidFill>
-                  <a:srgbClr val="000000"/>
-                </a:solidFill>
-                <a:effectLst/>
-                <a:latin typeface="Aptos"/>
-                <a:ea typeface="Aptos"/>
-                <a:cs typeface="Aptos"/>
-              </a:rPr>
-              <a:t>Le thé chaï Mystic Spice Premium est nouveau produit lancé par Contoso Beverage, une entreprise spécialisée dans la production et la distribution de boissons de qualité supérieure dans le monde entier.</a:t>
-            </a:r>
-            <a:r>
-              <a:rPr lang="fr-FR" sz="1200" b="0" i="0" strike="noStrike" cap="none" baseline="0">
-                <a:solidFill>
-                  <a:srgbClr val="000000"/>
-                </a:solidFill>
-                <a:effectLst/>
-                <a:latin typeface="Aptos"/>
-                <a:ea typeface="Aptos"/>
-                <a:cs typeface="Aptos"/>
-              </a:rPr>
-              <a:t> </a:t>
-            </a:r>
-            <a:r>
-              <a:rPr lang="fr-FR" sz="1200" b="0" i="0" strike="noStrike" cap="none" baseline="0">
-                <a:solidFill>
-                  <a:srgbClr val="000000"/>
-                </a:solidFill>
-                <a:effectLst/>
-                <a:latin typeface="Aptos"/>
-                <a:ea typeface="Aptos"/>
-                <a:cs typeface="Aptos"/>
-              </a:rPr>
-              <a:t>Le thé chaï Mystic Spice Premium est une boisson à base de thé épicé originaire d’Inde, devenue populaire dans le monde entier.</a:t>
-            </a:r>
-            <a:r>
-              <a:rPr lang="fr-FR" sz="1200" b="0" i="0" strike="noStrike" cap="none" baseline="0">
-                <a:solidFill>
-                  <a:srgbClr val="000000"/>
-                </a:solidFill>
-                <a:effectLst/>
-                <a:latin typeface="Aptos"/>
-                <a:ea typeface="Aptos"/>
-                <a:cs typeface="Aptos"/>
-              </a:rPr>
-              <a:t> </a:t>
-            </a:r>
-            <a:r>
-              <a:rPr lang="fr-FR" sz="1200" b="0" i="0" strike="noStrike" cap="none" baseline="0">
-                <a:solidFill>
-                  <a:srgbClr val="000000"/>
-                </a:solidFill>
-                <a:effectLst/>
-                <a:latin typeface="Aptos"/>
-                <a:ea typeface="Aptos"/>
-                <a:cs typeface="Aptos"/>
-              </a:rPr>
-              <a:t>Il s’agit d’une boisson polyvalente, qui peut être dégustée chaude ou froide, avec ou sans lait, avec différentes épices et édulcorants.</a:t>
-            </a:r>
-            <a:r>
-              <a:rPr lang="fr-FR" sz="1200" b="0" i="0" strike="noStrike" cap="none" baseline="0">
-                <a:solidFill>
-                  <a:srgbClr val="000000"/>
-                </a:solidFill>
-                <a:effectLst/>
-                <a:latin typeface="Aptos"/>
-                <a:ea typeface="Aptos"/>
-                <a:cs typeface="Aptos"/>
-              </a:rPr>
-              <a:t> </a:t>
-            </a:r>
-            <a:r>
-              <a:rPr lang="fr-FR" sz="1200" b="0" i="0" strike="noStrike" cap="none" baseline="0">
-                <a:solidFill>
-                  <a:srgbClr val="000000"/>
-                </a:solidFill>
-                <a:effectLst/>
-                <a:latin typeface="Aptos"/>
-                <a:ea typeface="Aptos"/>
-                <a:cs typeface="Aptos"/>
-              </a:rPr>
-              <a:t>Le thé chaï a de nombreux effets bénéfiques sur la santé, comme le renforcement de l’immunité, la réduction de l’inflammation et l’amélioration de la digestion.</a:t>
-            </a:r>
-            <a:r>
-              <a:rPr lang="fr-FR" sz="1200" b="0" i="0" strike="noStrike" cap="none" baseline="0">
-                <a:solidFill>
-                  <a:srgbClr val="000000"/>
-                </a:solidFill>
-                <a:effectLst/>
-                <a:latin typeface="Aptos"/>
-                <a:ea typeface="Aptos"/>
-                <a:cs typeface="Aptos"/>
-              </a:rPr>
-              <a:t> </a:t>
-            </a:r>
-            <a:r>
-              <a:rPr lang="fr-FR" sz="1200" b="0" i="0" strike="noStrike" cap="none" baseline="0">
-                <a:solidFill>
-                  <a:srgbClr val="000000"/>
-                </a:solidFill>
-                <a:effectLst/>
-                <a:latin typeface="Aptos"/>
-                <a:ea typeface="Aptos"/>
-                <a:cs typeface="Aptos"/>
-              </a:rPr>
-              <a:t>Il a également une riche signification culturelle et historique, car il est souvent associé à l’hospitalité, à l’amitié et à la détente.</a:t>
-            </a:r>
-            <a:r>
-              <a:rPr sz="1200"/>
-              <a:t>
-</a:t>
-            </a:r>
-            <a:r>
-              <a:rPr lang="fr-FR" sz="1200" b="0" i="0" strike="noStrike" cap="none" baseline="0">
-                <a:solidFill>
-                  <a:srgbClr val="000000"/>
-                </a:solidFill>
-                <a:effectLst/>
-                <a:latin typeface="Aptos"/>
-                <a:ea typeface="Aptos"/>
-                <a:cs typeface="Aptos"/>
-              </a:rPr>
-              <a:t>Le but de ce rapport est de fournir une analyse de marché du thé chaï Mystic Spice Premium en Amérique latine.</a:t>
-            </a:r>
-            <a:r>
-              <a:rPr lang="fr-FR" sz="1200" b="0" i="0" strike="noStrike" cap="none" baseline="0">
-                <a:solidFill>
-                  <a:srgbClr val="000000"/>
-                </a:solidFill>
-                <a:effectLst/>
-                <a:latin typeface="Aptos"/>
-                <a:ea typeface="Aptos"/>
-                <a:cs typeface="Aptos"/>
-              </a:rPr>
-              <a:t> </a:t>
-            </a:r>
-            <a:r>
-              <a:rPr lang="fr-FR" sz="1200" b="0" i="0" strike="noStrike" cap="none" baseline="0">
-                <a:solidFill>
-                  <a:srgbClr val="000000"/>
-                </a:solidFill>
-                <a:effectLst/>
-                <a:latin typeface="Aptos"/>
-                <a:ea typeface="Aptos"/>
-                <a:cs typeface="Aptos"/>
-              </a:rPr>
-              <a:t>Le rapport traite des aspects suivante :</a:t>
-            </a:r>
-            <a:r>
-              <a:rPr sz="1200"/>
-              <a:t>
-</a:t>
-            </a:r>
-            <a:r>
-              <a:rPr lang="fr-FR" sz="1200" b="0" i="0" strike="noStrike" cap="none" baseline="0">
-                <a:solidFill>
-                  <a:srgbClr val="000000"/>
-                </a:solidFill>
-                <a:effectLst/>
-                <a:latin typeface="Aptos"/>
-                <a:ea typeface="Aptos"/>
-                <a:cs typeface="Aptos"/>
-              </a:rPr>
-              <a:t>·La description du produit, des caractéristiques et des avantages du thé chaï Mystic Spice Premium</a:t>
-            </a:r>
-            <a:r>
-              <a:rPr sz="1200"/>
-              <a:t>
-</a:t>
-            </a:r>
-            <a:r>
-              <a:rPr lang="fr-FR" sz="1200" b="0" i="0" strike="noStrike" cap="none" baseline="0">
-                <a:solidFill>
-                  <a:srgbClr val="000000"/>
-                </a:solidFill>
-                <a:effectLst/>
-                <a:latin typeface="Aptos"/>
-                <a:ea typeface="Aptos"/>
-                <a:cs typeface="Aptos"/>
-              </a:rPr>
-              <a:t>·La tendance du marché et la demande de thé chaï en Amérique latine</a:t>
-            </a:r>
-            <a:r>
-              <a:rPr sz="1200"/>
-              <a:t>
-</a:t>
-            </a:r>
-            <a:r>
-              <a:rPr lang="fr-FR" sz="1200" b="0" i="0" strike="noStrike" cap="none" baseline="0">
-                <a:solidFill>
-                  <a:srgbClr val="000000"/>
-                </a:solidFill>
-                <a:effectLst/>
-                <a:latin typeface="Aptos"/>
-                <a:ea typeface="Aptos"/>
-                <a:cs typeface="Aptos"/>
-              </a:rPr>
-              <a:t> L’analyse concurrentielle du thé chaï en Amérique latine</a:t>
-            </a:r>
-            <a:r>
-              <a:rPr sz="1200"/>
-              <a:t>
-</a:t>
-            </a:r>
-            <a:r>
-              <a:rPr lang="fr-FR" sz="1200" b="0" i="0" strike="noStrike" cap="none" baseline="0">
-                <a:solidFill>
-                  <a:srgbClr val="000000"/>
-                </a:solidFill>
-                <a:effectLst/>
-                <a:latin typeface="Aptos"/>
-                <a:ea typeface="Aptos"/>
-                <a:cs typeface="Aptos"/>
-              </a:rPr>
-              <a:t> Les canaux de distribution pour le thé chaï en Amérique latine</a:t>
-            </a:r>
-            <a:r>
-              <a:rPr sz="1200"/>
-              <a:t>
-</a:t>
-            </a:r>
-            <a:r>
-              <a:rPr lang="fr-FR" sz="1200" b="0" i="0" strike="noStrike" cap="none" baseline="0">
-                <a:solidFill>
-                  <a:srgbClr val="000000"/>
-                </a:solidFill>
-                <a:effectLst/>
-                <a:latin typeface="Aptos"/>
-                <a:ea typeface="Aptos"/>
-                <a:cs typeface="Aptos"/>
-              </a:rPr>
-              <a:t> Le plan de promotion et la stratégie pour le thé chaï en Amérique latine</a:t>
-            </a:r>
-            <a:r>
-              <a:rPr sz="1200"/>
-              <a:t>
-</a:t>
-            </a:r>
-            <a:r>
-              <a:rPr lang="fr-FR" sz="1200" b="0" i="0" strike="noStrike" cap="none" baseline="0">
-                <a:solidFill>
-                  <a:srgbClr val="000000"/>
-                </a:solidFill>
-                <a:effectLst/>
-                <a:latin typeface="Aptos"/>
-                <a:ea typeface="Aptos"/>
-                <a:cs typeface="Aptos"/>
-              </a:rPr>
-              <a:t> Les résultats attendus et les défis du plan de promotion</a:t>
-            </a:r>
-            <a:r>
-              <a:rPr sz="1200"/>
-              <a:t>
-</a:t>
-            </a:r>
-            <a:r>
-              <a:rPr lang="fr-FR" sz="1200" b="0" i="0" strike="noStrike" cap="none" baseline="0">
-                <a:solidFill>
-                  <a:srgbClr val="000000"/>
-                </a:solidFill>
-                <a:effectLst/>
-                <a:latin typeface="Aptos"/>
-                <a:ea typeface="Aptos"/>
-                <a:cs typeface="Aptos"/>
-              </a:rPr>
-              <a:t> Les recommandations et les conclusions relatives à l’avenir du thé chaï en Amérique latine</a:t>
-            </a:r>
-            <a:r>
-              <a:rPr sz="1200"/>
-              <a:t>
-</a:t>
-            </a:r>
+            <a:br>
+              <a:rPr lang="fr-FR"/>
+            </a:br>
+            <a:r>
+              <a:rPr lang="fr-FR"/>
+              <a:t>Le thé chaï Mystic Spice Premium est un nouveau produit lancé par Contoso Beverage, une entreprise spécialisée dans la production et la distribution de boissons de qualité supérieure dans le monde entier. Le thé chaï Mystic Spice Premium est une boisson à base de thé épicé originaire d’Inde, devenue populaire dans le monde entier. Il s’agit d’une boisson polyvalente, qui peut être dégustée chaude ou froide, avec ou sans lait, avec différentes épices et édulcorants. Le thé chaï a de nombreux effets bénéfiques sur la santé, comme le renforcement de l’immunité, la réduction de l’inflammation et l’amélioration de la digestion. Il a également une riche signification culturelle et historique, car il est souvent associé à l’hospitalité, à l’amitié et à la détente.</a:t>
+            </a:r>
+            <a:br>
+              <a:rPr lang="fr-FR"/>
+            </a:br>
+            <a:r>
+              <a:rPr lang="fr-FR"/>
+              <a:t>Le but de ce rapport est de fournir une analyse de marché du thé chaï Mystic Spice Premium en Amérique latine. Le rapport doit couvrir les aspects suivants :</a:t>
+            </a:r>
+            <a:br>
+              <a:rPr lang="fr-FR"/>
+            </a:br>
+            <a:r>
+              <a:rPr lang="fr-FR"/>
+              <a:t>·         Description du produit, caractéristiques et avantages du thé chaï Mystic Spice Premium</a:t>
+            </a:r>
+            <a:br>
+              <a:rPr lang="fr-FR"/>
+            </a:br>
+            <a:r>
+              <a:rPr lang="fr-FR"/>
+              <a:t>·         Tendances du marché et la demande de thé chaï en Amérique latine</a:t>
+            </a:r>
+            <a:br>
+              <a:rPr lang="fr-FR"/>
+            </a:br>
+            <a:r>
+              <a:rPr lang="fr-FR"/>
+              <a:t>·         Analyse concurrentielle du thé chaï en Amérique latine</a:t>
+            </a:r>
+            <a:br>
+              <a:rPr lang="fr-FR"/>
+            </a:br>
+            <a:r>
+              <a:rPr lang="fr-FR"/>
+              <a:t>·         Canaux de distribution du thé chaï en Amérique latine</a:t>
+            </a:r>
+            <a:br>
+              <a:rPr lang="fr-FR"/>
+            </a:br>
+            <a:r>
+              <a:rPr lang="fr-FR"/>
+              <a:t>·         Plan et stratégie de promotion du thé chaï en Amérique latine</a:t>
+            </a:r>
+            <a:br>
+              <a:rPr lang="fr-FR"/>
+            </a:br>
+            <a:r>
+              <a:rPr lang="fr-FR"/>
+              <a:t>·         Résultats attendus et défis du plan de promotion</a:t>
+            </a:r>
+            <a:br>
+              <a:rPr lang="fr-FR"/>
+            </a:br>
+            <a:r>
+              <a:rPr lang="fr-FR"/>
+              <a:t>·         Recommandations et conclusions pour l’avenir du thé chaï en Amérique latine</a:t>
+            </a:r>
+            <a:br>
+              <a:rPr lang="fr-FR"/>
+            </a:br>
+            <a:endParaRPr lang="fr-FR"/>
           </a:p>
         </p:txBody>
       </p:sp>
@@ -3000,8 +1758,8 @@
 </file>
 
 <file path=ppt/notesSlides/notesSlide4.xml><?xml version="1.0" encoding="utf-8"?>
-<p:notes xmlns:a="http://schemas.openxmlformats.org/drawingml/2006/main" xmlns:r="http://schemas.openxmlformats.org/officeDocument/2006/relationships" xmlns:m="http://schemas.openxmlformats.org/officeDocument/2006/math" xmlns:w="http://schemas.openxmlformats.org/wordprocessingml/2006/main" xmlns:wp="http://schemas.openxmlformats.org/drawingml/2006/wordprocessingDrawing" xmlns:a14="http://schemas.microsoft.com/office/drawing/2010/main" xmlns:mc="http://schemas.openxmlformats.org/markup-compatibility/2006" xmlns:p14="http://schemas.microsoft.com/office/powerpoint/2010/main" xmlns:p="http://schemas.openxmlformats.org/presentationml/2006/main">
-  <p:cSld name="">
+<p:notes xmlns:a="http://schemas.openxmlformats.org/drawingml/2006/main" xmlns:r="http://schemas.openxmlformats.org/officeDocument/2006/relationships" xmlns:p="http://schemas.openxmlformats.org/presentationml/2006/main">
+  <p:cSld>
     <p:spTree>
       <p:nvGrpSpPr>
         <p:cNvPr id="1" name=""/>
@@ -3012,6 +1770,8 @@
         <a:xfrm>
           <a:off x="0" y="0"/>
           <a:ext cx="0" cy="0"/>
+          <a:chOff x="0" y="0"/>
+          <a:chExt cx="0" cy="0"/>
         </a:xfrm>
       </p:grpSpPr>
       <p:sp>
@@ -3042,155 +1802,33 @@
           <a:lstStyle/>
           <a:p>
             <a:r>
-              <a:rPr lang="fr-FR" sz="1200" b="0" i="0" strike="noStrike" cap="none" baseline="0">
-                <a:solidFill>
-                  <a:srgbClr val="000000"/>
-                </a:solidFill>
-                <a:effectLst/>
-                <a:latin typeface="Aptos"/>
-                <a:ea typeface="Aptos"/>
-                <a:cs typeface="Aptos"/>
-              </a:rPr>
-              <a:t>Le thé chaï Mystic Spice Premium est un mélange soigneusement élaboré qui honore les traditions du chaï indien.</a:t>
-            </a:r>
-            <a:r>
-              <a:rPr lang="fr-FR" sz="1200" b="0" i="0" strike="noStrike" cap="none" baseline="0">
-                <a:solidFill>
-                  <a:srgbClr val="000000"/>
-                </a:solidFill>
-                <a:effectLst/>
-                <a:latin typeface="Aptos"/>
-                <a:ea typeface="Aptos"/>
-                <a:cs typeface="Aptos"/>
-              </a:rPr>
-              <a:t> </a:t>
-            </a:r>
-            <a:r>
-              <a:rPr lang="fr-FR" sz="1200" b="0" i="0" strike="noStrike" cap="none" baseline="0">
-                <a:solidFill>
-                  <a:srgbClr val="000000"/>
-                </a:solidFill>
-                <a:effectLst/>
-                <a:latin typeface="Aptos"/>
-                <a:ea typeface="Aptos"/>
-                <a:cs typeface="Aptos"/>
-              </a:rPr>
-              <a:t>Chaque tasse vous transporte dans les paysages époustouflants de l’Inde, pour une expérience authentique depuis chez vous.</a:t>
-            </a:r>
-            <a:r>
-              <a:rPr sz="1200"/>
-              <a:t>
-</a:t>
-            </a:r>
-            <a:r>
-              <a:rPr sz="1200"/>
-              <a:t>
-</a:t>
-            </a:r>
-            <a:r>
-              <a:rPr sz="1200"/>
-              <a:t>
-</a:t>
-            </a:r>
-            <a:r>
-              <a:rPr lang="fr-FR" sz="1200" b="0" i="0" strike="noStrike" cap="none" baseline="0">
-                <a:solidFill>
-                  <a:srgbClr val="000000"/>
-                </a:solidFill>
-                <a:effectLst/>
-                <a:latin typeface="Aptos"/>
-                <a:ea typeface="Aptos"/>
-                <a:cs typeface="Aptos"/>
-              </a:rPr>
-              <a:t>Contenu d’origine :</a:t>
-            </a:r>
-            <a:r>
-              <a:rPr sz="1200"/>
-              <a:t>
-</a:t>
-            </a:r>
-            <a:r>
-              <a:rPr lang="fr-FR" sz="1200" b="0" i="0" strike="noStrike" cap="none" baseline="0">
-                <a:solidFill>
-                  <a:srgbClr val="000000"/>
-                </a:solidFill>
-                <a:effectLst/>
-                <a:latin typeface="Aptos"/>
-                <a:ea typeface="Aptos"/>
-                <a:cs typeface="Aptos"/>
-              </a:rPr>
-              <a:t>Description du produit</a:t>
-            </a:r>
-            <a:r>
-              <a:rPr sz="1200"/>
-              <a:t>
-</a:t>
-            </a:r>
-            <a:r>
-              <a:rPr lang="fr-FR" sz="1200" b="0" i="0" strike="noStrike" cap="none" baseline="0">
-                <a:solidFill>
-                  <a:srgbClr val="000000"/>
-                </a:solidFill>
-                <a:effectLst/>
-                <a:latin typeface="Aptos"/>
-                <a:ea typeface="Aptos"/>
-                <a:cs typeface="Aptos"/>
-              </a:rPr>
-              <a:t>Le thé chaï Mystic Spice Premium est un mélange méticuleusement élaboré qui rend hommage aux traditions intemporelles du chaï indien.</a:t>
-            </a:r>
-            <a:r>
-              <a:rPr lang="fr-FR" sz="1200" b="0" i="0" strike="noStrike" cap="none" baseline="0">
-                <a:solidFill>
-                  <a:srgbClr val="000000"/>
-                </a:solidFill>
-                <a:effectLst/>
-                <a:latin typeface="Aptos"/>
-                <a:ea typeface="Aptos"/>
-                <a:cs typeface="Aptos"/>
-              </a:rPr>
-              <a:t> </a:t>
-            </a:r>
-            <a:r>
-              <a:rPr lang="fr-FR" sz="1200" b="0" i="0" strike="noStrike" cap="none" baseline="0">
-                <a:solidFill>
-                  <a:srgbClr val="000000"/>
-                </a:solidFill>
-                <a:effectLst/>
-                <a:latin typeface="Aptos"/>
-                <a:ea typeface="Aptos"/>
-                <a:cs typeface="Aptos"/>
-              </a:rPr>
-              <a:t>Chaque tasse vous emmène dans un voyage enchanteur à travers les paysages vibrants de l’Inde, amenant directement chez vous cette expérience authentique du chaï.</a:t>
-            </a:r>
-            <a:r>
-              <a:rPr lang="fr-FR" sz="1200" b="0" i="0" strike="noStrike" cap="none" baseline="0">
-                <a:solidFill>
-                  <a:srgbClr val="000000"/>
-                </a:solidFill>
-                <a:effectLst/>
-                <a:latin typeface="Aptos"/>
-                <a:ea typeface="Aptos"/>
-                <a:cs typeface="Aptos"/>
-              </a:rPr>
-              <a:t> </a:t>
-            </a:r>
-            <a:r>
-              <a:rPr lang="fr-FR" sz="1200" b="0" i="0" strike="noStrike" cap="none" baseline="0">
-                <a:solidFill>
-                  <a:srgbClr val="000000"/>
-                </a:solidFill>
-                <a:effectLst/>
-                <a:latin typeface="Aptos"/>
-                <a:ea typeface="Aptos"/>
-                <a:cs typeface="Aptos"/>
-              </a:rPr>
-              <a:t>La description du produit, les caractéristiques et les avantages du thé chaï Mystic Spice Premium sont résumés dans le tableau suivant :</a:t>
-            </a:r>
-            <a:r>
-              <a:rPr sz="1200"/>
-              <a:t>
-</a:t>
-            </a:r>
+              <a:rPr lang="fr-FR"/>
+              <a:t>Le thé chaï Mystic Spice Premium est un mélange soigneusement élaboré qui honore les traditions du chaï indien. Chaque tasse vous emmène en voyage à travers les paysages vibrants de l’Inde, apportant une expérience authentique du chaï jusque dans votre maison.</a:t>
+            </a:r>
+            <a:br>
+              <a:rPr lang="fr-FR"/>
+            </a:br>
+            <a:br>
+              <a:rPr lang="fr-FR"/>
+            </a:br>
+            <a:br>
+              <a:rPr lang="fr-FR"/>
+            </a:br>
+            <a:r>
+              <a:rPr lang="fr-FR"/>
+              <a:t>Contenu initial :</a:t>
+            </a:r>
+            <a:br>
+              <a:rPr lang="fr-FR"/>
+            </a:br>
+            <a:r>
+              <a:rPr lang="fr-FR"/>
+              <a:t>Le thé chaï Mystic Spice Premium est un mélange méticuleusement élaboré qui rend hommage aux traditions intemporelles du chaï indien. Chaque tasse offre un voyage enchanteur à travers les paysages vibrants de l’Inde, amenant directement chez vous cette expérience authentique du chaï. La description du produit, les caractéristiques et les avantages du thé chaï Mystic Spice Premium sont résumés au tableau suivant :</a:t>
+            </a:r>
+            <a:br>
+              <a:rPr lang="fr-FR"/>
+            </a:br>
+            <a:endParaRPr lang="fr-FR"/>
           </a:p>
         </p:txBody>
       </p:sp>
@@ -3231,8 +1869,8 @@
 </file>
 
 <file path=ppt/notesSlides/notesSlide5.xml><?xml version="1.0" encoding="utf-8"?>
-<p:notes xmlns:a="http://schemas.openxmlformats.org/drawingml/2006/main" xmlns:r="http://schemas.openxmlformats.org/officeDocument/2006/relationships" xmlns:m="http://schemas.openxmlformats.org/officeDocument/2006/math" xmlns:w="http://schemas.openxmlformats.org/wordprocessingml/2006/main" xmlns:wp="http://schemas.openxmlformats.org/drawingml/2006/wordprocessingDrawing" xmlns:a14="http://schemas.microsoft.com/office/drawing/2010/main" xmlns:mc="http://schemas.openxmlformats.org/markup-compatibility/2006" xmlns:p14="http://schemas.microsoft.com/office/powerpoint/2010/main" xmlns:p="http://schemas.openxmlformats.org/presentationml/2006/main">
-  <p:cSld name="">
+<p:notes xmlns:a="http://schemas.openxmlformats.org/drawingml/2006/main" xmlns:r="http://schemas.openxmlformats.org/officeDocument/2006/relationships" xmlns:p="http://schemas.openxmlformats.org/presentationml/2006/main">
+  <p:cSld>
     <p:spTree>
       <p:nvGrpSpPr>
         <p:cNvPr id="1" name=""/>
@@ -3243,6 +1881,8 @@
         <a:xfrm>
           <a:off x="0" y="0"/>
           <a:ext cx="0" cy="0"/>
+          <a:chOff x="0" y="0"/>
+          <a:chExt cx="0" cy="0"/>
         </a:xfrm>
       </p:grpSpPr>
       <p:sp>
@@ -3273,15 +1913,7 @@
           <a:lstStyle/>
           <a:p>
             <a:r>
-              <a:rPr lang="fr-FR" sz="1200" b="0" i="0" strike="noStrike" cap="none" baseline="0">
-                <a:solidFill>
-                  <a:srgbClr val="000000"/>
-                </a:solidFill>
-                <a:effectLst/>
-                <a:latin typeface="Aptos"/>
-                <a:ea typeface="Aptos"/>
-                <a:cs typeface="Aptos"/>
-              </a:rPr>
+              <a:rPr lang="fr-FR"/>
               <a:t>non défini</a:t>
             </a:r>
           </a:p>
@@ -3324,8 +1956,8 @@
 </file>
 
 <file path=ppt/notesSlides/notesSlide6.xml><?xml version="1.0" encoding="utf-8"?>
-<p:notes xmlns:a="http://schemas.openxmlformats.org/drawingml/2006/main" xmlns:r="http://schemas.openxmlformats.org/officeDocument/2006/relationships" xmlns:m="http://schemas.openxmlformats.org/officeDocument/2006/math" xmlns:w="http://schemas.openxmlformats.org/wordprocessingml/2006/main" xmlns:wp="http://schemas.openxmlformats.org/drawingml/2006/wordprocessingDrawing" xmlns:a14="http://schemas.microsoft.com/office/drawing/2010/main" xmlns:mc="http://schemas.openxmlformats.org/markup-compatibility/2006" xmlns:p14="http://schemas.microsoft.com/office/powerpoint/2010/main" xmlns:p="http://schemas.openxmlformats.org/presentationml/2006/main">
-  <p:cSld name="">
+<p:notes xmlns:a="http://schemas.openxmlformats.org/drawingml/2006/main" xmlns:r="http://schemas.openxmlformats.org/officeDocument/2006/relationships" xmlns:p="http://schemas.openxmlformats.org/presentationml/2006/main">
+  <p:cSld>
     <p:spTree>
       <p:nvGrpSpPr>
         <p:cNvPr id="1" name=""/>
@@ -3336,6 +1968,8 @@
         <a:xfrm>
           <a:off x="0" y="0"/>
           <a:ext cx="0" cy="0"/>
+          <a:chOff x="0" y="0"/>
+          <a:chExt cx="0" cy="0"/>
         </a:xfrm>
       </p:grpSpPr>
       <p:sp>
@@ -3366,15 +2000,7 @@
           <a:lstStyle/>
           <a:p>
             <a:r>
-              <a:rPr lang="fr-FR" sz="1200" b="0" i="0" strike="noStrike" cap="none" baseline="0">
-                <a:solidFill>
-                  <a:srgbClr val="000000"/>
-                </a:solidFill>
-                <a:effectLst/>
-                <a:latin typeface="Aptos"/>
-                <a:ea typeface="Aptos"/>
-                <a:cs typeface="Aptos"/>
-              </a:rPr>
+              <a:rPr lang="fr-FR"/>
               <a:t>non défini</a:t>
             </a:r>
           </a:p>
@@ -3417,8 +2043,8 @@
 </file>
 
 <file path=ppt/notesSlides/notesSlide7.xml><?xml version="1.0" encoding="utf-8"?>
-<p:notes xmlns:a="http://schemas.openxmlformats.org/drawingml/2006/main" xmlns:r="http://schemas.openxmlformats.org/officeDocument/2006/relationships" xmlns:m="http://schemas.openxmlformats.org/officeDocument/2006/math" xmlns:w="http://schemas.openxmlformats.org/wordprocessingml/2006/main" xmlns:wp="http://schemas.openxmlformats.org/drawingml/2006/wordprocessingDrawing" xmlns:a14="http://schemas.microsoft.com/office/drawing/2010/main" xmlns:mc="http://schemas.openxmlformats.org/markup-compatibility/2006" xmlns:p14="http://schemas.microsoft.com/office/powerpoint/2010/main" xmlns:p="http://schemas.openxmlformats.org/presentationml/2006/main">
-  <p:cSld name="">
+<p:notes xmlns:a="http://schemas.openxmlformats.org/drawingml/2006/main" xmlns:r="http://schemas.openxmlformats.org/officeDocument/2006/relationships" xmlns:p="http://schemas.openxmlformats.org/presentationml/2006/main">
+  <p:cSld>
     <p:spTree>
       <p:nvGrpSpPr>
         <p:cNvPr id="1" name=""/>
@@ -3429,6 +2055,8 @@
         <a:xfrm>
           <a:off x="0" y="0"/>
           <a:ext cx="0" cy="0"/>
+          <a:chOff x="0" y="0"/>
+          <a:chExt cx="0" cy="0"/>
         </a:xfrm>
       </p:grpSpPr>
       <p:sp>
@@ -3459,353 +2087,82 @@
           <a:lstStyle/>
           <a:p>
             <a:r>
-              <a:rPr lang="fr-FR" sz="1200" b="0" i="0" strike="noStrike" cap="none" baseline="0">
-                <a:solidFill>
-                  <a:srgbClr val="000000"/>
-                </a:solidFill>
-                <a:effectLst/>
-                <a:latin typeface="Aptos"/>
-                <a:ea typeface="Aptos"/>
-                <a:cs typeface="Aptos"/>
-              </a:rPr>
-              <a:t>Le marché latino-américain offre une grande opportunité pour le thé chaï, cette région étant en demande croissante de produits sains, naturels et exotiques.</a:t>
-            </a:r>
-            <a:r>
-              <a:rPr lang="fr-FR" sz="1200" b="0" i="0" strike="noStrike" cap="none" baseline="0">
-                <a:solidFill>
-                  <a:srgbClr val="000000"/>
-                </a:solidFill>
-                <a:effectLst/>
-                <a:latin typeface="Aptos"/>
-                <a:ea typeface="Aptos"/>
-                <a:cs typeface="Aptos"/>
-              </a:rPr>
-              <a:t> </a:t>
-            </a:r>
-            <a:r>
-              <a:rPr lang="fr-FR" sz="1200" b="0" i="0" strike="noStrike" cap="none" baseline="0">
-                <a:solidFill>
-                  <a:srgbClr val="000000"/>
-                </a:solidFill>
-                <a:effectLst/>
-                <a:latin typeface="Aptos"/>
-                <a:ea typeface="Aptos"/>
-                <a:cs typeface="Aptos"/>
-              </a:rPr>
-              <a:t>La taille du marché mondial du thé chaï a été évaluée à 1,9 milliard de dollars USD en 2019 et devrait atteindre un TCAC (Taux de Croissance Annuel Composé) de 5,5 % de 2020 à 2027, l’Amérique latine étant l’une des régions à la croissance la plus rapide.</a:t>
-            </a:r>
-            <a:r>
-              <a:rPr lang="fr-FR" sz="1200" b="0" i="0" strike="noStrike" cap="none" baseline="0">
-                <a:solidFill>
-                  <a:srgbClr val="000000"/>
-                </a:solidFill>
-                <a:effectLst/>
-                <a:latin typeface="Aptos"/>
-                <a:ea typeface="Aptos"/>
-                <a:cs typeface="Aptos"/>
-              </a:rPr>
-              <a:t> </a:t>
-            </a:r>
-            <a:r>
-              <a:rPr lang="fr-FR" sz="1200" b="0" i="0" strike="noStrike" cap="none" baseline="0">
-                <a:solidFill>
-                  <a:srgbClr val="000000"/>
-                </a:solidFill>
-                <a:effectLst/>
-                <a:latin typeface="Aptos"/>
-                <a:ea typeface="Aptos"/>
-                <a:cs typeface="Aptos"/>
-              </a:rPr>
-              <a:t>Les principaux moteurs de la croissance incluent la prise de conscience croissante, l’augmentation du revenu disponible et la distribution croissante.</a:t>
-            </a:r>
-            <a:r>
-              <a:rPr sz="1200"/>
-              <a:t>
-</a:t>
-            </a:r>
-            <a:r>
-              <a:rPr sz="1200"/>
-              <a:t>
-</a:t>
-            </a:r>
-            <a:r>
-              <a:rPr sz="1200"/>
-              <a:t>
-</a:t>
-            </a:r>
-            <a:r>
-              <a:rPr lang="fr-FR" sz="1200" b="0" i="0" strike="noStrike" cap="none" baseline="0">
-                <a:solidFill>
-                  <a:srgbClr val="000000"/>
-                </a:solidFill>
-                <a:effectLst/>
-                <a:latin typeface="Aptos"/>
-                <a:ea typeface="Aptos"/>
-                <a:cs typeface="Aptos"/>
-              </a:rPr>
-              <a:t>Contenu d’origine :</a:t>
-            </a:r>
-            <a:r>
-              <a:rPr sz="1200"/>
-              <a:t>
-</a:t>
-            </a:r>
-            <a:r>
-              <a:rPr lang="fr-FR" sz="1200" b="0" i="0" strike="noStrike" cap="none" baseline="0">
-                <a:solidFill>
-                  <a:srgbClr val="000000"/>
-                </a:solidFill>
-                <a:effectLst/>
-                <a:latin typeface="Aptos"/>
-                <a:ea typeface="Aptos"/>
-                <a:cs typeface="Aptos"/>
-              </a:rPr>
-              <a:t>Tendance du marché et demande</a:t>
-            </a:r>
-            <a:r>
-              <a:rPr sz="1200"/>
-              <a:t>
-</a:t>
-            </a:r>
-            <a:r>
-              <a:rPr lang="fr-FR" sz="1200" b="0" i="0" strike="noStrike" cap="none" baseline="0">
-                <a:solidFill>
-                  <a:srgbClr val="000000"/>
-                </a:solidFill>
-                <a:effectLst/>
-                <a:latin typeface="Aptos"/>
-                <a:ea typeface="Aptos"/>
-                <a:cs typeface="Aptos"/>
-              </a:rPr>
-              <a:t>Le marché latino-américain offre une grande opportunité pour le thé chaï, cette région étant en demande croissante de produits sains, naturels et exotiques.</a:t>
-            </a:r>
-            <a:r>
-              <a:rPr lang="fr-FR" sz="1200" b="0" i="0" strike="noStrike" cap="none" baseline="0">
-                <a:solidFill>
-                  <a:srgbClr val="000000"/>
-                </a:solidFill>
-                <a:effectLst/>
-                <a:latin typeface="Aptos"/>
-                <a:ea typeface="Aptos"/>
-                <a:cs typeface="Aptos"/>
-              </a:rPr>
-              <a:t> </a:t>
-            </a:r>
-            <a:r>
-              <a:rPr lang="fr-FR" sz="1200" b="0" i="0" strike="noStrike" cap="none" baseline="0">
-                <a:solidFill>
-                  <a:srgbClr val="000000"/>
-                </a:solidFill>
-                <a:effectLst/>
-                <a:latin typeface="Aptos"/>
-                <a:ea typeface="Aptos"/>
-                <a:cs typeface="Aptos"/>
-              </a:rPr>
-              <a:t>La région possède également une puissante culture du thé, en particulier dans des pays comme l’Argentine, le Chili et l’Uruguay, où le maté est une boisson populaire.</a:t>
-            </a:r>
-            <a:r>
-              <a:rPr lang="fr-FR" sz="1200" b="0" i="0" strike="noStrike" cap="none" baseline="0">
-                <a:solidFill>
-                  <a:srgbClr val="000000"/>
-                </a:solidFill>
-                <a:effectLst/>
-                <a:latin typeface="Aptos"/>
-                <a:ea typeface="Aptos"/>
-                <a:cs typeface="Aptos"/>
-              </a:rPr>
-              <a:t> </a:t>
-            </a:r>
-            <a:r>
-              <a:rPr lang="fr-FR" sz="1200" b="0" i="0" strike="noStrike" cap="none" baseline="0">
-                <a:solidFill>
-                  <a:srgbClr val="000000"/>
-                </a:solidFill>
-                <a:effectLst/>
-                <a:latin typeface="Aptos"/>
-                <a:ea typeface="Aptos"/>
-                <a:cs typeface="Aptos"/>
-              </a:rPr>
-              <a:t>Le thé chaï séduira à la fois les amateurs de thé et les buveurs de café, car il offre un apport en caféine similaire et un profil de saveurs plus complexe.</a:t>
-            </a:r>
-            <a:r>
-              <a:rPr lang="fr-FR" sz="1200" b="0" i="0" strike="noStrike" cap="none" baseline="0">
-                <a:solidFill>
-                  <a:srgbClr val="000000"/>
-                </a:solidFill>
-                <a:effectLst/>
-                <a:latin typeface="Aptos"/>
-                <a:ea typeface="Aptos"/>
-                <a:cs typeface="Aptos"/>
-              </a:rPr>
-              <a:t> </a:t>
-            </a:r>
-            <a:r>
-              <a:rPr lang="fr-FR" sz="1200" b="0" i="0" strike="noStrike" cap="none" baseline="0">
-                <a:solidFill>
-                  <a:srgbClr val="000000"/>
-                </a:solidFill>
-                <a:effectLst/>
-                <a:latin typeface="Aptos"/>
-                <a:ea typeface="Aptos"/>
-                <a:cs typeface="Aptos"/>
-              </a:rPr>
-              <a:t>Le thé chaï peut également correspondre au style de vie et aux préférences des consommateurs latino-américains, qui apprécient la convivialité, le partage et la gourmandise.</a:t>
-            </a:r>
-            <a:r>
-              <a:rPr sz="1200"/>
-              <a:t>
-</a:t>
-            </a:r>
-            <a:r>
-              <a:rPr lang="fr-FR" sz="1200" b="0" i="0" strike="noStrike" cap="none" baseline="0">
-                <a:solidFill>
-                  <a:srgbClr val="000000"/>
-                </a:solidFill>
-                <a:effectLst/>
-                <a:latin typeface="Aptos"/>
-                <a:ea typeface="Aptos"/>
-                <a:cs typeface="Aptos"/>
-              </a:rPr>
-              <a:t>Selon un rapport établi par Grand View Research, la taille du marché mondial du thé chaï a été évaluée à 1,9 milliard de dollars US en 2019 et devrait atteindre un taux de croissance annuel composé (TCAC) de 5,5 % entre 2020 et 2027.</a:t>
-            </a:r>
-            <a:r>
-              <a:rPr lang="fr-FR" sz="1200" b="0" i="0" strike="noStrike" cap="none" baseline="0">
-                <a:solidFill>
-                  <a:srgbClr val="000000"/>
-                </a:solidFill>
-                <a:effectLst/>
-                <a:latin typeface="Aptos"/>
-                <a:ea typeface="Aptos"/>
-                <a:cs typeface="Aptos"/>
-              </a:rPr>
-              <a:t> </a:t>
-            </a:r>
-            <a:r>
-              <a:rPr lang="fr-FR" sz="1200" b="0" i="0" strike="noStrike" cap="none" baseline="0">
-                <a:solidFill>
-                  <a:srgbClr val="000000"/>
-                </a:solidFill>
-                <a:effectLst/>
-                <a:latin typeface="Aptos"/>
-                <a:ea typeface="Aptos"/>
-                <a:cs typeface="Aptos"/>
-              </a:rPr>
-              <a:t>Le rapport indique également que l’Amérique latine est l’une des régions où la croissance du thé croissance du thé chaï est la plus rapide, avec un TCAC évoluant de 6,2 % entre 2020 et 2027.</a:t>
-            </a:r>
-            <a:r>
-              <a:rPr lang="fr-FR" sz="1200" b="0" i="0" strike="noStrike" cap="none" baseline="0">
-                <a:solidFill>
-                  <a:srgbClr val="000000"/>
-                </a:solidFill>
-                <a:effectLst/>
-                <a:latin typeface="Aptos"/>
-                <a:ea typeface="Aptos"/>
-                <a:cs typeface="Aptos"/>
-              </a:rPr>
-              <a:t> </a:t>
-            </a:r>
-            <a:r>
-              <a:rPr lang="fr-FR" sz="1200" b="0" i="0" strike="noStrike" cap="none" baseline="0">
-                <a:solidFill>
-                  <a:srgbClr val="000000"/>
-                </a:solidFill>
-                <a:effectLst/>
-                <a:latin typeface="Aptos"/>
-                <a:ea typeface="Aptos"/>
-                <a:cs typeface="Aptos"/>
-              </a:rPr>
-              <a:t>Les principaux moteurs de croissance du thé chaï en Amérique latine sont :</a:t>
-            </a:r>
-            <a:r>
-              <a:rPr sz="1200"/>
-              <a:t>
-</a:t>
-            </a:r>
-            <a:r>
-              <a:rPr lang="fr-FR" sz="1200" b="0" i="0" strike="noStrike" cap="none" baseline="0">
-                <a:solidFill>
-                  <a:srgbClr val="000000"/>
-                </a:solidFill>
-                <a:effectLst/>
-                <a:latin typeface="Aptos"/>
-                <a:ea typeface="Aptos"/>
-                <a:cs typeface="Aptos"/>
-              </a:rPr>
-              <a:t>·La prise de conscience et l’intérêt croissants envers les avantages pour la santé et des aspects culturels du thé chaï</a:t>
-            </a:r>
-            <a:r>
-              <a:rPr sz="1200"/>
-              <a:t>
-</a:t>
-            </a:r>
-            <a:r>
-              <a:rPr lang="fr-FR" sz="1200" b="0" i="0" strike="noStrike" cap="none" baseline="0">
-                <a:solidFill>
-                  <a:srgbClr val="000000"/>
-                </a:solidFill>
-                <a:effectLst/>
-                <a:latin typeface="Aptos"/>
-                <a:ea typeface="Aptos"/>
-                <a:cs typeface="Aptos"/>
-              </a:rPr>
-              <a:t> L’augmentation du revenu disponible et du pouvoir d’achat des consommateurs de la classe moyenne</a:t>
-            </a:r>
-            <a:r>
-              <a:rPr sz="1200"/>
-              <a:t>
-</a:t>
-            </a:r>
-            <a:r>
-              <a:rPr lang="fr-FR" sz="1200" b="0" i="0" strike="noStrike" cap="none" baseline="0">
-                <a:solidFill>
-                  <a:srgbClr val="000000"/>
-                </a:solidFill>
-                <a:effectLst/>
-                <a:latin typeface="Aptos"/>
-                <a:ea typeface="Aptos"/>
-                <a:cs typeface="Aptos"/>
-              </a:rPr>
-              <a:t> La popularité croissante des thés spécialisés et de haut qualité parmi les plus jeunes et la population urbaines</a:t>
-            </a:r>
-            <a:r>
-              <a:rPr sz="1200"/>
-              <a:t>
-</a:t>
-            </a:r>
-            <a:r>
-              <a:rPr lang="fr-FR" sz="1200" b="0" i="0" strike="noStrike" cap="none" baseline="0">
-                <a:solidFill>
-                  <a:srgbClr val="000000"/>
-                </a:solidFill>
-                <a:effectLst/>
-                <a:latin typeface="Aptos"/>
-                <a:ea typeface="Aptos"/>
-                <a:cs typeface="Aptos"/>
-              </a:rPr>
-              <a:t> La distribution et la disponibilité croissantes de produits de thé chaï dans différents canaux, tels que les supermarchés, les cafés et les plateformes en ligne</a:t>
-            </a:r>
-            <a:r>
-              <a:rPr sz="1200"/>
-              <a:t>
-</a:t>
-            </a:r>
-            <a:r>
-              <a:rPr lang="fr-FR" sz="1200" b="0" i="0" strike="noStrike" cap="none" baseline="0">
-                <a:solidFill>
-                  <a:srgbClr val="000000"/>
-                </a:solidFill>
-                <a:effectLst/>
-                <a:latin typeface="Aptos"/>
-                <a:ea typeface="Aptos"/>
-                <a:cs typeface="Aptos"/>
-              </a:rPr>
-              <a:t> L’émergence de saveurs et de formats nouveaux et innovants de thé chaï, tels que des variétés prêtes à boire, instantanées et biologiques</a:t>
-            </a:r>
-            <a:r>
-              <a:rPr sz="1200"/>
-              <a:t>
-</a:t>
-            </a:r>
+              <a:rPr lang="fr-FR"/>
+              <a:t>Le marché latino-américain offre une grande opportunité pour le thé chaï, cette région étant en demande croissante de produits sains, naturels et exotiques. La taille du marché mondial du thé chaï a été évaluée à 1,9 milliard de dollars USD en 2019 et devrait atteindre un TCAC (Taux de Croissance Annuel Composé) de 5,5 % de 2020 à 2027, l’Amérique latine étant l’une des régions à la croissance la plus rapide. Les principaux moteurs de la croissance sont la sensibilisation croissante, l’augmentation du revenu disponible et l’expansion de la distribution.</a:t>
+            </a:r>
+            <a:br>
+              <a:rPr lang="fr-FR"/>
+            </a:br>
+            <a:br>
+              <a:rPr lang="fr-FR"/>
+            </a:br>
+            <a:br>
+              <a:rPr lang="fr-FR"/>
+            </a:br>
+            <a:r>
+              <a:rPr lang="fr-FR"/>
+              <a:t>Contenu initial :</a:t>
+            </a:r>
+            <a:br>
+              <a:rPr lang="fr-FR"/>
+            </a:br>
+            <a:r>
+              <a:rPr lang="fr-FR"/>
+              <a:t>Tendances du marché et de la demande</a:t>
+            </a:r>
+            <a:br>
+              <a:rPr lang="fr-FR"/>
+            </a:br>
+            <a:r>
+              <a:rPr lang="fr-FR"/>
+              <a:t>Le marché latino-américain offre une grande opportunité pour le thé chaï, cette région étant en demande croissante de produits sains, naturels et exotiques. La région possède également une puissante culture du thé, en particulier dans des pays comme l’Argentine, le Chili et l’Uruguay, où le maté est une boisson populaire. Le thé chaï séduira à la fois les amateurs de thé et les buveurs de café, car il offre un apport en caféine similaire et un profil de saveurs plus complexe. Le thé chaï peut également correspondre au style de vie et aux préférences des consommateurs latino-américains, qui apprécient la convivialité, le partage et la gourmandise.</a:t>
+            </a:r>
+            <a:br>
+              <a:rPr lang="fr-FR"/>
+            </a:br>
+            <a:r>
+              <a:rPr lang="fr-FR"/>
+              <a:t>Selon un rapport établi par Grand View Research, la taille du marché mondial du thé chaï a été évaluée à 1,9 milliard de dollars US en 2019 et devrait atteindre un taux de croissance annuel composé (TCAC) de 5,5 % entre 2020 et 2027. Le rapport indique également que l’Amérique latine est l’une des régions où la croissance du thé croissance du thé chaï est la plus rapide, avec un TCAC évoluant de 6,2 % entre 2020 et 2027. Les principaux moteurs de la croissance du thé chaï en Amérique latine sont les suivants :</a:t>
+            </a:r>
+            <a:br>
+              <a:rPr lang="fr-FR"/>
+            </a:br>
+            <a:r>
+              <a:rPr lang="fr-FR"/>
+              <a:t>·         La prise de conscience et l’intérêt croissant pour les bienfaits pour la santé et les aspects culturels du thé chaï</a:t>
+            </a:r>
+            <a:br>
+              <a:rPr lang="fr-FR"/>
+            </a:br>
+            <a:r>
+              <a:rPr lang="fr-FR"/>
+              <a:t>·         L’augmentation du revenu disponible et du pouvoir d’achat des consommateurs de la classe moyenne</a:t>
+            </a:r>
+            <a:br>
+              <a:rPr lang="fr-FR"/>
+            </a:br>
+            <a:r>
+              <a:rPr lang="fr-FR"/>
+              <a:t>·         La popularité croissante des thés de spécialité et des thés haut de gamme chez les jeunes et les citadins</a:t>
+            </a:r>
+            <a:br>
+              <a:rPr lang="fr-FR"/>
+            </a:br>
+            <a:r>
+              <a:rPr lang="fr-FR"/>
+              <a:t>·         La distribution et la disponibilité croissantes des produits à base de thé chaï dans plusieurs canaux de distribution, tels que les supermarchés, les cafés et les plates-formes en ligne.</a:t>
+            </a:r>
+            <a:br>
+              <a:rPr lang="fr-FR"/>
+            </a:br>
+            <a:r>
+              <a:rPr lang="fr-FR"/>
+              <a:t>·         L’émergence de saveurs et de formats nouveaux et innovants du thé chaï, tels que les variétés prêtes à boire, instantanées et biologiques.</a:t>
+            </a:r>
+            <a:br>
+              <a:rPr lang="fr-FR"/>
+            </a:br>
+            <a:endParaRPr lang="fr-FR"/>
           </a:p>
         </p:txBody>
       </p:sp>
@@ -3846,8 +2203,8 @@
 </file>
 
 <file path=ppt/notesSlides/notesSlide8.xml><?xml version="1.0" encoding="utf-8"?>
-<p:notes xmlns:a="http://schemas.openxmlformats.org/drawingml/2006/main" xmlns:r="http://schemas.openxmlformats.org/officeDocument/2006/relationships" xmlns:m="http://schemas.openxmlformats.org/officeDocument/2006/math" xmlns:w="http://schemas.openxmlformats.org/wordprocessingml/2006/main" xmlns:wp="http://schemas.openxmlformats.org/drawingml/2006/wordprocessingDrawing" xmlns:a14="http://schemas.microsoft.com/office/drawing/2010/main" xmlns:mc="http://schemas.openxmlformats.org/markup-compatibility/2006" xmlns:p14="http://schemas.microsoft.com/office/powerpoint/2010/main" xmlns:p="http://schemas.openxmlformats.org/presentationml/2006/main">
-  <p:cSld name="">
+<p:notes xmlns:a="http://schemas.openxmlformats.org/drawingml/2006/main" xmlns:r="http://schemas.openxmlformats.org/officeDocument/2006/relationships" xmlns:p="http://schemas.openxmlformats.org/presentationml/2006/main">
+  <p:cSld>
     <p:spTree>
       <p:nvGrpSpPr>
         <p:cNvPr id="1" name=""/>
@@ -3858,6 +2215,8 @@
         <a:xfrm>
           <a:off x="0" y="0"/>
           <a:ext cx="0" cy="0"/>
+          <a:chOff x="0" y="0"/>
+          <a:chExt cx="0" cy="0"/>
         </a:xfrm>
       </p:grpSpPr>
       <p:sp>
@@ -3888,251 +2247,40 @@
           <a:lstStyle/>
           <a:p>
             <a:r>
-              <a:rPr lang="fr-FR" sz="1200" b="0" i="0" strike="noStrike" cap="none" baseline="0">
-                <a:solidFill>
-                  <a:srgbClr val="000000"/>
-                </a:solidFill>
-                <a:effectLst/>
-                <a:latin typeface="Aptos"/>
-                <a:ea typeface="Aptos"/>
-                <a:cs typeface="Aptos"/>
-              </a:rPr>
-              <a:t>En Amérique latine, le thé chaï est distribué par des détaillants, des grossistes et des distributeurs.</a:t>
-            </a:r>
-            <a:r>
-              <a:rPr lang="fr-FR" sz="1200" b="0" i="0" strike="noStrike" cap="none" baseline="0">
-                <a:solidFill>
-                  <a:srgbClr val="000000"/>
-                </a:solidFill>
-                <a:effectLst/>
-                <a:latin typeface="Aptos"/>
-                <a:ea typeface="Aptos"/>
-                <a:cs typeface="Aptos"/>
-              </a:rPr>
-              <a:t> </a:t>
-            </a:r>
-            <a:r>
-              <a:rPr lang="fr-FR" sz="1200" b="0" i="0" strike="noStrike" cap="none" baseline="0">
-                <a:solidFill>
-                  <a:srgbClr val="000000"/>
-                </a:solidFill>
-                <a:effectLst/>
-                <a:latin typeface="Aptos"/>
-                <a:ea typeface="Aptos"/>
-                <a:cs typeface="Aptos"/>
-              </a:rPr>
-              <a:t>Les détaillants, tels que les supermarchés et les cafés, vendent directement aux consommateurs et peuvent influencer leur perception et leurs achats.</a:t>
-            </a:r>
-            <a:r>
-              <a:rPr lang="fr-FR" sz="1200" b="0" i="0" strike="noStrike" cap="none" baseline="0">
-                <a:solidFill>
-                  <a:srgbClr val="000000"/>
-                </a:solidFill>
-                <a:effectLst/>
-                <a:latin typeface="Aptos"/>
-                <a:ea typeface="Aptos"/>
-                <a:cs typeface="Aptos"/>
-              </a:rPr>
-              <a:t> </a:t>
-            </a:r>
-            <a:r>
-              <a:rPr lang="fr-FR" sz="1200" b="0" i="0" strike="noStrike" cap="none" baseline="0">
-                <a:solidFill>
-                  <a:srgbClr val="000000"/>
-                </a:solidFill>
-                <a:effectLst/>
-                <a:latin typeface="Aptos"/>
-                <a:ea typeface="Aptos"/>
-                <a:cs typeface="Aptos"/>
-              </a:rPr>
-              <a:t>Les principaux détaillants sont Walmart et Starbucks.</a:t>
-            </a:r>
-            <a:r>
-              <a:rPr lang="fr-FR" sz="1200" b="0" i="0" strike="noStrike" cap="none" baseline="0">
-                <a:solidFill>
-                  <a:srgbClr val="000000"/>
-                </a:solidFill>
-                <a:effectLst/>
-                <a:latin typeface="Aptos"/>
-                <a:ea typeface="Aptos"/>
-                <a:cs typeface="Aptos"/>
-              </a:rPr>
-              <a:t> </a:t>
-            </a:r>
-            <a:r>
-              <a:rPr lang="fr-FR" sz="1200" b="0" i="0" strike="noStrike" cap="none" baseline="0">
-                <a:solidFill>
-                  <a:srgbClr val="000000"/>
-                </a:solidFill>
-                <a:effectLst/>
-                <a:latin typeface="Aptos"/>
-                <a:ea typeface="Aptos"/>
-                <a:cs typeface="Aptos"/>
-              </a:rPr>
-              <a:t>Les grossistes vendent en vrac aux détaillants, tandis que les distributeurs acheminent des produits des fabricants jusqu’aux détaillants.</a:t>
-            </a:r>
-            <a:r>
-              <a:rPr sz="1200"/>
-              <a:t>
-</a:t>
-            </a:r>
-            <a:r>
-              <a:rPr sz="1200"/>
-              <a:t>
-</a:t>
-            </a:r>
-            <a:r>
-              <a:rPr sz="1200"/>
-              <a:t>
-</a:t>
-            </a:r>
-            <a:r>
-              <a:rPr lang="fr-FR" sz="1200" b="0" i="0" strike="noStrike" cap="none" baseline="0">
-                <a:solidFill>
-                  <a:srgbClr val="000000"/>
-                </a:solidFill>
-                <a:effectLst/>
-                <a:latin typeface="Aptos"/>
-                <a:ea typeface="Aptos"/>
-                <a:cs typeface="Aptos"/>
-              </a:rPr>
-              <a:t>Contenu d’origine :</a:t>
-            </a:r>
-            <a:r>
-              <a:rPr sz="1200"/>
-              <a:t>
-</a:t>
-            </a:r>
-            <a:r>
-              <a:rPr lang="fr-FR" sz="1200" b="0" i="0" strike="noStrike" cap="none" baseline="0">
-                <a:solidFill>
-                  <a:srgbClr val="000000"/>
-                </a:solidFill>
-                <a:effectLst/>
-                <a:latin typeface="Aptos"/>
-                <a:ea typeface="Aptos"/>
-                <a:cs typeface="Aptos"/>
-              </a:rPr>
-              <a:t>Les canaux de distribution du thé chaï en Amérique latine sont les moyens par lesquels les thés chaï sont livrés et vendus aux consommateurs.</a:t>
-            </a:r>
-            <a:r>
-              <a:rPr lang="fr-FR" sz="1200" b="0" i="0" strike="noStrike" cap="none" baseline="0">
-                <a:solidFill>
-                  <a:srgbClr val="000000"/>
-                </a:solidFill>
-                <a:effectLst/>
-                <a:latin typeface="Aptos"/>
-                <a:ea typeface="Aptos"/>
-                <a:cs typeface="Aptos"/>
-              </a:rPr>
-              <a:t> </a:t>
-            </a:r>
-            <a:r>
-              <a:rPr lang="fr-FR" sz="1200" b="0" i="0" strike="noStrike" cap="none" baseline="0">
-                <a:solidFill>
-                  <a:srgbClr val="000000"/>
-                </a:solidFill>
-                <a:effectLst/>
-                <a:latin typeface="Aptos"/>
-                <a:ea typeface="Aptos"/>
-                <a:cs typeface="Aptos"/>
-              </a:rPr>
-              <a:t>Les canaux de distribution du thé chaï en Amérique latine peuvent être classés en trois catégories : les détaillants, les grossistes et les distributeurs.</a:t>
-            </a:r>
-            <a:r>
-              <a:rPr sz="1200"/>
-              <a:t>
-</a:t>
-            </a:r>
-            <a:r>
-              <a:rPr lang="fr-FR" sz="1200" b="0" i="0" strike="noStrike" cap="none" baseline="0">
-                <a:solidFill>
-                  <a:srgbClr val="000000"/>
-                </a:solidFill>
-                <a:effectLst/>
-                <a:latin typeface="Aptos"/>
-                <a:ea typeface="Aptos"/>
-                <a:cs typeface="Aptos"/>
-              </a:rPr>
-              <a:t>Les détaillants sont les entreprises qui vendent les produits de thé chaï directement aux consommateurs, comme les supermarchés, les magasins de proximité, les magasins spécialisés, les cafés et les plateformes en ligne.</a:t>
-            </a:r>
-            <a:r>
-              <a:rPr lang="fr-FR" sz="1200" b="0" i="0" strike="noStrike" cap="none" baseline="0">
-                <a:solidFill>
-                  <a:srgbClr val="000000"/>
-                </a:solidFill>
-                <a:effectLst/>
-                <a:latin typeface="Aptos"/>
-                <a:ea typeface="Aptos"/>
-                <a:cs typeface="Aptos"/>
-              </a:rPr>
-              <a:t> </a:t>
-            </a:r>
-            <a:r>
-              <a:rPr lang="fr-FR" sz="1200" b="0" i="0" strike="noStrike" cap="none" baseline="0">
-                <a:solidFill>
-                  <a:srgbClr val="000000"/>
-                </a:solidFill>
-                <a:effectLst/>
-                <a:latin typeface="Aptos"/>
-                <a:ea typeface="Aptos"/>
-                <a:cs typeface="Aptos"/>
-              </a:rPr>
-              <a:t>Les détaillants constituent le canal le plus visible et le plus accessible pour les thés chaï, et ils peuvent influencer la perception, la préférence et l’achat des thés chaï par le consommateur.</a:t>
-            </a:r>
-            <a:r>
-              <a:rPr lang="fr-FR" sz="1200" b="0" i="0" strike="noStrike" cap="none" baseline="0">
-                <a:solidFill>
-                  <a:srgbClr val="000000"/>
-                </a:solidFill>
-                <a:effectLst/>
-                <a:latin typeface="Aptos"/>
-                <a:ea typeface="Aptos"/>
-                <a:cs typeface="Aptos"/>
-              </a:rPr>
-              <a:t> </a:t>
-            </a:r>
-            <a:r>
-              <a:rPr lang="fr-FR" sz="1200" b="0" i="0" strike="noStrike" cap="none" baseline="0">
-                <a:solidFill>
-                  <a:srgbClr val="000000"/>
-                </a:solidFill>
-                <a:effectLst/>
-                <a:latin typeface="Aptos"/>
-                <a:ea typeface="Aptos"/>
-                <a:cs typeface="Aptos"/>
-              </a:rPr>
-              <a:t>Les détaillants peuvent également offrir un soutien promotionnel et commercial pour les produits à base de thé chaï, tels que des présentoirs, des panneaux et des espaces en rayon.</a:t>
-            </a:r>
-            <a:r>
-              <a:rPr lang="fr-FR" sz="1200" b="0" i="0" strike="noStrike" cap="none" baseline="0">
-                <a:solidFill>
-                  <a:srgbClr val="000000"/>
-                </a:solidFill>
-                <a:effectLst/>
-                <a:latin typeface="Aptos"/>
-                <a:ea typeface="Aptos"/>
-                <a:cs typeface="Aptos"/>
-              </a:rPr>
-              <a:t> </a:t>
-            </a:r>
-            <a:r>
-              <a:rPr lang="fr-FR" sz="1200" b="0" i="0" strike="noStrike" cap="none" baseline="0">
-                <a:solidFill>
-                  <a:srgbClr val="000000"/>
-                </a:solidFill>
-                <a:effectLst/>
-                <a:latin typeface="Aptos"/>
-                <a:ea typeface="Aptos"/>
-                <a:cs typeface="Aptos"/>
-              </a:rPr>
-              <a:t>Parmi les principaux détaillants de thé chaï en Amérique latine figurent Walmart, Carrefour, Oxxo, Starbucks et Amazon.</a:t>
-            </a:r>
-            <a:r>
-              <a:rPr sz="1200"/>
-              <a:t>
-</a:t>
-            </a:r>
+              <a:rPr lang="fr-FR"/>
+              <a:t>En Amérique latine, le thé chaï est distribué par des détaillants, des grossistes et des distributeurs. Les détaillants, tels que les supermarchés et les cafés, vendent directement aux consommateurs et peuvent influencer leur perception et leurs achats. Les principaux détaillants sont Walmart et Starbucks. Les grossistes vendent en gros aux détaillants, tandis que les distributeurs transportent les produits des fabricants aux détaillants.</a:t>
+            </a:r>
+            <a:br>
+              <a:rPr lang="fr-FR"/>
+            </a:br>
+            <a:br>
+              <a:rPr lang="fr-FR"/>
+            </a:br>
+            <a:br>
+              <a:rPr lang="fr-FR"/>
+            </a:br>
+            <a:r>
+              <a:rPr lang="fr-FR"/>
+              <a:t>Contenu initial :</a:t>
+            </a:r>
+            <a:br>
+              <a:rPr lang="fr-FR"/>
+            </a:br>
+            <a:r>
+              <a:rPr lang="fr-FR"/>
+              <a:t>Les canaux de distribution du thé chaï en Amérique latine sont les moyens par lesquels les thés chaï sont livrés et vendus aux consommateurs. Les circuits de distribution du thé chaï en Amérique latine peuvent être classés en trois catégories : les détaillants, les grossistes et les distributeurs.</a:t>
+            </a:r>
+            <a:br>
+              <a:rPr lang="fr-FR"/>
+            </a:br>
+            <a:r>
+              <a:rPr lang="fr-FR"/>
+              <a:t>Les détaillants sont les entreprises qui vendent les produits de thé chaï directement aux consommateurs, comme les supermarchés, les magasins de proximité, les magasins spécialisés, les cafés et les plateformes en ligne. Les détaillants constituent le canal le plus visible et le plus accessible pour les thés chaï, et ils peuvent influencer la perception, la préférence et l’achat des thés chaï par le consommateur. Les détaillants peuvent également offrir un soutien promotionnel et commercial pour les produits à base de thé chaï, tels que des présentoirs, des panneaux et des espaces en rayon. Parmi les principaux détaillants de thé chaï en Amérique latine figurent Walmart, Carrefour, Oxxo, Starbucks et Amazon.</a:t>
+            </a:r>
+            <a:br>
+              <a:rPr lang="fr-FR"/>
+            </a:br>
+            <a:endParaRPr lang="fr-FR"/>
           </a:p>
         </p:txBody>
       </p:sp>
@@ -4173,8 +2321,8 @@
 </file>
 
 <file path=ppt/notesSlides/notesSlide9.xml><?xml version="1.0" encoding="utf-8"?>
-<p:notes xmlns:a="http://schemas.openxmlformats.org/drawingml/2006/main" xmlns:r="http://schemas.openxmlformats.org/officeDocument/2006/relationships" xmlns:m="http://schemas.openxmlformats.org/officeDocument/2006/math" xmlns:w="http://schemas.openxmlformats.org/wordprocessingml/2006/main" xmlns:wp="http://schemas.openxmlformats.org/drawingml/2006/wordprocessingDrawing" xmlns:a14="http://schemas.microsoft.com/office/drawing/2010/main" xmlns:mc="http://schemas.openxmlformats.org/markup-compatibility/2006" xmlns:p14="http://schemas.microsoft.com/office/powerpoint/2010/main" xmlns:p="http://schemas.openxmlformats.org/presentationml/2006/main">
-  <p:cSld name="">
+<p:notes xmlns:a="http://schemas.openxmlformats.org/drawingml/2006/main" xmlns:r="http://schemas.openxmlformats.org/officeDocument/2006/relationships" xmlns:p="http://schemas.openxmlformats.org/presentationml/2006/main">
+  <p:cSld>
     <p:spTree>
       <p:nvGrpSpPr>
         <p:cNvPr id="1" name=""/>
@@ -4185,6 +2333,8 @@
         <a:xfrm>
           <a:off x="0" y="0"/>
           <a:ext cx="0" cy="0"/>
+          <a:chOff x="0" y="0"/>
+          <a:chExt cx="0" cy="0"/>
         </a:xfrm>
       </p:grpSpPr>
       <p:sp>
@@ -4215,186 +2365,33 @@
           <a:lstStyle/>
           <a:p>
             <a:r>
-              <a:rPr lang="fr-FR" sz="1200" b="0" i="0" strike="noStrike" cap="none" baseline="0">
-                <a:solidFill>
-                  <a:srgbClr val="000000"/>
-                </a:solidFill>
-                <a:effectLst/>
-                <a:latin typeface="Aptos"/>
-                <a:ea typeface="Aptos"/>
-                <a:cs typeface="Aptos"/>
-              </a:rPr>
-              <a:t>Les grossistes achètent le thé chaï en vrac et le vendent à des détaillants ou à d’autres intermédiaires.</a:t>
-            </a:r>
-            <a:r>
-              <a:rPr lang="fr-FR" sz="1200" b="0" i="0" strike="noStrike" cap="none" baseline="0">
-                <a:solidFill>
-                  <a:srgbClr val="000000"/>
-                </a:solidFill>
-                <a:effectLst/>
-                <a:latin typeface="Aptos"/>
-                <a:ea typeface="Aptos"/>
-                <a:cs typeface="Aptos"/>
-              </a:rPr>
-              <a:t> </a:t>
-            </a:r>
-            <a:r>
-              <a:rPr lang="fr-FR" sz="1200" b="0" i="0" strike="noStrike" cap="none" baseline="0">
-                <a:solidFill>
-                  <a:srgbClr val="000000"/>
-                </a:solidFill>
-                <a:effectLst/>
-                <a:latin typeface="Aptos"/>
-                <a:ea typeface="Aptos"/>
-                <a:cs typeface="Aptos"/>
-              </a:rPr>
-              <a:t>Ils font le lien entre l’offre et la demande de thé chaï et offrent divers services.</a:t>
-            </a:r>
-            <a:r>
-              <a:rPr lang="fr-FR" sz="1200" b="0" i="0" strike="noStrike" cap="none" baseline="0">
-                <a:solidFill>
-                  <a:srgbClr val="000000"/>
-                </a:solidFill>
-                <a:effectLst/>
-                <a:latin typeface="Aptos"/>
-                <a:ea typeface="Aptos"/>
-                <a:cs typeface="Aptos"/>
-              </a:rPr>
-              <a:t> </a:t>
-            </a:r>
-            <a:r>
-              <a:rPr lang="fr-FR" sz="1200" b="0" i="0" strike="noStrike" cap="none" baseline="0">
-                <a:solidFill>
-                  <a:srgbClr val="000000"/>
-                </a:solidFill>
-                <a:effectLst/>
-                <a:latin typeface="Aptos"/>
-                <a:ea typeface="Aptos"/>
-                <a:cs typeface="Aptos"/>
-              </a:rPr>
-              <a:t>Parmi les principaux grossistes en Amérique latine figurent Cencosud, Grupo Pao de Acucar, La Anonima et Makro.</a:t>
-            </a:r>
-            <a:r>
-              <a:rPr sz="1200"/>
-              <a:t>
-</a:t>
-            </a:r>
-            <a:r>
-              <a:rPr sz="1200"/>
-              <a:t>
-</a:t>
-            </a:r>
-            <a:r>
-              <a:rPr sz="1200"/>
-              <a:t>
-</a:t>
-            </a:r>
-            <a:r>
-              <a:rPr lang="fr-FR" sz="1200" b="0" i="0" strike="noStrike" cap="none" baseline="0">
-                <a:solidFill>
-                  <a:srgbClr val="000000"/>
-                </a:solidFill>
-                <a:effectLst/>
-                <a:latin typeface="Aptos"/>
-                <a:ea typeface="Aptos"/>
-                <a:cs typeface="Aptos"/>
-              </a:rPr>
-              <a:t>Contenu d’origine :</a:t>
-            </a:r>
-            <a:r>
-              <a:rPr sz="1200"/>
-              <a:t>
-</a:t>
-            </a:r>
-            <a:r>
-              <a:rPr lang="fr-FR" sz="1200" b="0" i="0" strike="noStrike" cap="none" baseline="0">
-                <a:solidFill>
-                  <a:srgbClr val="000000"/>
-                </a:solidFill>
-                <a:effectLst/>
-                <a:latin typeface="Aptos"/>
-                <a:ea typeface="Aptos"/>
-                <a:cs typeface="Aptos"/>
-              </a:rPr>
-              <a:t>Les grossistes sont des entreprises qui achètent le thé chaï en vrac auprès des fabricants ou des distributeurs et le vendent aux détaillants ou à d’autres intermédiaires.</a:t>
-            </a:r>
-            <a:r>
-              <a:rPr lang="fr-FR" sz="1200" b="0" i="0" strike="noStrike" cap="none" baseline="0">
-                <a:solidFill>
-                  <a:srgbClr val="000000"/>
-                </a:solidFill>
-                <a:effectLst/>
-                <a:latin typeface="Aptos"/>
-                <a:ea typeface="Aptos"/>
-                <a:cs typeface="Aptos"/>
-              </a:rPr>
-              <a:t> </a:t>
-            </a:r>
-            <a:r>
-              <a:rPr lang="fr-FR" sz="1200" b="0" i="0" strike="noStrike" cap="none" baseline="0">
-                <a:solidFill>
-                  <a:srgbClr val="000000"/>
-                </a:solidFill>
-                <a:effectLst/>
-                <a:latin typeface="Aptos"/>
-                <a:ea typeface="Aptos"/>
-                <a:cs typeface="Aptos"/>
-              </a:rPr>
-              <a:t>Les grossistes sont le lien entre l’offre et la demande du thé chaï, et ils peuvent offrir des économies d’échelle, des services de stockage et de transport pour le thé chaï.</a:t>
-            </a:r>
-            <a:r>
-              <a:rPr lang="fr-FR" sz="1200" b="0" i="0" strike="noStrike" cap="none" baseline="0">
-                <a:solidFill>
-                  <a:srgbClr val="000000"/>
-                </a:solidFill>
-                <a:effectLst/>
-                <a:latin typeface="Aptos"/>
-                <a:ea typeface="Aptos"/>
-                <a:cs typeface="Aptos"/>
-              </a:rPr>
-              <a:t> </a:t>
-            </a:r>
-            <a:r>
-              <a:rPr lang="fr-FR" sz="1200" b="0" i="0" strike="noStrike" cap="none" baseline="0">
-                <a:solidFill>
-                  <a:srgbClr val="000000"/>
-                </a:solidFill>
-                <a:effectLst/>
-                <a:latin typeface="Aptos"/>
-                <a:ea typeface="Aptos"/>
-                <a:cs typeface="Aptos"/>
-              </a:rPr>
-              <a:t>Les grossistes peuvent également fournir des données sur le marché, des informations sur les retours et des facilités de crédit pour les produits à base de thé chaï.</a:t>
-            </a:r>
-            <a:r>
-              <a:rPr lang="fr-FR" sz="1200" b="0" i="0" strike="noStrike" cap="none" baseline="0">
-                <a:solidFill>
-                  <a:srgbClr val="000000"/>
-                </a:solidFill>
-                <a:effectLst/>
-                <a:latin typeface="Aptos"/>
-                <a:ea typeface="Aptos"/>
-                <a:cs typeface="Aptos"/>
-              </a:rPr>
-              <a:t> </a:t>
-            </a:r>
-            <a:r>
-              <a:rPr lang="fr-FR" sz="1200" b="0" i="0" strike="noStrike" cap="none" baseline="0">
-                <a:solidFill>
-                  <a:srgbClr val="000000"/>
-                </a:solidFill>
-                <a:effectLst/>
-                <a:latin typeface="Aptos"/>
-                <a:ea typeface="Aptos"/>
-                <a:cs typeface="Aptos"/>
-              </a:rPr>
-              <a:t>Parmi les principaux grossistes en thé chaï en Amérique latine figurent Cencosud, Grupo Pao de Acucar, La Anonima et Makro.</a:t>
-            </a:r>
-            <a:r>
-              <a:rPr sz="1200"/>
-              <a:t>
-</a:t>
-            </a:r>
+              <a:rPr lang="fr-FR"/>
+              <a:t>Les grossistes achètent le thé chaï en vrac et le vendent à des détaillants ou à d’autres intermédiaires. Ils font le lien entre l’offre et la demande de thé chaï et offrent divers services. Les principaux grossistes d’Amérique latine sont Cencosud, Grupo Pao de Acucar, La Anonima et Makro.</a:t>
+            </a:r>
+            <a:br>
+              <a:rPr lang="fr-FR"/>
+            </a:br>
+            <a:br>
+              <a:rPr lang="fr-FR"/>
+            </a:br>
+            <a:br>
+              <a:rPr lang="fr-FR"/>
+            </a:br>
+            <a:r>
+              <a:rPr lang="fr-FR"/>
+              <a:t>Contenu initial :</a:t>
+            </a:r>
+            <a:br>
+              <a:rPr lang="fr-FR"/>
+            </a:br>
+            <a:r>
+              <a:rPr lang="fr-FR"/>
+              <a:t>Les grossistes sont des entreprises qui achètent le thé chaï en vrac auprès des fabricants ou des distributeurs et le vendent aux détaillants ou à d’autres intermédiaires. Les grossistes sont le lien entre l’offre et la demande du thé chaï, et ils peuvent offrir des économies d’échelle, des services de stockage et de transport pour le thé chaï. Les grossistes peuvent également fournir des données sur le marché, des informations sur les retours et des facilités de crédit pour les produits à base de thé chaï. Parmi les principaux grossistes en thé chaï en Amérique latine figurent Cencosud, Grupo Pao de Acucar, La Anonima et Makro.</a:t>
+            </a:r>
+            <a:br>
+              <a:rPr lang="fr-FR"/>
+            </a:br>
+            <a:endParaRPr lang="fr-FR"/>
           </a:p>
         </p:txBody>
       </p:sp>
@@ -4435,7 +2432,7 @@
 </file>
 
 <file path=ppt/slideLayouts/slideLayout1.xml><?xml version="1.0" encoding="utf-8"?>
-<p:sldLayout xmlns:a="http://schemas.openxmlformats.org/drawingml/2006/main" xmlns:r="http://schemas.openxmlformats.org/officeDocument/2006/relationships" xmlns:m="http://schemas.openxmlformats.org/officeDocument/2006/math" xmlns:w="http://schemas.openxmlformats.org/wordprocessingml/2006/main" xmlns:wp="http://schemas.openxmlformats.org/drawingml/2006/wordprocessingDrawing" xmlns:a14="http://schemas.microsoft.com/office/drawing/2010/main" xmlns:mc="http://schemas.openxmlformats.org/markup-compatibility/2006" xmlns:p14="http://schemas.microsoft.com/office/powerpoint/2010/main" xmlns:p15="http://schemas.microsoft.com/office/powerpoint/2012/main" xmlns:p159="http://schemas.microsoft.com/office/powerpoint/2015/09/main" xmlns:p="http://schemas.openxmlformats.org/presentationml/2006/main" showMasterSp="0" type="title" preserve="1">
+<p:sldLayout xmlns:a="http://schemas.openxmlformats.org/drawingml/2006/main" xmlns:r="http://schemas.openxmlformats.org/officeDocument/2006/relationships" xmlns:p="http://schemas.openxmlformats.org/presentationml/2006/main" showMasterSp="0" type="title" preserve="1">
   <p:cSld name="Title Slide">
     <p:spTree>
       <p:nvGrpSpPr>
@@ -4447,6 +2444,8 @@
         <a:xfrm>
           <a:off x="0" y="0"/>
           <a:ext cx="0" cy="0"/>
+          <a:chOff x="0" y="0"/>
+          <a:chExt cx="0" cy="0"/>
         </a:xfrm>
       </p:grpSpPr>
       <p:sp>
@@ -4492,11 +2491,6 @@
             <a:schemeClr val="lt1"/>
           </a:fontRef>
         </p:style>
-        <p:txBody>
-          <a:bodyPr/>
-          <a:lstStyle/>
-          <a:p/>
-        </p:txBody>
       </p:sp>
       <p:sp>
         <p:nvSpPr>
@@ -4538,7 +2532,7 @@
               <a:rPr lang="en-US"/>
               <a:t>Click to edit Master title style</a:t>
             </a:r>
-            <a:endParaRPr lang="en-US"/>
+            <a:endParaRPr lang="en-US" dirty="0"/>
           </a:p>
         </p:txBody>
       </p:sp>
@@ -4610,7 +2604,7 @@
               <a:rPr lang="en-US"/>
               <a:t>Click to edit Master subtitle style</a:t>
             </a:r>
-            <a:endParaRPr lang="en-US"/>
+            <a:endParaRPr lang="en-US" dirty="0"/>
           </a:p>
         </p:txBody>
       </p:sp>
@@ -4681,9 +2675,9 @@
           <a:p>
             <a:fld id="{9184DA70-C731-4C70-880D-CCD4705E623C}" type="datetime1">
               <a:rPr lang="en-US" smtClean="0"/>
-              <a:t>6/26/2024</a:t>
+              <a:t>5/30/2025</a:t>
             </a:fld>
-            <a:endParaRPr lang="en-US"/>
+            <a:endParaRPr lang="en-US" dirty="0"/>
           </a:p>
         </p:txBody>
       </p:sp>
@@ -4708,7 +2702,7 @@
           <a:bodyPr/>
           <a:lstStyle/>
           <a:p>
-            <a:endParaRPr lang="en-US"/>
+            <a:endParaRPr lang="en-US" dirty="0"/>
           </a:p>
         </p:txBody>
       </p:sp>
@@ -4737,7 +2731,7 @@
               <a:rPr lang="en-US" smtClean="0"/>
               <a:t>‹#›</a:t>
             </a:fld>
-            <a:endParaRPr lang="en-US"/>
+            <a:endParaRPr lang="en-US" dirty="0"/>
           </a:p>
         </p:txBody>
       </p:sp>
@@ -4751,13 +2745,11 @@
   <p:clrMapOvr>
     <a:masterClrMapping/>
   </p:clrMapOvr>
-  <p:transition/>
-  <p:timing/>
 </p:sldLayout>
 </file>
 
 <file path=ppt/slideLayouts/slideLayout10.xml><?xml version="1.0" encoding="utf-8"?>
-<p:sldLayout xmlns:a="http://schemas.openxmlformats.org/drawingml/2006/main" xmlns:r="http://schemas.openxmlformats.org/officeDocument/2006/relationships" xmlns:m="http://schemas.openxmlformats.org/officeDocument/2006/math" xmlns:w="http://schemas.openxmlformats.org/wordprocessingml/2006/main" xmlns:wp="http://schemas.openxmlformats.org/drawingml/2006/wordprocessingDrawing" xmlns:a14="http://schemas.microsoft.com/office/drawing/2010/main" xmlns:mc="http://schemas.openxmlformats.org/markup-compatibility/2006" xmlns:p14="http://schemas.microsoft.com/office/powerpoint/2010/main" xmlns:p15="http://schemas.microsoft.com/office/powerpoint/2012/main" xmlns:p159="http://schemas.microsoft.com/office/powerpoint/2015/09/main" xmlns:p="http://schemas.openxmlformats.org/presentationml/2006/main" type="vertTx" preserve="1">
+<p:sldLayout xmlns:a="http://schemas.openxmlformats.org/drawingml/2006/main" xmlns:r="http://schemas.openxmlformats.org/officeDocument/2006/relationships" xmlns:p="http://schemas.openxmlformats.org/presentationml/2006/main" type="vertTx" preserve="1">
   <p:cSld name="Title and Vertical Text">
     <p:spTree>
       <p:nvGrpSpPr>
@@ -4769,6 +2761,8 @@
         <a:xfrm>
           <a:off x="0" y="0"/>
           <a:ext cx="0" cy="0"/>
+          <a:chOff x="0" y="0"/>
+          <a:chExt cx="0" cy="0"/>
         </a:xfrm>
       </p:grpSpPr>
       <p:sp>
@@ -4790,7 +2784,7 @@
               <a:rPr lang="en-US"/>
               <a:t>Click to edit Master title style</a:t>
             </a:r>
-            <a:endParaRPr lang="en-US"/>
+            <a:endParaRPr lang="en-US" dirty="0"/>
           </a:p>
         </p:txBody>
       </p:sp>
@@ -4842,7 +2836,7 @@
               <a:rPr lang="en-US"/>
               <a:t>Fifth level</a:t>
             </a:r>
-            <a:endParaRPr lang="en-US"/>
+            <a:endParaRPr lang="en-US" dirty="0"/>
           </a:p>
         </p:txBody>
       </p:sp>
@@ -4869,9 +2863,9 @@
           <a:p>
             <a:fld id="{B612A279-0833-481D-8C56-F67FD0AC6C50}" type="datetime1">
               <a:rPr lang="en-US" smtClean="0"/>
-              <a:t>6/26/2024</a:t>
+              <a:t>5/30/2025</a:t>
             </a:fld>
-            <a:endParaRPr lang="en-US"/>
+            <a:endParaRPr lang="en-US" dirty="0"/>
           </a:p>
         </p:txBody>
       </p:sp>
@@ -4896,7 +2890,7 @@
           <a:bodyPr/>
           <a:lstStyle/>
           <a:p>
-            <a:endParaRPr lang="en-US"/>
+            <a:endParaRPr lang="en-US" dirty="0"/>
           </a:p>
         </p:txBody>
       </p:sp>
@@ -4925,7 +2919,7 @@
               <a:rPr lang="en-US" smtClean="0"/>
               <a:t>‹#›</a:t>
             </a:fld>
-            <a:endParaRPr lang="en-US"/>
+            <a:endParaRPr lang="en-US" dirty="0"/>
           </a:p>
         </p:txBody>
       </p:sp>
@@ -4939,13 +2933,11 @@
   <p:clrMapOvr>
     <a:masterClrMapping/>
   </p:clrMapOvr>
-  <p:transition/>
-  <p:timing/>
 </p:sldLayout>
 </file>
 
 <file path=ppt/slideLayouts/slideLayout11.xml><?xml version="1.0" encoding="utf-8"?>
-<p:sldLayout xmlns:a="http://schemas.openxmlformats.org/drawingml/2006/main" xmlns:r="http://schemas.openxmlformats.org/officeDocument/2006/relationships" xmlns:m="http://schemas.openxmlformats.org/officeDocument/2006/math" xmlns:w="http://schemas.openxmlformats.org/wordprocessingml/2006/main" xmlns:wp="http://schemas.openxmlformats.org/drawingml/2006/wordprocessingDrawing" xmlns:a14="http://schemas.microsoft.com/office/drawing/2010/main" xmlns:mc="http://schemas.openxmlformats.org/markup-compatibility/2006" xmlns:p14="http://schemas.microsoft.com/office/powerpoint/2010/main" xmlns:p15="http://schemas.microsoft.com/office/powerpoint/2012/main" xmlns:p159="http://schemas.microsoft.com/office/powerpoint/2015/09/main" xmlns:p="http://schemas.openxmlformats.org/presentationml/2006/main" showMasterSp="0" type="vertTitleAndTx" preserve="1">
+<p:sldLayout xmlns:a="http://schemas.openxmlformats.org/drawingml/2006/main" xmlns:r="http://schemas.openxmlformats.org/officeDocument/2006/relationships" xmlns:p="http://schemas.openxmlformats.org/presentationml/2006/main" showMasterSp="0" type="vertTitleAndTx" preserve="1">
   <p:cSld name="Vertical Title and Text">
     <p:spTree>
       <p:nvGrpSpPr>
@@ -4957,6 +2949,8 @@
         <a:xfrm>
           <a:off x="0" y="0"/>
           <a:ext cx="0" cy="0"/>
+          <a:chOff x="0" y="0"/>
+          <a:chExt cx="0" cy="0"/>
         </a:xfrm>
       </p:grpSpPr>
       <p:sp>
@@ -5002,11 +2996,6 @@
             <a:schemeClr val="lt1"/>
           </a:fontRef>
         </p:style>
-        <p:txBody>
-          <a:bodyPr/>
-          <a:lstStyle/>
-          <a:p/>
-        </p:txBody>
       </p:sp>
       <p:sp>
         <p:nvSpPr>
@@ -5032,7 +3021,7 @@
               <a:rPr lang="en-US"/>
               <a:t>Click to edit Master title style</a:t>
             </a:r>
-            <a:endParaRPr lang="en-US"/>
+            <a:endParaRPr lang="en-US" dirty="0"/>
           </a:p>
         </p:txBody>
       </p:sp>
@@ -5089,7 +3078,7 @@
               <a:rPr lang="en-US"/>
               <a:t>Fifth level</a:t>
             </a:r>
-            <a:endParaRPr lang="en-US"/>
+            <a:endParaRPr lang="en-US" dirty="0"/>
           </a:p>
         </p:txBody>
       </p:sp>
@@ -5116,9 +3105,9 @@
           <a:p>
             <a:fld id="{6587DA83-5663-4C9C-B9AA-0B40A3DAFF81}" type="datetime1">
               <a:rPr lang="en-US" smtClean="0"/>
-              <a:t>6/26/2024</a:t>
+              <a:t>5/30/2025</a:t>
             </a:fld>
-            <a:endParaRPr lang="en-US"/>
+            <a:endParaRPr lang="en-US" dirty="0"/>
           </a:p>
         </p:txBody>
       </p:sp>
@@ -5143,7 +3132,7 @@
           <a:bodyPr/>
           <a:lstStyle/>
           <a:p>
-            <a:endParaRPr lang="en-US"/>
+            <a:endParaRPr lang="en-US" dirty="0"/>
           </a:p>
         </p:txBody>
       </p:sp>
@@ -5172,7 +3161,7 @@
               <a:rPr lang="en-US" smtClean="0"/>
               <a:t>‹#›</a:t>
             </a:fld>
-            <a:endParaRPr lang="en-US"/>
+            <a:endParaRPr lang="en-US" dirty="0"/>
           </a:p>
         </p:txBody>
       </p:sp>
@@ -5186,13 +3175,11 @@
   <p:clrMapOvr>
     <a:masterClrMapping/>
   </p:clrMapOvr>
-  <p:transition/>
-  <p:timing/>
 </p:sldLayout>
 </file>
 
 <file path=ppt/slideLayouts/slideLayout2.xml><?xml version="1.0" encoding="utf-8"?>
-<p:sldLayout xmlns:a="http://schemas.openxmlformats.org/drawingml/2006/main" xmlns:r="http://schemas.openxmlformats.org/officeDocument/2006/relationships" xmlns:m="http://schemas.openxmlformats.org/officeDocument/2006/math" xmlns:w="http://schemas.openxmlformats.org/wordprocessingml/2006/main" xmlns:wp="http://schemas.openxmlformats.org/drawingml/2006/wordprocessingDrawing" xmlns:a14="http://schemas.microsoft.com/office/drawing/2010/main" xmlns:mc="http://schemas.openxmlformats.org/markup-compatibility/2006" xmlns:p14="http://schemas.microsoft.com/office/powerpoint/2010/main" xmlns:p15="http://schemas.microsoft.com/office/powerpoint/2012/main" xmlns:p159="http://schemas.microsoft.com/office/powerpoint/2015/09/main" xmlns:p="http://schemas.openxmlformats.org/presentationml/2006/main" type="obj" preserve="1">
+<p:sldLayout xmlns:a="http://schemas.openxmlformats.org/drawingml/2006/main" xmlns:r="http://schemas.openxmlformats.org/officeDocument/2006/relationships" xmlns:p="http://schemas.openxmlformats.org/presentationml/2006/main" type="obj" preserve="1">
   <p:cSld name="Title and Content">
     <p:spTree>
       <p:nvGrpSpPr>
@@ -5204,6 +3191,8 @@
         <a:xfrm>
           <a:off x="0" y="0"/>
           <a:ext cx="0" cy="0"/>
+          <a:chOff x="0" y="0"/>
+          <a:chExt cx="0" cy="0"/>
         </a:xfrm>
       </p:grpSpPr>
       <p:sp>
@@ -5225,7 +3214,7 @@
               <a:rPr lang="en-US"/>
               <a:t>Click to edit Master title style</a:t>
             </a:r>
-            <a:endParaRPr lang="en-US"/>
+            <a:endParaRPr lang="en-US" dirty="0"/>
           </a:p>
         </p:txBody>
       </p:sp>
@@ -5277,7 +3266,7 @@
               <a:rPr lang="en-US"/>
               <a:t>Fifth level</a:t>
             </a:r>
-            <a:endParaRPr lang="en-US"/>
+            <a:endParaRPr lang="en-US" dirty="0"/>
           </a:p>
         </p:txBody>
       </p:sp>
@@ -5304,9 +3293,9 @@
           <a:p>
             <a:fld id="{4BE1D723-8F53-4F53-90B0-1982A396982E}" type="datetime1">
               <a:rPr lang="en-US" smtClean="0"/>
-              <a:t>6/26/2024</a:t>
+              <a:t>5/30/2025</a:t>
             </a:fld>
-            <a:endParaRPr lang="en-US"/>
+            <a:endParaRPr lang="en-US" dirty="0"/>
           </a:p>
         </p:txBody>
       </p:sp>
@@ -5331,7 +3320,7 @@
           <a:bodyPr/>
           <a:lstStyle/>
           <a:p>
-            <a:endParaRPr lang="en-US"/>
+            <a:endParaRPr lang="en-US" dirty="0"/>
           </a:p>
         </p:txBody>
       </p:sp>
@@ -5360,7 +3349,7 @@
               <a:rPr lang="en-US" smtClean="0"/>
               <a:t>‹#›</a:t>
             </a:fld>
-            <a:endParaRPr lang="en-US"/>
+            <a:endParaRPr lang="en-US" dirty="0"/>
           </a:p>
         </p:txBody>
       </p:sp>
@@ -5374,13 +3363,11 @@
   <p:clrMapOvr>
     <a:masterClrMapping/>
   </p:clrMapOvr>
-  <p:transition/>
-  <p:timing/>
 </p:sldLayout>
 </file>
 
 <file path=ppt/slideLayouts/slideLayout3.xml><?xml version="1.0" encoding="utf-8"?>
-<p:sldLayout xmlns:a="http://schemas.openxmlformats.org/drawingml/2006/main" xmlns:r="http://schemas.openxmlformats.org/officeDocument/2006/relationships" xmlns:m="http://schemas.openxmlformats.org/officeDocument/2006/math" xmlns:w="http://schemas.openxmlformats.org/wordprocessingml/2006/main" xmlns:wp="http://schemas.openxmlformats.org/drawingml/2006/wordprocessingDrawing" xmlns:a14="http://schemas.microsoft.com/office/drawing/2010/main" xmlns:mc="http://schemas.openxmlformats.org/markup-compatibility/2006" xmlns:p14="http://schemas.microsoft.com/office/powerpoint/2010/main" xmlns:p15="http://schemas.microsoft.com/office/powerpoint/2012/main" xmlns:p159="http://schemas.microsoft.com/office/powerpoint/2015/09/main" xmlns:p="http://schemas.openxmlformats.org/presentationml/2006/main" showMasterSp="0" type="secHead" preserve="1">
+<p:sldLayout xmlns:a="http://schemas.openxmlformats.org/drawingml/2006/main" xmlns:r="http://schemas.openxmlformats.org/officeDocument/2006/relationships" xmlns:p="http://schemas.openxmlformats.org/presentationml/2006/main" showMasterSp="0" type="secHead" preserve="1">
   <p:cSld name="Section Header">
     <p:bg>
       <p:bgPr>
@@ -5400,6 +3387,8 @@
         <a:xfrm>
           <a:off x="0" y="0"/>
           <a:ext cx="0" cy="0"/>
+          <a:chOff x="0" y="0"/>
+          <a:chExt cx="0" cy="0"/>
         </a:xfrm>
       </p:grpSpPr>
       <p:sp>
@@ -5445,11 +3434,6 @@
             <a:schemeClr val="lt1"/>
           </a:fontRef>
         </p:style>
-        <p:txBody>
-          <a:bodyPr/>
-          <a:lstStyle/>
-          <a:p/>
-        </p:txBody>
       </p:sp>
       <p:sp>
         <p:nvSpPr>
@@ -5491,7 +3475,7 @@
               <a:rPr lang="en-US"/>
               <a:t>Click to edit Master title style</a:t>
             </a:r>
-            <a:endParaRPr lang="en-US"/>
+            <a:endParaRPr lang="en-US" dirty="0"/>
           </a:p>
         </p:txBody>
       </p:sp>
@@ -5682,9 +3666,9 @@
           <a:p>
             <a:fld id="{97669AF7-7BEB-44E4-9852-375E34362B5B}" type="datetime1">
               <a:rPr lang="en-US" smtClean="0"/>
-              <a:t>6/26/2024</a:t>
+              <a:t>5/30/2025</a:t>
             </a:fld>
-            <a:endParaRPr lang="en-US"/>
+            <a:endParaRPr lang="en-US" dirty="0"/>
           </a:p>
         </p:txBody>
       </p:sp>
@@ -5709,7 +3693,7 @@
           <a:bodyPr/>
           <a:lstStyle/>
           <a:p>
-            <a:endParaRPr lang="en-US"/>
+            <a:endParaRPr lang="en-US" dirty="0"/>
           </a:p>
         </p:txBody>
       </p:sp>
@@ -5738,7 +3722,7 @@
               <a:rPr lang="en-US" smtClean="0"/>
               <a:t>‹#›</a:t>
             </a:fld>
-            <a:endParaRPr lang="en-US"/>
+            <a:endParaRPr lang="en-US" dirty="0"/>
           </a:p>
         </p:txBody>
       </p:sp>
@@ -5752,13 +3736,11 @@
   <p:clrMapOvr>
     <a:masterClrMapping/>
   </p:clrMapOvr>
-  <p:transition/>
-  <p:timing/>
 </p:sldLayout>
 </file>
 
 <file path=ppt/slideLayouts/slideLayout4.xml><?xml version="1.0" encoding="utf-8"?>
-<p:sldLayout xmlns:a="http://schemas.openxmlformats.org/drawingml/2006/main" xmlns:r="http://schemas.openxmlformats.org/officeDocument/2006/relationships" xmlns:m="http://schemas.openxmlformats.org/officeDocument/2006/math" xmlns:w="http://schemas.openxmlformats.org/wordprocessingml/2006/main" xmlns:wp="http://schemas.openxmlformats.org/drawingml/2006/wordprocessingDrawing" xmlns:a14="http://schemas.microsoft.com/office/drawing/2010/main" xmlns:mc="http://schemas.openxmlformats.org/markup-compatibility/2006" xmlns:p14="http://schemas.microsoft.com/office/powerpoint/2010/main" xmlns:p15="http://schemas.microsoft.com/office/powerpoint/2012/main" xmlns:p159="http://schemas.microsoft.com/office/powerpoint/2015/09/main" xmlns:p="http://schemas.openxmlformats.org/presentationml/2006/main" type="twoObj" preserve="1">
+<p:sldLayout xmlns:a="http://schemas.openxmlformats.org/drawingml/2006/main" xmlns:r="http://schemas.openxmlformats.org/officeDocument/2006/relationships" xmlns:p="http://schemas.openxmlformats.org/presentationml/2006/main" type="twoObj" preserve="1">
   <p:cSld name="Two Content">
     <p:spTree>
       <p:nvGrpSpPr>
@@ -5770,6 +3752,8 @@
         <a:xfrm>
           <a:off x="0" y="0"/>
           <a:ext cx="0" cy="0"/>
+          <a:chOff x="0" y="0"/>
+          <a:chExt cx="0" cy="0"/>
         </a:xfrm>
       </p:grpSpPr>
       <p:sp>
@@ -5796,7 +3780,7 @@
               <a:rPr lang="en-US"/>
               <a:t>Click to edit Master title style</a:t>
             </a:r>
-            <a:endParaRPr lang="en-US"/>
+            <a:endParaRPr lang="en-US" dirty="0"/>
           </a:p>
         </p:txBody>
       </p:sp>
@@ -5853,7 +3837,7 @@
               <a:rPr lang="en-US"/>
               <a:t>Fifth level</a:t>
             </a:r>
-            <a:endParaRPr lang="en-US"/>
+            <a:endParaRPr lang="en-US" dirty="0"/>
           </a:p>
         </p:txBody>
       </p:sp>
@@ -5910,7 +3894,7 @@
               <a:rPr lang="en-US"/>
               <a:t>Fifth level</a:t>
             </a:r>
-            <a:endParaRPr lang="en-US"/>
+            <a:endParaRPr lang="en-US" dirty="0"/>
           </a:p>
         </p:txBody>
       </p:sp>
@@ -5937,9 +3921,9 @@
           <a:p>
             <a:fld id="{BAAAC38D-0552-4C82-B593-E6124DFADBE2}" type="datetime1">
               <a:rPr lang="en-US" smtClean="0"/>
-              <a:t>6/26/2024</a:t>
+              <a:t>5/30/2025</a:t>
             </a:fld>
-            <a:endParaRPr lang="en-US"/>
+            <a:endParaRPr lang="en-US" dirty="0"/>
           </a:p>
         </p:txBody>
       </p:sp>
@@ -5964,7 +3948,7 @@
           <a:bodyPr/>
           <a:lstStyle/>
           <a:p>
-            <a:endParaRPr lang="en-US"/>
+            <a:endParaRPr lang="en-US" dirty="0"/>
           </a:p>
         </p:txBody>
       </p:sp>
@@ -5993,7 +3977,7 @@
               <a:rPr lang="en-US" smtClean="0"/>
               <a:t>‹#›</a:t>
             </a:fld>
-            <a:endParaRPr lang="en-US"/>
+            <a:endParaRPr lang="en-US" dirty="0"/>
           </a:p>
         </p:txBody>
       </p:sp>
@@ -6007,13 +3991,11 @@
   <p:clrMapOvr>
     <a:masterClrMapping/>
   </p:clrMapOvr>
-  <p:transition/>
-  <p:timing/>
 </p:sldLayout>
 </file>
 
 <file path=ppt/slideLayouts/slideLayout5.xml><?xml version="1.0" encoding="utf-8"?>
-<p:sldLayout xmlns:a="http://schemas.openxmlformats.org/drawingml/2006/main" xmlns:r="http://schemas.openxmlformats.org/officeDocument/2006/relationships" xmlns:m="http://schemas.openxmlformats.org/officeDocument/2006/math" xmlns:w="http://schemas.openxmlformats.org/wordprocessingml/2006/main" xmlns:wp="http://schemas.openxmlformats.org/drawingml/2006/wordprocessingDrawing" xmlns:a14="http://schemas.microsoft.com/office/drawing/2010/main" xmlns:mc="http://schemas.openxmlformats.org/markup-compatibility/2006" xmlns:p14="http://schemas.microsoft.com/office/powerpoint/2010/main" xmlns:p15="http://schemas.microsoft.com/office/powerpoint/2012/main" xmlns:p159="http://schemas.microsoft.com/office/powerpoint/2015/09/main" xmlns:p="http://schemas.openxmlformats.org/presentationml/2006/main" type="twoTxTwoObj" preserve="1">
+<p:sldLayout xmlns:a="http://schemas.openxmlformats.org/drawingml/2006/main" xmlns:r="http://schemas.openxmlformats.org/officeDocument/2006/relationships" xmlns:p="http://schemas.openxmlformats.org/presentationml/2006/main" type="twoTxTwoObj" preserve="1">
   <p:cSld name="Comparison">
     <p:spTree>
       <p:nvGrpSpPr>
@@ -6025,6 +4007,8 @@
         <a:xfrm>
           <a:off x="0" y="0"/>
           <a:ext cx="0" cy="0"/>
+          <a:chOff x="0" y="0"/>
+          <a:chExt cx="0" cy="0"/>
         </a:xfrm>
       </p:grpSpPr>
       <p:sp>
@@ -6051,7 +4035,7 @@
               <a:rPr lang="en-US"/>
               <a:t>Click to edit Master title style</a:t>
             </a:r>
-            <a:endParaRPr lang="en-US"/>
+            <a:endParaRPr lang="en-US" dirty="0"/>
           </a:p>
         </p:txBody>
       </p:sp>
@@ -6179,7 +4163,7 @@
               <a:rPr lang="en-US"/>
               <a:t>Fifth level</a:t>
             </a:r>
-            <a:endParaRPr lang="en-US"/>
+            <a:endParaRPr lang="en-US" dirty="0"/>
           </a:p>
         </p:txBody>
       </p:sp>
@@ -6307,7 +4291,7 @@
               <a:rPr lang="en-US"/>
               <a:t>Fifth level</a:t>
             </a:r>
-            <a:endParaRPr lang="en-US"/>
+            <a:endParaRPr lang="en-US" dirty="0"/>
           </a:p>
         </p:txBody>
       </p:sp>
@@ -6334,9 +4318,9 @@
           <a:p>
             <a:fld id="{D9DF0F1C-5577-4ACB-BB62-DF8F3C494C7E}" type="datetime1">
               <a:rPr lang="en-US" smtClean="0"/>
-              <a:t>6/26/2024</a:t>
+              <a:t>5/30/2025</a:t>
             </a:fld>
-            <a:endParaRPr lang="en-US"/>
+            <a:endParaRPr lang="en-US" dirty="0"/>
           </a:p>
         </p:txBody>
       </p:sp>
@@ -6361,7 +4345,7 @@
           <a:bodyPr/>
           <a:lstStyle/>
           <a:p>
-            <a:endParaRPr lang="en-US"/>
+            <a:endParaRPr lang="en-US" dirty="0"/>
           </a:p>
         </p:txBody>
       </p:sp>
@@ -6390,7 +4374,7 @@
               <a:rPr lang="en-US" smtClean="0"/>
               <a:t>‹#›</a:t>
             </a:fld>
-            <a:endParaRPr lang="en-US"/>
+            <a:endParaRPr lang="en-US" dirty="0"/>
           </a:p>
         </p:txBody>
       </p:sp>
@@ -6404,13 +4388,11 @@
   <p:clrMapOvr>
     <a:masterClrMapping/>
   </p:clrMapOvr>
-  <p:transition/>
-  <p:timing/>
 </p:sldLayout>
 </file>
 
 <file path=ppt/slideLayouts/slideLayout6.xml><?xml version="1.0" encoding="utf-8"?>
-<p:sldLayout xmlns:a="http://schemas.openxmlformats.org/drawingml/2006/main" xmlns:r="http://schemas.openxmlformats.org/officeDocument/2006/relationships" xmlns:m="http://schemas.openxmlformats.org/officeDocument/2006/math" xmlns:w="http://schemas.openxmlformats.org/wordprocessingml/2006/main" xmlns:wp="http://schemas.openxmlformats.org/drawingml/2006/wordprocessingDrawing" xmlns:a14="http://schemas.microsoft.com/office/drawing/2010/main" xmlns:mc="http://schemas.openxmlformats.org/markup-compatibility/2006" xmlns:p14="http://schemas.microsoft.com/office/powerpoint/2010/main" xmlns:p15="http://schemas.microsoft.com/office/powerpoint/2012/main" xmlns:p159="http://schemas.microsoft.com/office/powerpoint/2015/09/main" xmlns:p="http://schemas.openxmlformats.org/presentationml/2006/main" type="titleOnly" preserve="1">
+<p:sldLayout xmlns:a="http://schemas.openxmlformats.org/drawingml/2006/main" xmlns:r="http://schemas.openxmlformats.org/officeDocument/2006/relationships" xmlns:p="http://schemas.openxmlformats.org/presentationml/2006/main" type="titleOnly" preserve="1">
   <p:cSld name="Title Only">
     <p:spTree>
       <p:nvGrpSpPr>
@@ -6422,6 +4404,8 @@
         <a:xfrm>
           <a:off x="0" y="0"/>
           <a:ext cx="0" cy="0"/>
+          <a:chOff x="0" y="0"/>
+          <a:chExt cx="0" cy="0"/>
         </a:xfrm>
       </p:grpSpPr>
       <p:sp>
@@ -6443,7 +4427,7 @@
               <a:rPr lang="en-US"/>
               <a:t>Click to edit Master title style</a:t>
             </a:r>
-            <a:endParaRPr lang="en-US"/>
+            <a:endParaRPr lang="en-US" dirty="0"/>
           </a:p>
         </p:txBody>
       </p:sp>
@@ -6470,9 +4454,9 @@
           <a:p>
             <a:fld id="{1775B394-D9F9-4F0C-B15D-605F45CB9E9F}" type="datetime1">
               <a:rPr lang="en-US" smtClean="0"/>
-              <a:t>6/26/2024</a:t>
+              <a:t>5/30/2025</a:t>
             </a:fld>
-            <a:endParaRPr lang="en-US"/>
+            <a:endParaRPr lang="en-US" dirty="0"/>
           </a:p>
         </p:txBody>
       </p:sp>
@@ -6497,7 +4481,7 @@
           <a:bodyPr/>
           <a:lstStyle/>
           <a:p>
-            <a:endParaRPr lang="en-US"/>
+            <a:endParaRPr lang="en-US" dirty="0"/>
           </a:p>
         </p:txBody>
       </p:sp>
@@ -6526,7 +4510,7 @@
               <a:rPr lang="en-US" smtClean="0"/>
               <a:t>‹#›</a:t>
             </a:fld>
-            <a:endParaRPr lang="en-US"/>
+            <a:endParaRPr lang="en-US" dirty="0"/>
           </a:p>
         </p:txBody>
       </p:sp>
@@ -6540,13 +4524,11 @@
   <p:clrMapOvr>
     <a:masterClrMapping/>
   </p:clrMapOvr>
-  <p:transition/>
-  <p:timing/>
 </p:sldLayout>
 </file>
 
 <file path=ppt/slideLayouts/slideLayout7.xml><?xml version="1.0" encoding="utf-8"?>
-<p:sldLayout xmlns:a="http://schemas.openxmlformats.org/drawingml/2006/main" xmlns:r="http://schemas.openxmlformats.org/officeDocument/2006/relationships" xmlns:m="http://schemas.openxmlformats.org/officeDocument/2006/math" xmlns:w="http://schemas.openxmlformats.org/wordprocessingml/2006/main" xmlns:wp="http://schemas.openxmlformats.org/drawingml/2006/wordprocessingDrawing" xmlns:a14="http://schemas.microsoft.com/office/drawing/2010/main" xmlns:mc="http://schemas.openxmlformats.org/markup-compatibility/2006" xmlns:p14="http://schemas.microsoft.com/office/powerpoint/2010/main" xmlns:p15="http://schemas.microsoft.com/office/powerpoint/2012/main" xmlns:p159="http://schemas.microsoft.com/office/powerpoint/2015/09/main" xmlns:p="http://schemas.openxmlformats.org/presentationml/2006/main" showMasterSp="0" type="blank" preserve="1">
+<p:sldLayout xmlns:a="http://schemas.openxmlformats.org/drawingml/2006/main" xmlns:r="http://schemas.openxmlformats.org/officeDocument/2006/relationships" xmlns:p="http://schemas.openxmlformats.org/presentationml/2006/main" showMasterSp="0" type="blank" preserve="1">
   <p:cSld name="Blank">
     <p:spTree>
       <p:nvGrpSpPr>
@@ -6558,6 +4540,8 @@
         <a:xfrm>
           <a:off x="0" y="0"/>
           <a:ext cx="0" cy="0"/>
+          <a:chOff x="0" y="0"/>
+          <a:chExt cx="0" cy="0"/>
         </a:xfrm>
       </p:grpSpPr>
       <p:sp>
@@ -6603,11 +4587,6 @@
             <a:schemeClr val="lt1"/>
           </a:fontRef>
         </p:style>
-        <p:txBody>
-          <a:bodyPr/>
-          <a:lstStyle/>
-          <a:p/>
-        </p:txBody>
       </p:sp>
       <p:sp>
         <p:nvSpPr>
@@ -6632,9 +4611,9 @@
           <a:p>
             <a:fld id="{39667345-2558-425A-8533-9BFDBCE15005}" type="datetime1">
               <a:rPr lang="en-US" smtClean="0"/>
-              <a:t>6/26/2024</a:t>
+              <a:t>5/30/2025</a:t>
             </a:fld>
-            <a:endParaRPr lang="en-US"/>
+            <a:endParaRPr lang="en-US" dirty="0"/>
           </a:p>
         </p:txBody>
       </p:sp>
@@ -6659,7 +4638,7 @@
           <a:bodyPr/>
           <a:lstStyle/>
           <a:p>
-            <a:endParaRPr lang="en-US"/>
+            <a:endParaRPr lang="en-US" dirty="0"/>
           </a:p>
         </p:txBody>
       </p:sp>
@@ -6688,7 +4667,7 @@
               <a:rPr lang="en-US" smtClean="0"/>
               <a:t>‹#›</a:t>
             </a:fld>
-            <a:endParaRPr lang="en-US"/>
+            <a:endParaRPr lang="en-US" dirty="0"/>
           </a:p>
         </p:txBody>
       </p:sp>
@@ -6702,13 +4681,11 @@
   <p:clrMapOvr>
     <a:masterClrMapping/>
   </p:clrMapOvr>
-  <p:transition/>
-  <p:timing/>
 </p:sldLayout>
 </file>
 
 <file path=ppt/slideLayouts/slideLayout8.xml><?xml version="1.0" encoding="utf-8"?>
-<p:sldLayout xmlns:a="http://schemas.openxmlformats.org/drawingml/2006/main" xmlns:r="http://schemas.openxmlformats.org/officeDocument/2006/relationships" xmlns:m="http://schemas.openxmlformats.org/officeDocument/2006/math" xmlns:w="http://schemas.openxmlformats.org/wordprocessingml/2006/main" xmlns:wp="http://schemas.openxmlformats.org/drawingml/2006/wordprocessingDrawing" xmlns:a14="http://schemas.microsoft.com/office/drawing/2010/main" xmlns:mc="http://schemas.openxmlformats.org/markup-compatibility/2006" xmlns:p14="http://schemas.microsoft.com/office/powerpoint/2010/main" xmlns:p15="http://schemas.microsoft.com/office/powerpoint/2012/main" xmlns:p159="http://schemas.microsoft.com/office/powerpoint/2015/09/main" xmlns:p="http://schemas.openxmlformats.org/presentationml/2006/main" showMasterSp="0" type="objTx" preserve="1">
+<p:sldLayout xmlns:a="http://schemas.openxmlformats.org/drawingml/2006/main" xmlns:r="http://schemas.openxmlformats.org/officeDocument/2006/relationships" xmlns:p="http://schemas.openxmlformats.org/presentationml/2006/main" showMasterSp="0" type="objTx" preserve="1">
   <p:cSld name="Content with Caption">
     <p:spTree>
       <p:nvGrpSpPr>
@@ -6720,6 +4697,8 @@
         <a:xfrm>
           <a:off x="0" y="0"/>
           <a:ext cx="0" cy="0"/>
+          <a:chOff x="0" y="0"/>
+          <a:chExt cx="0" cy="0"/>
         </a:xfrm>
       </p:grpSpPr>
       <p:sp>
@@ -6765,11 +4744,6 @@
             <a:schemeClr val="lt1"/>
           </a:fontRef>
         </p:style>
-        <p:txBody>
-          <a:bodyPr/>
-          <a:lstStyle/>
-          <a:p/>
-        </p:txBody>
       </p:sp>
       <p:sp>
         <p:nvSpPr>
@@ -6808,7 +4782,7 @@
               <a:rPr lang="en-US"/>
               <a:t>Click to edit Master title style</a:t>
             </a:r>
-            <a:endParaRPr lang="en-US"/>
+            <a:endParaRPr lang="en-US" dirty="0"/>
           </a:p>
         </p:txBody>
       </p:sp>
@@ -6865,7 +4839,7 @@
               <a:rPr lang="en-US"/>
               <a:t>Fifth level</a:t>
             </a:r>
-            <a:endParaRPr lang="en-US"/>
+            <a:endParaRPr lang="en-US" dirty="0"/>
           </a:p>
         </p:txBody>
       </p:sp>
@@ -6966,9 +4940,9 @@
           <a:p>
             <a:fld id="{92BEA474-078D-4E9B-9B14-09A87B19DC46}" type="datetime1">
               <a:rPr lang="en-US" smtClean="0"/>
-              <a:t>6/26/2024</a:t>
+              <a:t>5/30/2025</a:t>
             </a:fld>
-            <a:endParaRPr lang="en-US"/>
+            <a:endParaRPr lang="en-US" dirty="0"/>
           </a:p>
         </p:txBody>
       </p:sp>
@@ -7000,7 +4974,7 @@
             </a:lvl1pPr>
           </a:lstStyle>
           <a:p>
-            <a:endParaRPr lang="en-US"/>
+            <a:endParaRPr lang="en-US" dirty="0"/>
           </a:p>
         </p:txBody>
       </p:sp>
@@ -7029,9 +5003,10 @@
           <a:p>
             <a:fld id="{3A98EE3D-8CD1-4C3F-BD1C-C98C9596463C}" type="slidenum">
               <a:rPr lang="en-US" smtClean="0"/>
+              <a:pPr/>
               <a:t>‹#›</a:t>
             </a:fld>
-            <a:endParaRPr lang="en-US"/>
+            <a:endParaRPr lang="en-US" dirty="0"/>
           </a:p>
         </p:txBody>
       </p:sp>
@@ -7045,13 +5020,11 @@
   <p:clrMapOvr>
     <a:masterClrMapping/>
   </p:clrMapOvr>
-  <p:transition/>
-  <p:timing/>
 </p:sldLayout>
 </file>
 
 <file path=ppt/slideLayouts/slideLayout9.xml><?xml version="1.0" encoding="utf-8"?>
-<p:sldLayout xmlns:a="http://schemas.openxmlformats.org/drawingml/2006/main" xmlns:r="http://schemas.openxmlformats.org/officeDocument/2006/relationships" xmlns:m="http://schemas.openxmlformats.org/officeDocument/2006/math" xmlns:w="http://schemas.openxmlformats.org/wordprocessingml/2006/main" xmlns:wp="http://schemas.openxmlformats.org/drawingml/2006/wordprocessingDrawing" xmlns:a14="http://schemas.microsoft.com/office/drawing/2010/main" xmlns:mc="http://schemas.openxmlformats.org/markup-compatibility/2006" xmlns:p14="http://schemas.microsoft.com/office/powerpoint/2010/main" xmlns:p15="http://schemas.microsoft.com/office/powerpoint/2012/main" xmlns:p159="http://schemas.microsoft.com/office/powerpoint/2015/09/main" xmlns:p="http://schemas.openxmlformats.org/presentationml/2006/main" showMasterSp="0" type="picTx" preserve="1">
+<p:sldLayout xmlns:a="http://schemas.openxmlformats.org/drawingml/2006/main" xmlns:r="http://schemas.openxmlformats.org/officeDocument/2006/relationships" xmlns:p="http://schemas.openxmlformats.org/presentationml/2006/main" showMasterSp="0" type="picTx" preserve="1">
   <p:cSld name="Picture with Caption">
     <p:spTree>
       <p:nvGrpSpPr>
@@ -7063,6 +5036,8 @@
         <a:xfrm>
           <a:off x="0" y="0"/>
           <a:ext cx="0" cy="0"/>
+          <a:chOff x="0" y="0"/>
+          <a:chExt cx="0" cy="0"/>
         </a:xfrm>
       </p:grpSpPr>
       <p:sp>
@@ -7108,11 +5083,6 @@
             <a:schemeClr val="lt1"/>
           </a:fontRef>
         </p:style>
-        <p:txBody>
-          <a:bodyPr/>
-          <a:lstStyle/>
-          <a:p/>
-        </p:txBody>
       </p:sp>
       <p:sp>
         <p:nvSpPr>
@@ -7180,7 +5150,7 @@
               <a:rPr lang="en-US"/>
               <a:t>Click icon to add picture</a:t>
             </a:r>
-            <a:endParaRPr lang="en-US"/>
+            <a:endParaRPr lang="en-US" dirty="0"/>
           </a:p>
         </p:txBody>
       </p:sp>
@@ -7218,7 +5188,7 @@
               <a:rPr lang="en-US"/>
               <a:t>Click to edit Master title style</a:t>
             </a:r>
-            <a:endParaRPr lang="en-US"/>
+            <a:endParaRPr lang="en-US" dirty="0"/>
           </a:p>
         </p:txBody>
       </p:sp>
@@ -7245,7 +5215,7 @@
           <a:lstStyle>
             <a:lvl1pPr marL="0" indent="0">
               <a:spcBef>
-                <a:spcPct val="0"/>
+                <a:spcPts val="0"/>
               </a:spcBef>
               <a:spcAft>
                 <a:spcPts val="600"/>
@@ -7320,9 +5290,9 @@
           <a:p>
             <a:fld id="{4907D986-8816-4272-A432-0437A28A9828}" type="datetime1">
               <a:rPr lang="en-US" smtClean="0"/>
-              <a:t>6/26/2024</a:t>
+              <a:t>5/30/2025</a:t>
             </a:fld>
-            <a:endParaRPr lang="en-US"/>
+            <a:endParaRPr lang="en-US" dirty="0"/>
           </a:p>
         </p:txBody>
       </p:sp>
@@ -7347,7 +5317,7 @@
           <a:lstStyle/>
           <a:p>
             <a:pPr algn="l"/>
-            <a:endParaRPr lang="en-US"/>
+            <a:endParaRPr lang="en-US" dirty="0"/>
           </a:p>
         </p:txBody>
       </p:sp>
@@ -7370,7 +5340,7 @@
               <a:rPr lang="en-US" smtClean="0"/>
               <a:t>‹#›</a:t>
             </a:fld>
-            <a:endParaRPr lang="en-US"/>
+            <a:endParaRPr lang="en-US" dirty="0"/>
           </a:p>
         </p:txBody>
       </p:sp>
@@ -7384,13 +5354,11 @@
   <p:clrMapOvr>
     <a:masterClrMapping/>
   </p:clrMapOvr>
-  <p:transition/>
-  <p:timing/>
 </p:sldLayout>
 </file>
 
 <file path=ppt/slideMasters/slideMaster1.xml><?xml version="1.0" encoding="utf-8"?>
-<p:sldMaster xmlns:a="http://schemas.openxmlformats.org/drawingml/2006/main" xmlns:r="http://schemas.openxmlformats.org/officeDocument/2006/relationships" xmlns:m="http://schemas.openxmlformats.org/officeDocument/2006/math" xmlns:w="http://schemas.openxmlformats.org/wordprocessingml/2006/main" xmlns:wp="http://schemas.openxmlformats.org/drawingml/2006/wordprocessingDrawing" xmlns:a14="http://schemas.microsoft.com/office/drawing/2010/main" xmlns:mc="http://schemas.openxmlformats.org/markup-compatibility/2006" xmlns:p14="http://schemas.microsoft.com/office/powerpoint/2010/main" xmlns:p15="http://schemas.microsoft.com/office/powerpoint/2012/main" xmlns:p159="http://schemas.microsoft.com/office/powerpoint/2015/09/main" xmlns:p="http://schemas.openxmlformats.org/presentationml/2006/main">
+<p:sldMaster xmlns:a="http://schemas.openxmlformats.org/drawingml/2006/main" xmlns:r="http://schemas.openxmlformats.org/officeDocument/2006/relationships" xmlns:p="http://schemas.openxmlformats.org/presentationml/2006/main">
   <p:cSld>
     <p:bg>
       <p:bgRef idx="1001">
@@ -7407,6 +5375,8 @@
         <a:xfrm>
           <a:off x="0" y="0"/>
           <a:ext cx="0" cy="0"/>
+          <a:chOff x="0" y="0"/>
+          <a:chExt cx="0" cy="0"/>
         </a:xfrm>
       </p:grpSpPr>
       <p:sp>
@@ -7452,11 +5422,6 @@
             <a:schemeClr val="lt1"/>
           </a:fontRef>
         </p:style>
-        <p:txBody>
-          <a:bodyPr/>
-          <a:lstStyle/>
-          <a:p/>
-        </p:txBody>
       </p:sp>
       <p:sp>
         <p:nvSpPr>
@@ -7487,7 +5452,7 @@
               <a:rPr lang="en-US"/>
               <a:t>Click to edit Master title style</a:t>
             </a:r>
-            <a:endParaRPr lang="en-US"/>
+            <a:endParaRPr lang="en-US" dirty="0"/>
           </a:p>
         </p:txBody>
       </p:sp>
@@ -7549,7 +5514,7 @@
               <a:rPr lang="en-US"/>
               <a:t>Fifth level</a:t>
             </a:r>
-            <a:endParaRPr lang="en-US"/>
+            <a:endParaRPr lang="en-US" dirty="0"/>
           </a:p>
         </p:txBody>
       </p:sp>
@@ -7586,9 +5551,9 @@
           <a:p>
             <a:fld id="{62D6E202-B606-4609-B914-27C9371A1F6D}" type="datetime1">
               <a:rPr lang="en-US" smtClean="0"/>
-              <a:t>6/26/2024</a:t>
+              <a:t>5/30/2025</a:t>
             </a:fld>
-            <a:endParaRPr lang="en-US"/>
+            <a:endParaRPr lang="en-US" dirty="0"/>
           </a:p>
         </p:txBody>
       </p:sp>
@@ -7623,7 +5588,7 @@
             </a:lvl1pPr>
           </a:lstStyle>
           <a:p>
-            <a:endParaRPr lang="en-US"/>
+            <a:endParaRPr lang="en-US" dirty="0"/>
           </a:p>
         </p:txBody>
       </p:sp>
@@ -7662,7 +5627,7 @@
               <a:rPr lang="en-US" smtClean="0"/>
               <a:t>‹#›</a:t>
             </a:fld>
-            <a:endParaRPr lang="en-US"/>
+            <a:endParaRPr lang="en-US" dirty="0"/>
           </a:p>
         </p:txBody>
       </p:sp>
@@ -7731,8 +5696,7 @@
     <p:sldLayoutId id="2147483670" r:id="rId10"/>
     <p:sldLayoutId id="2147483671" r:id="rId11"/>
   </p:sldLayoutIdLst>
-  <p:transition/>
-  <p:timing/>
+  <p:hf sldNum="0" hdr="0" ftr="0" dt="0"/>
   <p:txStyles>
     <p:titleStyle>
       <a:lvl1pPr algn="l" defTabSz="914400" rtl="0" eaLnBrk="1" latinLnBrk="0" hangingPunct="1">
@@ -7770,8 +5734,8 @@
         <a:buClr>
           <a:schemeClr val="accent1"/>
         </a:buClr>
-        <a:buSzTx/>
-        <a:buFont typeface="Calibri" panose="020f0502020204030204" pitchFamily="34" charset="0"/>
+        <a:buSzPct val="100000"/>
+        <a:buFont typeface="Calibri" panose="020F0502020204030204" pitchFamily="34" charset="0"/>
         <a:buChar char=" "/>
         <a:defRPr sz="1900" kern="1200">
           <a:solidFill>
@@ -7796,7 +5760,7 @@
           <a:spcPts val="400"/>
         </a:spcAft>
         <a:buClrTx/>
-        <a:buFont typeface="Calibri" panose="020f0502020204030204" pitchFamily="34" charset="0"/>
+        <a:buFont typeface="Calibri" pitchFamily="34" charset="0"/>
         <a:buChar char="◦"/>
         <a:defRPr sz="1700" kern="1200">
           <a:solidFill>
@@ -7821,7 +5785,7 @@
           <a:spcPts val="400"/>
         </a:spcAft>
         <a:buClrTx/>
-        <a:buFont typeface="Calibri" panose="020f0502020204030204" pitchFamily="34" charset="0"/>
+        <a:buFont typeface="Calibri" pitchFamily="34" charset="0"/>
         <a:buChar char="◦"/>
         <a:defRPr sz="1300" kern="1200">
           <a:solidFill>
@@ -7846,7 +5810,7 @@
           <a:spcPts val="400"/>
         </a:spcAft>
         <a:buClrTx/>
-        <a:buFont typeface="Calibri" panose="020f0502020204030204" pitchFamily="34" charset="0"/>
+        <a:buFont typeface="Calibri" pitchFamily="34" charset="0"/>
         <a:buChar char="◦"/>
         <a:defRPr sz="1300" kern="1200">
           <a:solidFill>
@@ -7871,7 +5835,7 @@
           <a:spcPts val="400"/>
         </a:spcAft>
         <a:buClrTx/>
-        <a:buFont typeface="Calibri" panose="020f0502020204030204" pitchFamily="34" charset="0"/>
+        <a:buFont typeface="Calibri" pitchFamily="34" charset="0"/>
         <a:buChar char="◦"/>
         <a:defRPr sz="1300" kern="1200">
           <a:solidFill>
@@ -7898,7 +5862,7 @@
         <a:buClr>
           <a:schemeClr val="accent1"/>
         </a:buClr>
-        <a:buFont typeface="Calibri" panose="020f0502020204030204" pitchFamily="34" charset="0"/>
+        <a:buFont typeface="Calibri" pitchFamily="34" charset="0"/>
         <a:buChar char="◦"/>
         <a:defRPr sz="1400" kern="1200">
           <a:solidFill>
@@ -7925,7 +5889,7 @@
         <a:buClr>
           <a:schemeClr val="accent1"/>
         </a:buClr>
-        <a:buFont typeface="Calibri" panose="020f0502020204030204" pitchFamily="34" charset="0"/>
+        <a:buFont typeface="Calibri" pitchFamily="34" charset="0"/>
         <a:buChar char="◦"/>
         <a:defRPr sz="1400" kern="1200">
           <a:solidFill>
@@ -7952,7 +5916,7 @@
         <a:buClr>
           <a:schemeClr val="accent1"/>
         </a:buClr>
-        <a:buFont typeface="Calibri" panose="020f0502020204030204" pitchFamily="34" charset="0"/>
+        <a:buFont typeface="Calibri" pitchFamily="34" charset="0"/>
         <a:buChar char="◦"/>
         <a:defRPr sz="1400" kern="1200">
           <a:solidFill>
@@ -7979,7 +5943,7 @@
         <a:buClr>
           <a:schemeClr val="accent1"/>
         </a:buClr>
-        <a:buFont typeface="Calibri" panose="020f0502020204030204" pitchFamily="34" charset="0"/>
+        <a:buFont typeface="Calibri" pitchFamily="34" charset="0"/>
         <a:buChar char="◦"/>
         <a:defRPr sz="1400" kern="1200">
           <a:solidFill>
@@ -8094,8 +6058,8 @@
 </file>
 
 <file path=ppt/slides/slide1.xml><?xml version="1.0" encoding="utf-8"?>
-<p:sld xmlns:a="http://schemas.openxmlformats.org/drawingml/2006/main" xmlns:r="http://schemas.openxmlformats.org/officeDocument/2006/relationships" xmlns:m="http://schemas.openxmlformats.org/officeDocument/2006/math" xmlns:w="http://schemas.openxmlformats.org/wordprocessingml/2006/main" xmlns:wp="http://schemas.openxmlformats.org/drawingml/2006/wordprocessingDrawing" xmlns:a14="http://schemas.microsoft.com/office/drawing/2010/main" xmlns:mc="http://schemas.openxmlformats.org/markup-compatibility/2006" xmlns:p14="http://schemas.microsoft.com/office/powerpoint/2010/main" xmlns:p15="http://schemas.microsoft.com/office/powerpoint/2012/main" xmlns:p159="http://schemas.microsoft.com/office/powerpoint/2015/09/main" xmlns:p="http://schemas.openxmlformats.org/presentationml/2006/main">
-  <p:cSld name="">
+<p:sld xmlns:a="http://schemas.openxmlformats.org/drawingml/2006/main" xmlns:r="http://schemas.openxmlformats.org/officeDocument/2006/relationships" xmlns:p="http://schemas.openxmlformats.org/presentationml/2006/main">
+  <p:cSld>
     <p:bg>
       <p:bgPr>
         <a:solidFill>
@@ -8114,6 +6078,8 @@
         <a:xfrm>
           <a:off x="0" y="0"/>
           <a:ext cx="0" cy="0"/>
+          <a:chOff x="0" y="0"/>
+          <a:chExt cx="0" cy="0"/>
         </a:xfrm>
       </p:grpSpPr>
       <p:sp useBgFill="1">
@@ -8205,16 +6171,24 @@
           <a:lstStyle/>
           <a:p>
             <a:r>
-              <a:rPr lang="fr-FR" sz="5600" b="0" i="0" strike="noStrike" cap="none" baseline="0">
-                <a:solidFill>
-                  <a:srgbClr val="262626"/>
-                </a:solidFill>
-                <a:effectLst/>
-                <a:latin typeface="Bookman Old Style"/>
-                <a:ea typeface="Bookman Old Style"/>
-                <a:cs typeface="Bookman Old Style"/>
-              </a:rPr>
-              <a:t>Rapport d’analyse de marché du thé chaï Mystic Spice Premium</a:t>
+              <a:rPr lang="fr-FR" sz="5600" dirty="0"/>
+              <a:t>Rapport d’analyse de marché du thé </a:t>
+            </a:r>
+            <a:r>
+              <a:rPr lang="fr-FR" sz="5600" dirty="0" err="1"/>
+              <a:t>chaï</a:t>
+            </a:r>
+            <a:r>
+              <a:rPr lang="fr-FR" sz="5600" dirty="0"/>
+              <a:t> Mystic </a:t>
+            </a:r>
+            <a:r>
+              <a:rPr lang="fr-FR" sz="5600" dirty="0" err="1"/>
+              <a:t>Spice</a:t>
+            </a:r>
+            <a:r>
+              <a:rPr lang="fr-FR" sz="5600" dirty="0"/>
+              <a:t> Premium</a:t>
             </a:r>
           </a:p>
         </p:txBody>
@@ -8276,7 +6250,7 @@
       </p:cxnSp>
       <p:pic>
         <p:nvPicPr>
-          <p:cNvPr id="13" name="Picture 12" descr="Tea and dessert">
+          <p:cNvPr id="13" name="Picture 12" descr="Thés et desserts">
             <a:extLst>
               <a:ext uri="{FF2B5EF4-FFF2-40B4-BE49-F238E27FC236}">
                 <a16:creationId xmlns:a16="http://schemas.microsoft.com/office/drawing/2014/main" id="{F0E27F3C-2BEE-7255-556D-FFC137811956}"/>
@@ -8288,12 +6262,10 @@
           </p:cNvPicPr>
           <p:nvPr/>
         </p:nvPicPr>
-        <p:blipFill>
+        <p:blipFill rotWithShape="1">
           <a:blip r:embed="rId3"/>
           <a:srcRect l="13082" r="18651" b="-1"/>
-          <a:stretch>
-            <a:fillRect/>
-          </a:stretch>
+          <a:stretch/>
         </p:blipFill>
         <p:spPr>
           <a:xfrm>
@@ -8305,77 +6277,6 @@
           </a:prstGeom>
         </p:spPr>
       </p:pic>
-      <p:sp>
-        <p:nvSpPr>
-          <p:cNvPr id="20" name="TextBox"/>
-          <p:cNvSpPr txBox="1">
-            <a:spLocks noGrp="1" noSelect="1" noRot="1" noMove="1"/>
-          </p:cNvSpPr>
-          <p:nvPr/>
-        </p:nvSpPr>
-        <p:spPr>
-          <a:xfrm>
-            <a:off x="2890520" y="2644140"/>
-            <a:ext cx="6411372" cy="1569660"/>
-          </a:xfrm>
-          <a:prstGeom prst="rect">
-            <a:avLst/>
-          </a:prstGeom>
-          <a:noFill/>
-        </p:spPr>
-        <p:txBody>
-          <a:bodyPr wrap="none" rtlCol="0" anchor="ctr" anchorCtr="1">
-            <a:spAutoFit/>
-          </a:bodyPr>
-          <a:lstStyle>
-            <a:lvl1pPr algn="l">
-              <a:lnSpc>
-                <a:spcPct val="150000"/>
-              </a:lnSpc>
-              <a:spcBef>
-                <a:spcPct val="0"/>
-              </a:spcBef>
-              <a:spcAft>
-                <a:spcPct val="0"/>
-              </a:spcAft>
-              <a:defRPr lang="en-US" sz="3200" b="1" noProof="1" dirty="0">
-                <a:solidFill>
-                  <a:prstClr val="red">
-                    <a:lumOff val="30000"/>
-                    <a:alpha val="40000"/>
-                  </a:prstClr>
-                </a:solidFill>
-                <a:effectLst>
-                  <a:outerShdw blurRad="50800" dist="38100" algn="tr" rotWithShape="0">
-                    <a:prstClr val="black">
-                      <a:alpha val="80000"/>
-                    </a:prstClr>
-                  </a:outerShdw>
-                </a:effectLst>
-                <a:latin typeface="Calibri" pitchFamily="34" charset="0"/>
-              </a:defRPr>
-            </a:lvl1pPr>
-          </a:lstStyle>
-          <a:p>
-            <a:pPr algn="ctr"/>
-            <a:r>
-              <a:t>Evaluation only.</a:t>
-            </a:r>
-          </a:p>
-          <a:p>
-            <a:pPr algn="ctr"/>
-            <a:r>
-              <a:t>Created with Aspose.Slides for Java 23.6.</a:t>
-            </a:r>
-          </a:p>
-          <a:p>
-            <a:pPr algn="ctr"/>
-            <a:r>
-              <a:t>Copyright 2004-2023 Aspose Pty Ltd.</a:t>
-            </a:r>
-          </a:p>
-        </p:txBody>
-      </p:sp>
     </p:spTree>
     <p:extLst>
       <p:ext uri="{BB962C8B-B14F-4D97-AF65-F5344CB8AC3E}">
@@ -8386,7 +6287,6 @@
   <p:clrMapOvr>
     <a:masterClrMapping/>
   </p:clrMapOvr>
-  <p:transition/>
   <p:timing>
     <p:tnLst>
       <p:par>
@@ -8396,7 +6296,7 @@
               <p:cTn id="2" dur="indefinite" nodeType="mainSeq">
                 <p:childTnLst>
                   <p:par>
-                    <p:cTn id="3" fill="hold" nodeType="clickPar">
+                    <p:cTn id="3" fill="hold">
                       <p:stCondLst>
                         <p:cond delay="indefinite"/>
                         <p:cond evt="onBegin" delay="0">
@@ -8483,8 +6383,8 @@
 </file>
 
 <file path=ppt/slides/slide10.xml><?xml version="1.0" encoding="utf-8"?>
-<p:sld xmlns:a="http://schemas.openxmlformats.org/drawingml/2006/main" xmlns:r="http://schemas.openxmlformats.org/officeDocument/2006/relationships" xmlns:m="http://schemas.openxmlformats.org/officeDocument/2006/math" xmlns:w="http://schemas.openxmlformats.org/wordprocessingml/2006/main" xmlns:wp="http://schemas.openxmlformats.org/drawingml/2006/wordprocessingDrawing" xmlns:a14="http://schemas.microsoft.com/office/drawing/2010/main" xmlns:mc="http://schemas.openxmlformats.org/markup-compatibility/2006" xmlns:p14="http://schemas.microsoft.com/office/powerpoint/2010/main" xmlns:p15="http://schemas.microsoft.com/office/powerpoint/2012/main" xmlns:p159="http://schemas.microsoft.com/office/powerpoint/2015/09/main" xmlns:p="http://schemas.openxmlformats.org/presentationml/2006/main">
-  <p:cSld name="">
+<p:sld xmlns:a="http://schemas.openxmlformats.org/drawingml/2006/main" xmlns:r="http://schemas.openxmlformats.org/officeDocument/2006/relationships" xmlns:p="http://schemas.openxmlformats.org/presentationml/2006/main">
+  <p:cSld>
     <p:bg>
       <p:bgPr>
         <a:solidFill>
@@ -8503,6 +6403,8 @@
         <a:xfrm>
           <a:off x="0" y="0"/>
           <a:ext cx="0" cy="0"/>
+          <a:chOff x="0" y="0"/>
+          <a:chExt cx="0" cy="0"/>
         </a:xfrm>
       </p:grpSpPr>
       <p:sp>
@@ -8708,21 +6610,17 @@
         </p:spPr>
         <p:txBody>
           <a:bodyPr vert="horz" lIns="91440" tIns="45720" rIns="91440" bIns="45720" rtlCol="0" anchor="b">
-            <a:normAutofit fontScale="90000"/>
+            <a:normAutofit/>
           </a:bodyPr>
           <a:lstStyle/>
           <a:p>
             <a:r>
-              <a:rPr lang="fr-FR" sz="4000" b="0" i="0" strike="noStrike" cap="none" baseline="0">
+              <a:rPr lang="fr-FR" sz="4000">
                 <a:solidFill>
                   <a:srgbClr val="FFFFFF"/>
                 </a:solidFill>
-                <a:effectLst/>
-                <a:latin typeface="Bookman Old Style"/>
-                <a:ea typeface="Bookman Old Style"/>
-                <a:cs typeface="Bookman Old Style"/>
               </a:rPr>
-              <a:t>Canaux de distribution : distributeurs</a:t>
+              <a:t>Canaux de distribution Distributeurs</a:t>
             </a:r>
           </a:p>
         </p:txBody>
@@ -8813,14 +6711,10 @@
               </a:lnSpc>
             </a:pPr>
             <a:r>
-              <a:rPr lang="fr-FR" sz="1300" b="0" i="0" strike="noStrike" cap="none" baseline="0">
+              <a:rPr lang="fr-FR" sz="1300">
                 <a:solidFill>
                   <a:srgbClr val="FFFFFF"/>
                 </a:solidFill>
-                <a:effectLst/>
-                <a:latin typeface="Franklin Gothic Book"/>
-                <a:ea typeface="Franklin Gothic Book"/>
-                <a:cs typeface="Franklin Gothic Book"/>
               </a:rPr>
               <a:t>Rôle des distributeurs</a:t>
             </a:r>
@@ -8832,14 +6726,10 @@
               </a:lnSpc>
             </a:pPr>
             <a:r>
-              <a:rPr lang="fr-FR" sz="1300" b="0" i="0" strike="noStrike" cap="none" baseline="0">
+              <a:rPr lang="fr-FR" sz="1300">
                 <a:solidFill>
                   <a:srgbClr val="FFFFFF"/>
                 </a:solidFill>
-                <a:effectLst/>
-                <a:latin typeface="Franklin Gothic Book"/>
-                <a:ea typeface="Franklin Gothic Book"/>
-                <a:cs typeface="Franklin Gothic Book"/>
               </a:rPr>
               <a:t>Représenter et distribuer les produits à base de thé chaï</a:t>
             </a:r>
@@ -8851,14 +6741,10 @@
               </a:lnSpc>
             </a:pPr>
             <a:r>
-              <a:rPr lang="fr-FR" sz="1300" b="0" i="0" strike="noStrike" cap="none" baseline="0">
+              <a:rPr lang="fr-FR" sz="1300">
                 <a:solidFill>
                   <a:srgbClr val="FFFFFF"/>
                 </a:solidFill>
-                <a:effectLst/>
-                <a:latin typeface="Franklin Gothic Book"/>
-                <a:ea typeface="Franklin Gothic Book"/>
-                <a:cs typeface="Franklin Gothic Book"/>
               </a:rPr>
               <a:t>Faciliter les mouvements et les ventes sur les différents marchés</a:t>
             </a:r>
@@ -8870,14 +6756,10 @@
               </a:lnSpc>
             </a:pPr>
             <a:r>
-              <a:rPr lang="fr-FR" sz="1300" b="0" i="0" strike="noStrike" cap="none" baseline="0">
+              <a:rPr lang="fr-FR" sz="1300">
                 <a:solidFill>
                   <a:srgbClr val="FFFFFF"/>
                 </a:solidFill>
-                <a:effectLst/>
-                <a:latin typeface="Franklin Gothic Book"/>
-                <a:ea typeface="Franklin Gothic Book"/>
-                <a:cs typeface="Franklin Gothic Book"/>
               </a:rPr>
               <a:t>Offrir des services de marketing, de vente et d’après-vente</a:t>
             </a:r>
@@ -8889,14 +6771,10 @@
               </a:lnSpc>
             </a:pPr>
             <a:r>
-              <a:rPr lang="fr-FR" sz="1300" b="0" i="0" strike="noStrike" cap="none" baseline="0">
+              <a:rPr lang="fr-FR" sz="1300">
                 <a:solidFill>
                   <a:srgbClr val="FFFFFF"/>
                 </a:solidFill>
-                <a:effectLst/>
-                <a:latin typeface="Franklin Gothic Book"/>
-                <a:ea typeface="Franklin Gothic Book"/>
-                <a:cs typeface="Franklin Gothic Book"/>
               </a:rPr>
               <a:t>Relations</a:t>
             </a:r>
@@ -8908,14 +6786,10 @@
               </a:lnSpc>
             </a:pPr>
             <a:r>
-              <a:rPr lang="fr-FR" sz="1300" b="0" i="0" strike="noStrike" cap="none" baseline="0">
+              <a:rPr lang="fr-FR" sz="1300">
                 <a:solidFill>
                   <a:srgbClr val="FFFFFF"/>
                 </a:solidFill>
-                <a:effectLst/>
-                <a:latin typeface="Franklin Gothic Book"/>
-                <a:ea typeface="Franklin Gothic Book"/>
-                <a:cs typeface="Franklin Gothic Book"/>
               </a:rPr>
               <a:t>Établir et maintenir des relations avec les détaillants et les consommateurs</a:t>
             </a:r>
@@ -8927,14 +6801,10 @@
               </a:lnSpc>
             </a:pPr>
             <a:r>
-              <a:rPr lang="fr-FR" sz="1300" b="0" i="0" strike="noStrike" cap="none" baseline="0">
+              <a:rPr lang="fr-FR" sz="1300">
                 <a:solidFill>
                   <a:srgbClr val="FFFFFF"/>
                 </a:solidFill>
-                <a:effectLst/>
-                <a:latin typeface="Franklin Gothic Book"/>
-                <a:ea typeface="Franklin Gothic Book"/>
-                <a:cs typeface="Franklin Gothic Book"/>
               </a:rPr>
               <a:t>Fournir une assistance technique et logistique</a:t>
             </a:r>
@@ -8946,14 +6816,10 @@
               </a:lnSpc>
             </a:pPr>
             <a:r>
-              <a:rPr lang="fr-FR" sz="1300" b="0" i="0" strike="noStrike" cap="none" baseline="0">
+              <a:rPr lang="fr-FR" sz="1300">
                 <a:solidFill>
                   <a:srgbClr val="FFFFFF"/>
                 </a:solidFill>
-                <a:effectLst/>
-                <a:latin typeface="Franklin Gothic Book"/>
-                <a:ea typeface="Franklin Gothic Book"/>
-                <a:cs typeface="Franklin Gothic Book"/>
               </a:rPr>
               <a:t>Principaux distributeurs en Amérique latine</a:t>
             </a:r>
@@ -8965,14 +6831,10 @@
               </a:lnSpc>
             </a:pPr>
             <a:r>
-              <a:rPr lang="fr-FR" sz="1300" b="0" i="0" strike="noStrike" cap="none" baseline="0">
+              <a:rPr lang="fr-FR" sz="1300">
                 <a:solidFill>
                   <a:srgbClr val="FFFFFF"/>
                 </a:solidFill>
-                <a:effectLst/>
-                <a:latin typeface="Franklin Gothic Book"/>
-                <a:ea typeface="Franklin Gothic Book"/>
-                <a:cs typeface="Franklin Gothic Book"/>
               </a:rPr>
               <a:t>Tailwind Traders</a:t>
             </a:r>
@@ -8984,14 +6846,10 @@
               </a:lnSpc>
             </a:pPr>
             <a:r>
-              <a:rPr lang="fr-FR" sz="1300" b="0" i="0" strike="noStrike" cap="none" baseline="0">
+              <a:rPr lang="fr-FR" sz="1300">
                 <a:solidFill>
                   <a:srgbClr val="FFFFFF"/>
                 </a:solidFill>
-                <a:effectLst/>
-                <a:latin typeface="Franklin Gothic Book"/>
-                <a:ea typeface="Franklin Gothic Book"/>
-                <a:cs typeface="Franklin Gothic Book"/>
               </a:rPr>
               <a:t>WoodGrove Groceries</a:t>
             </a:r>
@@ -9000,7 +6858,7 @@
       </p:sp>
       <p:pic>
         <p:nvPicPr>
-          <p:cNvPr id="5" name="Content Placeholder 4" descr="Medicine bottles on shelf">
+          <p:cNvPr id="5" name="Content Placeholder 4" descr="Flacons médicinaux sur des étagères">
             <a:extLst>
               <a:ext uri="{FF2B5EF4-FFF2-40B4-BE49-F238E27FC236}">
                 <a16:creationId xmlns:a16="http://schemas.microsoft.com/office/drawing/2014/main" id="{17A78705-6D93-4728-8C80-3B6DDBB09F32}"/>
@@ -9014,12 +6872,10 @@
             <p:ph sz="half" idx="1"/>
           </p:nvPr>
         </p:nvPicPr>
-        <p:blipFill>
+        <p:blipFill rotWithShape="1">
           <a:blip r:embed="rId3"/>
           <a:srcRect l="29134" r="26287" b="-1"/>
-          <a:stretch>
-            <a:fillRect/>
-          </a:stretch>
+          <a:stretch/>
         </p:blipFill>
         <p:spPr>
           <a:xfrm>
@@ -9031,77 +6887,6 @@
           </a:prstGeom>
         </p:spPr>
       </p:pic>
-      <p:sp>
-        <p:nvSpPr>
-          <p:cNvPr id="17" name="TextBox"/>
-          <p:cNvSpPr txBox="1">
-            <a:spLocks noGrp="1" noSelect="1" noRot="1" noMove="1"/>
-          </p:cNvSpPr>
-          <p:nvPr/>
-        </p:nvSpPr>
-        <p:spPr>
-          <a:xfrm>
-            <a:off x="2890520" y="2644140"/>
-            <a:ext cx="6411372" cy="1569660"/>
-          </a:xfrm>
-          <a:prstGeom prst="rect">
-            <a:avLst/>
-          </a:prstGeom>
-          <a:noFill/>
-        </p:spPr>
-        <p:txBody>
-          <a:bodyPr wrap="none" rtlCol="0" anchor="ctr" anchorCtr="1">
-            <a:spAutoFit/>
-          </a:bodyPr>
-          <a:lstStyle>
-            <a:lvl1pPr algn="l">
-              <a:lnSpc>
-                <a:spcPct val="150000"/>
-              </a:lnSpc>
-              <a:spcBef>
-                <a:spcPct val="0"/>
-              </a:spcBef>
-              <a:spcAft>
-                <a:spcPct val="0"/>
-              </a:spcAft>
-              <a:defRPr lang="en-US" sz="3200" b="1" noProof="1" dirty="0">
-                <a:solidFill>
-                  <a:prstClr val="red">
-                    <a:lumOff val="30000"/>
-                    <a:alpha val="40000"/>
-                  </a:prstClr>
-                </a:solidFill>
-                <a:effectLst>
-                  <a:outerShdw blurRad="50800" dist="38100" algn="tr" rotWithShape="0">
-                    <a:prstClr val="black">
-                      <a:alpha val="80000"/>
-                    </a:prstClr>
-                  </a:outerShdw>
-                </a:effectLst>
-                <a:latin typeface="Calibri" pitchFamily="34" charset="0"/>
-              </a:defRPr>
-            </a:lvl1pPr>
-          </a:lstStyle>
-          <a:p>
-            <a:pPr algn="ctr"/>
-            <a:r>
-              <a:t>Evaluation only.</a:t>
-            </a:r>
-          </a:p>
-          <a:p>
-            <a:pPr algn="ctr"/>
-            <a:r>
-              <a:t>Created with Aspose.Slides for Java 23.6.</a:t>
-            </a:r>
-          </a:p>
-          <a:p>
-            <a:pPr algn="ctr"/>
-            <a:r>
-              <a:t>Copyright 2004-2023 Aspose Pty Ltd.</a:t>
-            </a:r>
-          </a:p>
-        </p:txBody>
-      </p:sp>
     </p:spTree>
     <p:extLst>
       <p:ext uri="{BB962C8B-B14F-4D97-AF65-F5344CB8AC3E}">
@@ -9112,14 +6897,12 @@
   <p:clrMapOvr>
     <a:overrideClrMapping bg1="dk1" tx1="lt1" bg2="dk2" tx2="lt2" accent1="accent1" accent2="accent2" accent3="accent3" accent4="accent4" accent5="accent5" accent6="accent6" hlink="hlink" folHlink="folHlink"/>
   </p:clrMapOvr>
-  <p:transition/>
-  <p:timing/>
 </p:sld>
 </file>
 
 <file path=ppt/slides/slide11.xml><?xml version="1.0" encoding="utf-8"?>
-<p:sld xmlns:a="http://schemas.openxmlformats.org/drawingml/2006/main" xmlns:r="http://schemas.openxmlformats.org/officeDocument/2006/relationships" xmlns:m="http://schemas.openxmlformats.org/officeDocument/2006/math" xmlns:w="http://schemas.openxmlformats.org/wordprocessingml/2006/main" xmlns:wp="http://schemas.openxmlformats.org/drawingml/2006/wordprocessingDrawing" xmlns:a14="http://schemas.microsoft.com/office/drawing/2010/main" xmlns:mc="http://schemas.openxmlformats.org/markup-compatibility/2006" xmlns:p14="http://schemas.microsoft.com/office/powerpoint/2010/main" xmlns:p15="http://schemas.microsoft.com/office/powerpoint/2012/main" xmlns:p159="http://schemas.microsoft.com/office/powerpoint/2015/09/main" xmlns:p="http://schemas.openxmlformats.org/presentationml/2006/main">
-  <p:cSld name="">
+<p:sld xmlns:a="http://schemas.openxmlformats.org/drawingml/2006/main" xmlns:r="http://schemas.openxmlformats.org/officeDocument/2006/relationships" xmlns:p="http://schemas.openxmlformats.org/presentationml/2006/main">
+  <p:cSld>
     <p:bg>
       <p:bgPr>
         <a:solidFill>
@@ -9138,6 +6921,8 @@
         <a:xfrm>
           <a:off x="0" y="0"/>
           <a:ext cx="0" cy="0"/>
+          <a:chOff x="0" y="0"/>
+          <a:chExt cx="0" cy="0"/>
         </a:xfrm>
       </p:grpSpPr>
       <p:sp useBgFill="1">
@@ -9181,7 +6966,7 @@
               <a:shade val="50000"/>
             </a:schemeClr>
           </a:lnRef>
-          <a:fillRef idx="4294967295">
+          <a:fillRef idx="1001">
             <a:schemeClr val="lt1"/>
           </a:fillRef>
           <a:effectRef idx="0">
@@ -9291,14 +7076,10 @@
           <a:lstStyle/>
           <a:p>
             <a:r>
-              <a:rPr lang="fr-FR" sz="4400" b="0" i="0" strike="noStrike" cap="none" baseline="0">
+              <a:rPr lang="fr-FR" sz="4400">
                 <a:solidFill>
                   <a:srgbClr val="FFFFFF"/>
                 </a:solidFill>
-                <a:effectLst/>
-                <a:latin typeface="Bookman Old Style"/>
-                <a:ea typeface="Bookman Old Style"/>
-                <a:cs typeface="Bookman Old Style"/>
               </a:rPr>
               <a:t>Plan et stratégie de promotion</a:t>
             </a:r>
@@ -9324,12 +7105,12 @@
         <p:spPr>
           <a:xfrm>
             <a:off x="5231958" y="605896"/>
-            <a:ext cx="5923721" cy="5646208"/>
+            <a:ext cx="6662862" cy="5646208"/>
           </a:xfrm>
         </p:spPr>
         <p:txBody>
           <a:bodyPr anchor="ctr">
-            <a:normAutofit lnSpcReduction="20000"/>
+            <a:normAutofit/>
           </a:bodyPr>
           <a:lstStyle/>
           <a:p>
@@ -9339,15 +7120,7 @@
               </a:lnSpc>
             </a:pPr>
             <a:r>
-              <a:rPr lang="fr-FR" sz="1700" b="0" i="0" strike="noStrike" cap="none" baseline="0">
-                <a:solidFill>
-                  <a:srgbClr val="404040"/>
-                </a:solidFill>
-                <a:effectLst/>
-                <a:latin typeface="Franklin Gothic Book"/>
-                <a:ea typeface="Franklin Gothic Book"/>
-                <a:cs typeface="Franklin Gothic Book"/>
-              </a:rPr>
+              <a:rPr lang="fr-FR" sz="1700" dirty="0"/>
               <a:t>Objectifs du plan et de la stratégie de promotion</a:t>
             </a:r>
           </a:p>
@@ -9358,17 +7131,14 @@
               </a:lnSpc>
             </a:pPr>
             <a:r>
-              <a:rPr lang="fr-FR" sz="1700" b="0" i="0" strike="noStrike" cap="none" baseline="0">
-                <a:solidFill>
-                  <a:srgbClr val="404040"/>
-                </a:solidFill>
-                <a:effectLst/>
-                <a:latin typeface="Franklin Gothic Book"/>
-                <a:ea typeface="Franklin Gothic Book"/>
-                <a:cs typeface="Franklin Gothic Book"/>
-              </a:rPr>
-              <a:t>Accroître la sensibilisation et l’intérêt du public cible pour le thé chaï</a:t>
-            </a:r>
+              <a:rPr lang="fr-FR" sz="1700" dirty="0"/>
+              <a:t>Accroître la sensibilisation et l’intérêt du public cible pour le thé </a:t>
+            </a:r>
+            <a:r>
+              <a:rPr lang="fr-FR" sz="1700" dirty="0" err="1"/>
+              <a:t>chaï</a:t>
+            </a:r>
+            <a:endParaRPr lang="fr-FR" sz="1700" dirty="0"/>
           </a:p>
           <a:p>
             <a:pPr lvl="1">
@@ -9377,16 +7147,16 @@
               </a:lnSpc>
             </a:pPr>
             <a:r>
-              <a:rPr lang="fr-FR" sz="1700" b="0" i="0" strike="noStrike" cap="none" baseline="0">
-                <a:solidFill>
-                  <a:srgbClr val="404040"/>
-                </a:solidFill>
-                <a:effectLst/>
-                <a:latin typeface="Franklin Gothic Book"/>
-                <a:ea typeface="Franklin Gothic Book"/>
-                <a:cs typeface="Franklin Gothic Book"/>
-              </a:rPr>
-              <a:t>Positionner le thé chaï comme un produit de qualité, naturel et sain.</a:t>
+              <a:rPr lang="fr-FR" sz="1700" dirty="0"/>
+              <a:t>Positionner le thé </a:t>
+            </a:r>
+            <a:r>
+              <a:rPr lang="fr-FR" sz="1700" dirty="0" err="1"/>
+              <a:t>chaï</a:t>
+            </a:r>
+            <a:r>
+              <a:rPr lang="fr-FR" sz="1700" dirty="0"/>
+              <a:t> comme un produit de qualité, naturel et sain.</a:t>
             </a:r>
           </a:p>
           <a:p>
@@ -9396,16 +7166,16 @@
               </a:lnSpc>
             </a:pPr>
             <a:r>
-              <a:rPr lang="fr-FR" sz="1700" b="0" i="0" strike="noStrike" cap="none" baseline="0">
-                <a:solidFill>
-                  <a:srgbClr val="404040"/>
-                </a:solidFill>
-                <a:effectLst/>
-                <a:latin typeface="Franklin Gothic Book"/>
-                <a:ea typeface="Franklin Gothic Book"/>
-                <a:cs typeface="Franklin Gothic Book"/>
-              </a:rPr>
-              <a:t>Encourager l’essai et l’achat de thé chaï par le biais de divers canaux et incitations.</a:t>
+              <a:rPr lang="fr-FR" sz="1700" dirty="0"/>
+              <a:t>Encourager l’essai et l’achat de thé </a:t>
+            </a:r>
+            <a:r>
+              <a:rPr lang="fr-FR" sz="1700" dirty="0" err="1"/>
+              <a:t>chaï</a:t>
+            </a:r>
+            <a:r>
+              <a:rPr lang="fr-FR" sz="1700" dirty="0"/>
+              <a:t> par le biais de divers canaux et incitations.</a:t>
             </a:r>
           </a:p>
           <a:p>
@@ -9415,17 +7185,14 @@
               </a:lnSpc>
             </a:pPr>
             <a:r>
-              <a:rPr lang="fr-FR" sz="1700" b="0" i="0" strike="noStrike" cap="none" baseline="0">
-                <a:solidFill>
-                  <a:srgbClr val="404040"/>
-                </a:solidFill>
-                <a:effectLst/>
-                <a:latin typeface="Franklin Gothic Book"/>
-                <a:ea typeface="Franklin Gothic Book"/>
-                <a:cs typeface="Franklin Gothic Book"/>
-              </a:rPr>
-              <a:t>Fidéliser les consommateurs de thé chaï</a:t>
-            </a:r>
+              <a:rPr lang="fr-FR" sz="1700" dirty="0"/>
+              <a:t>Fidéliser les consommateurs de thé </a:t>
+            </a:r>
+            <a:r>
+              <a:rPr lang="fr-FR" sz="1700" dirty="0" err="1"/>
+              <a:t>chaï</a:t>
+            </a:r>
+            <a:endParaRPr lang="fr-FR" sz="1700" dirty="0"/>
           </a:p>
           <a:p>
             <a:pPr>
@@ -9434,15 +7201,7 @@
               </a:lnSpc>
             </a:pPr>
             <a:r>
-              <a:rPr lang="fr-FR" sz="1700" b="0" i="0" strike="noStrike" cap="none" baseline="0">
-                <a:solidFill>
-                  <a:srgbClr val="404040"/>
-                </a:solidFill>
-                <a:effectLst/>
-                <a:latin typeface="Franklin Gothic Book"/>
-                <a:ea typeface="Franklin Gothic Book"/>
-                <a:cs typeface="Franklin Gothic Book"/>
-              </a:rPr>
+              <a:rPr lang="fr-FR" sz="1700" dirty="0"/>
               <a:t>Tactiques utilisées dans le plan et la stratégie de promotion</a:t>
             </a:r>
           </a:p>
@@ -9453,17 +7212,14 @@
               </a:lnSpc>
             </a:pPr>
             <a:r>
-              <a:rPr lang="fr-FR" sz="1700" b="0" i="0" strike="noStrike" cap="none" baseline="0">
-                <a:solidFill>
-                  <a:srgbClr val="404040"/>
-                </a:solidFill>
-                <a:effectLst/>
-                <a:latin typeface="Franklin Gothic Book"/>
-                <a:ea typeface="Franklin Gothic Book"/>
-                <a:cs typeface="Franklin Gothic Book"/>
-              </a:rPr>
-              <a:t>La création d’un nom de marque et d’un logo accrocheurs et mémorables pour le thé chaï</a:t>
-            </a:r>
+              <a:rPr lang="fr-FR" sz="1700" dirty="0"/>
+              <a:t>La création d’un nom de marque et d’un logo accrocheurs et mémorables pour le thé </a:t>
+            </a:r>
+            <a:r>
+              <a:rPr lang="fr-FR" sz="1700" dirty="0" err="1"/>
+              <a:t>chaï</a:t>
+            </a:r>
+            <a:endParaRPr lang="fr-FR" sz="1700" dirty="0"/>
           </a:p>
           <a:p>
             <a:pPr lvl="1">
@@ -9472,17 +7228,14 @@
               </a:lnSpc>
             </a:pPr>
             <a:r>
-              <a:rPr lang="fr-FR" sz="1700" b="0" i="0" strike="noStrike" cap="none" baseline="0">
-                <a:solidFill>
-                  <a:srgbClr val="404040"/>
-                </a:solidFill>
-                <a:effectLst/>
-                <a:latin typeface="Franklin Gothic Book"/>
-                <a:ea typeface="Franklin Gothic Book"/>
-                <a:cs typeface="Franklin Gothic Book"/>
-              </a:rPr>
-              <a:t>Le développement d’un site web et d’une présence sur les réseaux sociaux pour le thé chaï</a:t>
-            </a:r>
+              <a:rPr lang="fr-FR" sz="1700" dirty="0"/>
+              <a:t>Le développement d’un site web et d’une présence sur les réseaux sociaux pour le thé </a:t>
+            </a:r>
+            <a:r>
+              <a:rPr lang="fr-FR" sz="1700" dirty="0" err="1"/>
+              <a:t>chaï</a:t>
+            </a:r>
+            <a:endParaRPr lang="fr-FR" sz="1700" dirty="0"/>
           </a:p>
           <a:p>
             <a:pPr lvl="1">
@@ -9491,15 +7244,7 @@
               </a:lnSpc>
             </a:pPr>
             <a:r>
-              <a:rPr lang="fr-FR" sz="1700" b="0" i="0" strike="noStrike" cap="none" baseline="0">
-                <a:solidFill>
-                  <a:srgbClr val="404040"/>
-                </a:solidFill>
-                <a:effectLst/>
-                <a:latin typeface="Franklin Gothic Book"/>
-                <a:ea typeface="Franklin Gothic Book"/>
-                <a:cs typeface="Franklin Gothic Book"/>
-              </a:rPr>
+              <a:rPr lang="fr-FR" sz="1700" dirty="0"/>
               <a:t>Le lancement d’une campagne de marketing numérique</a:t>
             </a:r>
           </a:p>
@@ -9510,17 +7255,14 @@
               </a:lnSpc>
             </a:pPr>
             <a:r>
-              <a:rPr lang="fr-FR" sz="1700" b="0" i="0" strike="noStrike" cap="none" baseline="0">
-                <a:solidFill>
-                  <a:srgbClr val="404040"/>
-                </a:solidFill>
-                <a:effectLst/>
-                <a:latin typeface="Franklin Gothic Book"/>
-                <a:ea typeface="Franklin Gothic Book"/>
-                <a:cs typeface="Franklin Gothic Book"/>
-              </a:rPr>
-              <a:t>La distribution d’échantillons gratuits et de coupons de thé chaï</a:t>
-            </a:r>
+              <a:rPr lang="fr-FR" sz="1700" dirty="0"/>
+              <a:t>La distribution d’échantillons gratuits et de coupons de thé </a:t>
+            </a:r>
+            <a:r>
+              <a:rPr lang="fr-FR" sz="1700" dirty="0" err="1"/>
+              <a:t>chaï</a:t>
+            </a:r>
+            <a:endParaRPr lang="fr-FR" sz="1700" dirty="0"/>
           </a:p>
           <a:p>
             <a:pPr lvl="1">
@@ -9529,15 +7271,7 @@
               </a:lnSpc>
             </a:pPr>
             <a:r>
-              <a:rPr lang="fr-FR" sz="1700" b="0" i="0" strike="noStrike" cap="none" baseline="0">
-                <a:solidFill>
-                  <a:srgbClr val="404040"/>
-                </a:solidFill>
-                <a:effectLst/>
-                <a:latin typeface="Franklin Gothic Book"/>
-                <a:ea typeface="Franklin Gothic Book"/>
-                <a:cs typeface="Franklin Gothic Book"/>
-              </a:rPr>
+              <a:rPr lang="fr-FR" sz="1700" dirty="0"/>
               <a:t>L’organisation d’événements et de concours</a:t>
             </a:r>
           </a:p>
@@ -9548,87 +7282,8 @@
               </a:lnSpc>
             </a:pPr>
             <a:r>
-              <a:rPr lang="fr-FR" sz="1700" b="0" i="0" strike="noStrike" cap="none" baseline="0">
-                <a:solidFill>
-                  <a:srgbClr val="404040"/>
-                </a:solidFill>
-                <a:effectLst/>
-                <a:latin typeface="Franklin Gothic Book"/>
-                <a:ea typeface="Franklin Gothic Book"/>
-                <a:cs typeface="Franklin Gothic Book"/>
-              </a:rPr>
+              <a:rPr lang="fr-FR" sz="1700" dirty="0"/>
               <a:t>Mise en œuvre et évaluation du plan et de la stratégie de promotion</a:t>
-            </a:r>
-          </a:p>
-        </p:txBody>
-      </p:sp>
-      <p:sp>
-        <p:nvSpPr>
-          <p:cNvPr id="11" name="TextBox"/>
-          <p:cNvSpPr txBox="1">
-            <a:spLocks noGrp="1" noSelect="1" noRot="1" noMove="1"/>
-          </p:cNvSpPr>
-          <p:nvPr/>
-        </p:nvSpPr>
-        <p:spPr>
-          <a:xfrm>
-            <a:off x="2890520" y="2644140"/>
-            <a:ext cx="6411372" cy="1569660"/>
-          </a:xfrm>
-          <a:prstGeom prst="rect">
-            <a:avLst/>
-          </a:prstGeom>
-          <a:noFill/>
-        </p:spPr>
-        <p:txBody>
-          <a:bodyPr wrap="none" rtlCol="0" anchor="ctr" anchorCtr="1">
-            <a:spAutoFit/>
-          </a:bodyPr>
-          <a:lstStyle>
-            <a:lvl1pPr algn="l">
-              <a:lnSpc>
-                <a:spcPct val="150000"/>
-              </a:lnSpc>
-              <a:spcBef>
-                <a:spcPct val="0"/>
-              </a:spcBef>
-              <a:spcAft>
-                <a:spcPct val="0"/>
-              </a:spcAft>
-              <a:defRPr lang="en-US" sz="3200" b="1" noProof="1" dirty="0">
-                <a:solidFill>
-                  <a:prstClr val="red">
-                    <a:lumOff val="30000"/>
-                    <a:alpha val="40000"/>
-                  </a:prstClr>
-                </a:solidFill>
-                <a:effectLst>
-                  <a:outerShdw blurRad="50800" dist="38100" algn="tr" rotWithShape="0">
-                    <a:prstClr val="black">
-                      <a:alpha val="80000"/>
-                    </a:prstClr>
-                  </a:outerShdw>
-                </a:effectLst>
-                <a:latin typeface="Calibri" pitchFamily="34" charset="0"/>
-              </a:defRPr>
-            </a:lvl1pPr>
-          </a:lstStyle>
-          <a:p>
-            <a:pPr algn="ctr"/>
-            <a:r>
-              <a:t>Evaluation only.</a:t>
-            </a:r>
-          </a:p>
-          <a:p>
-            <a:pPr algn="ctr"/>
-            <a:r>
-              <a:t>Created with Aspose.Slides for Java 23.6.</a:t>
-            </a:r>
-          </a:p>
-          <a:p>
-            <a:pPr algn="ctr"/>
-            <a:r>
-              <a:t>Copyright 2004-2023 Aspose Pty Ltd.</a:t>
             </a:r>
           </a:p>
         </p:txBody>
@@ -9643,14 +7298,12 @@
   <p:clrMapOvr>
     <a:masterClrMapping/>
   </p:clrMapOvr>
-  <p:transition/>
-  <p:timing/>
 </p:sld>
 </file>
 
 <file path=ppt/slides/slide12.xml><?xml version="1.0" encoding="utf-8"?>
-<p:sld xmlns:a="http://schemas.openxmlformats.org/drawingml/2006/main" xmlns:r="http://schemas.openxmlformats.org/officeDocument/2006/relationships" xmlns:m="http://schemas.openxmlformats.org/officeDocument/2006/math" xmlns:w="http://schemas.openxmlformats.org/wordprocessingml/2006/main" xmlns:wp="http://schemas.openxmlformats.org/drawingml/2006/wordprocessingDrawing" xmlns:a14="http://schemas.microsoft.com/office/drawing/2010/main" xmlns:mc="http://schemas.openxmlformats.org/markup-compatibility/2006" xmlns:p14="http://schemas.microsoft.com/office/powerpoint/2010/main" xmlns:p15="http://schemas.microsoft.com/office/powerpoint/2012/main" xmlns:p159="http://schemas.microsoft.com/office/powerpoint/2015/09/main" xmlns:p="http://schemas.openxmlformats.org/presentationml/2006/main">
-  <p:cSld name="">
+<p:sld xmlns:a="http://schemas.openxmlformats.org/drawingml/2006/main" xmlns:r="http://schemas.openxmlformats.org/officeDocument/2006/relationships" xmlns:p="http://schemas.openxmlformats.org/presentationml/2006/main">
+  <p:cSld>
     <p:bg>
       <p:bgPr>
         <a:solidFill>
@@ -9669,6 +7322,8 @@
         <a:xfrm>
           <a:off x="0" y="0"/>
           <a:ext cx="0" cy="0"/>
+          <a:chOff x="0" y="0"/>
+          <a:chExt cx="0" cy="0"/>
         </a:xfrm>
       </p:grpSpPr>
       <p:sp>
@@ -9872,28 +7527,20 @@
         </p:spPr>
         <p:txBody>
           <a:bodyPr vert="horz" lIns="91440" tIns="45720" rIns="91440" bIns="45720" rtlCol="0" anchor="b">
-            <a:normAutofit/>
+            <a:normAutofit fontScale="90000"/>
           </a:bodyPr>
           <a:lstStyle/>
           <a:p>
             <a:r>
-              <a:rPr lang="fr-FR" sz="3100" b="0" i="0" strike="noStrike" cap="none" baseline="0">
-                <a:solidFill>
-                  <a:srgbClr val="404040"/>
-                </a:solidFill>
-                <a:effectLst/>
-                <a:latin typeface="Bookman Old Style"/>
-                <a:ea typeface="Bookman Old Style"/>
-                <a:cs typeface="Bookman Old Style"/>
-              </a:rPr>
-              <a:t>Résultats attendus et défis : résultats attendus</a:t>
+              <a:rPr lang="fr-FR" sz="3400"/>
+              <a:t>Résultats attendus et défis à relever : Résultats attendus</a:t>
             </a:r>
           </a:p>
         </p:txBody>
       </p:sp>
       <p:pic>
         <p:nvPicPr>
-          <p:cNvPr id="5" name="Content Placeholder 4" descr="Tea being poured into a mug with a ceramic pot - black background">
+          <p:cNvPr id="5" name="Content Placeholder 4" descr="Thé versé dans une tasse avec un pot en céramique - arrière-plan noir">
             <a:extLst>
               <a:ext uri="{FF2B5EF4-FFF2-40B4-BE49-F238E27FC236}">
                 <a16:creationId xmlns:a16="http://schemas.microsoft.com/office/drawing/2014/main" id="{FD4F758D-569A-4658-9C5B-1CC2B977D553}"/>
@@ -9907,12 +7554,10 @@
             <p:ph sz="half" idx="1"/>
           </p:nvPr>
         </p:nvPicPr>
-        <p:blipFill>
+        <p:blipFill rotWithShape="1">
           <a:blip r:embed="rId3"/>
           <a:srcRect l="20033" r="11470"/>
-          <a:stretch>
-            <a:fillRect/>
-          </a:stretch>
+          <a:stretch/>
         </p:blipFill>
         <p:spPr>
           <a:xfrm>
@@ -9998,7 +7643,7 @@
         <p:spPr>
           <a:xfrm>
             <a:off x="5172074" y="2108201"/>
-            <a:ext cx="5983606" cy="3760891"/>
+            <a:ext cx="6417946" cy="3760891"/>
           </a:xfrm>
         </p:spPr>
         <p:txBody>
@@ -10008,129 +7653,55 @@
           <a:lstStyle/>
           <a:p>
             <a:r>
-              <a:rPr lang="fr-FR" sz="1900" b="0" i="0" strike="noStrike" cap="none" baseline="0">
-                <a:solidFill>
-                  <a:srgbClr val="404040"/>
-                </a:solidFill>
-                <a:effectLst/>
-                <a:latin typeface="Franklin Gothic Book"/>
-                <a:ea typeface="Franklin Gothic Book"/>
-                <a:cs typeface="Franklin Gothic Book"/>
-              </a:rPr>
-              <a:t>Augmentation de 20 % de la notoriété et de l’intérêt du public cible pour le thé chaï</a:t>
-            </a:r>
-          </a:p>
-          <a:p>
-            <a:r>
-              <a:rPr lang="fr-FR" sz="1900" b="0" i="0" strike="noStrike" cap="none" baseline="0">
-                <a:solidFill>
-                  <a:srgbClr val="404040"/>
-                </a:solidFill>
-                <a:effectLst/>
-                <a:latin typeface="Franklin Gothic Book"/>
-                <a:ea typeface="Franklin Gothic Book"/>
-                <a:cs typeface="Franklin Gothic Book"/>
-              </a:rPr>
-              <a:t>Augmentation de 10 % de la part de marché du thé chaï dans la région</a:t>
-            </a:r>
-          </a:p>
-          <a:p>
-            <a:r>
-              <a:rPr lang="fr-FR" sz="1900" b="0" i="0" strike="noStrike" cap="none" baseline="0">
-                <a:solidFill>
-                  <a:srgbClr val="404040"/>
-                </a:solidFill>
-                <a:effectLst/>
-                <a:latin typeface="Franklin Gothic Book"/>
-                <a:ea typeface="Franklin Gothic Book"/>
-                <a:cs typeface="Franklin Gothic Book"/>
-              </a:rPr>
-              <a:t>Augmentation de 15 % du volume des ventes et du chiffre d’affaires du thé chaï dans la région</a:t>
-            </a:r>
-          </a:p>
-          <a:p>
-            <a:r>
-              <a:rPr lang="fr-FR" sz="1900" b="0" i="0" strike="noStrike" cap="none" baseline="0">
-                <a:solidFill>
-                  <a:srgbClr val="404040"/>
-                </a:solidFill>
-                <a:effectLst/>
-                <a:latin typeface="Franklin Gothic Book"/>
-                <a:ea typeface="Franklin Gothic Book"/>
-                <a:cs typeface="Franklin Gothic Book"/>
-              </a:rPr>
-              <a:t>Augmentation de 25 % du taux de satisfaction et de fidélisation des consommateurs de thé chaï dans la région</a:t>
-            </a:r>
-          </a:p>
-        </p:txBody>
-      </p:sp>
-      <p:sp>
-        <p:nvSpPr>
-          <p:cNvPr id="17" name="TextBox"/>
-          <p:cNvSpPr txBox="1">
-            <a:spLocks noGrp="1" noSelect="1" noRot="1" noMove="1"/>
-          </p:cNvSpPr>
-          <p:nvPr/>
-        </p:nvSpPr>
-        <p:spPr>
-          <a:xfrm>
-            <a:off x="2890520" y="2644140"/>
-            <a:ext cx="6411372" cy="1569660"/>
-          </a:xfrm>
-          <a:prstGeom prst="rect">
-            <a:avLst/>
-          </a:prstGeom>
-          <a:noFill/>
-        </p:spPr>
-        <p:txBody>
-          <a:bodyPr wrap="none" rtlCol="0" anchor="ctr" anchorCtr="1">
-            <a:spAutoFit/>
-          </a:bodyPr>
-          <a:lstStyle>
-            <a:lvl1pPr algn="l">
-              <a:lnSpc>
-                <a:spcPct val="150000"/>
-              </a:lnSpc>
-              <a:spcBef>
-                <a:spcPct val="0"/>
-              </a:spcBef>
-              <a:spcAft>
-                <a:spcPct val="0"/>
-              </a:spcAft>
-              <a:defRPr lang="en-US" sz="3200" b="1" noProof="1" dirty="0">
-                <a:solidFill>
-                  <a:prstClr val="red">
-                    <a:lumOff val="30000"/>
-                    <a:alpha val="40000"/>
-                  </a:prstClr>
-                </a:solidFill>
-                <a:effectLst>
-                  <a:outerShdw blurRad="50800" dist="38100" algn="tr" rotWithShape="0">
-                    <a:prstClr val="black">
-                      <a:alpha val="80000"/>
-                    </a:prstClr>
-                  </a:outerShdw>
-                </a:effectLst>
-                <a:latin typeface="Calibri" pitchFamily="34" charset="0"/>
-              </a:defRPr>
-            </a:lvl1pPr>
-          </a:lstStyle>
-          <a:p>
-            <a:pPr algn="ctr"/>
-            <a:r>
-              <a:t>Evaluation only.</a:t>
-            </a:r>
-          </a:p>
-          <a:p>
-            <a:pPr algn="ctr"/>
-            <a:r>
-              <a:t>Created with Aspose.Slides for Java 23.6.</a:t>
-            </a:r>
-          </a:p>
-          <a:p>
-            <a:pPr algn="ctr"/>
-            <a:r>
-              <a:t>Copyright 2004-2023 Aspose Pty Ltd.</a:t>
+              <a:rPr lang="fr-FR" dirty="0"/>
+              <a:t>Augmentation de 20 % de la notoriété et de l’intérêt du public cible pour le thé </a:t>
+            </a:r>
+            <a:r>
+              <a:rPr lang="fr-FR" dirty="0" err="1"/>
+              <a:t>chaï</a:t>
+            </a:r>
+            <a:endParaRPr lang="fr-FR" dirty="0"/>
+          </a:p>
+          <a:p>
+            <a:r>
+              <a:rPr lang="fr-FR" dirty="0"/>
+              <a:t>Augmentation de 10 % de la part de marché du thé </a:t>
+            </a:r>
+            <a:r>
+              <a:rPr lang="fr-FR" dirty="0" err="1"/>
+              <a:t>chaï</a:t>
+            </a:r>
+            <a:r>
+              <a:rPr lang="fr-FR" dirty="0"/>
+              <a:t> dans la région</a:t>
+            </a:r>
+          </a:p>
+          <a:p>
+            <a:r>
+              <a:rPr lang="fr-FR" dirty="0"/>
+              <a:t>Augmentation de 15 % du volume des ventes et du chiffre d’affaires du thé </a:t>
+            </a:r>
+            <a:r>
+              <a:rPr lang="fr-FR" dirty="0" err="1"/>
+              <a:t>chaï</a:t>
+            </a:r>
+            <a:r>
+              <a:rPr lang="fr-FR" dirty="0"/>
+              <a:t> dans la région</a:t>
+            </a:r>
+          </a:p>
+          <a:p>
+            <a:r>
+              <a:rPr lang="fr-FR" dirty="0"/>
+              <a:t>Augmentation de 25 % du taux de satisfaction et de fidélisation des consommateurs de thé </a:t>
+            </a:r>
+            <a:r>
+              <a:rPr lang="fr-FR" dirty="0" err="1"/>
+              <a:t>chaï</a:t>
+            </a:r>
+            <a:r>
+              <a:rPr lang="fr-FR" dirty="0"/>
+              <a:t> dans la région</a:t>
             </a:r>
           </a:p>
         </p:txBody>
@@ -10145,14 +7716,12 @@
   <p:clrMapOvr>
     <a:masterClrMapping/>
   </p:clrMapOvr>
-  <p:transition/>
-  <p:timing/>
 </p:sld>
 </file>
 
 <file path=ppt/slides/slide13.xml><?xml version="1.0" encoding="utf-8"?>
-<p:sld xmlns:a="http://schemas.openxmlformats.org/drawingml/2006/main" xmlns:r="http://schemas.openxmlformats.org/officeDocument/2006/relationships" xmlns:m="http://schemas.openxmlformats.org/officeDocument/2006/math" xmlns:w="http://schemas.openxmlformats.org/wordprocessingml/2006/main" xmlns:wp="http://schemas.openxmlformats.org/drawingml/2006/wordprocessingDrawing" xmlns:a14="http://schemas.microsoft.com/office/drawing/2010/main" xmlns:mc="http://schemas.openxmlformats.org/markup-compatibility/2006" xmlns:p14="http://schemas.microsoft.com/office/powerpoint/2010/main" xmlns:p15="http://schemas.microsoft.com/office/powerpoint/2012/main" xmlns:p159="http://schemas.microsoft.com/office/powerpoint/2015/09/main" xmlns:p="http://schemas.openxmlformats.org/presentationml/2006/main">
-  <p:cSld name="">
+<p:sld xmlns:a="http://schemas.openxmlformats.org/drawingml/2006/main" xmlns:r="http://schemas.openxmlformats.org/officeDocument/2006/relationships" xmlns:p="http://schemas.openxmlformats.org/presentationml/2006/main">
+  <p:cSld>
     <p:bg>
       <p:bgPr>
         <a:solidFill>
@@ -10171,6 +7740,8 @@
         <a:xfrm>
           <a:off x="0" y="0"/>
           <a:ext cx="0" cy="0"/>
+          <a:chOff x="0" y="0"/>
+          <a:chExt cx="0" cy="0"/>
         </a:xfrm>
       </p:grpSpPr>
       <p:sp useBgFill="1">
@@ -10214,7 +7785,7 @@
               <a:shade val="50000"/>
             </a:schemeClr>
           </a:lnRef>
-          <a:fillRef idx="4294967295">
+          <a:fillRef idx="1001">
             <a:schemeClr val="lt1"/>
           </a:fillRef>
           <a:effectRef idx="0">
@@ -10324,16 +7895,12 @@
           <a:lstStyle/>
           <a:p>
             <a:r>
-              <a:rPr lang="fr-FR" sz="4400" b="0" i="0" strike="noStrike" cap="none" baseline="0">
+              <a:rPr lang="fr-FR" sz="4400">
                 <a:solidFill>
                   <a:srgbClr val="FFFFFF"/>
                 </a:solidFill>
-                <a:effectLst/>
-                <a:latin typeface="Bookman Old Style"/>
-                <a:ea typeface="Bookman Old Style"/>
-                <a:cs typeface="Bookman Old Style"/>
               </a:rPr>
-              <a:t>Résultats attendus et défis : défis potentiels</a:t>
+              <a:t>Résultats attendus et défis à relever : Défis potentiels</a:t>
             </a:r>
           </a:p>
         </p:txBody>
@@ -10357,154 +7924,72 @@
         <p:spPr>
           <a:xfrm>
             <a:off x="5231958" y="605896"/>
-            <a:ext cx="5923721" cy="5646208"/>
+            <a:ext cx="5999922" cy="5646208"/>
           </a:xfrm>
         </p:spPr>
         <p:txBody>
           <a:bodyPr anchor="ctr">
-            <a:normAutofit fontScale="95000" lnSpcReduction="20000"/>
+            <a:normAutofit fontScale="92500" lnSpcReduction="10000"/>
           </a:bodyPr>
           <a:lstStyle/>
           <a:p>
             <a:r>
-              <a:rPr lang="fr-FR" sz="2400" b="0" i="0" strike="noStrike" cap="none" baseline="0">
-                <a:solidFill>
-                  <a:srgbClr val="404040"/>
-                </a:solidFill>
-                <a:effectLst/>
-                <a:latin typeface="Franklin Gothic Book"/>
-                <a:ea typeface="Franklin Gothic Book"/>
-                <a:cs typeface="Franklin Gothic Book"/>
-              </a:rPr>
-              <a:t>Le prix élevé et le caractère peu abordable des produits à base de thé chaï par rapport à d’autres boissons</a:t>
-            </a:r>
-          </a:p>
-          <a:p>
-            <a:r>
-              <a:rPr lang="fr-FR" sz="2400" b="0" i="0" strike="noStrike" cap="none" baseline="0">
-                <a:solidFill>
-                  <a:srgbClr val="404040"/>
-                </a:solidFill>
-                <a:effectLst/>
-                <a:latin typeface="Franklin Gothic Book"/>
-                <a:ea typeface="Franklin Gothic Book"/>
-                <a:cs typeface="Franklin Gothic Book"/>
-              </a:rPr>
-              <a:t>Le manque de connaissance et de familiarité avec le thé chaï dans certains segments de la population</a:t>
-            </a:r>
-          </a:p>
-          <a:p>
-            <a:r>
-              <a:rPr lang="fr-FR" sz="2400" b="0" i="0" strike="noStrike" cap="none" baseline="0">
-                <a:solidFill>
-                  <a:srgbClr val="404040"/>
-                </a:solidFill>
-                <a:effectLst/>
-                <a:latin typeface="Franklin Gothic Book"/>
-                <a:ea typeface="Franklin Gothic Book"/>
-                <a:cs typeface="Franklin Gothic Book"/>
-              </a:rPr>
+              <a:rPr lang="fr-FR" sz="2400" dirty="0"/>
+              <a:t>Le prix élevé et le caractère peu abordable des produits à base de thé </a:t>
+            </a:r>
+            <a:r>
+              <a:rPr lang="fr-FR" sz="2400" dirty="0" err="1"/>
+              <a:t>chaï</a:t>
+            </a:r>
+            <a:r>
+              <a:rPr lang="fr-FR" sz="2400" dirty="0"/>
+              <a:t> par rapport à d’autres boissons</a:t>
+            </a:r>
+          </a:p>
+          <a:p>
+            <a:r>
+              <a:rPr lang="fr-FR" sz="2400" dirty="0"/>
+              <a:t>Le manque de connaissance et de familiarité avec le thé </a:t>
+            </a:r>
+            <a:r>
+              <a:rPr lang="fr-FR" sz="2400" dirty="0" err="1"/>
+              <a:t>chaï</a:t>
+            </a:r>
+            <a:r>
+              <a:rPr lang="fr-FR" sz="2400" dirty="0"/>
+              <a:t> dans certains segments de la population</a:t>
+            </a:r>
+          </a:p>
+          <a:p>
+            <a:r>
+              <a:rPr lang="fr-FR" sz="2400" dirty="0"/>
               <a:t>La concurrence d’autres thés, tels que les thés à base de plantes, les thés verts et les thés noirs</a:t>
             </a:r>
           </a:p>
           <a:p>
             <a:r>
-              <a:rPr lang="fr-FR" sz="2400" b="0" i="0" strike="noStrike" cap="none" baseline="0">
-                <a:solidFill>
-                  <a:srgbClr val="404040"/>
-                </a:solidFill>
-                <a:effectLst/>
-                <a:latin typeface="Franklin Gothic Book"/>
-                <a:ea typeface="Franklin Gothic Book"/>
-                <a:cs typeface="Franklin Gothic Book"/>
-              </a:rPr>
-              <a:t>Les barrières réglementaires et culturelles qui peuvent limiter l’entrée et l’expansion des produits à base de thé chaï dans certains pays.</a:t>
-            </a:r>
-          </a:p>
-          <a:p>
-            <a:r>
-              <a:rPr lang="fr-FR" sz="2400" b="0" i="0" strike="noStrike" cap="none" baseline="0">
-                <a:solidFill>
-                  <a:srgbClr val="404040"/>
-                </a:solidFill>
-                <a:effectLst/>
-                <a:latin typeface="Franklin Gothic Book"/>
-                <a:ea typeface="Franklin Gothic Book"/>
-                <a:cs typeface="Franklin Gothic Book"/>
-              </a:rPr>
-              <a:t>Des questions environnementales et sociales susceptibles d’affecter l’approvisionnement et la qualité des ingrédients du thé chaï</a:t>
-            </a:r>
-          </a:p>
-        </p:txBody>
-      </p:sp>
-      <p:sp>
-        <p:nvSpPr>
-          <p:cNvPr id="11" name="TextBox"/>
-          <p:cNvSpPr txBox="1">
-            <a:spLocks noGrp="1" noSelect="1" noRot="1" noMove="1"/>
-          </p:cNvSpPr>
-          <p:nvPr/>
-        </p:nvSpPr>
-        <p:spPr>
-          <a:xfrm>
-            <a:off x="2890520" y="2644140"/>
-            <a:ext cx="6411372" cy="1569660"/>
-          </a:xfrm>
-          <a:prstGeom prst="rect">
-            <a:avLst/>
-          </a:prstGeom>
-          <a:noFill/>
-        </p:spPr>
-        <p:txBody>
-          <a:bodyPr wrap="none" rtlCol="0" anchor="ctr" anchorCtr="1">
-            <a:spAutoFit/>
-          </a:bodyPr>
-          <a:lstStyle>
-            <a:lvl1pPr algn="l">
-              <a:lnSpc>
-                <a:spcPct val="150000"/>
-              </a:lnSpc>
-              <a:spcBef>
-                <a:spcPct val="0"/>
-              </a:spcBef>
-              <a:spcAft>
-                <a:spcPct val="0"/>
-              </a:spcAft>
-              <a:defRPr lang="en-US" sz="3200" b="1" noProof="1" dirty="0">
-                <a:solidFill>
-                  <a:prstClr val="red">
-                    <a:lumOff val="30000"/>
-                    <a:alpha val="40000"/>
-                  </a:prstClr>
-                </a:solidFill>
-                <a:effectLst>
-                  <a:outerShdw blurRad="50800" dist="38100" algn="tr" rotWithShape="0">
-                    <a:prstClr val="black">
-                      <a:alpha val="80000"/>
-                    </a:prstClr>
-                  </a:outerShdw>
-                </a:effectLst>
-                <a:latin typeface="Calibri" pitchFamily="34" charset="0"/>
-              </a:defRPr>
-            </a:lvl1pPr>
-          </a:lstStyle>
-          <a:p>
-            <a:pPr algn="ctr"/>
-            <a:r>
-              <a:t>Evaluation only.</a:t>
-            </a:r>
-          </a:p>
-          <a:p>
-            <a:pPr algn="ctr"/>
-            <a:r>
-              <a:t>Created with Aspose.Slides for Java 23.6.</a:t>
-            </a:r>
-          </a:p>
-          <a:p>
-            <a:pPr algn="ctr"/>
-            <a:r>
-              <a:t>Copyright 2004-2023 Aspose Pty Ltd.</a:t>
-            </a:r>
+              <a:rPr lang="fr-FR" sz="2400" dirty="0"/>
+              <a:t>Les barrières réglementaires et culturelles qui peuvent limiter l’entrée et l’expansion des produits à base de thé </a:t>
+            </a:r>
+            <a:r>
+              <a:rPr lang="fr-FR" sz="2400" dirty="0" err="1"/>
+              <a:t>chaï</a:t>
+            </a:r>
+            <a:r>
+              <a:rPr lang="fr-FR" sz="2400" dirty="0"/>
+              <a:t> dans certains pays.</a:t>
+            </a:r>
+          </a:p>
+          <a:p>
+            <a:r>
+              <a:rPr lang="fr-FR" sz="2400" dirty="0"/>
+              <a:t>Des questions environnementales et sociales susceptibles d’affecter l’approvisionnement et la qualité des ingrédients du thé </a:t>
+            </a:r>
+            <a:r>
+              <a:rPr lang="fr-FR" sz="2400" dirty="0" err="1"/>
+              <a:t>chaï</a:t>
+            </a:r>
+            <a:endParaRPr lang="fr-FR" sz="2400" dirty="0"/>
           </a:p>
         </p:txBody>
       </p:sp>
@@ -10518,14 +8003,12 @@
   <p:clrMapOvr>
     <a:masterClrMapping/>
   </p:clrMapOvr>
-  <p:transition/>
-  <p:timing/>
 </p:sld>
 </file>
 
 <file path=ppt/slides/slide14.xml><?xml version="1.0" encoding="utf-8"?>
-<p:sld xmlns:a="http://schemas.openxmlformats.org/drawingml/2006/main" xmlns:r="http://schemas.openxmlformats.org/officeDocument/2006/relationships" xmlns:m="http://schemas.openxmlformats.org/officeDocument/2006/math" xmlns:w="http://schemas.openxmlformats.org/wordprocessingml/2006/main" xmlns:wp="http://schemas.openxmlformats.org/drawingml/2006/wordprocessingDrawing" xmlns:a14="http://schemas.microsoft.com/office/drawing/2010/main" xmlns:mc="http://schemas.openxmlformats.org/markup-compatibility/2006" xmlns:p14="http://schemas.microsoft.com/office/powerpoint/2010/main" xmlns:p15="http://schemas.microsoft.com/office/powerpoint/2012/main" xmlns:p159="http://schemas.microsoft.com/office/powerpoint/2015/09/main" xmlns:p="http://schemas.openxmlformats.org/presentationml/2006/main">
-  <p:cSld name="">
+<p:sld xmlns:a="http://schemas.openxmlformats.org/drawingml/2006/main" xmlns:r="http://schemas.openxmlformats.org/officeDocument/2006/relationships" xmlns:p="http://schemas.openxmlformats.org/presentationml/2006/main">
+  <p:cSld>
     <p:bg>
       <p:bgPr>
         <a:solidFill>
@@ -10544,6 +8027,8 @@
         <a:xfrm>
           <a:off x="0" y="0"/>
           <a:ext cx="0" cy="0"/>
+          <a:chOff x="0" y="0"/>
+          <a:chExt cx="0" cy="0"/>
         </a:xfrm>
       </p:grpSpPr>
       <p:sp useBgFill="1">
@@ -10587,7 +8072,7 @@
               <a:shade val="50000"/>
             </a:schemeClr>
           </a:lnRef>
-          <a:fillRef idx="4294967295">
+          <a:fillRef idx="1001">
             <a:schemeClr val="lt1"/>
           </a:fillRef>
           <a:effectRef idx="0">
@@ -10697,14 +8182,10 @@
           <a:lstStyle/>
           <a:p>
             <a:r>
-              <a:rPr lang="fr-FR" sz="3700" b="0" i="0" strike="noStrike" cap="none" baseline="0">
+              <a:rPr lang="fr-FR" sz="3700">
                 <a:solidFill>
                   <a:srgbClr val="FFFFFF"/>
                 </a:solidFill>
-                <a:effectLst/>
-                <a:latin typeface="Bookman Old Style"/>
-                <a:ea typeface="Bookman Old Style"/>
-                <a:cs typeface="Bookman Old Style"/>
               </a:rPr>
               <a:t>Recommandations et conclusions</a:t>
             </a:r>
@@ -10730,12 +8211,12 @@
         <p:spPr>
           <a:xfrm>
             <a:off x="5231958" y="605896"/>
-            <a:ext cx="5923721" cy="5646208"/>
+            <a:ext cx="5992302" cy="5646208"/>
           </a:xfrm>
         </p:spPr>
         <p:txBody>
           <a:bodyPr anchor="ctr">
-            <a:normAutofit fontScale="95000" lnSpcReduction="20000"/>
+            <a:normAutofit fontScale="92500" lnSpcReduction="10000"/>
           </a:bodyPr>
           <a:lstStyle/>
           <a:p>
@@ -10745,16 +8226,16 @@
               </a:lnSpc>
             </a:pPr>
             <a:r>
-              <a:rPr lang="fr-FR" sz="1900" b="0" i="0" strike="noStrike" cap="none" baseline="0">
-                <a:solidFill>
-                  <a:srgbClr val="404040"/>
-                </a:solidFill>
-                <a:effectLst/>
-                <a:latin typeface="Franklin Gothic Book"/>
-                <a:ea typeface="Franklin Gothic Book"/>
-                <a:cs typeface="Franklin Gothic Book"/>
-              </a:rPr>
-              <a:t>Le thé chaï est un produit prometteur avec un potentiel de croissance sur le marché latino-américain.</a:t>
+              <a:rPr lang="fr-FR" sz="1900" dirty="0"/>
+              <a:t>Le thé </a:t>
+            </a:r>
+            <a:r>
+              <a:rPr lang="fr-FR" sz="1900" dirty="0" err="1"/>
+              <a:t>chaï</a:t>
+            </a:r>
+            <a:r>
+              <a:rPr lang="fr-FR" sz="1900" dirty="0"/>
+              <a:t> est un produit prometteur avec un potentiel de croissance sur le marché latino-américain.</a:t>
             </a:r>
           </a:p>
           <a:p>
@@ -10764,15 +8245,7 @@
               </a:lnSpc>
             </a:pPr>
             <a:r>
-              <a:rPr lang="fr-FR" sz="1900" b="0" i="0" strike="noStrike" cap="none" baseline="0">
-                <a:solidFill>
-                  <a:srgbClr val="404040"/>
-                </a:solidFill>
-                <a:effectLst/>
-                <a:latin typeface="Franklin Gothic Book"/>
-                <a:ea typeface="Franklin Gothic Book"/>
-                <a:cs typeface="Franklin Gothic Book"/>
-              </a:rPr>
+              <a:rPr lang="fr-FR" sz="1900" dirty="0"/>
               <a:t>Il offre une alternative saine, naturelle et exotique aux autres boissons</a:t>
             </a:r>
           </a:p>
@@ -10783,16 +8256,16 @@
               </a:lnSpc>
             </a:pPr>
             <a:r>
-              <a:rPr lang="fr-FR" sz="1900" b="0" i="0" strike="noStrike" cap="none" baseline="0">
-                <a:solidFill>
-                  <a:srgbClr val="404040"/>
-                </a:solidFill>
-                <a:effectLst/>
-                <a:latin typeface="Franklin Gothic Book"/>
-                <a:ea typeface="Franklin Gothic Book"/>
-                <a:cs typeface="Franklin Gothic Book"/>
-              </a:rPr>
-              <a:t>Le thé chaï doit être positionné et commercialisé comme un produit de qualité, authentique et polyvalent.</a:t>
+              <a:rPr lang="fr-FR" sz="1900" dirty="0"/>
+              <a:t>Le thé </a:t>
+            </a:r>
+            <a:r>
+              <a:rPr lang="fr-FR" sz="1900" dirty="0" err="1"/>
+              <a:t>chaï</a:t>
+            </a:r>
+            <a:r>
+              <a:rPr lang="fr-FR" sz="1900" dirty="0"/>
+              <a:t> doit être positionné et commercialisé comme un produit de qualité, authentique et polyvalent.</a:t>
             </a:r>
           </a:p>
           <a:p>
@@ -10802,15 +8275,7 @@
               </a:lnSpc>
             </a:pPr>
             <a:r>
-              <a:rPr lang="fr-FR" sz="1900" b="0" i="0" strike="noStrike" cap="none" baseline="0">
-                <a:solidFill>
-                  <a:srgbClr val="404040"/>
-                </a:solidFill>
-                <a:effectLst/>
-                <a:latin typeface="Franklin Gothic Book"/>
-                <a:ea typeface="Franklin Gothic Book"/>
-                <a:cs typeface="Franklin Gothic Book"/>
-              </a:rPr>
+              <a:rPr lang="fr-FR" sz="1900" dirty="0"/>
               <a:t>Il s’adresse à différents publics et peut être consommé en diverses occasions</a:t>
             </a:r>
           </a:p>
@@ -10821,15 +8286,7 @@
               </a:lnSpc>
             </a:pPr>
             <a:r>
-              <a:rPr lang="fr-FR" sz="1900" b="0" i="0" strike="noStrike" cap="none" baseline="0">
-                <a:solidFill>
-                  <a:srgbClr val="404040"/>
-                </a:solidFill>
-                <a:effectLst/>
-                <a:latin typeface="Franklin Gothic Book"/>
-                <a:ea typeface="Franklin Gothic Book"/>
-                <a:cs typeface="Franklin Gothic Book"/>
-              </a:rPr>
+              <a:rPr lang="fr-FR" sz="1900" dirty="0"/>
               <a:t>Il bénéficie de caractéristiques et d’avantages uniques, tels que la richesse de l’arôme et de la saveur et les bienfaits pour la santé</a:t>
             </a:r>
           </a:p>
@@ -10840,15 +8297,7 @@
               </a:lnSpc>
             </a:pPr>
             <a:r>
-              <a:rPr lang="fr-FR" sz="1900" b="0" i="0" strike="noStrike" cap="none" baseline="0">
-                <a:solidFill>
-                  <a:srgbClr val="404040"/>
-                </a:solidFill>
-                <a:effectLst/>
-                <a:latin typeface="Franklin Gothic Book"/>
-                <a:ea typeface="Franklin Gothic Book"/>
-                <a:cs typeface="Franklin Gothic Book"/>
-              </a:rPr>
+              <a:rPr lang="fr-FR" sz="1900" dirty="0"/>
               <a:t>Il se différencie des autres thés</a:t>
             </a:r>
           </a:p>
@@ -10859,15 +8308,7 @@
               </a:lnSpc>
             </a:pPr>
             <a:r>
-              <a:rPr lang="fr-FR" sz="1900" b="0" i="0" strike="noStrike" cap="none" baseline="0">
-                <a:solidFill>
-                  <a:srgbClr val="404040"/>
-                </a:solidFill>
-                <a:effectLst/>
-                <a:latin typeface="Franklin Gothic Book"/>
-                <a:ea typeface="Franklin Gothic Book"/>
-                <a:cs typeface="Franklin Gothic Book"/>
-              </a:rPr>
+              <a:rPr lang="fr-FR" sz="1900" dirty="0"/>
               <a:t>Il utilise une combinaison de tactiques en ligne et hors ligne pour atteindre et engager le public cible</a:t>
             </a:r>
           </a:p>
@@ -10878,15 +8319,7 @@
               </a:lnSpc>
             </a:pPr>
             <a:r>
-              <a:rPr lang="fr-FR" sz="1900" b="0" i="0" strike="noStrike" cap="none" baseline="0">
-                <a:solidFill>
-                  <a:srgbClr val="404040"/>
-                </a:solidFill>
-                <a:effectLst/>
-                <a:latin typeface="Franklin Gothic Book"/>
-                <a:ea typeface="Franklin Gothic Book"/>
-                <a:cs typeface="Franklin Gothic Book"/>
-              </a:rPr>
+              <a:rPr lang="fr-FR" sz="1900" dirty="0"/>
               <a:t>Il crée une base de clients fidèles et satisfaits</a:t>
             </a:r>
           </a:p>
@@ -10897,15 +8330,7 @@
               </a:lnSpc>
             </a:pPr>
             <a:r>
-              <a:rPr lang="fr-FR" sz="1900" b="0" i="0" strike="noStrike" cap="none" baseline="0">
-                <a:solidFill>
-                  <a:srgbClr val="404040"/>
-                </a:solidFill>
-                <a:effectLst/>
-                <a:latin typeface="Franklin Gothic Book"/>
-                <a:ea typeface="Franklin Gothic Book"/>
-                <a:cs typeface="Franklin Gothic Book"/>
-              </a:rPr>
+              <a:rPr lang="fr-FR" sz="1900" dirty="0"/>
               <a:t>Il est capable de surmonter les défis et les menaces, tels que le prix, la sensibilisation, la concurrence, la réglementation et la durabilité.</a:t>
             </a:r>
           </a:p>
@@ -10916,87 +8341,8 @@
               </a:lnSpc>
             </a:pPr>
             <a:r>
-              <a:rPr lang="fr-FR" sz="1900" b="0" i="0" strike="noStrike" cap="none" baseline="0">
-                <a:solidFill>
-                  <a:srgbClr val="404040"/>
-                </a:solidFill>
-                <a:effectLst/>
-                <a:latin typeface="Franklin Gothic Book"/>
-                <a:ea typeface="Franklin Gothic Book"/>
-                <a:cs typeface="Franklin Gothic Book"/>
-              </a:rPr>
+              <a:rPr lang="fr-FR" sz="1900" dirty="0"/>
               <a:t>Il fait l’objet de contrôles, d’évaluation et d’ajustements constants du plan et de la stratégie de promotion</a:t>
-            </a:r>
-          </a:p>
-        </p:txBody>
-      </p:sp>
-      <p:sp>
-        <p:nvSpPr>
-          <p:cNvPr id="11" name="TextBox"/>
-          <p:cNvSpPr txBox="1">
-            <a:spLocks noGrp="1" noSelect="1" noRot="1" noMove="1"/>
-          </p:cNvSpPr>
-          <p:nvPr/>
-        </p:nvSpPr>
-        <p:spPr>
-          <a:xfrm>
-            <a:off x="2890520" y="2644140"/>
-            <a:ext cx="6411372" cy="1569660"/>
-          </a:xfrm>
-          <a:prstGeom prst="rect">
-            <a:avLst/>
-          </a:prstGeom>
-          <a:noFill/>
-        </p:spPr>
-        <p:txBody>
-          <a:bodyPr wrap="none" rtlCol="0" anchor="ctr" anchorCtr="1">
-            <a:spAutoFit/>
-          </a:bodyPr>
-          <a:lstStyle>
-            <a:lvl1pPr algn="l">
-              <a:lnSpc>
-                <a:spcPct val="150000"/>
-              </a:lnSpc>
-              <a:spcBef>
-                <a:spcPct val="0"/>
-              </a:spcBef>
-              <a:spcAft>
-                <a:spcPct val="0"/>
-              </a:spcAft>
-              <a:defRPr lang="en-US" sz="3200" b="1" noProof="1" dirty="0">
-                <a:solidFill>
-                  <a:prstClr val="red">
-                    <a:lumOff val="30000"/>
-                    <a:alpha val="40000"/>
-                  </a:prstClr>
-                </a:solidFill>
-                <a:effectLst>
-                  <a:outerShdw blurRad="50800" dist="38100" algn="tr" rotWithShape="0">
-                    <a:prstClr val="black">
-                      <a:alpha val="80000"/>
-                    </a:prstClr>
-                  </a:outerShdw>
-                </a:effectLst>
-                <a:latin typeface="Calibri" pitchFamily="34" charset="0"/>
-              </a:defRPr>
-            </a:lvl1pPr>
-          </a:lstStyle>
-          <a:p>
-            <a:pPr algn="ctr"/>
-            <a:r>
-              <a:t>Evaluation only.</a:t>
-            </a:r>
-          </a:p>
-          <a:p>
-            <a:pPr algn="ctr"/>
-            <a:r>
-              <a:t>Created with Aspose.Slides for Java 23.6.</a:t>
-            </a:r>
-          </a:p>
-          <a:p>
-            <a:pPr algn="ctr"/>
-            <a:r>
-              <a:t>Copyright 2004-2023 Aspose Pty Ltd.</a:t>
             </a:r>
           </a:p>
         </p:txBody>
@@ -11011,14 +8357,12 @@
   <p:clrMapOvr>
     <a:masterClrMapping/>
   </p:clrMapOvr>
-  <p:transition/>
-  <p:timing/>
 </p:sld>
 </file>
 
 <file path=ppt/slides/slide2.xml><?xml version="1.0" encoding="utf-8"?>
-<p:sld xmlns:a="http://schemas.openxmlformats.org/drawingml/2006/main" xmlns:r="http://schemas.openxmlformats.org/officeDocument/2006/relationships" xmlns:m="http://schemas.openxmlformats.org/officeDocument/2006/math" xmlns:w="http://schemas.openxmlformats.org/wordprocessingml/2006/main" xmlns:wp="http://schemas.openxmlformats.org/drawingml/2006/wordprocessingDrawing" xmlns:a14="http://schemas.microsoft.com/office/drawing/2010/main" xmlns:mc="http://schemas.openxmlformats.org/markup-compatibility/2006" xmlns:p14="http://schemas.microsoft.com/office/powerpoint/2010/main" xmlns:p15="http://schemas.microsoft.com/office/powerpoint/2012/main" xmlns:p159="http://schemas.microsoft.com/office/powerpoint/2015/09/main" xmlns:p="http://schemas.openxmlformats.org/presentationml/2006/main">
-  <p:cSld name="">
+<p:sld xmlns:a="http://schemas.openxmlformats.org/drawingml/2006/main" xmlns:r="http://schemas.openxmlformats.org/officeDocument/2006/relationships" xmlns:p="http://schemas.openxmlformats.org/presentationml/2006/main">
+  <p:cSld>
     <p:bg>
       <p:bgPr>
         <a:solidFill>
@@ -11041,6 +8385,8 @@
         <a:xfrm>
           <a:off x="0" y="0"/>
           <a:ext cx="0" cy="0"/>
+          <a:chOff x="0" y="0"/>
+          <a:chExt cx="0" cy="0"/>
         </a:xfrm>
       </p:grpSpPr>
       <p:sp>
@@ -11196,15 +8542,7 @@
           <a:p>
             <a:pPr algn="r"/>
             <a:r>
-              <a:rPr lang="fr-FR" sz="4700" b="0" i="0" strike="noStrike" cap="none" baseline="0">
-                <a:solidFill>
-                  <a:srgbClr val="404040"/>
-                </a:solidFill>
-                <a:effectLst/>
-                <a:latin typeface="Bookman Old Style"/>
-                <a:ea typeface="Bookman Old Style"/>
-                <a:cs typeface="Bookman Old Style"/>
-              </a:rPr>
+              <a:rPr lang="fr-FR"/>
               <a:t>Agenda</a:t>
             </a:r>
           </a:p>
@@ -11234,7 +8572,7 @@
           </p:nvPr>
         </p:nvCxnSpPr>
         <p:spPr>
-          <a:xfrm flipH="1">
+          <a:xfrm>
             <a:off x="4971974" y="2057399"/>
             <a:ext cx="0" cy="2743200"/>
           </a:xfrm>
@@ -11296,15 +8634,7 @@
               </a:lnSpc>
             </a:pPr>
             <a:r>
-              <a:rPr lang="fr-FR" sz="1800" b="0" i="0" strike="noStrike" cap="none" baseline="0">
-                <a:solidFill>
-                  <a:srgbClr val="404040"/>
-                </a:solidFill>
-                <a:effectLst/>
-                <a:latin typeface="Franklin Gothic Book"/>
-                <a:ea typeface="Franklin Gothic Book"/>
-                <a:cs typeface="Franklin Gothic Book"/>
-              </a:rPr>
+              <a:rPr lang="fr-FR" sz="1800"/>
               <a:t>Introduction</a:t>
             </a:r>
           </a:p>
@@ -11315,15 +8645,7 @@
               </a:lnSpc>
             </a:pPr>
             <a:r>
-              <a:rPr lang="fr-FR" sz="1800" b="0" i="0" strike="noStrike" cap="none" baseline="0">
-                <a:solidFill>
-                  <a:srgbClr val="404040"/>
-                </a:solidFill>
-                <a:effectLst/>
-                <a:latin typeface="Franklin Gothic Book"/>
-                <a:ea typeface="Franklin Gothic Book"/>
-                <a:cs typeface="Franklin Gothic Book"/>
-              </a:rPr>
+              <a:rPr lang="fr-FR" sz="1800"/>
               <a:t>Description du produit</a:t>
             </a:r>
           </a:p>
@@ -11334,15 +8656,7 @@
               </a:lnSpc>
             </a:pPr>
             <a:r>
-              <a:rPr lang="fr-FR" sz="1800" b="0" i="0" strike="noStrike" cap="none" baseline="0">
-                <a:solidFill>
-                  <a:srgbClr val="404040"/>
-                </a:solidFill>
-                <a:effectLst/>
-                <a:latin typeface="Franklin Gothic Book"/>
-                <a:ea typeface="Franklin Gothic Book"/>
-                <a:cs typeface="Franklin Gothic Book"/>
-              </a:rPr>
+              <a:rPr lang="fr-FR" sz="1800"/>
               <a:t>Description du produit (1/2)</a:t>
             </a:r>
           </a:p>
@@ -11353,15 +8667,7 @@
               </a:lnSpc>
             </a:pPr>
             <a:r>
-              <a:rPr lang="fr-FR" sz="1800" b="0" i="0" strike="noStrike" cap="none" baseline="0">
-                <a:solidFill>
-                  <a:srgbClr val="404040"/>
-                </a:solidFill>
-                <a:effectLst/>
-                <a:latin typeface="Franklin Gothic Book"/>
-                <a:ea typeface="Franklin Gothic Book"/>
-                <a:cs typeface="Franklin Gothic Book"/>
-              </a:rPr>
+              <a:rPr lang="fr-FR" sz="1800"/>
               <a:t>Description du produit (2/2)</a:t>
             </a:r>
           </a:p>
@@ -11372,15 +8678,7 @@
               </a:lnSpc>
             </a:pPr>
             <a:r>
-              <a:rPr lang="fr-FR" sz="1800" b="0" i="0" strike="noStrike" cap="none" baseline="0">
-                <a:solidFill>
-                  <a:srgbClr val="404040"/>
-                </a:solidFill>
-                <a:effectLst/>
-                <a:latin typeface="Franklin Gothic Book"/>
-                <a:ea typeface="Franklin Gothic Book"/>
-                <a:cs typeface="Franklin Gothic Book"/>
-              </a:rPr>
+              <a:rPr lang="fr-FR" sz="1800"/>
               <a:t>Tendances du marché et de la demande</a:t>
             </a:r>
           </a:p>
@@ -11391,15 +8689,7 @@
               </a:lnSpc>
             </a:pPr>
             <a:r>
-              <a:rPr lang="fr-FR" sz="1800" b="0" i="0" strike="noStrike" cap="none" baseline="0">
-                <a:solidFill>
-                  <a:srgbClr val="404040"/>
-                </a:solidFill>
-                <a:effectLst/>
-                <a:latin typeface="Franklin Gothic Book"/>
-                <a:ea typeface="Franklin Gothic Book"/>
-                <a:cs typeface="Franklin Gothic Book"/>
-              </a:rPr>
+              <a:rPr lang="fr-FR" sz="1800"/>
               <a:t>Part de marché du thé chaï en Amérique latine</a:t>
             </a:r>
           </a:p>
@@ -11410,15 +8700,7 @@
               </a:lnSpc>
             </a:pPr>
             <a:r>
-              <a:rPr lang="fr-FR" sz="1800" b="0" i="0" strike="noStrike" cap="none" baseline="0">
-                <a:solidFill>
-                  <a:srgbClr val="404040"/>
-                </a:solidFill>
-                <a:effectLst/>
-                <a:latin typeface="Franklin Gothic Book"/>
-                <a:ea typeface="Franklin Gothic Book"/>
-                <a:cs typeface="Franklin Gothic Book"/>
-              </a:rPr>
+              <a:rPr lang="fr-FR" sz="1800"/>
               <a:t>Canaux de distribution</a:t>
             </a:r>
           </a:p>
@@ -11429,15 +8711,7 @@
               </a:lnSpc>
             </a:pPr>
             <a:r>
-              <a:rPr lang="fr-FR" sz="1800" b="0" i="0" strike="noStrike" cap="none" baseline="0">
-                <a:solidFill>
-                  <a:srgbClr val="404040"/>
-                </a:solidFill>
-                <a:effectLst/>
-                <a:latin typeface="Franklin Gothic Book"/>
-                <a:ea typeface="Franklin Gothic Book"/>
-                <a:cs typeface="Franklin Gothic Book"/>
-              </a:rPr>
+              <a:rPr lang="fr-FR" sz="1800"/>
               <a:t>Plan et stratégie de promotion</a:t>
             </a:r>
           </a:p>
@@ -11448,15 +8722,7 @@
               </a:lnSpc>
             </a:pPr>
             <a:r>
-              <a:rPr lang="fr-FR" sz="1800" b="0" i="0" strike="noStrike" cap="none" baseline="0">
-                <a:solidFill>
-                  <a:srgbClr val="404040"/>
-                </a:solidFill>
-                <a:effectLst/>
-                <a:latin typeface="Franklin Gothic Book"/>
-                <a:ea typeface="Franklin Gothic Book"/>
-                <a:cs typeface="Franklin Gothic Book"/>
-              </a:rPr>
+              <a:rPr lang="fr-FR" sz="1800"/>
               <a:t>Résultats attendus et défis à relever</a:t>
             </a:r>
           </a:p>
@@ -11467,87 +8733,8 @@
               </a:lnSpc>
             </a:pPr>
             <a:r>
-              <a:rPr lang="fr-FR" sz="1800" b="0" i="0" strike="noStrike" cap="none" baseline="0">
-                <a:solidFill>
-                  <a:srgbClr val="404040"/>
-                </a:solidFill>
-                <a:effectLst/>
-                <a:latin typeface="Franklin Gothic Book"/>
-                <a:ea typeface="Franklin Gothic Book"/>
-                <a:cs typeface="Franklin Gothic Book"/>
-              </a:rPr>
+              <a:rPr lang="fr-FR" sz="1800"/>
               <a:t>Recommandations et conclusions</a:t>
-            </a:r>
-          </a:p>
-        </p:txBody>
-      </p:sp>
-      <p:sp>
-        <p:nvSpPr>
-          <p:cNvPr id="20" name="TextBox"/>
-          <p:cNvSpPr txBox="1">
-            <a:spLocks noGrp="1" noSelect="1" noRot="1" noMove="1"/>
-          </p:cNvSpPr>
-          <p:nvPr/>
-        </p:nvSpPr>
-        <p:spPr>
-          <a:xfrm>
-            <a:off x="2890520" y="2644140"/>
-            <a:ext cx="6411372" cy="1569660"/>
-          </a:xfrm>
-          <a:prstGeom prst="rect">
-            <a:avLst/>
-          </a:prstGeom>
-          <a:noFill/>
-        </p:spPr>
-        <p:txBody>
-          <a:bodyPr wrap="none" rtlCol="0" anchor="ctr" anchorCtr="1">
-            <a:spAutoFit/>
-          </a:bodyPr>
-          <a:lstStyle>
-            <a:lvl1pPr algn="l">
-              <a:lnSpc>
-                <a:spcPct val="150000"/>
-              </a:lnSpc>
-              <a:spcBef>
-                <a:spcPct val="0"/>
-              </a:spcBef>
-              <a:spcAft>
-                <a:spcPct val="0"/>
-              </a:spcAft>
-              <a:defRPr lang="en-US" sz="3200" b="1" noProof="1" dirty="0">
-                <a:solidFill>
-                  <a:prstClr val="red">
-                    <a:lumOff val="30000"/>
-                    <a:alpha val="40000"/>
-                  </a:prstClr>
-                </a:solidFill>
-                <a:effectLst>
-                  <a:outerShdw blurRad="50800" dist="38100" algn="tr" rotWithShape="0">
-                    <a:prstClr val="black">
-                      <a:alpha val="80000"/>
-                    </a:prstClr>
-                  </a:outerShdw>
-                </a:effectLst>
-                <a:latin typeface="Calibri" pitchFamily="34" charset="0"/>
-              </a:defRPr>
-            </a:lvl1pPr>
-          </a:lstStyle>
-          <a:p>
-            <a:pPr algn="ctr"/>
-            <a:r>
-              <a:t>Evaluation only.</a:t>
-            </a:r>
-          </a:p>
-          <a:p>
-            <a:pPr algn="ctr"/>
-            <a:r>
-              <a:t>Created with Aspose.Slides for Java 23.6.</a:t>
-            </a:r>
-          </a:p>
-          <a:p>
-            <a:pPr algn="ctr"/>
-            <a:r>
-              <a:t>Copyright 2004-2023 Aspose Pty Ltd.</a:t>
             </a:r>
           </a:p>
         </p:txBody>
@@ -11562,14 +8749,12 @@
   <p:clrMapOvr>
     <a:masterClrMapping/>
   </p:clrMapOvr>
-  <p:transition/>
-  <p:timing/>
 </p:sld>
 </file>
 
 <file path=ppt/slides/slide3.xml><?xml version="1.0" encoding="utf-8"?>
-<p:sld xmlns:a="http://schemas.openxmlformats.org/drawingml/2006/main" xmlns:r="http://schemas.openxmlformats.org/officeDocument/2006/relationships" xmlns:m="http://schemas.openxmlformats.org/officeDocument/2006/math" xmlns:w="http://schemas.openxmlformats.org/wordprocessingml/2006/main" xmlns:wp="http://schemas.openxmlformats.org/drawingml/2006/wordprocessingDrawing" xmlns:a14="http://schemas.microsoft.com/office/drawing/2010/main" xmlns:mc="http://schemas.openxmlformats.org/markup-compatibility/2006" xmlns:p14="http://schemas.microsoft.com/office/powerpoint/2010/main" xmlns:p15="http://schemas.microsoft.com/office/powerpoint/2012/main" xmlns:p159="http://schemas.microsoft.com/office/powerpoint/2015/09/main" xmlns:p="http://schemas.openxmlformats.org/presentationml/2006/main">
-  <p:cSld name="">
+<p:sld xmlns:a="http://schemas.openxmlformats.org/drawingml/2006/main" xmlns:r="http://schemas.openxmlformats.org/officeDocument/2006/relationships" xmlns:p="http://schemas.openxmlformats.org/presentationml/2006/main">
+  <p:cSld>
     <p:bg>
       <p:bgPr>
         <a:solidFill>
@@ -11588,6 +8773,8 @@
         <a:xfrm>
           <a:off x="0" y="0"/>
           <a:ext cx="0" cy="0"/>
+          <a:chOff x="0" y="0"/>
+          <a:chExt cx="0" cy="0"/>
         </a:xfrm>
       </p:grpSpPr>
       <p:sp>
@@ -11798,14 +8985,10 @@
           <a:lstStyle/>
           <a:p>
             <a:r>
-              <a:rPr lang="fr-FR" sz="4000" b="0" i="0" strike="noStrike" cap="none" baseline="0">
+              <a:rPr lang="fr-FR" sz="4000">
                 <a:solidFill>
                   <a:srgbClr val="FFFFFF"/>
                 </a:solidFill>
-                <a:effectLst/>
-                <a:latin typeface="Bookman Old Style"/>
-                <a:ea typeface="Bookman Old Style"/>
-                <a:cs typeface="Bookman Old Style"/>
               </a:rPr>
               <a:t>Introduction</a:t>
             </a:r>
@@ -11883,12 +9066,12 @@
         <p:spPr>
           <a:xfrm>
             <a:off x="643467" y="2546224"/>
-            <a:ext cx="3448259" cy="3342747"/>
+            <a:ext cx="3555153" cy="3342747"/>
           </a:xfrm>
         </p:spPr>
         <p:txBody>
           <a:bodyPr vert="horz" lIns="0" tIns="45720" rIns="0" bIns="45720" rtlCol="0">
-            <a:normAutofit lnSpcReduction="20000"/>
+            <a:normAutofit/>
           </a:bodyPr>
           <a:lstStyle/>
           <a:p>
@@ -11898,14 +9081,10 @@
               </a:lnSpc>
             </a:pPr>
             <a:r>
-              <a:rPr lang="fr-FR" sz="1500" b="0" i="0" strike="noStrike" cap="none" baseline="0">
+              <a:rPr lang="fr-FR" sz="1500" dirty="0">
                 <a:solidFill>
                   <a:srgbClr val="FFFFFF"/>
                 </a:solidFill>
-                <a:effectLst/>
-                <a:latin typeface="Franklin Gothic Book"/>
-                <a:ea typeface="Franklin Gothic Book"/>
-                <a:cs typeface="Franklin Gothic Book"/>
               </a:rPr>
               <a:t>Description du produit, caractéristiques et avantages</a:t>
             </a:r>
@@ -11917,14 +9096,10 @@
               </a:lnSpc>
             </a:pPr>
             <a:r>
-              <a:rPr lang="fr-FR" sz="1500" b="0" i="0" strike="noStrike" cap="none" baseline="0">
+              <a:rPr lang="fr-FR" sz="1500" dirty="0">
                 <a:solidFill>
                   <a:srgbClr val="FFFFFF"/>
                 </a:solidFill>
-                <a:effectLst/>
-                <a:latin typeface="Franklin Gothic Book"/>
-                <a:ea typeface="Franklin Gothic Book"/>
-                <a:cs typeface="Franklin Gothic Book"/>
               </a:rPr>
               <a:t>Tendances du marché et de la demande en Amérique latine</a:t>
             </a:r>
@@ -11936,14 +9111,10 @@
               </a:lnSpc>
             </a:pPr>
             <a:r>
-              <a:rPr lang="fr-FR" sz="1500" b="0" i="0" strike="noStrike" cap="none" baseline="0">
+              <a:rPr lang="fr-FR" sz="1500" dirty="0">
                 <a:solidFill>
                   <a:srgbClr val="FFFFFF"/>
                 </a:solidFill>
-                <a:effectLst/>
-                <a:latin typeface="Franklin Gothic Book"/>
-                <a:ea typeface="Franklin Gothic Book"/>
-                <a:cs typeface="Franklin Gothic Book"/>
               </a:rPr>
               <a:t>Analyse concurrentielle en Amérique latine</a:t>
             </a:r>
@@ -11955,14 +9126,10 @@
               </a:lnSpc>
             </a:pPr>
             <a:r>
-              <a:rPr lang="fr-FR" sz="1500" b="0" i="0" strike="noStrike" cap="none" baseline="0">
+              <a:rPr lang="fr-FR" sz="1500" dirty="0">
                 <a:solidFill>
                   <a:srgbClr val="FFFFFF"/>
                 </a:solidFill>
-                <a:effectLst/>
-                <a:latin typeface="Franklin Gothic Book"/>
-                <a:ea typeface="Franklin Gothic Book"/>
-                <a:cs typeface="Franklin Gothic Book"/>
               </a:rPr>
               <a:t>Canaux de distribution en Amérique latine</a:t>
             </a:r>
@@ -11974,14 +9141,10 @@
               </a:lnSpc>
             </a:pPr>
             <a:r>
-              <a:rPr lang="fr-FR" sz="1500" b="0" i="0" strike="noStrike" cap="none" baseline="0">
+              <a:rPr lang="fr-FR" sz="1500" dirty="0">
                 <a:solidFill>
                   <a:srgbClr val="FFFFFF"/>
                 </a:solidFill>
-                <a:effectLst/>
-                <a:latin typeface="Franklin Gothic Book"/>
-                <a:ea typeface="Franklin Gothic Book"/>
-                <a:cs typeface="Franklin Gothic Book"/>
               </a:rPr>
               <a:t>Plan et stratégie de promotion en Amérique latine</a:t>
             </a:r>
@@ -11993,14 +9156,10 @@
               </a:lnSpc>
             </a:pPr>
             <a:r>
-              <a:rPr lang="fr-FR" sz="1500" b="0" i="0" strike="noStrike" cap="none" baseline="0">
+              <a:rPr lang="fr-FR" sz="1500" dirty="0">
                 <a:solidFill>
                   <a:srgbClr val="FFFFFF"/>
                 </a:solidFill>
-                <a:effectLst/>
-                <a:latin typeface="Franklin Gothic Book"/>
-                <a:ea typeface="Franklin Gothic Book"/>
-                <a:cs typeface="Franklin Gothic Book"/>
               </a:rPr>
               <a:t>Résultats attendus et défis à relever</a:t>
             </a:r>
@@ -12012,14 +9171,10 @@
               </a:lnSpc>
             </a:pPr>
             <a:r>
-              <a:rPr lang="fr-FR" sz="1500" b="0" i="0" strike="noStrike" cap="none" baseline="0">
+              <a:rPr lang="fr-FR" sz="1500" dirty="0">
                 <a:solidFill>
                   <a:srgbClr val="FFFFFF"/>
                 </a:solidFill>
-                <a:effectLst/>
-                <a:latin typeface="Franklin Gothic Book"/>
-                <a:ea typeface="Franklin Gothic Book"/>
-                <a:cs typeface="Franklin Gothic Book"/>
               </a:rPr>
               <a:t>Recommandations et conclusions</a:t>
             </a:r>
@@ -12028,7 +9183,7 @@
       </p:sp>
       <p:pic>
         <p:nvPicPr>
-          <p:cNvPr id="5" name="Content Placeholder 4" descr="Indian masala chai tea. Spiced tea with milk on the rustic wooden table.">
+          <p:cNvPr id="5" name="Content Placeholder 4" descr="Thé chaï indien masala. Thé épicé avec du lait sur une table en bois rustique.">
             <a:extLst>
               <a:ext uri="{FF2B5EF4-FFF2-40B4-BE49-F238E27FC236}">
                 <a16:creationId xmlns:a16="http://schemas.microsoft.com/office/drawing/2014/main" id="{9A3808EA-8867-40A0-A0EF-17D43ED8A5E3}"/>
@@ -12042,12 +9197,10 @@
             <p:ph sz="half" idx="1"/>
           </p:nvPr>
         </p:nvPicPr>
-        <p:blipFill>
+        <p:blipFill rotWithShape="1">
           <a:blip r:embed="rId3"/>
           <a:srcRect l="18097" r="8537" b="-1"/>
-          <a:stretch>
-            <a:fillRect/>
-          </a:stretch>
+          <a:stretch/>
         </p:blipFill>
         <p:spPr>
           <a:xfrm>
@@ -12059,77 +9212,6 @@
           </a:prstGeom>
         </p:spPr>
       </p:pic>
-      <p:sp>
-        <p:nvSpPr>
-          <p:cNvPr id="30" name="TextBox"/>
-          <p:cNvSpPr txBox="1">
-            <a:spLocks noGrp="1" noSelect="1" noRot="1" noMove="1"/>
-          </p:cNvSpPr>
-          <p:nvPr/>
-        </p:nvSpPr>
-        <p:spPr>
-          <a:xfrm>
-            <a:off x="2890520" y="2644140"/>
-            <a:ext cx="6411372" cy="1569660"/>
-          </a:xfrm>
-          <a:prstGeom prst="rect">
-            <a:avLst/>
-          </a:prstGeom>
-          <a:noFill/>
-        </p:spPr>
-        <p:txBody>
-          <a:bodyPr wrap="none" rtlCol="0" anchor="ctr" anchorCtr="1">
-            <a:spAutoFit/>
-          </a:bodyPr>
-          <a:lstStyle>
-            <a:lvl1pPr algn="l">
-              <a:lnSpc>
-                <a:spcPct val="150000"/>
-              </a:lnSpc>
-              <a:spcBef>
-                <a:spcPct val="0"/>
-              </a:spcBef>
-              <a:spcAft>
-                <a:spcPct val="0"/>
-              </a:spcAft>
-              <a:defRPr lang="en-US" sz="3200" b="1" noProof="1" dirty="0">
-                <a:solidFill>
-                  <a:prstClr val="red">
-                    <a:lumOff val="30000"/>
-                    <a:alpha val="40000"/>
-                  </a:prstClr>
-                </a:solidFill>
-                <a:effectLst>
-                  <a:outerShdw blurRad="50800" dist="38100" algn="tr" rotWithShape="0">
-                    <a:prstClr val="black">
-                      <a:alpha val="80000"/>
-                    </a:prstClr>
-                  </a:outerShdw>
-                </a:effectLst>
-                <a:latin typeface="Calibri" pitchFamily="34" charset="0"/>
-              </a:defRPr>
-            </a:lvl1pPr>
-          </a:lstStyle>
-          <a:p>
-            <a:pPr algn="ctr"/>
-            <a:r>
-              <a:t>Evaluation only.</a:t>
-            </a:r>
-          </a:p>
-          <a:p>
-            <a:pPr algn="ctr"/>
-            <a:r>
-              <a:t>Created with Aspose.Slides for Java 23.6.</a:t>
-            </a:r>
-          </a:p>
-          <a:p>
-            <a:pPr algn="ctr"/>
-            <a:r>
-              <a:t>Copyright 2004-2023 Aspose Pty Ltd.</a:t>
-            </a:r>
-          </a:p>
-        </p:txBody>
-      </p:sp>
     </p:spTree>
     <p:extLst>
       <p:ext uri="{BB962C8B-B14F-4D97-AF65-F5344CB8AC3E}">
@@ -12140,14 +9222,12 @@
   <p:clrMapOvr>
     <a:overrideClrMapping bg1="dk1" tx1="lt1" bg2="dk2" tx2="lt2" accent1="accent1" accent2="accent2" accent3="accent3" accent4="accent4" accent5="accent5" accent6="accent6" hlink="hlink" folHlink="folHlink"/>
   </p:clrMapOvr>
-  <p:transition/>
-  <p:timing/>
 </p:sld>
 </file>
 
 <file path=ppt/slides/slide4.xml><?xml version="1.0" encoding="utf-8"?>
-<p:sld xmlns:a="http://schemas.openxmlformats.org/drawingml/2006/main" xmlns:r="http://schemas.openxmlformats.org/officeDocument/2006/relationships" xmlns:m="http://schemas.openxmlformats.org/officeDocument/2006/math" xmlns:w="http://schemas.openxmlformats.org/wordprocessingml/2006/main" xmlns:wp="http://schemas.openxmlformats.org/drawingml/2006/wordprocessingDrawing" xmlns:a14="http://schemas.microsoft.com/office/drawing/2010/main" xmlns:mc="http://schemas.openxmlformats.org/markup-compatibility/2006" xmlns:p14="http://schemas.microsoft.com/office/powerpoint/2010/main" xmlns:p15="http://schemas.microsoft.com/office/powerpoint/2012/main" xmlns:p159="http://schemas.microsoft.com/office/powerpoint/2015/09/main" xmlns:p="http://schemas.openxmlformats.org/presentationml/2006/main">
-  <p:cSld name="">
+<p:sld xmlns:a="http://schemas.openxmlformats.org/drawingml/2006/main" xmlns:r="http://schemas.openxmlformats.org/officeDocument/2006/relationships" xmlns:p="http://schemas.openxmlformats.org/presentationml/2006/main">
+  <p:cSld>
     <p:bg>
       <p:bgPr>
         <a:solidFill>
@@ -12166,6 +9246,8 @@
         <a:xfrm>
           <a:off x="0" y="0"/>
           <a:ext cx="0" cy="0"/>
+          <a:chOff x="0" y="0"/>
+          <a:chExt cx="0" cy="0"/>
         </a:xfrm>
       </p:grpSpPr>
       <p:sp>
@@ -12437,14 +9519,10 @@
           <a:p>
             <a:pPr algn="r"/>
             <a:r>
-              <a:rPr lang="fr-FR" sz="4000" b="0" i="0" strike="noStrike" cap="none" baseline="0">
+              <a:rPr lang="fr-FR" sz="4000">
                 <a:solidFill>
                   <a:srgbClr val="FFFFFF"/>
                 </a:solidFill>
-                <a:effectLst/>
-                <a:latin typeface="Bookman Old Style"/>
-                <a:ea typeface="Bookman Old Style"/>
-                <a:cs typeface="Bookman Old Style"/>
               </a:rPr>
               <a:t>Description du produit</a:t>
             </a:r>
@@ -12475,7 +9553,7 @@
           </p:nvPr>
         </p:nvCxnSpPr>
         <p:spPr>
-          <a:xfrm flipH="1">
+          <a:xfrm>
             <a:off x="5820770" y="5247564"/>
             <a:ext cx="0" cy="873457"/>
           </a:xfrm>
@@ -12537,14 +9615,10 @@
               </a:lnSpc>
             </a:pPr>
             <a:r>
-              <a:rPr lang="fr-FR" sz="1500" b="0" i="0" strike="noStrike" cap="none" baseline="0">
+              <a:rPr lang="fr-FR" sz="1500">
                 <a:solidFill>
                   <a:srgbClr val="FFFFFF"/>
                 </a:solidFill>
-                <a:effectLst/>
-                <a:latin typeface="Franklin Gothic Book"/>
-                <a:ea typeface="Franklin Gothic Book"/>
-                <a:cs typeface="Franklin Gothic Book"/>
               </a:rPr>
               <a:t>Un mélange minutieusement élaboré</a:t>
             </a:r>
@@ -12556,14 +9630,10 @@
               </a:lnSpc>
             </a:pPr>
             <a:r>
-              <a:rPr lang="fr-FR" sz="1500" b="0" i="0" strike="noStrike" cap="none" baseline="0">
+              <a:rPr lang="fr-FR" sz="1500">
                 <a:solidFill>
                   <a:srgbClr val="FFFFFF"/>
                 </a:solidFill>
-                <a:effectLst/>
-                <a:latin typeface="Franklin Gothic Book"/>
-                <a:ea typeface="Franklin Gothic Book"/>
-                <a:cs typeface="Franklin Gothic Book"/>
               </a:rPr>
               <a:t>Un hommage aux traditions intemporelles du chaï indien</a:t>
             </a:r>
@@ -12575,14 +9645,10 @@
               </a:lnSpc>
             </a:pPr>
             <a:r>
-              <a:rPr lang="fr-FR" sz="1500" b="0" i="0" strike="noStrike" cap="none" baseline="0">
+              <a:rPr lang="fr-FR" sz="1500">
                 <a:solidFill>
                   <a:srgbClr val="FFFFFF"/>
                 </a:solidFill>
-                <a:effectLst/>
-                <a:latin typeface="Franklin Gothic Book"/>
-                <a:ea typeface="Franklin Gothic Book"/>
-                <a:cs typeface="Franklin Gothic Book"/>
               </a:rPr>
               <a:t>Un voyage enchanteur à travers les paysages vibrants de l’Inde</a:t>
             </a:r>
@@ -12594,14 +9660,10 @@
               </a:lnSpc>
             </a:pPr>
             <a:r>
-              <a:rPr lang="fr-FR" sz="1500" b="0" i="0" strike="noStrike" cap="none" baseline="0">
+              <a:rPr lang="fr-FR" sz="1500">
                 <a:solidFill>
                   <a:srgbClr val="FFFFFF"/>
                 </a:solidFill>
-                <a:effectLst/>
-                <a:latin typeface="Franklin Gothic Book"/>
-                <a:ea typeface="Franklin Gothic Book"/>
-                <a:cs typeface="Franklin Gothic Book"/>
               </a:rPr>
               <a:t>L’expérience authentique du chaï à domicile</a:t>
             </a:r>
@@ -12665,19 +9727,11 @@
               <a:tr h="1240536">
                 <a:tc>
                   <a:txBody>
-                    <a:bodyPr vert="horz" wrap="square"/>
+                    <a:bodyPr/>
                     <a:lstStyle/>
                     <a:p>
                       <a:r>
-                        <a:rPr lang="fr-FR" sz="3300" b="1" i="0" strike="noStrike" cap="none" baseline="0">
-                          <a:solidFill>
-                            <a:srgbClr val="FFFFFF"/>
-                          </a:solidFill>
-                          <a:effectLst/>
-                          <a:latin typeface="Franklin Gothic Book"/>
-                          <a:ea typeface="Franklin Gothic Book"/>
-                          <a:cs typeface="Franklin Gothic Book"/>
-                        </a:rPr>
+                        <a:rPr lang="fr-FR" sz="3300"/>
                         <a:t>Description du produit</a:t>
                       </a:r>
                     </a:p>
@@ -12686,19 +9740,11 @@
                 </a:tc>
                 <a:tc>
                   <a:txBody>
-                    <a:bodyPr vert="horz" wrap="square"/>
+                    <a:bodyPr/>
                     <a:lstStyle/>
                     <a:p>
                       <a:r>
-                        <a:rPr lang="fr-FR" sz="3300" b="1" i="0" strike="noStrike" cap="none" baseline="0">
-                          <a:solidFill>
-                            <a:srgbClr val="FFFFFF"/>
-                          </a:solidFill>
-                          <a:effectLst/>
-                          <a:latin typeface="Franklin Gothic Book"/>
-                          <a:ea typeface="Franklin Gothic Book"/>
-                          <a:cs typeface="Franklin Gothic Book"/>
-                        </a:rPr>
+                        <a:rPr lang="fr-FR" sz="3300"/>
                         <a:t>Fonctionnalités</a:t>
                       </a:r>
                     </a:p>
@@ -12707,19 +9753,11 @@
                 </a:tc>
                 <a:tc>
                   <a:txBody>
-                    <a:bodyPr vert="horz" wrap="square"/>
+                    <a:bodyPr/>
                     <a:lstStyle/>
                     <a:p>
                       <a:r>
-                        <a:rPr lang="fr-FR" sz="3300" b="1" i="0" strike="noStrike" cap="none" baseline="0">
-                          <a:solidFill>
-                            <a:srgbClr val="FFFFFF"/>
-                          </a:solidFill>
-                          <a:effectLst/>
-                          <a:latin typeface="Franklin Gothic Book"/>
-                          <a:ea typeface="Franklin Gothic Book"/>
-                          <a:cs typeface="Franklin Gothic Book"/>
-                        </a:rPr>
+                        <a:rPr lang="fr-FR" sz="3300"/>
                         <a:t>Avantages</a:t>
                       </a:r>
                     </a:p>
@@ -12735,19 +9773,11 @@
               <a:tr h="1743456">
                 <a:tc>
                   <a:txBody>
-                    <a:bodyPr vert="horz" wrap="square"/>
+                    <a:bodyPr/>
                     <a:lstStyle/>
                     <a:p>
                       <a:r>
-                        <a:rPr lang="fr-FR" sz="3300" b="0" i="0" strike="noStrike" cap="none" baseline="0">
-                          <a:solidFill>
-                            <a:srgbClr val="000000"/>
-                          </a:solidFill>
-                          <a:effectLst/>
-                          <a:latin typeface="Franklin Gothic Book"/>
-                          <a:ea typeface="Franklin Gothic Book"/>
-                          <a:cs typeface="Franklin Gothic Book"/>
-                        </a:rPr>
+                        <a:rPr lang="fr-FR" sz="3300"/>
                         <a:t>Thé chaï Mystic Spice Premium</a:t>
                       </a:r>
                     </a:p>
@@ -12756,19 +9786,11 @@
                 </a:tc>
                 <a:tc>
                   <a:txBody>
-                    <a:bodyPr vert="horz" wrap="square"/>
+                    <a:bodyPr/>
                     <a:lstStyle/>
                     <a:p>
                       <a:r>
-                        <a:rPr lang="fr-FR" sz="3300" b="0" i="0" strike="noStrike" cap="none" baseline="0">
-                          <a:solidFill>
-                            <a:srgbClr val="000000"/>
-                          </a:solidFill>
-                          <a:effectLst/>
-                          <a:latin typeface="Franklin Gothic Book"/>
-                          <a:ea typeface="Franklin Gothic Book"/>
-                          <a:cs typeface="Franklin Gothic Book"/>
-                        </a:rPr>
+                        <a:rPr lang="fr-FR" sz="3300"/>
                         <a:t>Un mélange minutieusement élaboré</a:t>
                       </a:r>
                     </a:p>
@@ -12777,21 +9799,18 @@
                 </a:tc>
                 <a:tc>
                   <a:txBody>
-                    <a:bodyPr vert="horz" wrap="square"/>
+                    <a:bodyPr/>
                     <a:lstStyle/>
                     <a:p>
                       <a:r>
-                        <a:rPr lang="fr-FR" sz="3300" b="0" i="0" strike="noStrike" cap="none" baseline="0">
-                          <a:solidFill>
-                            <a:srgbClr val="000000"/>
-                          </a:solidFill>
-                          <a:effectLst/>
-                          <a:latin typeface="Franklin Gothic Book"/>
-                          <a:ea typeface="Franklin Gothic Book"/>
-                          <a:cs typeface="Franklin Gothic Book"/>
-                        </a:rPr>
-                        <a:t>L’expérience authentique du chaï</a:t>
+                        <a:rPr lang="fr-FR" sz="3300" dirty="0"/>
+                        <a:t>L’expérience authentique du </a:t>
                       </a:r>
+                      <a:r>
+                        <a:rPr lang="fr-FR" sz="3300" dirty="0" err="1"/>
+                        <a:t>chaï</a:t>
+                      </a:r>
+                      <a:endParaRPr lang="fr-FR" sz="3300" dirty="0"/>
                     </a:p>
                   </a:txBody>
                   <a:tcPr marL="167640" marR="167640" marT="83820" marB="83820" anchor="ctr"/>
@@ -12806,77 +9825,6 @@
           </a:graphicData>
         </a:graphic>
       </p:graphicFrame>
-      <p:sp>
-        <p:nvSpPr>
-          <p:cNvPr id="20" name="TextBox"/>
-          <p:cNvSpPr txBox="1">
-            <a:spLocks noGrp="1" noSelect="1" noRot="1" noMove="1"/>
-          </p:cNvSpPr>
-          <p:nvPr/>
-        </p:nvSpPr>
-        <p:spPr>
-          <a:xfrm>
-            <a:off x="2890520" y="2644140"/>
-            <a:ext cx="6411372" cy="1569660"/>
-          </a:xfrm>
-          <a:prstGeom prst="rect">
-            <a:avLst/>
-          </a:prstGeom>
-          <a:noFill/>
-        </p:spPr>
-        <p:txBody>
-          <a:bodyPr wrap="none" rtlCol="0" anchor="ctr" anchorCtr="1">
-            <a:spAutoFit/>
-          </a:bodyPr>
-          <a:lstStyle>
-            <a:lvl1pPr algn="l">
-              <a:lnSpc>
-                <a:spcPct val="150000"/>
-              </a:lnSpc>
-              <a:spcBef>
-                <a:spcPct val="0"/>
-              </a:spcBef>
-              <a:spcAft>
-                <a:spcPct val="0"/>
-              </a:spcAft>
-              <a:defRPr lang="en-US" sz="3200" b="1" noProof="1" dirty="0">
-                <a:solidFill>
-                  <a:prstClr val="red">
-                    <a:lumOff val="30000"/>
-                    <a:alpha val="40000"/>
-                  </a:prstClr>
-                </a:solidFill>
-                <a:effectLst>
-                  <a:outerShdw blurRad="50800" dist="38100" algn="tr" rotWithShape="0">
-                    <a:prstClr val="black">
-                      <a:alpha val="80000"/>
-                    </a:prstClr>
-                  </a:outerShdw>
-                </a:effectLst>
-                <a:latin typeface="Calibri" pitchFamily="34" charset="0"/>
-              </a:defRPr>
-            </a:lvl1pPr>
-          </a:lstStyle>
-          <a:p>
-            <a:pPr algn="ctr"/>
-            <a:r>
-              <a:t>Evaluation only.</a:t>
-            </a:r>
-          </a:p>
-          <a:p>
-            <a:pPr algn="ctr"/>
-            <a:r>
-              <a:t>Created with Aspose.Slides for Java 23.6.</a:t>
-            </a:r>
-          </a:p>
-          <a:p>
-            <a:pPr algn="ctr"/>
-            <a:r>
-              <a:t>Copyright 2004-2023 Aspose Pty Ltd.</a:t>
-            </a:r>
-          </a:p>
-        </p:txBody>
-      </p:sp>
     </p:spTree>
     <p:extLst>
       <p:ext uri="{BB962C8B-B14F-4D97-AF65-F5344CB8AC3E}">
@@ -12887,14 +9835,12 @@
   <p:clrMapOvr>
     <a:masterClrMapping/>
   </p:clrMapOvr>
-  <p:transition/>
-  <p:timing/>
 </p:sld>
 </file>
 
 <file path=ppt/slides/slide5.xml><?xml version="1.0" encoding="utf-8"?>
-<p:sld xmlns:a="http://schemas.openxmlformats.org/drawingml/2006/main" xmlns:r="http://schemas.openxmlformats.org/officeDocument/2006/relationships" xmlns:m="http://schemas.openxmlformats.org/officeDocument/2006/math" xmlns:w="http://schemas.openxmlformats.org/wordprocessingml/2006/main" xmlns:wp="http://schemas.openxmlformats.org/drawingml/2006/wordprocessingDrawing" xmlns:a14="http://schemas.microsoft.com/office/drawing/2010/main" xmlns:mc="http://schemas.openxmlformats.org/markup-compatibility/2006" xmlns:p14="http://schemas.microsoft.com/office/powerpoint/2010/main" xmlns:p15="http://schemas.microsoft.com/office/powerpoint/2012/main" xmlns:p159="http://schemas.microsoft.com/office/powerpoint/2015/09/main" xmlns:p="http://schemas.openxmlformats.org/presentationml/2006/main">
-  <p:cSld name="">
+<p:sld xmlns:a="http://schemas.openxmlformats.org/drawingml/2006/main" xmlns:r="http://schemas.openxmlformats.org/officeDocument/2006/relationships" xmlns:p="http://schemas.openxmlformats.org/presentationml/2006/main">
+  <p:cSld>
     <p:bg>
       <p:bgPr>
         <a:solidFill>
@@ -12913,6 +9859,8 @@
         <a:xfrm>
           <a:off x="0" y="0"/>
           <a:ext cx="0" cy="0"/>
+          <a:chOff x="0" y="0"/>
+          <a:chExt cx="0" cy="0"/>
         </a:xfrm>
       </p:grpSpPr>
       <p:sp useBgFill="1">
@@ -13004,15 +9952,7 @@
           <a:lstStyle/>
           <a:p>
             <a:r>
-              <a:rPr lang="fr-FR" sz="4700" b="0" i="0" strike="noStrike" cap="none" baseline="0">
-                <a:solidFill>
-                  <a:srgbClr val="404040"/>
-                </a:solidFill>
-                <a:effectLst/>
-                <a:latin typeface="Bookman Old Style"/>
-                <a:ea typeface="Bookman Old Style"/>
-                <a:cs typeface="Bookman Old Style"/>
-              </a:rPr>
+              <a:rPr lang="fr-FR"/>
               <a:t>Description du produit (1/2)</a:t>
             </a:r>
           </a:p>
@@ -13185,58 +10125,40 @@
               <a:tr h="363233">
                 <a:tc>
                   <a:txBody>
-                    <a:bodyPr vert="horz" wrap="square"/>
+                    <a:bodyPr/>
                     <a:lstStyle/>
                     <a:p>
                       <a:pPr>
                         <a:spcAft>
-                          <a:spcPct val="0"/>
+                          <a:spcPts val="0"/>
                         </a:spcAft>
                       </a:pPr>
                       <a:r>
-                        <a:rPr lang="fr-FR" sz="1400" b="1" i="0" strike="noStrike" cap="none" baseline="0">
-                          <a:solidFill>
-                            <a:srgbClr val="FFFFFF"/>
-                          </a:solidFill>
+                        <a:rPr lang="fr-FR" sz="1400">
                           <a:effectLst/>
-                          <a:latin typeface="Franklin Gothic Book"/>
-                          <a:ea typeface="Franklin Gothic Book"/>
-                          <a:cs typeface="Franklin Gothic Book"/>
                         </a:rPr>
                         <a:t>Nom du produit</a:t>
                       </a:r>
-                      <a:endParaRPr lang="en-US" sz="2300">
-                        <a:effectLst/>
-                      </a:endParaRPr>
                     </a:p>
                   </a:txBody>
                   <a:tcPr marL="49352" marR="49352" marT="49352" marB="49352"/>
                 </a:tc>
                 <a:tc>
                   <a:txBody>
-                    <a:bodyPr vert="horz" wrap="square"/>
+                    <a:bodyPr/>
                     <a:lstStyle/>
                     <a:p>
                       <a:pPr>
                         <a:spcAft>
-                          <a:spcPct val="0"/>
+                          <a:spcPts val="0"/>
                         </a:spcAft>
                       </a:pPr>
                       <a:r>
-                        <a:rPr lang="fr-FR" sz="1400" b="1" i="0" strike="noStrike" cap="none" baseline="0">
-                          <a:solidFill>
-                            <a:srgbClr val="FFFFFF"/>
-                          </a:solidFill>
+                        <a:rPr lang="fr-FR" sz="1400">
                           <a:effectLst/>
-                          <a:latin typeface="Franklin Gothic Book"/>
-                          <a:ea typeface="Franklin Gothic Book"/>
-                          <a:cs typeface="Franklin Gothic Book"/>
                         </a:rPr>
                         <a:t>Description du produit</a:t>
                       </a:r>
-                      <a:endParaRPr lang="en-US" sz="2300">
-                        <a:effectLst/>
-                      </a:endParaRPr>
                     </a:p>
                   </a:txBody>
                   <a:tcPr marL="49352" marR="49352" marT="49352" marB="49352"/>
@@ -13250,82 +10172,40 @@
               <a:tr h="1448982">
                 <a:tc>
                   <a:txBody>
-                    <a:bodyPr vert="horz" wrap="square"/>
+                    <a:bodyPr/>
                     <a:lstStyle/>
                     <a:p>
                       <a:pPr>
                         <a:spcAft>
-                          <a:spcPct val="0"/>
+                          <a:spcPts val="0"/>
                         </a:spcAft>
                       </a:pPr>
                       <a:r>
-                        <a:rPr lang="fr-FR" sz="1400" b="0" i="0" strike="noStrike" cap="none" baseline="0">
-                          <a:solidFill>
-                            <a:srgbClr val="000000"/>
-                          </a:solidFill>
+                        <a:rPr lang="fr-FR" sz="1400">
                           <a:effectLst/>
-                          <a:latin typeface="Franklin Gothic Book"/>
-                          <a:ea typeface="Franklin Gothic Book"/>
-                          <a:cs typeface="Franklin Gothic Book"/>
                         </a:rPr>
                         <a:t>Thé chaï Mystic Spice Premium</a:t>
                       </a:r>
-                      <a:endParaRPr lang="en-US" sz="2300">
-                        <a:effectLst/>
-                      </a:endParaRPr>
                     </a:p>
                   </a:txBody>
                   <a:tcPr marL="49352" marR="49352" marT="49352" marB="49352"/>
                 </a:tc>
                 <a:tc>
                   <a:txBody>
-                    <a:bodyPr vert="horz" wrap="square"/>
+                    <a:bodyPr/>
                     <a:lstStyle/>
                     <a:p>
                       <a:pPr>
                         <a:spcAft>
-                          <a:spcPct val="0"/>
+                          <a:spcPts val="0"/>
                         </a:spcAft>
                       </a:pPr>
                       <a:r>
-                        <a:rPr lang="fr-FR" sz="1400" b="0" i="0" strike="noStrike" cap="none" baseline="0">
-                          <a:solidFill>
-                            <a:srgbClr val="000000"/>
-                          </a:solidFill>
+                        <a:rPr lang="fr-FR" sz="1400">
                           <a:effectLst/>
-                          <a:latin typeface="Franklin Gothic Book"/>
-                          <a:ea typeface="Franklin Gothic Book"/>
-                          <a:cs typeface="Franklin Gothic Book"/>
                         </a:rPr>
-                        <a:t>Laissez-vous séduire par la richesse et l’arôme du thé chaï Mystic Spice Premium, un mélange méticuleusement élaboré qui rend hommage aux traditions intemporelles du chaï indien.</a:t>
+                        <a:t>Laissez-vous séduire par la richesse et l’arôme du thé chaï Mystic Spice Premium, un mélange méticuleusement élaboré qui rend hommage aux traditions intemporelles du chaï indien. Chaque tasse offre un voyage enchanteur à travers les paysages vibrants de l’Inde, amenant directement chez vous cette expérience authentique du chaï.</a:t>
                       </a:r>
-                      <a:r>
-                        <a:rPr lang="fr-FR" sz="1400" b="0" i="0" strike="noStrike" cap="none" baseline="0">
-                          <a:solidFill>
-                            <a:srgbClr val="000000"/>
-                          </a:solidFill>
-                          <a:effectLst/>
-                          <a:latin typeface="Franklin Gothic Book"/>
-                          <a:ea typeface="Franklin Gothic Book"/>
-                          <a:cs typeface="Franklin Gothic Book"/>
-                        </a:rPr>
-                        <a:t> </a:t>
-                      </a:r>
-                      <a:r>
-                        <a:rPr lang="fr-FR" sz="1400" b="0" i="0" strike="noStrike" cap="none" baseline="0">
-                          <a:solidFill>
-                            <a:srgbClr val="000000"/>
-                          </a:solidFill>
-                          <a:effectLst/>
-                          <a:latin typeface="Franklin Gothic Book"/>
-                          <a:ea typeface="Franklin Gothic Book"/>
-                          <a:cs typeface="Franklin Gothic Book"/>
-                        </a:rPr>
-                        <a:t>Chaque tasse vous emmène dans un voyage enchanteur à travers les paysages vibrants de l’Inde, amenant directement chez vous cette expérience authentique du chaï.</a:t>
-                      </a:r>
-                      <a:endParaRPr lang="en-US" sz="2300">
-                        <a:effectLst/>
-                      </a:endParaRPr>
                     </a:p>
                   </a:txBody>
                   <a:tcPr marL="49352" marR="49352" marT="49352" marB="49352"/>
@@ -13339,58 +10219,40 @@
               <a:tr h="363233">
                 <a:tc>
                   <a:txBody>
-                    <a:bodyPr vert="horz" wrap="square"/>
+                    <a:bodyPr/>
                     <a:lstStyle/>
                     <a:p>
                       <a:pPr>
                         <a:spcAft>
-                          <a:spcPct val="0"/>
+                          <a:spcPts val="0"/>
                         </a:spcAft>
                       </a:pPr>
                       <a:r>
-                        <a:rPr lang="fr-FR" sz="1400" b="0" i="0" strike="noStrike" cap="none" baseline="0">
-                          <a:solidFill>
-                            <a:srgbClr val="000000"/>
-                          </a:solidFill>
+                        <a:rPr lang="fr-FR" sz="1400">
                           <a:effectLst/>
-                          <a:latin typeface="Franklin Gothic Book"/>
-                          <a:ea typeface="Franklin Gothic Book"/>
-                          <a:cs typeface="Franklin Gothic Book"/>
                         </a:rPr>
-                        <a:t>Principales fonctionnalités</a:t>
+                        <a:t>Principales caractéristiques</a:t>
                       </a:r>
-                      <a:endParaRPr lang="en-US" sz="2300">
-                        <a:effectLst/>
-                      </a:endParaRPr>
                     </a:p>
                   </a:txBody>
                   <a:tcPr marL="49352" marR="49352" marT="49352" marB="49352"/>
                 </a:tc>
                 <a:tc>
                   <a:txBody>
-                    <a:bodyPr vert="horz" wrap="square"/>
+                    <a:bodyPr/>
                     <a:lstStyle/>
                     <a:p>
                       <a:pPr>
                         <a:spcAft>
-                          <a:spcPct val="0"/>
+                          <a:spcPts val="0"/>
                         </a:spcAft>
                       </a:pPr>
                       <a:r>
-                        <a:rPr lang="fr-FR" sz="1400" b="0" i="0" strike="noStrike" cap="none" baseline="0">
-                          <a:solidFill>
-                            <a:srgbClr val="000000"/>
-                          </a:solidFill>
+                        <a:rPr lang="fr-FR" sz="1400">
                           <a:effectLst/>
-                          <a:latin typeface="Franklin Gothic Book"/>
-                          <a:ea typeface="Franklin Gothic Book"/>
-                          <a:cs typeface="Franklin Gothic Book"/>
                         </a:rPr>
                         <a:t>Principaux avantages</a:t>
                       </a:r>
-                      <a:endParaRPr lang="en-US" sz="2300">
-                        <a:effectLst/>
-                      </a:endParaRPr>
                     </a:p>
                   </a:txBody>
                   <a:tcPr marL="49352" marR="49352" marT="49352" marB="49352"/>
@@ -13404,106 +10266,40 @@
               <a:tr h="1231833">
                 <a:tc>
                   <a:txBody>
-                    <a:bodyPr vert="horz" wrap="square"/>
+                    <a:bodyPr/>
                     <a:lstStyle/>
                     <a:p>
                       <a:pPr>
                         <a:spcAft>
-                          <a:spcPct val="0"/>
+                          <a:spcPts val="0"/>
                         </a:spcAft>
                       </a:pPr>
                       <a:r>
-                        <a:rPr lang="fr-FR" sz="1400" b="0" i="0" strike="noStrike" cap="none" baseline="0">
-                          <a:solidFill>
-                            <a:srgbClr val="000000"/>
-                          </a:solidFill>
+                        <a:rPr lang="fr-FR" sz="1400">
                           <a:effectLst/>
-                          <a:latin typeface="Franklin Gothic Book"/>
-                          <a:ea typeface="Franklin Gothic Book"/>
-                          <a:cs typeface="Franklin Gothic Book"/>
                         </a:rPr>
-                        <a:t>Mélange authentique : notre chaï est un mélange harmonieux de feuilles de thé noir de haute qualité et une sélection signature d’épices moulues, notamment de la cannelle, de la cardamome, des clous de girofle, du gingembre et du poivre noir.</a:t>
+                        <a:t>Mélange authentique : Notre thé chaï est un mélange harmonieux de feuilles de thé noir de première qualité et d’une sélection d’épices moulues, dont la cannelle, la cardamome, le clou de girofle, le gingembre et le poivre noir. Cette recette ancestrale promet une saveur authentique et puissante à chaque gorgée.</a:t>
                       </a:r>
-                      <a:r>
-                        <a:rPr lang="fr-FR" sz="1400" b="0" i="0" strike="noStrike" cap="none" baseline="0">
-                          <a:solidFill>
-                            <a:srgbClr val="000000"/>
-                          </a:solidFill>
-                          <a:effectLst/>
-                          <a:latin typeface="Franklin Gothic Book"/>
-                          <a:ea typeface="Franklin Gothic Book"/>
-                          <a:cs typeface="Franklin Gothic Book"/>
-                        </a:rPr>
-                        <a:t> </a:t>
-                      </a:r>
-                      <a:r>
-                        <a:rPr lang="fr-FR" sz="1400" b="0" i="0" strike="noStrike" cap="none" baseline="0">
-                          <a:solidFill>
-                            <a:srgbClr val="000000"/>
-                          </a:solidFill>
-                          <a:effectLst/>
-                          <a:latin typeface="Franklin Gothic Book"/>
-                          <a:ea typeface="Franklin Gothic Book"/>
-                          <a:cs typeface="Franklin Gothic Book"/>
-                        </a:rPr>
-                        <a:t>Cette recette ancestrale promet une saveur authentique et puissante à chaque gorgée.</a:t>
-                      </a:r>
-                      <a:endParaRPr lang="en-US" sz="2300">
-                        <a:effectLst/>
-                      </a:endParaRPr>
                     </a:p>
                   </a:txBody>
                   <a:tcPr marL="49352" marR="49352" marT="49352" marB="49352"/>
                 </a:tc>
                 <a:tc>
                   <a:txBody>
-                    <a:bodyPr vert="horz" wrap="square"/>
+                    <a:bodyPr/>
                     <a:lstStyle/>
                     <a:p>
                       <a:pPr>
                         <a:spcAft>
-                          <a:spcPct val="0"/>
+                          <a:spcPts val="0"/>
                         </a:spcAft>
                       </a:pPr>
                       <a:r>
-                        <a:rPr lang="fr-FR" sz="1400" b="0" i="0" strike="noStrike" cap="none" baseline="0">
-                          <a:solidFill>
-                            <a:srgbClr val="000000"/>
-                          </a:solidFill>
+                        <a:rPr lang="fr-FR" sz="1400">
                           <a:effectLst/>
-                          <a:latin typeface="Franklin Gothic Book"/>
-                          <a:ea typeface="Franklin Gothic Book"/>
-                          <a:cs typeface="Franklin Gothic Book"/>
                         </a:rPr>
-                        <a:t>Ingrédients bénéfiques pour la santé : chaque ingrédient du thé Mystic Spice Chai est choisi pour ses bienfaits naturels pour la santé.</a:t>
+                        <a:t>Des ingrédients bénéfiques pour la santé : Chaque ingrédient du thé chaï Mystic Spice est choisi pour ses bienfaits naturels sur la santé. Le gingembre et la cardamome facilitent la digestion, la cannelle aide à réguler la glycémie et les clous de girofle apportent une bonne dose d’antioxydants.</a:t>
                       </a:r>
-                      <a:r>
-                        <a:rPr lang="fr-FR" sz="1400" b="0" i="0" strike="noStrike" cap="none" baseline="0">
-                          <a:solidFill>
-                            <a:srgbClr val="000000"/>
-                          </a:solidFill>
-                          <a:effectLst/>
-                          <a:latin typeface="Franklin Gothic Book"/>
-                          <a:ea typeface="Franklin Gothic Book"/>
-                          <a:cs typeface="Franklin Gothic Book"/>
-                        </a:rPr>
-                        <a:t> </a:t>
-                      </a:r>
-                      <a:r>
-                        <a:rPr lang="fr-FR" sz="1400" b="0" i="0" strike="noStrike" cap="none" baseline="0">
-                          <a:solidFill>
-                            <a:srgbClr val="000000"/>
-                          </a:solidFill>
-                          <a:effectLst/>
-                          <a:latin typeface="Franklin Gothic Book"/>
-                          <a:ea typeface="Franklin Gothic Book"/>
-                          <a:cs typeface="Franklin Gothic Book"/>
-                        </a:rPr>
-                        <a:t>Le gingembre et la cardamome facilitent la digestion, la cannelle aide à réguler la glycémie et les clous de girofle apportent une bonne dose d’antioxydants.</a:t>
-                      </a:r>
-                      <a:endParaRPr lang="en-US" sz="2300">
-                        <a:effectLst/>
-                      </a:endParaRPr>
                     </a:p>
                   </a:txBody>
                   <a:tcPr marL="49352" marR="49352" marT="49352" marB="49352"/>
@@ -13518,77 +10314,6 @@
           </a:graphicData>
         </a:graphic>
       </p:graphicFrame>
-      <p:sp>
-        <p:nvSpPr>
-          <p:cNvPr id="15" name="TextBox"/>
-          <p:cNvSpPr txBox="1">
-            <a:spLocks noGrp="1" noSelect="1" noRot="1" noMove="1"/>
-          </p:cNvSpPr>
-          <p:nvPr/>
-        </p:nvSpPr>
-        <p:spPr>
-          <a:xfrm>
-            <a:off x="2890520" y="2644140"/>
-            <a:ext cx="6411372" cy="1569660"/>
-          </a:xfrm>
-          <a:prstGeom prst="rect">
-            <a:avLst/>
-          </a:prstGeom>
-          <a:noFill/>
-        </p:spPr>
-        <p:txBody>
-          <a:bodyPr wrap="none" rtlCol="0" anchor="ctr" anchorCtr="1">
-            <a:spAutoFit/>
-          </a:bodyPr>
-          <a:lstStyle>
-            <a:lvl1pPr algn="l">
-              <a:lnSpc>
-                <a:spcPct val="150000"/>
-              </a:lnSpc>
-              <a:spcBef>
-                <a:spcPct val="0"/>
-              </a:spcBef>
-              <a:spcAft>
-                <a:spcPct val="0"/>
-              </a:spcAft>
-              <a:defRPr lang="en-US" sz="3200" b="1" noProof="1" dirty="0">
-                <a:solidFill>
-                  <a:prstClr val="red">
-                    <a:lumOff val="30000"/>
-                    <a:alpha val="40000"/>
-                  </a:prstClr>
-                </a:solidFill>
-                <a:effectLst>
-                  <a:outerShdw blurRad="50800" dist="38100" algn="tr" rotWithShape="0">
-                    <a:prstClr val="black">
-                      <a:alpha val="80000"/>
-                    </a:prstClr>
-                  </a:outerShdw>
-                </a:effectLst>
-                <a:latin typeface="Calibri" pitchFamily="34" charset="0"/>
-              </a:defRPr>
-            </a:lvl1pPr>
-          </a:lstStyle>
-          <a:p>
-            <a:pPr algn="ctr"/>
-            <a:r>
-              <a:t>Evaluation only.</a:t>
-            </a:r>
-          </a:p>
-          <a:p>
-            <a:pPr algn="ctr"/>
-            <a:r>
-              <a:t>Created with Aspose.Slides for Java 23.6.</a:t>
-            </a:r>
-          </a:p>
-          <a:p>
-            <a:pPr algn="ctr"/>
-            <a:r>
-              <a:t>Copyright 2004-2023 Aspose Pty Ltd.</a:t>
-            </a:r>
-          </a:p>
-        </p:txBody>
-      </p:sp>
     </p:spTree>
     <p:extLst>
       <p:ext uri="{BB962C8B-B14F-4D97-AF65-F5344CB8AC3E}">
@@ -13599,14 +10324,12 @@
   <p:clrMapOvr>
     <a:masterClrMapping/>
   </p:clrMapOvr>
-  <p:transition/>
-  <p:timing/>
 </p:sld>
 </file>
 
 <file path=ppt/slides/slide6.xml><?xml version="1.0" encoding="utf-8"?>
-<p:sld xmlns:a="http://schemas.openxmlformats.org/drawingml/2006/main" xmlns:r="http://schemas.openxmlformats.org/officeDocument/2006/relationships" xmlns:m="http://schemas.openxmlformats.org/officeDocument/2006/math" xmlns:w="http://schemas.openxmlformats.org/wordprocessingml/2006/main" xmlns:wp="http://schemas.openxmlformats.org/drawingml/2006/wordprocessingDrawing" xmlns:a14="http://schemas.microsoft.com/office/drawing/2010/main" xmlns:mc="http://schemas.openxmlformats.org/markup-compatibility/2006" xmlns:p14="http://schemas.microsoft.com/office/powerpoint/2010/main" xmlns:p15="http://schemas.microsoft.com/office/powerpoint/2012/main" xmlns:p159="http://schemas.microsoft.com/office/powerpoint/2015/09/main" xmlns:p="http://schemas.openxmlformats.org/presentationml/2006/main">
-  <p:cSld name="">
+<p:sld xmlns:a="http://schemas.openxmlformats.org/drawingml/2006/main" xmlns:r="http://schemas.openxmlformats.org/officeDocument/2006/relationships" xmlns:p="http://schemas.openxmlformats.org/presentationml/2006/main">
+  <p:cSld>
     <p:bg>
       <p:bgPr>
         <a:solidFill>
@@ -13625,6 +10348,8 @@
         <a:xfrm>
           <a:off x="0" y="0"/>
           <a:ext cx="0" cy="0"/>
+          <a:chOff x="0" y="0"/>
+          <a:chExt cx="0" cy="0"/>
         </a:xfrm>
       </p:grpSpPr>
       <p:sp>
@@ -13785,7 +10510,7 @@
               <a:shade val="50000"/>
             </a:schemeClr>
           </a:lnRef>
-          <a:fillRef idx="4294967295">
+          <a:fillRef idx="1001">
             <a:schemeClr val="lt1"/>
           </a:fillRef>
           <a:effectRef idx="0">
@@ -13895,14 +10620,10 @@
           <a:lstStyle/>
           <a:p>
             <a:r>
-              <a:rPr lang="fr-FR" sz="4400" b="0" i="0" strike="noStrike" cap="none" baseline="0">
+              <a:rPr lang="fr-FR" sz="4400">
                 <a:solidFill>
                   <a:srgbClr val="FFFFFF"/>
                 </a:solidFill>
-                <a:effectLst/>
-                <a:latin typeface="Bookman Old Style"/>
-                <a:ea typeface="Bookman Old Style"/>
-                <a:cs typeface="Bookman Old Style"/>
               </a:rPr>
               <a:t>Description du produit (2/2)</a:t>
             </a:r>
@@ -13984,7 +10705,7 @@
         </p:nvGraphicFramePr>
         <p:xfrm>
           <a:off x="5282335" y="1994843"/>
-          <a:ext cx="6275668" cy="3509822"/>
+          <a:ext cx="6275668" cy="3677462"/>
         </p:xfrm>
         <a:graphic>
           <a:graphicData uri="http://schemas.openxmlformats.org/drawingml/2006/table">
@@ -14011,58 +10732,40 @@
               <a:tr h="271208">
                 <a:tc>
                   <a:txBody>
-                    <a:bodyPr vert="horz" wrap="square"/>
+                    <a:bodyPr/>
                     <a:lstStyle/>
                     <a:p>
                       <a:pPr>
                         <a:spcAft>
-                          <a:spcPct val="0"/>
+                          <a:spcPts val="0"/>
                         </a:spcAft>
                       </a:pPr>
                       <a:r>
-                        <a:rPr lang="fr-FR" sz="1100" b="1" i="0" strike="noStrike" cap="none" baseline="0">
-                          <a:solidFill>
-                            <a:srgbClr val="FFFFFF"/>
-                          </a:solidFill>
+                        <a:rPr lang="fr-FR" sz="1100">
                           <a:effectLst/>
-                          <a:latin typeface="Franklin Gothic Book"/>
-                          <a:ea typeface="Franklin Gothic Book"/>
-                          <a:cs typeface="Franklin Gothic Book"/>
                         </a:rPr>
                         <a:t>Nom du produit</a:t>
                       </a:r>
-                      <a:endParaRPr lang="en-US" sz="1700">
-                        <a:effectLst/>
-                      </a:endParaRPr>
                     </a:p>
                   </a:txBody>
                   <a:tcPr marL="36849" marR="36849" marT="36849" marB="36849"/>
                 </a:tc>
                 <a:tc>
                   <a:txBody>
-                    <a:bodyPr vert="horz" wrap="square"/>
+                    <a:bodyPr/>
                     <a:lstStyle/>
                     <a:p>
                       <a:pPr>
                         <a:spcAft>
-                          <a:spcPct val="0"/>
+                          <a:spcPts val="0"/>
                         </a:spcAft>
                       </a:pPr>
                       <a:r>
-                        <a:rPr lang="fr-FR" sz="1100" b="1" i="0" strike="noStrike" cap="none" baseline="0">
-                          <a:solidFill>
-                            <a:srgbClr val="FFFFFF"/>
-                          </a:solidFill>
+                        <a:rPr lang="fr-FR" sz="1100">
                           <a:effectLst/>
-                          <a:latin typeface="Franklin Gothic Book"/>
-                          <a:ea typeface="Franklin Gothic Book"/>
-                          <a:cs typeface="Franklin Gothic Book"/>
                         </a:rPr>
                         <a:t>Description du produit</a:t>
                       </a:r>
-                      <a:endParaRPr lang="en-US" sz="1700">
-                        <a:effectLst/>
-                      </a:endParaRPr>
                     </a:p>
                   </a:txBody>
                   <a:tcPr marL="36849" marR="36849" marT="36849" marB="36849"/>
@@ -14076,106 +10779,40 @@
               <a:tr h="1081883">
                 <a:tc>
                   <a:txBody>
-                    <a:bodyPr vert="horz" wrap="square"/>
+                    <a:bodyPr/>
                     <a:lstStyle/>
                     <a:p>
                       <a:pPr>
                         <a:spcAft>
-                          <a:spcPct val="0"/>
+                          <a:spcPts val="0"/>
                         </a:spcAft>
                       </a:pPr>
                       <a:r>
-                        <a:rPr lang="fr-FR" sz="1100" b="0" i="0" strike="noStrike" cap="none" baseline="0">
-                          <a:solidFill>
-                            <a:srgbClr val="000000"/>
-                          </a:solidFill>
+                        <a:rPr lang="fr-FR" sz="1100">
                           <a:effectLst/>
-                          <a:latin typeface="Franklin Gothic Book"/>
-                          <a:ea typeface="Franklin Gothic Book"/>
-                          <a:cs typeface="Franklin Gothic Book"/>
                         </a:rPr>
-                        <a:t>Riche en arômes et saveurs : l’arôme chaud, épicé et le goût puissant et tonifiant de notre chaï en font la boisson parfaite pour commencer votre journée ou vous détendre le soir.</a:t>
+                        <a:t>Un arôme et une saveur particulièrement riches : L’arôme chaud et épicé et le goût profond et revigorant de notre thé chaï en font la boisson idéale pour commencer la journée ou se détendre le soir. Ses saveurs, à la fois intenses et équilibrées, créent une expérience réconfortante et apaisante.</a:t>
                       </a:r>
-                      <a:r>
-                        <a:rPr lang="fr-FR" sz="1100" b="0" i="0" strike="noStrike" cap="none" baseline="0">
-                          <a:solidFill>
-                            <a:srgbClr val="000000"/>
-                          </a:solidFill>
-                          <a:effectLst/>
-                          <a:latin typeface="Franklin Gothic Book"/>
-                          <a:ea typeface="Franklin Gothic Book"/>
-                          <a:cs typeface="Franklin Gothic Book"/>
-                        </a:rPr>
-                        <a:t> </a:t>
-                      </a:r>
-                      <a:r>
-                        <a:rPr lang="fr-FR" sz="1100" b="0" i="0" strike="noStrike" cap="none" baseline="0">
-                          <a:solidFill>
-                            <a:srgbClr val="000000"/>
-                          </a:solidFill>
-                          <a:effectLst/>
-                          <a:latin typeface="Franklin Gothic Book"/>
-                          <a:ea typeface="Franklin Gothic Book"/>
-                          <a:cs typeface="Franklin Gothic Book"/>
-                        </a:rPr>
-                        <a:t>Ses saveurs, à la fois intenses et équilibrées, créent une expérience réconfortante et apaisante.</a:t>
-                      </a:r>
-                      <a:endParaRPr lang="en-US" sz="1700">
-                        <a:effectLst/>
-                      </a:endParaRPr>
                     </a:p>
                   </a:txBody>
                   <a:tcPr marL="36849" marR="36849" marT="36849" marB="36849"/>
                 </a:tc>
                 <a:tc>
                   <a:txBody>
-                    <a:bodyPr vert="horz" wrap="square"/>
+                    <a:bodyPr/>
                     <a:lstStyle/>
                     <a:p>
                       <a:pPr>
                         <a:spcAft>
-                          <a:spcPct val="0"/>
+                          <a:spcPts val="0"/>
                         </a:spcAft>
                       </a:pPr>
                       <a:r>
-                        <a:rPr lang="fr-FR" sz="1100" b="0" i="0" strike="noStrike" cap="none" baseline="0">
-                          <a:solidFill>
-                            <a:srgbClr val="000000"/>
-                          </a:solidFill>
+                        <a:rPr lang="fr-FR" sz="1100">
                           <a:effectLst/>
-                          <a:latin typeface="Franklin Gothic Book"/>
-                          <a:ea typeface="Franklin Gothic Book"/>
-                          <a:cs typeface="Franklin Gothic Book"/>
                         </a:rPr>
-                        <a:t>Possibilités d’infusion diverses : que vous aimiez votre chaï brûlant, en thé glacé rafraîchissant, ou en latte crémeux, notre mélange est suffisamment polyvalent pour répondre à n’importe quelle préférence.</a:t>
+                        <a:t>Des options d’infusion variées : Que vous aimiez votre thé chaï chaud, en thé glacé rafraîchissant ou en mode crémeux, notre mélange est suffisamment polyvalent pour répondre à toutes les préférences. Des instructions de préparation faciles sont incluses pour vous aider à déguster votre chaï comme vous l’aimez.</a:t>
                       </a:r>
-                      <a:r>
-                        <a:rPr lang="fr-FR" sz="1100" b="0" i="0" strike="noStrike" cap="none" baseline="0">
-                          <a:solidFill>
-                            <a:srgbClr val="000000"/>
-                          </a:solidFill>
-                          <a:effectLst/>
-                          <a:latin typeface="Franklin Gothic Book"/>
-                          <a:ea typeface="Franklin Gothic Book"/>
-                          <a:cs typeface="Franklin Gothic Book"/>
-                        </a:rPr>
-                        <a:t> </a:t>
-                      </a:r>
-                      <a:r>
-                        <a:rPr lang="fr-FR" sz="1100" b="0" i="0" strike="noStrike" cap="none" baseline="0">
-                          <a:solidFill>
-                            <a:srgbClr val="000000"/>
-                          </a:solidFill>
-                          <a:effectLst/>
-                          <a:latin typeface="Franklin Gothic Book"/>
-                          <a:ea typeface="Franklin Gothic Book"/>
-                          <a:cs typeface="Franklin Gothic Book"/>
-                        </a:rPr>
-                        <a:t>Des instructions de préparation faciles sont incluses pour vous aider à déguster votre chaï comme vous l’aimez.</a:t>
-                      </a:r>
-                      <a:endParaRPr lang="en-US" sz="1700">
-                        <a:effectLst/>
-                      </a:endParaRPr>
                     </a:p>
                   </a:txBody>
                   <a:tcPr marL="36849" marR="36849" marT="36849" marB="36849"/>
@@ -14189,58 +10826,40 @@
               <a:tr h="757613">
                 <a:tc>
                   <a:txBody>
-                    <a:bodyPr vert="horz" wrap="square"/>
+                    <a:bodyPr/>
                     <a:lstStyle/>
                     <a:p>
                       <a:pPr>
                         <a:spcAft>
-                          <a:spcPct val="0"/>
+                          <a:spcPts val="0"/>
                         </a:spcAft>
                       </a:pPr>
                       <a:r>
-                        <a:rPr lang="fr-FR" sz="1100" b="0" i="0" strike="noStrike" cap="none" baseline="0">
-                          <a:solidFill>
-                            <a:srgbClr val="000000"/>
-                          </a:solidFill>
+                        <a:rPr lang="fr-FR" sz="1100">
                           <a:effectLst/>
-                          <a:latin typeface="Franklin Gothic Book"/>
-                          <a:ea typeface="Franklin Gothic Book"/>
-                          <a:cs typeface="Franklin Gothic Book"/>
                         </a:rPr>
-                        <a:t>Sources durables : engagés envers la durabilité, nous nous approvisionnons auprès de fermes à petite échelle qui pratiquent l’agriculture biologique, garantissant non seulement la meilleure qualité, mais également le bien-être de notre planète.</a:t>
+                        <a:t>Sources d’approvisionnement durables : Engagés dans le développement durable, nous nous approvisionnons en ingrédients auprès de petites exploitations pratiquant l’agriculture biologique, garantissant ainsi, non seulement une qualité optimale, mais aussi le bien-être de notre planète.</a:t>
                       </a:r>
-                      <a:endParaRPr lang="en-US" sz="1700">
-                        <a:effectLst/>
-                      </a:endParaRPr>
                     </a:p>
                   </a:txBody>
                   <a:tcPr marL="36849" marR="36849" marT="36849" marB="36849"/>
                 </a:tc>
                 <a:tc>
                   <a:txBody>
-                    <a:bodyPr vert="horz" wrap="square"/>
+                    <a:bodyPr/>
                     <a:lstStyle/>
                     <a:p>
                       <a:pPr>
                         <a:spcAft>
-                          <a:spcPct val="0"/>
+                          <a:spcPts val="0"/>
                         </a:spcAft>
                       </a:pPr>
                       <a:r>
-                        <a:rPr lang="fr-FR" sz="1100" b="0" i="0" strike="noStrike" cap="none" baseline="0">
-                          <a:solidFill>
-                            <a:srgbClr val="000000"/>
-                          </a:solidFill>
+                        <a:rPr lang="fr-FR" sz="1100">
                           <a:effectLst/>
-                          <a:latin typeface="Franklin Gothic Book"/>
-                          <a:ea typeface="Franklin Gothic Book"/>
-                          <a:cs typeface="Franklin Gothic Book"/>
                         </a:rPr>
-                        <a:t>Emballage élégant : le thé Mystic Spice Chai est proposé dans un emballage magnifiquement conçu et écologique, ce qui en fait un cadeau idéal pour les amateurs de thé ou un petit plaisir luxueux pour vous-même.</a:t>
+                        <a:t>Un emballage élégant : Le thé chaï Mystic Spice est présenté dans un emballage à la fois superbe et respectueux de l’environnement, un cadeau luxueux, idéal pour les amateurs de thé, à offrir ou à s’offrir.</a:t>
                       </a:r>
-                      <a:endParaRPr lang="en-US" sz="1700">
-                        <a:effectLst/>
-                      </a:endParaRPr>
                     </a:p>
                   </a:txBody>
                   <a:tcPr marL="36849" marR="36849" marT="36849" marB="36849"/>
@@ -14254,82 +10873,40 @@
               <a:tr h="757613">
                 <a:tc>
                   <a:txBody>
-                    <a:bodyPr vert="horz" wrap="square"/>
+                    <a:bodyPr/>
                     <a:lstStyle/>
                     <a:p>
                       <a:pPr>
                         <a:spcAft>
-                          <a:spcPct val="0"/>
+                          <a:spcPts val="0"/>
                         </a:spcAft>
                       </a:pPr>
                       <a:r>
-                        <a:rPr lang="fr-FR" sz="1100" b="0" i="0" strike="noStrike" cap="none" baseline="0">
-                          <a:solidFill>
-                            <a:srgbClr val="000000"/>
-                          </a:solidFill>
+                        <a:rPr lang="fr-FR" sz="1100">
                           <a:effectLst/>
-                          <a:latin typeface="Franklin Gothic Book"/>
-                          <a:ea typeface="Franklin Gothic Book"/>
-                          <a:cs typeface="Franklin Gothic Book"/>
                         </a:rPr>
-                        <a:t>Satisfaction client garantie : nous répondons de notre produit pour vous garantir entière satisfaction.</a:t>
+                        <a:t>La garantie de la satisfaction des clients : Nous nous portons garants de nos produits et offrons une garantie de satisfaction. Si le thé chaï Mystic Spice ne répond pas à vos attentes, nous nous engageons à y remédier.</a:t>
                       </a:r>
-                      <a:r>
-                        <a:rPr lang="fr-FR" sz="1100" b="0" i="0" strike="noStrike" cap="none" baseline="0">
-                          <a:solidFill>
-                            <a:srgbClr val="000000"/>
-                          </a:solidFill>
-                          <a:effectLst/>
-                          <a:latin typeface="Franklin Gothic Book"/>
-                          <a:ea typeface="Franklin Gothic Book"/>
-                          <a:cs typeface="Franklin Gothic Book"/>
-                        </a:rPr>
-                        <a:t> </a:t>
-                      </a:r>
-                      <a:r>
-                        <a:rPr lang="fr-FR" sz="1100" b="0" i="0" strike="noStrike" cap="none" baseline="0">
-                          <a:solidFill>
-                            <a:srgbClr val="000000"/>
-                          </a:solidFill>
-                          <a:effectLst/>
-                          <a:latin typeface="Franklin Gothic Book"/>
-                          <a:ea typeface="Franklin Gothic Book"/>
-                          <a:cs typeface="Franklin Gothic Book"/>
-                        </a:rPr>
-                        <a:t>Si le thé chaï Mystic Spice ne répond pas à vos attentes, nous nous engageons à y remédier.</a:t>
-                      </a:r>
-                      <a:endParaRPr lang="en-US" sz="1700">
-                        <a:effectLst/>
-                      </a:endParaRPr>
                     </a:p>
                   </a:txBody>
                   <a:tcPr marL="36849" marR="36849" marT="36849" marB="36849"/>
                 </a:tc>
                 <a:tc>
                   <a:txBody>
-                    <a:bodyPr vert="horz" wrap="square"/>
+                    <a:bodyPr/>
                     <a:lstStyle/>
                     <a:p>
                       <a:pPr>
                         <a:spcAft>
-                          <a:spcPct val="0"/>
+                          <a:spcPts val="0"/>
                         </a:spcAft>
                       </a:pPr>
                       <a:r>
-                        <a:rPr lang="fr-FR" sz="1100" b="0" i="0" strike="noStrike" cap="none" baseline="0">
-                          <a:solidFill>
-                            <a:srgbClr val="000000"/>
-                          </a:solidFill>
+                        <a:rPr lang="fr-FR" sz="1100">
                           <a:effectLst/>
-                          <a:latin typeface="Franklin Gothic Book"/>
-                          <a:ea typeface="Franklin Gothic Book"/>
-                          <a:cs typeface="Franklin Gothic Book"/>
                         </a:rPr>
-                        <a:t>Idéal pour : amateurs de thé, personnes soucieuses de leur santé, amateurs de boissons chaudes, épicées, et quiconque cherche à découvrir les saveurs riches du chaï indien traditionnel.</a:t>
+                        <a:t>Idéal pour : Les amateurs de thé, les personnes soucieuses de leur santé, les amoureux des boissons chaudes et épicées et tous ceux qui souhaitent découvrir les riches saveurs du thé chaï indien traditionnel.</a:t>
                       </a:r>
-                      <a:endParaRPr lang="en-US" sz="1700">
-                        <a:effectLst/>
-                      </a:endParaRPr>
                     </a:p>
                   </a:txBody>
                   <a:tcPr marL="36849" marR="36849" marT="36849" marB="36849"/>
@@ -14344,77 +10921,6 @@
           </a:graphicData>
         </a:graphic>
       </p:graphicFrame>
-      <p:sp>
-        <p:nvSpPr>
-          <p:cNvPr id="19" name="TextBox"/>
-          <p:cNvSpPr txBox="1">
-            <a:spLocks noGrp="1" noSelect="1" noRot="1" noMove="1"/>
-          </p:cNvSpPr>
-          <p:nvPr/>
-        </p:nvSpPr>
-        <p:spPr>
-          <a:xfrm>
-            <a:off x="2890520" y="2644140"/>
-            <a:ext cx="6411372" cy="1569660"/>
-          </a:xfrm>
-          <a:prstGeom prst="rect">
-            <a:avLst/>
-          </a:prstGeom>
-          <a:noFill/>
-        </p:spPr>
-        <p:txBody>
-          <a:bodyPr wrap="none" rtlCol="0" anchor="ctr" anchorCtr="1">
-            <a:spAutoFit/>
-          </a:bodyPr>
-          <a:lstStyle>
-            <a:lvl1pPr algn="l">
-              <a:lnSpc>
-                <a:spcPct val="150000"/>
-              </a:lnSpc>
-              <a:spcBef>
-                <a:spcPct val="0"/>
-              </a:spcBef>
-              <a:spcAft>
-                <a:spcPct val="0"/>
-              </a:spcAft>
-              <a:defRPr lang="en-US" sz="3200" b="1" noProof="1" dirty="0">
-                <a:solidFill>
-                  <a:prstClr val="red">
-                    <a:lumOff val="30000"/>
-                    <a:alpha val="40000"/>
-                  </a:prstClr>
-                </a:solidFill>
-                <a:effectLst>
-                  <a:outerShdw blurRad="50800" dist="38100" algn="tr" rotWithShape="0">
-                    <a:prstClr val="black">
-                      <a:alpha val="80000"/>
-                    </a:prstClr>
-                  </a:outerShdw>
-                </a:effectLst>
-                <a:latin typeface="Calibri" pitchFamily="34" charset="0"/>
-              </a:defRPr>
-            </a:lvl1pPr>
-          </a:lstStyle>
-          <a:p>
-            <a:pPr algn="ctr"/>
-            <a:r>
-              <a:t>Evaluation only.</a:t>
-            </a:r>
-          </a:p>
-          <a:p>
-            <a:pPr algn="ctr"/>
-            <a:r>
-              <a:t>Created with Aspose.Slides for Java 23.6.</a:t>
-            </a:r>
-          </a:p>
-          <a:p>
-            <a:pPr algn="ctr"/>
-            <a:r>
-              <a:t>Copyright 2004-2023 Aspose Pty Ltd.</a:t>
-            </a:r>
-          </a:p>
-        </p:txBody>
-      </p:sp>
     </p:spTree>
     <p:extLst>
       <p:ext uri="{BB962C8B-B14F-4D97-AF65-F5344CB8AC3E}">
@@ -14425,14 +10931,12 @@
   <p:clrMapOvr>
     <a:masterClrMapping/>
   </p:clrMapOvr>
-  <p:transition/>
-  <p:timing/>
 </p:sld>
 </file>
 
 <file path=ppt/slides/slide7.xml><?xml version="1.0" encoding="utf-8"?>
-<p:sld xmlns:a="http://schemas.openxmlformats.org/drawingml/2006/main" xmlns:r="http://schemas.openxmlformats.org/officeDocument/2006/relationships" xmlns:m="http://schemas.openxmlformats.org/officeDocument/2006/math" xmlns:w="http://schemas.openxmlformats.org/wordprocessingml/2006/main" xmlns:wp="http://schemas.openxmlformats.org/drawingml/2006/wordprocessingDrawing" xmlns:a14="http://schemas.microsoft.com/office/drawing/2010/main" xmlns:mc="http://schemas.openxmlformats.org/markup-compatibility/2006" xmlns:p14="http://schemas.microsoft.com/office/powerpoint/2010/main" xmlns:p15="http://schemas.microsoft.com/office/powerpoint/2012/main" xmlns:p159="http://schemas.microsoft.com/office/powerpoint/2015/09/main" xmlns:p="http://schemas.openxmlformats.org/presentationml/2006/main">
-  <p:cSld name="">
+<p:sld xmlns:a="http://schemas.openxmlformats.org/drawingml/2006/main" xmlns:r="http://schemas.openxmlformats.org/officeDocument/2006/relationships" xmlns:p="http://schemas.openxmlformats.org/presentationml/2006/main">
+  <p:cSld>
     <p:bg>
       <p:bgPr>
         <a:solidFill>
@@ -14451,6 +10955,8 @@
         <a:xfrm>
           <a:off x="0" y="0"/>
           <a:ext cx="0" cy="0"/>
+          <a:chOff x="0" y="0"/>
+          <a:chExt cx="0" cy="0"/>
         </a:xfrm>
       </p:grpSpPr>
       <p:sp>
@@ -14648,8 +11154,8 @@
         </p:nvSpPr>
         <p:spPr>
           <a:xfrm>
-            <a:off x="6411685" y="634946"/>
-            <a:ext cx="5127171" cy="1450757"/>
+            <a:off x="6411685" y="236220"/>
+            <a:ext cx="4324895" cy="1849483"/>
           </a:xfrm>
         </p:spPr>
         <p:txBody>
@@ -14659,15 +11165,7 @@
           <a:lstStyle/>
           <a:p>
             <a:r>
-              <a:rPr lang="fr-FR" sz="4700" b="0" i="0" strike="noStrike" cap="none" baseline="0">
-                <a:solidFill>
-                  <a:srgbClr val="404040"/>
-                </a:solidFill>
-                <a:effectLst/>
-                <a:latin typeface="Bookman Old Style"/>
-                <a:ea typeface="Bookman Old Style"/>
-                <a:cs typeface="Bookman Old Style"/>
-              </a:rPr>
+              <a:rPr lang="fr-FR" dirty="0"/>
               <a:t>Tendances du marché et de la demande</a:t>
             </a:r>
           </a:p>
@@ -14747,12 +11245,12 @@
         <p:spPr>
           <a:xfrm>
             <a:off x="6411684" y="2407436"/>
-            <a:ext cx="5127172" cy="3461658"/>
+            <a:ext cx="5460276" cy="3805042"/>
           </a:xfrm>
         </p:spPr>
         <p:txBody>
           <a:bodyPr vert="horz" lIns="0" tIns="45720" rIns="0" bIns="45720" rtlCol="0">
-            <a:normAutofit fontScale="95000" lnSpcReduction="20000"/>
+            <a:normAutofit lnSpcReduction="10000"/>
           </a:bodyPr>
           <a:lstStyle/>
           <a:p>
@@ -14762,17 +11260,14 @@
               </a:lnSpc>
             </a:pPr>
             <a:r>
-              <a:rPr lang="fr-FR" sz="1400" b="0" i="0" strike="noStrike" cap="none" baseline="0">
-                <a:solidFill>
-                  <a:srgbClr val="404040"/>
-                </a:solidFill>
-                <a:effectLst/>
-                <a:latin typeface="Franklin Gothic Book"/>
-                <a:ea typeface="Franklin Gothic Book"/>
-                <a:cs typeface="Franklin Gothic Book"/>
-              </a:rPr>
-              <a:t>L’Amérique latine offre de belles opportunités pour le thé chaï</a:t>
-            </a:r>
+              <a:rPr lang="fr-FR" sz="1400" dirty="0"/>
+              <a:t>L’Amérique latine offre de belles opportunités pour le thé </a:t>
+            </a:r>
+            <a:r>
+              <a:rPr lang="fr-FR" sz="1400" dirty="0" err="1"/>
+              <a:t>chaï</a:t>
+            </a:r>
+            <a:endParaRPr lang="fr-FR" sz="1400" dirty="0"/>
           </a:p>
           <a:p>
             <a:pPr lvl="1">
@@ -14781,15 +11276,7 @@
               </a:lnSpc>
             </a:pPr>
             <a:r>
-              <a:rPr lang="fr-FR" sz="1400" b="0" i="0" strike="noStrike" cap="none" baseline="0">
-                <a:solidFill>
-                  <a:srgbClr val="404040"/>
-                </a:solidFill>
-                <a:effectLst/>
-                <a:latin typeface="Franklin Gothic Book"/>
-                <a:ea typeface="Franklin Gothic Book"/>
-                <a:cs typeface="Franklin Gothic Book"/>
-              </a:rPr>
+              <a:rPr lang="fr-FR" sz="1400" dirty="0"/>
               <a:t>Demande croissante de produits sains, naturels et exotiques</a:t>
             </a:r>
           </a:p>
@@ -14800,16 +11287,15 @@
               </a:lnSpc>
             </a:pPr>
             <a:r>
-              <a:rPr lang="fr-FR" sz="1400" b="0" i="0" strike="noStrike" cap="none" baseline="0">
-                <a:solidFill>
-                  <a:srgbClr val="404040"/>
-                </a:solidFill>
-                <a:effectLst/>
-                <a:latin typeface="Franklin Gothic Book"/>
-                <a:ea typeface="Franklin Gothic Book"/>
-                <a:cs typeface="Franklin Gothic Book"/>
-              </a:rPr>
-              <a:t>Culture du thé bien implantée dans des pays comme l’Argentine, le Chili et l’Uruguay</a:t>
+              <a:rPr lang="fr-FR" sz="1400" dirty="0"/>
+              <a:t>Culture du thé bien implantée dans des pays comme l’Argentine, </a:t>
+            </a:r>
+            <a:br>
+              <a:rPr lang="fr-FR" sz="1400" dirty="0"/>
+            </a:br>
+            <a:r>
+              <a:rPr lang="fr-FR" sz="1400" dirty="0"/>
+              <a:t>le Chili et l’Uruguay</a:t>
             </a:r>
           </a:p>
           <a:p>
@@ -14819,16 +11305,16 @@
               </a:lnSpc>
             </a:pPr>
             <a:r>
-              <a:rPr lang="fr-FR" sz="1400" b="0" i="0" strike="noStrike" cap="none" baseline="0">
-                <a:solidFill>
-                  <a:srgbClr val="404040"/>
-                </a:solidFill>
-                <a:effectLst/>
-                <a:latin typeface="Franklin Gothic Book"/>
-                <a:ea typeface="Franklin Gothic Book"/>
-                <a:cs typeface="Franklin Gothic Book"/>
-              </a:rPr>
-              <a:t>Le thé chaï peut séduire à la fois les amateurs de thé et de café</a:t>
+              <a:rPr lang="fr-FR" sz="1400" dirty="0"/>
+              <a:t>Le thé </a:t>
+            </a:r>
+            <a:r>
+              <a:rPr lang="fr-FR" sz="1400" dirty="0" err="1"/>
+              <a:t>chaï</a:t>
+            </a:r>
+            <a:r>
+              <a:rPr lang="fr-FR" sz="1400" dirty="0"/>
+              <a:t> peut séduire à la fois les amateurs de thé et de café</a:t>
             </a:r>
           </a:p>
           <a:p>
@@ -14838,16 +11324,16 @@
               </a:lnSpc>
             </a:pPr>
             <a:r>
-              <a:rPr lang="fr-FR" sz="1400" b="0" i="0" strike="noStrike" cap="none" baseline="0">
-                <a:solidFill>
-                  <a:srgbClr val="404040"/>
-                </a:solidFill>
-                <a:effectLst/>
-                <a:latin typeface="Franklin Gothic Book"/>
-                <a:ea typeface="Franklin Gothic Book"/>
-                <a:cs typeface="Franklin Gothic Book"/>
-              </a:rPr>
-              <a:t>Le thé chaï correspond au style de vie et aux préférences des consommateurs latino-américains</a:t>
+              <a:rPr lang="fr-FR" sz="1400" dirty="0"/>
+              <a:t>Le thé </a:t>
+            </a:r>
+            <a:r>
+              <a:rPr lang="fr-FR" sz="1400" dirty="0" err="1"/>
+              <a:t>chaï</a:t>
+            </a:r>
+            <a:r>
+              <a:rPr lang="fr-FR" sz="1400" dirty="0"/>
+              <a:t> correspond au style de vie et aux préférences des consommateurs latino-américains</a:t>
             </a:r>
           </a:p>
           <a:p>
@@ -14857,16 +11343,16 @@
               </a:lnSpc>
             </a:pPr>
             <a:r>
-              <a:rPr lang="fr-FR" sz="1400" b="0" i="0" strike="noStrike" cap="none" baseline="0">
-                <a:solidFill>
-                  <a:srgbClr val="404040"/>
-                </a:solidFill>
-                <a:effectLst/>
-                <a:latin typeface="Franklin Gothic Book"/>
-                <a:ea typeface="Franklin Gothic Book"/>
-                <a:cs typeface="Franklin Gothic Book"/>
-              </a:rPr>
-              <a:t>Le marché mondial du thé chaï a été évalué à 1,9 milliards de dollars en 2019.</a:t>
+              <a:rPr lang="fr-FR" sz="1400" dirty="0"/>
+              <a:t>Le marché mondial du thé </a:t>
+            </a:r>
+            <a:r>
+              <a:rPr lang="fr-FR" sz="1400" dirty="0" err="1"/>
+              <a:t>chaï</a:t>
+            </a:r>
+            <a:r>
+              <a:rPr lang="fr-FR" sz="1400" dirty="0"/>
+              <a:t> a été évalué à 1,9 milliards de dollars en 2019.</a:t>
             </a:r>
           </a:p>
           <a:p>
@@ -14876,15 +11362,7 @@
               </a:lnSpc>
             </a:pPr>
             <a:r>
-              <a:rPr lang="fr-FR" sz="1400" b="0" i="0" strike="noStrike" cap="none" baseline="0">
-                <a:solidFill>
-                  <a:srgbClr val="404040"/>
-                </a:solidFill>
-                <a:effectLst/>
-                <a:latin typeface="Franklin Gothic Book"/>
-                <a:ea typeface="Franklin Gothic Book"/>
-                <a:cs typeface="Franklin Gothic Book"/>
-              </a:rPr>
+              <a:rPr lang="fr-FR" sz="1400" dirty="0"/>
               <a:t>La croissance attendue atteindra un taux de croissance annuel moyen de 5,5 % entre 2020 et 2027</a:t>
             </a:r>
           </a:p>
@@ -14895,16 +11373,16 @@
               </a:lnSpc>
             </a:pPr>
             <a:r>
-              <a:rPr lang="fr-FR" sz="1400" b="0" i="0" strike="noStrike" cap="none" baseline="0">
-                <a:solidFill>
-                  <a:srgbClr val="404040"/>
-                </a:solidFill>
-                <a:effectLst/>
-                <a:latin typeface="Franklin Gothic Book"/>
-                <a:ea typeface="Franklin Gothic Book"/>
-                <a:cs typeface="Franklin Gothic Book"/>
-              </a:rPr>
-              <a:t>L’Amérique latine est l’une des régions où la croissance du thé chaï est la plus rapide</a:t>
+              <a:rPr lang="fr-FR" sz="1400" dirty="0"/>
+              <a:t>L’Amérique latine est l’une des régions où la croissance du thé </a:t>
+            </a:r>
+            <a:r>
+              <a:rPr lang="fr-FR" sz="1400" dirty="0" err="1"/>
+              <a:t>chaï</a:t>
+            </a:r>
+            <a:r>
+              <a:rPr lang="fr-FR" sz="1400" dirty="0"/>
+              <a:t> est la plus rapide</a:t>
             </a:r>
           </a:p>
           <a:p>
@@ -14914,15 +11392,7 @@
               </a:lnSpc>
             </a:pPr>
             <a:r>
-              <a:rPr lang="fr-FR" sz="1400" b="0" i="0" strike="noStrike" cap="none" baseline="0">
-                <a:solidFill>
-                  <a:srgbClr val="404040"/>
-                </a:solidFill>
-                <a:effectLst/>
-                <a:latin typeface="Franklin Gothic Book"/>
-                <a:ea typeface="Franklin Gothic Book"/>
-                <a:cs typeface="Franklin Gothic Book"/>
-              </a:rPr>
+              <a:rPr lang="fr-FR" sz="1400" dirty="0"/>
               <a:t>Les principaux moteurs de la croissance sont la sensibilisation croissante, l’augmentation du revenu disponible et l’expansion de la distribution.</a:t>
             </a:r>
           </a:p>
@@ -15006,14 +11476,14 @@
             <p:ph sz="half" idx="1"/>
             <p:extLst>
               <p:ext uri="{D42A27DB-BD31-4B8C-83A1-F6EECF244321}">
-                <p14:modId xmlns:p14="http://schemas.microsoft.com/office/powerpoint/2010/main" val="3887441503"/>
+                <p14:modId xmlns:p14="http://schemas.microsoft.com/office/powerpoint/2010/main" val="2918206929"/>
               </p:ext>
             </p:extLst>
           </p:nvPr>
         </p:nvGraphicFramePr>
         <p:xfrm>
           <a:off x="643192" y="1541387"/>
-          <a:ext cx="5115348" cy="3728172"/>
+          <a:ext cx="5115348" cy="4398732"/>
         </p:xfrm>
         <a:graphic>
           <a:graphicData uri="http://schemas.openxmlformats.org/drawingml/2006/table">
@@ -15050,18 +11520,14 @@
               <a:tr h="1697807">
                 <a:tc>
                   <a:txBody>
-                    <a:bodyPr vert="horz" wrap="square"/>
+                    <a:bodyPr/>
                     <a:lstStyle/>
                     <a:p>
                       <a:r>
-                        <a:rPr lang="fr-FR" sz="2000" b="1" i="0" strike="noStrike" cap="all" baseline="0">
+                        <a:rPr lang="fr-FR" sz="1800" b="1" cap="all">
                           <a:solidFill>
-                            <a:srgbClr val="000000"/>
+                            <a:schemeClr val="tx1"/>
                           </a:solidFill>
-                          <a:effectLst/>
-                          <a:latin typeface="Franklin Gothic Book"/>
-                          <a:ea typeface="Franklin Gothic Book"/>
-                          <a:cs typeface="Franklin Gothic Book"/>
                         </a:rPr>
                         <a:t>Région</a:t>
                       </a:r>
@@ -15085,20 +11551,32 @@
                 </a:tc>
                 <a:tc>
                   <a:txBody>
-                    <a:bodyPr vert="horz" wrap="square"/>
+                    <a:bodyPr/>
                     <a:lstStyle/>
                     <a:p>
                       <a:r>
-                        <a:rPr lang="fr-FR" sz="2000" b="1" i="0" strike="noStrike" cap="all" baseline="0">
+                        <a:rPr lang="fr-FR" sz="1800" b="1" cap="all" dirty="0">
                           <a:solidFill>
-                            <a:srgbClr val="000000"/>
+                            <a:schemeClr val="tx1"/>
                           </a:solidFill>
-                          <a:effectLst/>
-                          <a:latin typeface="Franklin Gothic Book"/>
-                          <a:ea typeface="Franklin Gothic Book"/>
-                          <a:cs typeface="Franklin Gothic Book"/>
                         </a:rPr>
-                        <a:t>Taille du marché du thé chaï (milliards USD)</a:t>
+                        <a:t>Ampleur du marché du thé </a:t>
+                      </a:r>
+                      <a:r>
+                        <a:rPr lang="fr-FR" sz="1800" b="1" cap="all" dirty="0" err="1">
+                          <a:solidFill>
+                            <a:schemeClr val="tx1"/>
+                          </a:solidFill>
+                        </a:rPr>
+                        <a:t>chaï</a:t>
+                      </a:r>
+                      <a:r>
+                        <a:rPr lang="fr-FR" sz="1800" b="1" cap="all" dirty="0">
+                          <a:solidFill>
+                            <a:schemeClr val="tx1"/>
+                          </a:solidFill>
+                        </a:rPr>
+                        <a:t> (en milliards de dollars)</a:t>
                       </a:r>
                     </a:p>
                   </a:txBody>
@@ -15120,20 +11598,16 @@
                 </a:tc>
                 <a:tc>
                   <a:txBody>
-                    <a:bodyPr vert="horz" wrap="square"/>
+                    <a:bodyPr/>
                     <a:lstStyle/>
                     <a:p>
                       <a:r>
-                        <a:rPr lang="fr-FR" sz="2000" b="1" i="0" strike="noStrike" cap="all" baseline="0">
+                        <a:rPr lang="fr-FR" sz="1800" b="1" cap="all" dirty="0">
                           <a:solidFill>
-                            <a:srgbClr val="000000"/>
+                            <a:schemeClr val="tx1"/>
                           </a:solidFill>
-                          <a:effectLst/>
-                          <a:latin typeface="Franklin Gothic Book"/>
-                          <a:ea typeface="Franklin Gothic Book"/>
-                          <a:cs typeface="Franklin Gothic Book"/>
                         </a:rPr>
-                        <a:t>CAGR (2020-2027)</a:t>
+                        <a:t>CAGR (TAUX DE CROISS-ANCE ANNUEL MOYEN) (de 2020 à 2027)</a:t>
                       </a:r>
                     </a:p>
                   </a:txBody>
@@ -15162,20 +11636,16 @@
               <a:tr h="680116">
                 <a:tc>
                   <a:txBody>
-                    <a:bodyPr vert="horz" wrap="square"/>
+                    <a:bodyPr/>
                     <a:lstStyle/>
                     <a:p>
                       <a:r>
-                        <a:rPr lang="fr-FR" sz="2600" b="0" i="0" strike="noStrike" cap="none" baseline="0">
+                        <a:rPr lang="fr-FR" sz="2400" cap="none">
                           <a:solidFill>
-                            <a:srgbClr val="000000"/>
+                            <a:schemeClr val="tx1"/>
                           </a:solidFill>
-                          <a:effectLst/>
-                          <a:latin typeface="Franklin Gothic Book"/>
-                          <a:ea typeface="Franklin Gothic Book"/>
-                          <a:cs typeface="Franklin Gothic Book"/>
                         </a:rPr>
-                        <a:t>Global</a:t>
+                        <a:t>Mondial</a:t>
                       </a:r>
                     </a:p>
                   </a:txBody>
@@ -15202,18 +11672,14 @@
                 </a:tc>
                 <a:tc>
                   <a:txBody>
-                    <a:bodyPr vert="horz" wrap="square"/>
+                    <a:bodyPr/>
                     <a:lstStyle/>
                     <a:p>
                       <a:r>
-                        <a:rPr lang="fr-FR" sz="2600" b="0" i="0" strike="noStrike" cap="none" baseline="0">
+                        <a:rPr lang="fr-FR" sz="2400" cap="none">
                           <a:solidFill>
-                            <a:srgbClr val="000000"/>
+                            <a:schemeClr val="tx1"/>
                           </a:solidFill>
-                          <a:effectLst/>
-                          <a:latin typeface="Franklin Gothic Book"/>
-                          <a:ea typeface="Franklin Gothic Book"/>
-                          <a:cs typeface="Franklin Gothic Book"/>
                         </a:rPr>
                         <a:t>1,9</a:t>
                       </a:r>
@@ -15242,18 +11708,14 @@
                 </a:tc>
                 <a:tc>
                   <a:txBody>
-                    <a:bodyPr vert="horz" wrap="square"/>
+                    <a:bodyPr/>
                     <a:lstStyle/>
                     <a:p>
                       <a:r>
-                        <a:rPr lang="fr-FR" sz="2600" b="0" i="0" strike="noStrike" cap="none" baseline="0">
+                        <a:rPr lang="fr-FR" sz="2400" cap="none">
                           <a:solidFill>
-                            <a:srgbClr val="000000"/>
+                            <a:schemeClr val="tx1"/>
                           </a:solidFill>
-                          <a:effectLst/>
-                          <a:latin typeface="Franklin Gothic Book"/>
-                          <a:ea typeface="Franklin Gothic Book"/>
-                          <a:cs typeface="Franklin Gothic Book"/>
                         </a:rPr>
                         <a:t>5,5 %</a:t>
                       </a:r>
@@ -15289,18 +11751,14 @@
               <a:tr h="1077264">
                 <a:tc>
                   <a:txBody>
-                    <a:bodyPr vert="horz" wrap="square"/>
+                    <a:bodyPr/>
                     <a:lstStyle/>
                     <a:p>
                       <a:r>
-                        <a:rPr lang="fr-FR" sz="2600" b="0" i="0" strike="noStrike" cap="none" baseline="0">
+                        <a:rPr lang="fr-FR" sz="2400" cap="none">
                           <a:solidFill>
-                            <a:srgbClr val="000000"/>
+                            <a:schemeClr val="tx1"/>
                           </a:solidFill>
-                          <a:effectLst/>
-                          <a:latin typeface="Franklin Gothic Book"/>
-                          <a:ea typeface="Franklin Gothic Book"/>
-                          <a:cs typeface="Franklin Gothic Book"/>
                         </a:rPr>
                         <a:t>Amérique latine</a:t>
                       </a:r>
@@ -15332,18 +11790,14 @@
                 </a:tc>
                 <a:tc>
                   <a:txBody>
-                    <a:bodyPr vert="horz" wrap="square"/>
+                    <a:bodyPr/>
                     <a:lstStyle/>
                     <a:p>
                       <a:r>
-                        <a:rPr lang="fr-FR" sz="2600" b="0" i="0" strike="noStrike" cap="none" baseline="0">
+                        <a:rPr lang="fr-FR" sz="2400" cap="none">
                           <a:solidFill>
-                            <a:srgbClr val="000000"/>
+                            <a:schemeClr val="tx1"/>
                           </a:solidFill>
-                          <a:effectLst/>
-                          <a:latin typeface="Franklin Gothic Book"/>
-                          <a:ea typeface="Franklin Gothic Book"/>
-                          <a:cs typeface="Franklin Gothic Book"/>
                         </a:rPr>
                         <a:t>N/A</a:t>
                       </a:r>
@@ -15375,20 +11829,16 @@
                 </a:tc>
                 <a:tc>
                   <a:txBody>
-                    <a:bodyPr vert="horz" wrap="square"/>
+                    <a:bodyPr/>
                     <a:lstStyle/>
                     <a:p>
                       <a:r>
-                        <a:rPr lang="fr-FR" sz="2600" b="0" i="0" strike="noStrike" cap="none" baseline="0">
+                        <a:rPr lang="fr-FR" sz="2400" cap="none" dirty="0">
                           <a:solidFill>
-                            <a:srgbClr val="000000"/>
+                            <a:schemeClr val="tx1"/>
                           </a:solidFill>
-                          <a:effectLst/>
-                          <a:latin typeface="Franklin Gothic Book"/>
-                          <a:ea typeface="Franklin Gothic Book"/>
-                          <a:cs typeface="Franklin Gothic Book"/>
                         </a:rPr>
-                        <a:t>6.2%</a:t>
+                        <a:t>6,2 %</a:t>
                       </a:r>
                     </a:p>
                   </a:txBody>
@@ -15426,77 +11876,6 @@
           </a:graphicData>
         </a:graphic>
       </p:graphicFrame>
-      <p:sp>
-        <p:nvSpPr>
-          <p:cNvPr id="20" name="TextBox"/>
-          <p:cNvSpPr txBox="1">
-            <a:spLocks noGrp="1" noSelect="1" noRot="1" noMove="1"/>
-          </p:cNvSpPr>
-          <p:nvPr/>
-        </p:nvSpPr>
-        <p:spPr>
-          <a:xfrm>
-            <a:off x="2890520" y="2644140"/>
-            <a:ext cx="6411372" cy="1569660"/>
-          </a:xfrm>
-          <a:prstGeom prst="rect">
-            <a:avLst/>
-          </a:prstGeom>
-          <a:noFill/>
-        </p:spPr>
-        <p:txBody>
-          <a:bodyPr wrap="none" rtlCol="0" anchor="ctr" anchorCtr="1">
-            <a:spAutoFit/>
-          </a:bodyPr>
-          <a:lstStyle>
-            <a:lvl1pPr algn="l">
-              <a:lnSpc>
-                <a:spcPct val="150000"/>
-              </a:lnSpc>
-              <a:spcBef>
-                <a:spcPct val="0"/>
-              </a:spcBef>
-              <a:spcAft>
-                <a:spcPct val="0"/>
-              </a:spcAft>
-              <a:defRPr lang="en-US" sz="3200" b="1" noProof="1" dirty="0">
-                <a:solidFill>
-                  <a:prstClr val="red">
-                    <a:lumOff val="30000"/>
-                    <a:alpha val="40000"/>
-                  </a:prstClr>
-                </a:solidFill>
-                <a:effectLst>
-                  <a:outerShdw blurRad="50800" dist="38100" algn="tr" rotWithShape="0">
-                    <a:prstClr val="black">
-                      <a:alpha val="80000"/>
-                    </a:prstClr>
-                  </a:outerShdw>
-                </a:effectLst>
-                <a:latin typeface="Calibri" pitchFamily="34" charset="0"/>
-              </a:defRPr>
-            </a:lvl1pPr>
-          </a:lstStyle>
-          <a:p>
-            <a:pPr algn="ctr"/>
-            <a:r>
-              <a:t>Evaluation only.</a:t>
-            </a:r>
-          </a:p>
-          <a:p>
-            <a:pPr algn="ctr"/>
-            <a:r>
-              <a:t>Created with Aspose.Slides for Java 23.6.</a:t>
-            </a:r>
-          </a:p>
-          <a:p>
-            <a:pPr algn="ctr"/>
-            <a:r>
-              <a:t>Copyright 2004-2023 Aspose Pty Ltd.</a:t>
-            </a:r>
-          </a:p>
-        </p:txBody>
-      </p:sp>
     </p:spTree>
     <p:extLst>
       <p:ext uri="{BB962C8B-B14F-4D97-AF65-F5344CB8AC3E}">
@@ -15507,14 +11886,12 @@
   <p:clrMapOvr>
     <a:masterClrMapping/>
   </p:clrMapOvr>
-  <p:transition/>
-  <p:timing/>
 </p:sld>
 </file>
 
 <file path=ppt/slides/slide8.xml><?xml version="1.0" encoding="utf-8"?>
-<p:sld xmlns:a="http://schemas.openxmlformats.org/drawingml/2006/main" xmlns:r="http://schemas.openxmlformats.org/officeDocument/2006/relationships" xmlns:m="http://schemas.openxmlformats.org/officeDocument/2006/math" xmlns:w="http://schemas.openxmlformats.org/wordprocessingml/2006/main" xmlns:wp="http://schemas.openxmlformats.org/drawingml/2006/wordprocessingDrawing" xmlns:a14="http://schemas.microsoft.com/office/drawing/2010/main" xmlns:mc="http://schemas.openxmlformats.org/markup-compatibility/2006" xmlns:p14="http://schemas.microsoft.com/office/powerpoint/2010/main" xmlns:p15="http://schemas.microsoft.com/office/powerpoint/2012/main" xmlns:p159="http://schemas.microsoft.com/office/powerpoint/2015/09/main" xmlns:p="http://schemas.openxmlformats.org/presentationml/2006/main">
-  <p:cSld name="">
+<p:sld xmlns:a="http://schemas.openxmlformats.org/drawingml/2006/main" xmlns:r="http://schemas.openxmlformats.org/officeDocument/2006/relationships" xmlns:p="http://schemas.openxmlformats.org/presentationml/2006/main">
+  <p:cSld>
     <p:bg>
       <p:bgPr>
         <a:solidFill>
@@ -15533,6 +11910,8 @@
         <a:xfrm>
           <a:off x="0" y="0"/>
           <a:ext cx="0" cy="0"/>
+          <a:chOff x="0" y="0"/>
+          <a:chExt cx="0" cy="0"/>
         </a:xfrm>
       </p:grpSpPr>
       <p:sp useBgFill="1">
@@ -15576,7 +11955,7 @@
               <a:shade val="50000"/>
             </a:schemeClr>
           </a:lnRef>
-          <a:fillRef idx="4294967295">
+          <a:fillRef idx="1001">
             <a:schemeClr val="lt1"/>
           </a:fillRef>
           <a:effectRef idx="0">
@@ -15686,16 +12065,12 @@
           <a:lstStyle/>
           <a:p>
             <a:r>
-              <a:rPr lang="fr-FR" sz="4400" b="0" i="0" strike="noStrike" cap="none" baseline="0">
+              <a:rPr lang="fr-FR" sz="4400">
                 <a:solidFill>
                   <a:srgbClr val="FFFFFF"/>
                 </a:solidFill>
-                <a:effectLst/>
-                <a:latin typeface="Bookman Old Style"/>
-                <a:ea typeface="Bookman Old Style"/>
-                <a:cs typeface="Bookman Old Style"/>
               </a:rPr>
-              <a:t>Canaux de distribution : détaillants</a:t>
+              <a:t>Canaux de distribution Détaillants</a:t>
             </a:r>
           </a:p>
         </p:txBody>
@@ -15719,185 +12094,82 @@
         <p:spPr>
           <a:xfrm>
             <a:off x="5231958" y="605896"/>
-            <a:ext cx="5923721" cy="5646208"/>
+            <a:ext cx="6380922" cy="5646208"/>
           </a:xfrm>
         </p:spPr>
         <p:txBody>
           <a:bodyPr anchor="ctr">
-            <a:normAutofit lnSpcReduction="20000"/>
+            <a:normAutofit/>
           </a:bodyPr>
           <a:lstStyle/>
           <a:p>
             <a:r>
-              <a:rPr lang="fr-FR" sz="2200" b="0" i="0" strike="noStrike" cap="none" baseline="0">
-                <a:solidFill>
-                  <a:srgbClr val="404040"/>
-                </a:solidFill>
-                <a:effectLst/>
-                <a:latin typeface="Franklin Gothic Book"/>
-                <a:ea typeface="Franklin Gothic Book"/>
-                <a:cs typeface="Franklin Gothic Book"/>
-              </a:rPr>
-              <a:t>Détaillants : vendre du thé chaï directement aux consommateurs</a:t>
+              <a:rPr lang="fr-FR" sz="2200" dirty="0"/>
+              <a:t>Détaillants : Vendre des produits à base de thé </a:t>
+            </a:r>
+            <a:r>
+              <a:rPr lang="fr-FR" sz="2200" dirty="0" err="1"/>
+              <a:t>chaï</a:t>
+            </a:r>
+            <a:r>
+              <a:rPr lang="fr-FR" sz="2200" dirty="0"/>
+              <a:t> directement aux consommateurs</a:t>
             </a:r>
           </a:p>
           <a:p>
             <a:pPr lvl="1"/>
             <a:r>
-              <a:rPr lang="fr-FR" sz="2200" b="0" i="0" strike="noStrike" cap="none" baseline="0">
-                <a:solidFill>
-                  <a:srgbClr val="404040"/>
-                </a:solidFill>
-                <a:effectLst/>
-                <a:latin typeface="Franklin Gothic Book"/>
-                <a:ea typeface="Franklin Gothic Book"/>
-                <a:cs typeface="Franklin Gothic Book"/>
-              </a:rPr>
+              <a:rPr lang="fr-FR" sz="2200" dirty="0"/>
               <a:t>Supermarchés, magasins de proximité, magasins spécialisés, cafés et plateformes en ligne</a:t>
             </a:r>
           </a:p>
           <a:p>
             <a:pPr lvl="1"/>
             <a:r>
-              <a:rPr lang="fr-FR" sz="2200" b="0" i="0" strike="noStrike" cap="none" baseline="0">
-                <a:solidFill>
-                  <a:srgbClr val="404040"/>
-                </a:solidFill>
-                <a:effectLst/>
-                <a:latin typeface="Franklin Gothic Book"/>
-                <a:ea typeface="Franklin Gothic Book"/>
-                <a:cs typeface="Franklin Gothic Book"/>
-              </a:rPr>
+              <a:rPr lang="fr-FR" sz="2200" dirty="0"/>
               <a:t>Influencer la perception, la préférence et l’achat des consommateurs</a:t>
             </a:r>
           </a:p>
           <a:p>
             <a:pPr lvl="1"/>
             <a:r>
-              <a:rPr lang="fr-FR" sz="2200" b="0" i="0" strike="noStrike" cap="none" baseline="0">
-                <a:solidFill>
-                  <a:srgbClr val="404040"/>
-                </a:solidFill>
-                <a:effectLst/>
-                <a:latin typeface="Franklin Gothic Book"/>
-                <a:ea typeface="Franklin Gothic Book"/>
-                <a:cs typeface="Franklin Gothic Book"/>
-              </a:rPr>
+              <a:rPr lang="fr-FR" sz="2200" dirty="0"/>
               <a:t>Offrir un support relatif aux procédures de promotion et de commercialisation</a:t>
             </a:r>
           </a:p>
           <a:p>
             <a:pPr lvl="1"/>
             <a:r>
-              <a:rPr lang="fr-FR" sz="2200" b="0" i="0" strike="noStrike" cap="none" baseline="0">
-                <a:solidFill>
-                  <a:srgbClr val="404040"/>
-                </a:solidFill>
-                <a:effectLst/>
-                <a:latin typeface="Franklin Gothic Book"/>
-                <a:ea typeface="Franklin Gothic Book"/>
-                <a:cs typeface="Franklin Gothic Book"/>
-              </a:rPr>
+              <a:rPr lang="fr-FR" sz="2200" dirty="0"/>
               <a:t>Grands détaillants</a:t>
             </a:r>
           </a:p>
           <a:p>
             <a:r>
-              <a:rPr lang="fr-FR" sz="2200" b="0" i="0" strike="noStrike" cap="none" baseline="0">
-                <a:solidFill>
-                  <a:srgbClr val="404040"/>
-                </a:solidFill>
-                <a:effectLst/>
-                <a:latin typeface="Franklin Gothic Book"/>
-                <a:ea typeface="Franklin Gothic Book"/>
-                <a:cs typeface="Franklin Gothic Book"/>
-              </a:rPr>
-              <a:t>Grossistes : vendre du thé chaï en vrac aux détaillants</a:t>
-            </a:r>
-          </a:p>
-          <a:p>
-            <a:r>
-              <a:rPr lang="fr-FR" sz="2200" b="0" i="0" strike="noStrike" cap="none" baseline="0">
-                <a:solidFill>
-                  <a:srgbClr val="404040"/>
-                </a:solidFill>
-                <a:effectLst/>
-                <a:latin typeface="Franklin Gothic Book"/>
-                <a:ea typeface="Franklin Gothic Book"/>
-                <a:cs typeface="Franklin Gothic Book"/>
-              </a:rPr>
-              <a:t>Distributeurs : acheminer du thé chaï des fabricants jusqu’aux détaillants</a:t>
-            </a:r>
-          </a:p>
-        </p:txBody>
-      </p:sp>
-      <p:sp>
-        <p:nvSpPr>
-          <p:cNvPr id="11" name="TextBox"/>
-          <p:cNvSpPr txBox="1">
-            <a:spLocks noGrp="1" noSelect="1" noRot="1" noMove="1"/>
-          </p:cNvSpPr>
-          <p:nvPr/>
-        </p:nvSpPr>
-        <p:spPr>
-          <a:xfrm>
-            <a:off x="2890520" y="2644140"/>
-            <a:ext cx="6411372" cy="1569660"/>
-          </a:xfrm>
-          <a:prstGeom prst="rect">
-            <a:avLst/>
-          </a:prstGeom>
-          <a:noFill/>
-        </p:spPr>
-        <p:txBody>
-          <a:bodyPr wrap="none" rtlCol="0" anchor="ctr" anchorCtr="1">
-            <a:spAutoFit/>
-          </a:bodyPr>
-          <a:lstStyle>
-            <a:lvl1pPr algn="l">
-              <a:lnSpc>
-                <a:spcPct val="150000"/>
-              </a:lnSpc>
-              <a:spcBef>
-                <a:spcPct val="0"/>
-              </a:spcBef>
-              <a:spcAft>
-                <a:spcPct val="0"/>
-              </a:spcAft>
-              <a:defRPr lang="en-US" sz="3200" b="1" noProof="1" dirty="0">
-                <a:solidFill>
-                  <a:prstClr val="red">
-                    <a:lumOff val="30000"/>
-                    <a:alpha val="40000"/>
-                  </a:prstClr>
-                </a:solidFill>
-                <a:effectLst>
-                  <a:outerShdw blurRad="50800" dist="38100" algn="tr" rotWithShape="0">
-                    <a:prstClr val="black">
-                      <a:alpha val="80000"/>
-                    </a:prstClr>
-                  </a:outerShdw>
-                </a:effectLst>
-                <a:latin typeface="Calibri" pitchFamily="34" charset="0"/>
-              </a:defRPr>
-            </a:lvl1pPr>
-          </a:lstStyle>
-          <a:p>
-            <a:pPr algn="ctr"/>
-            <a:r>
-              <a:t>Evaluation only.</a:t>
-            </a:r>
-          </a:p>
-          <a:p>
-            <a:pPr algn="ctr"/>
-            <a:r>
-              <a:t>Created with Aspose.Slides for Java 23.6.</a:t>
-            </a:r>
-          </a:p>
-          <a:p>
-            <a:pPr algn="ctr"/>
-            <a:r>
-              <a:t>Copyright 2004-2023 Aspose Pty Ltd.</a:t>
+              <a:rPr lang="fr-FR" sz="2200" dirty="0"/>
+              <a:t>Grossistes ; Vendre les thés </a:t>
+            </a:r>
+            <a:r>
+              <a:rPr lang="fr-FR" sz="2200" dirty="0" err="1"/>
+              <a:t>chaï</a:t>
+            </a:r>
+            <a:r>
+              <a:rPr lang="fr-FR" sz="2200" dirty="0"/>
+              <a:t> en vrac aux détaillants</a:t>
+            </a:r>
+          </a:p>
+          <a:p>
+            <a:r>
+              <a:rPr lang="fr-FR" sz="2200" dirty="0"/>
+              <a:t>Distributeurs : Assurer le transport des thés </a:t>
+            </a:r>
+            <a:r>
+              <a:rPr lang="fr-FR" sz="2200" dirty="0" err="1"/>
+              <a:t>chaï</a:t>
+            </a:r>
+            <a:r>
+              <a:rPr lang="fr-FR" sz="2200" dirty="0"/>
+              <a:t> des fabricants aux détaillants</a:t>
             </a:r>
           </a:p>
         </p:txBody>
@@ -15912,14 +12184,12 @@
   <p:clrMapOvr>
     <a:masterClrMapping/>
   </p:clrMapOvr>
-  <p:transition/>
-  <p:timing/>
 </p:sld>
 </file>
 
 <file path=ppt/slides/slide9.xml><?xml version="1.0" encoding="utf-8"?>
-<p:sld xmlns:a="http://schemas.openxmlformats.org/drawingml/2006/main" xmlns:r="http://schemas.openxmlformats.org/officeDocument/2006/relationships" xmlns:m="http://schemas.openxmlformats.org/officeDocument/2006/math" xmlns:w="http://schemas.openxmlformats.org/wordprocessingml/2006/main" xmlns:wp="http://schemas.openxmlformats.org/drawingml/2006/wordprocessingDrawing" xmlns:a14="http://schemas.microsoft.com/office/drawing/2010/main" xmlns:mc="http://schemas.openxmlformats.org/markup-compatibility/2006" xmlns:p14="http://schemas.microsoft.com/office/powerpoint/2010/main" xmlns:p15="http://schemas.microsoft.com/office/powerpoint/2012/main" xmlns:p159="http://schemas.microsoft.com/office/powerpoint/2015/09/main" xmlns:p="http://schemas.openxmlformats.org/presentationml/2006/main">
-  <p:cSld name="">
+<p:sld xmlns:a="http://schemas.openxmlformats.org/drawingml/2006/main" xmlns:r="http://schemas.openxmlformats.org/officeDocument/2006/relationships" xmlns:p="http://schemas.openxmlformats.org/presentationml/2006/main">
+  <p:cSld>
     <p:bg>
       <p:bgPr>
         <a:solidFill>
@@ -15938,6 +12208,8 @@
         <a:xfrm>
           <a:off x="0" y="0"/>
           <a:ext cx="0" cy="0"/>
+          <a:chOff x="0" y="0"/>
+          <a:chExt cx="0" cy="0"/>
         </a:xfrm>
       </p:grpSpPr>
       <p:sp useBgFill="1">
@@ -15981,7 +12253,7 @@
               <a:shade val="50000"/>
             </a:schemeClr>
           </a:lnRef>
-          <a:fillRef idx="4294967295">
+          <a:fillRef idx="1001">
             <a:schemeClr val="lt1"/>
           </a:fillRef>
           <a:effectRef idx="0">
@@ -16091,16 +12363,12 @@
           <a:lstStyle/>
           <a:p>
             <a:r>
-              <a:rPr lang="fr-FR" sz="4400" b="0" i="0" strike="noStrike" cap="none" baseline="0">
+              <a:rPr lang="fr-FR" sz="4400">
                 <a:solidFill>
                   <a:srgbClr val="FFFFFF"/>
                 </a:solidFill>
-                <a:effectLst/>
-                <a:latin typeface="Bookman Old Style"/>
-                <a:ea typeface="Bookman Old Style"/>
-                <a:cs typeface="Bookman Old Style"/>
               </a:rPr>
-              <a:t>Canaux de distribution : grossistes</a:t>
+              <a:t>Canaux de distribution Grossistes</a:t>
             </a:r>
           </a:p>
         </p:txBody>
@@ -16134,145 +12402,34 @@
           <a:lstStyle/>
           <a:p>
             <a:r>
-              <a:rPr lang="fr-FR" sz="2400" b="0" i="0" strike="noStrike" cap="none" baseline="0">
-                <a:solidFill>
-                  <a:srgbClr val="404040"/>
-                </a:solidFill>
-                <a:effectLst/>
-                <a:latin typeface="Franklin Gothic Book"/>
-                <a:ea typeface="Franklin Gothic Book"/>
-                <a:cs typeface="Franklin Gothic Book"/>
-              </a:rPr>
+              <a:rPr lang="fr-FR" sz="2400"/>
               <a:t>Les grossistes achètent le thé chaï en vrac auprès de fabricants ou de distributeurs.</a:t>
             </a:r>
           </a:p>
           <a:p>
             <a:pPr lvl="1"/>
             <a:r>
-              <a:rPr lang="fr-FR" sz="2400" b="0" i="0" strike="noStrike" cap="none" baseline="0">
-                <a:solidFill>
-                  <a:srgbClr val="404040"/>
-                </a:solidFill>
-                <a:effectLst/>
-                <a:latin typeface="Franklin Gothic Book"/>
-                <a:ea typeface="Franklin Gothic Book"/>
-                <a:cs typeface="Franklin Gothic Book"/>
-              </a:rPr>
+              <a:rPr lang="fr-FR" sz="2400"/>
               <a:t>Ils le vendent ensuite à des détaillants ou à d’autres intermédiaires</a:t>
             </a:r>
           </a:p>
           <a:p>
             <a:r>
-              <a:rPr lang="fr-FR" sz="2400" b="0" i="0" strike="noStrike" cap="none" baseline="0">
-                <a:solidFill>
-                  <a:srgbClr val="404040"/>
-                </a:solidFill>
-                <a:effectLst/>
-                <a:latin typeface="Franklin Gothic Book"/>
-                <a:ea typeface="Franklin Gothic Book"/>
-                <a:cs typeface="Franklin Gothic Book"/>
-              </a:rPr>
+              <a:rPr lang="fr-FR" sz="2400"/>
               <a:t>Les grossistes font le lien entre l’offre et la demande de thé chaï</a:t>
             </a:r>
           </a:p>
           <a:p>
             <a:pPr lvl="1"/>
             <a:r>
-              <a:rPr lang="fr-FR" sz="2400" b="0" i="0" strike="noStrike" cap="none" baseline="0">
-                <a:solidFill>
-                  <a:srgbClr val="404040"/>
-                </a:solidFill>
-                <a:effectLst/>
-                <a:latin typeface="Franklin Gothic Book"/>
-                <a:ea typeface="Franklin Gothic Book"/>
-                <a:cs typeface="Franklin Gothic Book"/>
-              </a:rPr>
+              <a:rPr lang="fr-FR" sz="2400"/>
               <a:t>Ils offrent des économies d’échelle, de services de stockage et de transport.</a:t>
             </a:r>
           </a:p>
           <a:p>
             <a:r>
-              <a:rPr lang="fr-FR" sz="2400" b="0" i="0" strike="noStrike" cap="none" baseline="0">
-                <a:solidFill>
-                  <a:srgbClr val="404040"/>
-                </a:solidFill>
-                <a:effectLst/>
-                <a:latin typeface="Franklin Gothic Book"/>
-                <a:ea typeface="Franklin Gothic Book"/>
-                <a:cs typeface="Franklin Gothic Book"/>
-              </a:rPr>
+              <a:rPr lang="fr-FR" sz="2400"/>
               <a:t>Les grossistes fournissent des informations sur le marché, des données de retour et des facilités de crédit.</a:t>
-            </a:r>
-          </a:p>
-        </p:txBody>
-      </p:sp>
-      <p:sp>
-        <p:nvSpPr>
-          <p:cNvPr id="11" name="TextBox"/>
-          <p:cNvSpPr txBox="1">
-            <a:spLocks noGrp="1" noSelect="1" noRot="1" noMove="1"/>
-          </p:cNvSpPr>
-          <p:nvPr/>
-        </p:nvSpPr>
-        <p:spPr>
-          <a:xfrm>
-            <a:off x="2890520" y="2644140"/>
-            <a:ext cx="6411372" cy="1569660"/>
-          </a:xfrm>
-          <a:prstGeom prst="rect">
-            <a:avLst/>
-          </a:prstGeom>
-          <a:noFill/>
-        </p:spPr>
-        <p:txBody>
-          <a:bodyPr wrap="none" rtlCol="0" anchor="ctr" anchorCtr="1">
-            <a:spAutoFit/>
-          </a:bodyPr>
-          <a:lstStyle>
-            <a:lvl1pPr algn="l">
-              <a:lnSpc>
-                <a:spcPct val="150000"/>
-              </a:lnSpc>
-              <a:spcBef>
-                <a:spcPct val="0"/>
-              </a:spcBef>
-              <a:spcAft>
-                <a:spcPct val="0"/>
-              </a:spcAft>
-              <a:defRPr lang="en-US" sz="3200" b="1" noProof="1" dirty="0">
-                <a:solidFill>
-                  <a:prstClr val="red">
-                    <a:lumOff val="30000"/>
-                    <a:alpha val="40000"/>
-                  </a:prstClr>
-                </a:solidFill>
-                <a:effectLst>
-                  <a:outerShdw blurRad="50800" dist="38100" algn="tr" rotWithShape="0">
-                    <a:prstClr val="black">
-                      <a:alpha val="80000"/>
-                    </a:prstClr>
-                  </a:outerShdw>
-                </a:effectLst>
-                <a:latin typeface="Calibri" pitchFamily="34" charset="0"/>
-              </a:defRPr>
-            </a:lvl1pPr>
-          </a:lstStyle>
-          <a:p>
-            <a:pPr algn="ctr"/>
-            <a:r>
-              <a:t>Evaluation only.</a:t>
-            </a:r>
-          </a:p>
-          <a:p>
-            <a:pPr algn="ctr"/>
-            <a:r>
-              <a:t>Created with Aspose.Slides for Java 23.6.</a:t>
-            </a:r>
-          </a:p>
-          <a:p>
-            <a:pPr algn="ctr"/>
-            <a:r>
-              <a:t>Copyright 2004-2023 Aspose Pty Ltd.</a:t>
             </a:r>
           </a:p>
         </p:txBody>
@@ -16287,22 +12444,11 @@
   <p:clrMapOvr>
     <a:masterClrMapping/>
   </p:clrMapOvr>
-  <p:transition/>
-  <p:timing/>
 </p:sld>
 </file>
 
-<file path=ppt/tags/tag1.xml><?xml version="1.0" encoding="utf-8"?>
-<p:tagLst xmlns:p="http://schemas.openxmlformats.org/presentationml/2006/main">
-  <p:tag name="AS_OS" val="Microsoft Windows NT 10.0"/>
-  <p:tag name="AS_RELEASE_DATE" val="2023.06.30"/>
-  <p:tag name="AS_TITLE" val="Aspose.Slides for Java"/>
-  <p:tag name="AS_VERSION" val="23.6"/>
-</p:tagLst>
-</file>
-
 <file path=ppt/theme/theme1.xml><?xml version="1.0" encoding="utf-8"?>
-<a:theme xmlns:r="http://schemas.openxmlformats.org/officeDocument/2006/relationships" xmlns:a="http://schemas.openxmlformats.org/drawingml/2006/main" name="RetrospectVTI">
+<a:theme xmlns:a="http://schemas.openxmlformats.org/drawingml/2006/main" name="RetrospectVTI">
   <a:themeElements>
     <a:clrScheme name="Office">
       <a:dk1>
@@ -16344,9 +12490,9 @@
     </a:clrScheme>
     <a:fontScheme name="Retrospect">
       <a:majorFont>
-        <a:latin typeface="Bookman Old Style" panose="020f0302020204030204"/>
-        <a:ea typeface="Bookman Old Style" panose="020f0302020204030204"/>
-        <a:cs typeface="Arial"/>
+        <a:latin typeface="Bookman Old Style" panose="020F0302020204030204"/>
+        <a:ea typeface=""/>
+        <a:cs typeface=""/>
         <a:font script="Jpan" typeface="ＭＳ Ｐゴシック"/>
         <a:font script="Hang" typeface="맑은 고딕"/>
         <a:font script="Hans" typeface="宋体"/>
@@ -16379,9 +12525,9 @@
         <a:font script="Geor" typeface="Sylfaen"/>
       </a:majorFont>
       <a:minorFont>
-        <a:latin typeface="Franklin Gothic Book" panose="020f0502020204030204"/>
-        <a:ea typeface="Franklin Gothic Book" panose="020f0502020204030204"/>
-        <a:cs typeface="Arial"/>
+        <a:latin typeface="Franklin Gothic Book" panose="020F0502020204030204"/>
+        <a:ea typeface=""/>
+        <a:cs typeface=""/>
         <a:font script="Jpan" typeface="ＭＳ Ｐゴシック"/>
         <a:font script="Hang" typeface="맑은 고딕"/>
         <a:font script="Hans" typeface="宋体"/>
@@ -16575,6 +12721,7 @@
     </a:fmtScheme>
   </a:themeElements>
   <a:objectDefaults/>
+  <a:extraClrSchemeLst/>
   <a:extLst>
     <a:ext uri="{05A4C25C-085E-4340-85A3-A5531E510DB2}">
       <thm15:themeFamily xmlns:thm15="http://schemas.microsoft.com/office/thememl/2012/main" name="RetrospectVTI" id="{ABE3C30C-0FC0-4450-828E-52DE70F1BCCB}" vid="{A6E2497D-935A-4CFD-B9FD-6DCB15FA68BF}"/>
@@ -16584,7 +12731,7 @@
 </file>
 
 <file path=ppt/theme/theme2.xml><?xml version="1.0" encoding="utf-8"?>
-<a:theme xmlns:r="http://schemas.openxmlformats.org/officeDocument/2006/relationships" xmlns:a="http://schemas.openxmlformats.org/drawingml/2006/main" name="Office Theme">
+<a:theme xmlns:a="http://schemas.openxmlformats.org/drawingml/2006/main" name="Office Theme">
   <a:themeElements>
     <a:clrScheme name="Office">
       <a:dk1>
@@ -16627,8 +12774,8 @@
     <a:fontScheme name="Office">
       <a:majorFont>
         <a:latin typeface="Aptos Display" panose="02110004020202020204"/>
-        <a:ea typeface="Aptos Display" panose="02110004020202020204"/>
-        <a:cs typeface="Arial"/>
+        <a:ea typeface=""/>
+        <a:cs typeface=""/>
         <a:font script="Jpan" typeface="游ゴシック Light"/>
         <a:font script="Hang" typeface="맑은 고딕"/>
         <a:font script="Hans" typeface="等线 Light"/>
@@ -16679,8 +12826,8 @@
       </a:majorFont>
       <a:minorFont>
         <a:latin typeface="Aptos" panose="02110004020202020204"/>
-        <a:ea typeface="Aptos" panose="02110004020202020204"/>
-        <a:cs typeface="Arial"/>
+        <a:ea typeface=""/>
+        <a:cs typeface=""/>
         <a:font script="Jpan" typeface="游ゴシック"/>
         <a:font script="Hang" typeface="맑은 고딕"/>
         <a:font script="Hans" typeface="等线"/>
@@ -16889,6 +13036,7 @@
       </a:style>
     </a:lnDef>
   </a:objectDefaults>
+  <a:extraClrSchemeLst/>
   <a:extLst>
     <a:ext uri="{05A4C25C-085E-4340-85A3-A5531E510DB2}">
       <thm15:themeFamily xmlns:thm15="http://schemas.microsoft.com/office/thememl/2012/main" name="Office Theme" id="{2E142A2C-CD16-42D6-873A-C26D2A0506FA}" vid="{1BDDFF52-6CD6-40A5-AB3C-68EB2F1E4D0A}"/>
